--- a/mid term presentation.pptx
+++ b/mid term presentation.pptx
@@ -5,7 +5,7 @@
     <p:sldMasterId id="2147483673" r:id="rId1"/>
   </p:sldMasterIdLst>
   <p:notesMasterIdLst>
-    <p:notesMasterId r:id="rId25"/>
+    <p:notesMasterId r:id="rId26"/>
   </p:notesMasterIdLst>
   <p:sldIdLst>
     <p:sldId id="271" r:id="rId2"/>
@@ -26,11 +26,12 @@
     <p:sldId id="296" r:id="rId17"/>
     <p:sldId id="297" r:id="rId18"/>
     <p:sldId id="288" r:id="rId19"/>
-    <p:sldId id="292" r:id="rId20"/>
-    <p:sldId id="273" r:id="rId21"/>
-    <p:sldId id="291" r:id="rId22"/>
-    <p:sldId id="274" r:id="rId23"/>
-    <p:sldId id="279" r:id="rId24"/>
+    <p:sldId id="298" r:id="rId20"/>
+    <p:sldId id="292" r:id="rId21"/>
+    <p:sldId id="273" r:id="rId22"/>
+    <p:sldId id="291" r:id="rId23"/>
+    <p:sldId id="274" r:id="rId24"/>
+    <p:sldId id="279" r:id="rId25"/>
   </p:sldIdLst>
   <p:sldSz cx="12192000" cy="6858000"/>
   <p:notesSz cx="6858000" cy="9144000"/>
@@ -4435,6 +4436,13 @@
         </dgm:presLayoutVars>
       </dgm:prSet>
       <dgm:spPr/>
+      <dgm:t>
+        <a:bodyPr/>
+        <a:lstStyle/>
+        <a:p>
+          <a:endParaRPr lang="en-IN"/>
+        </a:p>
+      </dgm:t>
     </dgm:pt>
     <dgm:pt modelId="{4360558E-1B8F-42CD-9536-FA42452A5B9B}" type="pres">
       <dgm:prSet presAssocID="{F7CCF8BE-C5C6-480C-941F-BC51210439A6}" presName="parentLin" presStyleCnt="0"/>
@@ -4443,6 +4451,13 @@
     <dgm:pt modelId="{D2687CAC-8E36-4BAD-9805-FCA2FD3ECE51}" type="pres">
       <dgm:prSet presAssocID="{F7CCF8BE-C5C6-480C-941F-BC51210439A6}" presName="parentLeftMargin" presStyleLbl="node1" presStyleIdx="0" presStyleCnt="4"/>
       <dgm:spPr/>
+      <dgm:t>
+        <a:bodyPr/>
+        <a:lstStyle/>
+        <a:p>
+          <a:endParaRPr lang="en-IN"/>
+        </a:p>
+      </dgm:t>
     </dgm:pt>
     <dgm:pt modelId="{08B9ECD3-4292-44A0-A85B-B39FA3A13DC1}" type="pres">
       <dgm:prSet presAssocID="{F7CCF8BE-C5C6-480C-941F-BC51210439A6}" presName="parentText" presStyleLbl="node1" presStyleIdx="0" presStyleCnt="4">
@@ -4483,6 +4498,13 @@
     <dgm:pt modelId="{65A58C6A-D911-4915-AB4C-F5ACA426AFA6}" type="pres">
       <dgm:prSet presAssocID="{43D293A7-95E4-4AAE-8471-DB36821093D5}" presName="parentLeftMargin" presStyleLbl="node1" presStyleIdx="0" presStyleCnt="4"/>
       <dgm:spPr/>
+      <dgm:t>
+        <a:bodyPr/>
+        <a:lstStyle/>
+        <a:p>
+          <a:endParaRPr lang="en-IN"/>
+        </a:p>
+      </dgm:t>
     </dgm:pt>
     <dgm:pt modelId="{020BF3BE-0C0F-4990-A4AF-33945C7D902D}" type="pres">
       <dgm:prSet presAssocID="{43D293A7-95E4-4AAE-8471-DB36821093D5}" presName="parentText" presStyleLbl="node1" presStyleIdx="1" presStyleCnt="4">
@@ -4523,6 +4545,13 @@
     <dgm:pt modelId="{23C1F804-1563-4A5B-B323-A3092D211405}" type="pres">
       <dgm:prSet presAssocID="{97BD3130-5128-45D8-951A-0A2CAD70BEFC}" presName="parentLeftMargin" presStyleLbl="node1" presStyleIdx="1" presStyleCnt="4"/>
       <dgm:spPr/>
+      <dgm:t>
+        <a:bodyPr/>
+        <a:lstStyle/>
+        <a:p>
+          <a:endParaRPr lang="en-IN"/>
+        </a:p>
+      </dgm:t>
     </dgm:pt>
     <dgm:pt modelId="{31119444-DBF7-4401-9EE7-9AC62541184F}" type="pres">
       <dgm:prSet presAssocID="{97BD3130-5128-45D8-951A-0A2CAD70BEFC}" presName="parentText" presStyleLbl="node1" presStyleIdx="2" presStyleCnt="4">
@@ -4563,6 +4592,13 @@
     <dgm:pt modelId="{6F927957-66E8-4AC3-A377-8139F1EF6196}" type="pres">
       <dgm:prSet presAssocID="{BCBCE5F7-11BF-4CB5-B998-82283E498044}" presName="parentLeftMargin" presStyleLbl="node1" presStyleIdx="2" presStyleCnt="4"/>
       <dgm:spPr/>
+      <dgm:t>
+        <a:bodyPr/>
+        <a:lstStyle/>
+        <a:p>
+          <a:endParaRPr lang="en-IN"/>
+        </a:p>
+      </dgm:t>
     </dgm:pt>
     <dgm:pt modelId="{4CA68685-41EA-423D-8D51-7D146AA6D434}" type="pres">
       <dgm:prSet presAssocID="{BCBCE5F7-11BF-4CB5-B998-82283E498044}" presName="parentText" presStyleLbl="node1" presStyleIdx="3" presStyleCnt="4">
@@ -4597,13 +4633,13 @@
     <dgm:cxn modelId="{A58CDE8A-6FA1-462D-9F50-E3A315634B7C}" type="presOf" srcId="{19FFB2C3-AE84-4B29-8D88-9BF437BA173E}" destId="{48A2258D-150D-4459-ACA6-18E0E13E41B6}" srcOrd="0" destOrd="0" presId="urn:microsoft.com/office/officeart/2005/8/layout/list1"/>
     <dgm:cxn modelId="{104AD764-C7D4-4332-9CDB-9BA15D392158}" type="presOf" srcId="{97BD3130-5128-45D8-951A-0A2CAD70BEFC}" destId="{23C1F804-1563-4A5B-B323-A3092D211405}" srcOrd="0" destOrd="0" presId="urn:microsoft.com/office/officeart/2005/8/layout/list1"/>
     <dgm:cxn modelId="{8698ADDD-5230-45BF-9FE5-732D53D84CD1}" type="presOf" srcId="{BCBCE5F7-11BF-4CB5-B998-82283E498044}" destId="{6F927957-66E8-4AC3-A377-8139F1EF6196}" srcOrd="0" destOrd="0" presId="urn:microsoft.com/office/officeart/2005/8/layout/list1"/>
-    <dgm:cxn modelId="{332827FE-B3DC-4214-BD86-D8719A2547A0}" type="presOf" srcId="{43D293A7-95E4-4AAE-8471-DB36821093D5}" destId="{65A58C6A-D911-4915-AB4C-F5ACA426AFA6}" srcOrd="0" destOrd="0" presId="urn:microsoft.com/office/officeart/2005/8/layout/list1"/>
     <dgm:cxn modelId="{0BEE0264-4FE3-4295-B806-5A2AD31D0BCE}" type="presOf" srcId="{97BD3130-5128-45D8-951A-0A2CAD70BEFC}" destId="{31119444-DBF7-4401-9EE7-9AC62541184F}" srcOrd="1" destOrd="0" presId="urn:microsoft.com/office/officeart/2005/8/layout/list1"/>
     <dgm:cxn modelId="{984E6023-430A-4332-8E4B-A21D01869BC7}" srcId="{19FFB2C3-AE84-4B29-8D88-9BF437BA173E}" destId="{BCBCE5F7-11BF-4CB5-B998-82283E498044}" srcOrd="3" destOrd="0" parTransId="{1DEE8EA6-F707-4BB2-80FE-6A83A88DD0F9}" sibTransId="{49B62931-E3F3-4DB4-B80C-9F7929A57687}"/>
+    <dgm:cxn modelId="{332827FE-B3DC-4214-BD86-D8719A2547A0}" type="presOf" srcId="{43D293A7-95E4-4AAE-8471-DB36821093D5}" destId="{65A58C6A-D911-4915-AB4C-F5ACA426AFA6}" srcOrd="0" destOrd="0" presId="urn:microsoft.com/office/officeart/2005/8/layout/list1"/>
     <dgm:cxn modelId="{C22FE31B-9AAD-4A53-BB20-218920BD99B6}" type="presOf" srcId="{F7CCF8BE-C5C6-480C-941F-BC51210439A6}" destId="{08B9ECD3-4292-44A0-A85B-B39FA3A13DC1}" srcOrd="1" destOrd="0" presId="urn:microsoft.com/office/officeart/2005/8/layout/list1"/>
     <dgm:cxn modelId="{A0094D51-9B65-4C61-B9EF-3C7D69E37BB8}" srcId="{19FFB2C3-AE84-4B29-8D88-9BF437BA173E}" destId="{97BD3130-5128-45D8-951A-0A2CAD70BEFC}" srcOrd="2" destOrd="0" parTransId="{3985D8B1-B994-4692-B383-6B09D8790FC2}" sibTransId="{C729E4A4-7C6E-4E8B-B3F1-9203A37BE6A5}"/>
+    <dgm:cxn modelId="{480DDA25-F6B1-4607-92B7-3B4D2DC1EAB3}" type="presOf" srcId="{F7CCF8BE-C5C6-480C-941F-BC51210439A6}" destId="{D2687CAC-8E36-4BAD-9805-FCA2FD3ECE51}" srcOrd="0" destOrd="0" presId="urn:microsoft.com/office/officeart/2005/8/layout/list1"/>
     <dgm:cxn modelId="{0AD31D5B-AB16-4844-A096-A8E9620C0148}" srcId="{19FFB2C3-AE84-4B29-8D88-9BF437BA173E}" destId="{43D293A7-95E4-4AAE-8471-DB36821093D5}" srcOrd="1" destOrd="0" parTransId="{24D43FB9-1638-4AD8-8CBF-C918EAC8E231}" sibTransId="{4DA495AF-39E3-41D4-ACA7-2C5B284836E9}"/>
-    <dgm:cxn modelId="{480DDA25-F6B1-4607-92B7-3B4D2DC1EAB3}" type="presOf" srcId="{F7CCF8BE-C5C6-480C-941F-BC51210439A6}" destId="{D2687CAC-8E36-4BAD-9805-FCA2FD3ECE51}" srcOrd="0" destOrd="0" presId="urn:microsoft.com/office/officeart/2005/8/layout/list1"/>
     <dgm:cxn modelId="{33C3694C-E1F5-45AA-A8CA-A94E5D7B26D2}" type="presOf" srcId="{BCBCE5F7-11BF-4CB5-B998-82283E498044}" destId="{4CA68685-41EA-423D-8D51-7D146AA6D434}" srcOrd="1" destOrd="0" presId="urn:microsoft.com/office/officeart/2005/8/layout/list1"/>
     <dgm:cxn modelId="{B26D6D46-E2C8-41AA-BA24-343A63FD9CD5}" srcId="{19FFB2C3-AE84-4B29-8D88-9BF437BA173E}" destId="{F7CCF8BE-C5C6-480C-941F-BC51210439A6}" srcOrd="0" destOrd="0" parTransId="{EE8AC459-4E2C-493D-AE06-E37065324B2C}" sibTransId="{DCA37244-2F31-4AA1-AD01-989F02B6FC2B}"/>
     <dgm:cxn modelId="{C99603E1-B0C9-409F-86B8-117975EC5D48}" type="presOf" srcId="{43D293A7-95E4-4AAE-8471-DB36821093D5}" destId="{020BF3BE-0C0F-4990-A4AF-33945C7D902D}" srcOrd="1" destOrd="0" presId="urn:microsoft.com/office/officeart/2005/8/layout/list1"/>
@@ -5298,506 +5334,6 @@
       <dsp:cNvGrpSpPr/>
     </dsp:nvGrpSpPr>
     <dsp:grpSpPr/>
-    <dsp:sp modelId="{24653161-CF7B-4828-9373-2E24672E7D0F}">
-      <dsp:nvSpPr>
-        <dsp:cNvPr id="0" name=""/>
-        <dsp:cNvSpPr/>
-      </dsp:nvSpPr>
-      <dsp:spPr>
-        <a:xfrm>
-          <a:off x="0" y="692682"/>
-          <a:ext cx="10058399" cy="453600"/>
-        </a:xfrm>
-        <a:prstGeom prst="rect">
-          <a:avLst/>
-        </a:prstGeom>
-        <a:solidFill>
-          <a:schemeClr val="lt1">
-            <a:alpha val="90000"/>
-            <a:hueOff val="0"/>
-            <a:satOff val="0"/>
-            <a:lumOff val="0"/>
-            <a:alphaOff val="0"/>
-          </a:schemeClr>
-        </a:solidFill>
-        <a:ln w="15875" cap="flat" cmpd="sng" algn="ctr">
-          <a:solidFill>
-            <a:schemeClr val="accent1">
-              <a:hueOff val="0"/>
-              <a:satOff val="0"/>
-              <a:lumOff val="0"/>
-              <a:alphaOff val="0"/>
-            </a:schemeClr>
-          </a:solidFill>
-          <a:prstDash val="solid"/>
-        </a:ln>
-        <a:effectLst/>
-      </dsp:spPr>
-      <dsp:style>
-        <a:lnRef idx="2">
-          <a:scrgbClr r="0" g="0" b="0"/>
-        </a:lnRef>
-        <a:fillRef idx="1">
-          <a:scrgbClr r="0" g="0" b="0"/>
-        </a:fillRef>
-        <a:effectRef idx="0">
-          <a:scrgbClr r="0" g="0" b="0"/>
-        </a:effectRef>
-        <a:fontRef idx="minor"/>
-      </dsp:style>
-    </dsp:sp>
-    <dsp:sp modelId="{08B9ECD3-4292-44A0-A85B-B39FA3A13DC1}">
-      <dsp:nvSpPr>
-        <dsp:cNvPr id="0" name=""/>
-        <dsp:cNvSpPr/>
-      </dsp:nvSpPr>
-      <dsp:spPr>
-        <a:xfrm>
-          <a:off x="502920" y="427002"/>
-          <a:ext cx="7040880" cy="531360"/>
-        </a:xfrm>
-        <a:prstGeom prst="roundRect">
-          <a:avLst/>
-        </a:prstGeom>
-        <a:solidFill>
-          <a:schemeClr val="accent1">
-            <a:hueOff val="0"/>
-            <a:satOff val="0"/>
-            <a:lumOff val="0"/>
-            <a:alphaOff val="0"/>
-          </a:schemeClr>
-        </a:solidFill>
-        <a:ln w="15875" cap="flat" cmpd="sng" algn="ctr">
-          <a:solidFill>
-            <a:schemeClr val="lt1">
-              <a:hueOff val="0"/>
-              <a:satOff val="0"/>
-              <a:lumOff val="0"/>
-              <a:alphaOff val="0"/>
-            </a:schemeClr>
-          </a:solidFill>
-          <a:prstDash val="solid"/>
-        </a:ln>
-        <a:effectLst/>
-      </dsp:spPr>
-      <dsp:style>
-        <a:lnRef idx="2">
-          <a:scrgbClr r="0" g="0" b="0"/>
-        </a:lnRef>
-        <a:fillRef idx="1">
-          <a:scrgbClr r="0" g="0" b="0"/>
-        </a:fillRef>
-        <a:effectRef idx="0">
-          <a:scrgbClr r="0" g="0" b="0"/>
-        </a:effectRef>
-        <a:fontRef idx="minor">
-          <a:schemeClr val="lt1"/>
-        </a:fontRef>
-      </dsp:style>
-      <dsp:txBody>
-        <a:bodyPr spcFirstLastPara="0" vert="horz" wrap="square" lIns="266129" tIns="0" rIns="266129" bIns="0" numCol="1" spcCol="1270" anchor="ctr" anchorCtr="0">
-          <a:noAutofit/>
-        </a:bodyPr>
-        <a:lstStyle/>
-        <a:p>
-          <a:pPr lvl="0" algn="l" defTabSz="800100">
-            <a:lnSpc>
-              <a:spcPct val="90000"/>
-            </a:lnSpc>
-            <a:spcBef>
-              <a:spcPct val="0"/>
-            </a:spcBef>
-            <a:spcAft>
-              <a:spcPct val="35000"/>
-            </a:spcAft>
-          </a:pPr>
-          <a:r>
-            <a:rPr lang="en-IN" sz="1800" kern="1200" dirty="0" smtClean="0"/>
-            <a:t>HW test passed</a:t>
-          </a:r>
-          <a:endParaRPr lang="en-IN" sz="1800" kern="1200" dirty="0"/>
-        </a:p>
-      </dsp:txBody>
-      <dsp:txXfrm>
-        <a:off x="528859" y="452941"/>
-        <a:ext cx="6989002" cy="479482"/>
-      </dsp:txXfrm>
-    </dsp:sp>
-    <dsp:sp modelId="{03F82894-C00F-4296-A79D-2DDEDDD789A0}">
-      <dsp:nvSpPr>
-        <dsp:cNvPr id="0" name=""/>
-        <dsp:cNvSpPr/>
-      </dsp:nvSpPr>
-      <dsp:spPr>
-        <a:xfrm>
-          <a:off x="0" y="1509162"/>
-          <a:ext cx="10058399" cy="453600"/>
-        </a:xfrm>
-        <a:prstGeom prst="rect">
-          <a:avLst/>
-        </a:prstGeom>
-        <a:solidFill>
-          <a:schemeClr val="lt1">
-            <a:alpha val="90000"/>
-            <a:hueOff val="0"/>
-            <a:satOff val="0"/>
-            <a:lumOff val="0"/>
-            <a:alphaOff val="0"/>
-          </a:schemeClr>
-        </a:solidFill>
-        <a:ln w="15875" cap="flat" cmpd="sng" algn="ctr">
-          <a:solidFill>
-            <a:schemeClr val="accent1">
-              <a:hueOff val="0"/>
-              <a:satOff val="0"/>
-              <a:lumOff val="0"/>
-              <a:alphaOff val="0"/>
-            </a:schemeClr>
-          </a:solidFill>
-          <a:prstDash val="solid"/>
-        </a:ln>
-        <a:effectLst/>
-      </dsp:spPr>
-      <dsp:style>
-        <a:lnRef idx="2">
-          <a:scrgbClr r="0" g="0" b="0"/>
-        </a:lnRef>
-        <a:fillRef idx="1">
-          <a:scrgbClr r="0" g="0" b="0"/>
-        </a:fillRef>
-        <a:effectRef idx="0">
-          <a:scrgbClr r="0" g="0" b="0"/>
-        </a:effectRef>
-        <a:fontRef idx="minor"/>
-      </dsp:style>
-    </dsp:sp>
-    <dsp:sp modelId="{020BF3BE-0C0F-4990-A4AF-33945C7D902D}">
-      <dsp:nvSpPr>
-        <dsp:cNvPr id="0" name=""/>
-        <dsp:cNvSpPr/>
-      </dsp:nvSpPr>
-      <dsp:spPr>
-        <a:xfrm>
-          <a:off x="502920" y="1243482"/>
-          <a:ext cx="7040880" cy="531360"/>
-        </a:xfrm>
-        <a:prstGeom prst="roundRect">
-          <a:avLst/>
-        </a:prstGeom>
-        <a:solidFill>
-          <a:schemeClr val="accent1">
-            <a:hueOff val="0"/>
-            <a:satOff val="0"/>
-            <a:lumOff val="0"/>
-            <a:alphaOff val="0"/>
-          </a:schemeClr>
-        </a:solidFill>
-        <a:ln w="15875" cap="flat" cmpd="sng" algn="ctr">
-          <a:solidFill>
-            <a:schemeClr val="lt1">
-              <a:hueOff val="0"/>
-              <a:satOff val="0"/>
-              <a:lumOff val="0"/>
-              <a:alphaOff val="0"/>
-            </a:schemeClr>
-          </a:solidFill>
-          <a:prstDash val="solid"/>
-        </a:ln>
-        <a:effectLst/>
-      </dsp:spPr>
-      <dsp:style>
-        <a:lnRef idx="2">
-          <a:scrgbClr r="0" g="0" b="0"/>
-        </a:lnRef>
-        <a:fillRef idx="1">
-          <a:scrgbClr r="0" g="0" b="0"/>
-        </a:fillRef>
-        <a:effectRef idx="0">
-          <a:scrgbClr r="0" g="0" b="0"/>
-        </a:effectRef>
-        <a:fontRef idx="minor">
-          <a:schemeClr val="lt1"/>
-        </a:fontRef>
-      </dsp:style>
-      <dsp:txBody>
-        <a:bodyPr spcFirstLastPara="0" vert="horz" wrap="square" lIns="266129" tIns="0" rIns="266129" bIns="0" numCol="1" spcCol="1270" anchor="ctr" anchorCtr="0">
-          <a:noAutofit/>
-        </a:bodyPr>
-        <a:lstStyle/>
-        <a:p>
-          <a:pPr lvl="0" algn="l" defTabSz="800100">
-            <a:lnSpc>
-              <a:spcPct val="90000"/>
-            </a:lnSpc>
-            <a:spcBef>
-              <a:spcPct val="0"/>
-            </a:spcBef>
-            <a:spcAft>
-              <a:spcPct val="35000"/>
-            </a:spcAft>
-          </a:pPr>
-          <a:r>
-            <a:rPr lang="en-IN" sz="1800" kern="1200" dirty="0" smtClean="0"/>
-            <a:t>DIC 4 works best when components are well separated </a:t>
-          </a:r>
-          <a:endParaRPr lang="en-IN" sz="1800" kern="1200" dirty="0"/>
-        </a:p>
-      </dsp:txBody>
-      <dsp:txXfrm>
-        <a:off x="528859" y="1269421"/>
-        <a:ext cx="6989002" cy="479482"/>
-      </dsp:txXfrm>
-    </dsp:sp>
-    <dsp:sp modelId="{56C4644B-55C4-4738-962D-8486393AD584}">
-      <dsp:nvSpPr>
-        <dsp:cNvPr id="0" name=""/>
-        <dsp:cNvSpPr/>
-      </dsp:nvSpPr>
-      <dsp:spPr>
-        <a:xfrm>
-          <a:off x="0" y="2325642"/>
-          <a:ext cx="10058399" cy="453600"/>
-        </a:xfrm>
-        <a:prstGeom prst="rect">
-          <a:avLst/>
-        </a:prstGeom>
-        <a:solidFill>
-          <a:schemeClr val="lt1">
-            <a:alpha val="90000"/>
-            <a:hueOff val="0"/>
-            <a:satOff val="0"/>
-            <a:lumOff val="0"/>
-            <a:alphaOff val="0"/>
-          </a:schemeClr>
-        </a:solidFill>
-        <a:ln w="15875" cap="flat" cmpd="sng" algn="ctr">
-          <a:solidFill>
-            <a:schemeClr val="accent1">
-              <a:hueOff val="0"/>
-              <a:satOff val="0"/>
-              <a:lumOff val="0"/>
-              <a:alphaOff val="0"/>
-            </a:schemeClr>
-          </a:solidFill>
-          <a:prstDash val="solid"/>
-        </a:ln>
-        <a:effectLst/>
-      </dsp:spPr>
-      <dsp:style>
-        <a:lnRef idx="2">
-          <a:scrgbClr r="0" g="0" b="0"/>
-        </a:lnRef>
-        <a:fillRef idx="1">
-          <a:scrgbClr r="0" g="0" b="0"/>
-        </a:fillRef>
-        <a:effectRef idx="0">
-          <a:scrgbClr r="0" g="0" b="0"/>
-        </a:effectRef>
-        <a:fontRef idx="minor"/>
-      </dsp:style>
-    </dsp:sp>
-    <dsp:sp modelId="{31119444-DBF7-4401-9EE7-9AC62541184F}">
-      <dsp:nvSpPr>
-        <dsp:cNvPr id="0" name=""/>
-        <dsp:cNvSpPr/>
-      </dsp:nvSpPr>
-      <dsp:spPr>
-        <a:xfrm>
-          <a:off x="502920" y="2059962"/>
-          <a:ext cx="7040880" cy="531360"/>
-        </a:xfrm>
-        <a:prstGeom prst="roundRect">
-          <a:avLst/>
-        </a:prstGeom>
-        <a:solidFill>
-          <a:schemeClr val="accent1">
-            <a:hueOff val="0"/>
-            <a:satOff val="0"/>
-            <a:lumOff val="0"/>
-            <a:alphaOff val="0"/>
-          </a:schemeClr>
-        </a:solidFill>
-        <a:ln w="15875" cap="flat" cmpd="sng" algn="ctr">
-          <a:solidFill>
-            <a:schemeClr val="lt1">
-              <a:hueOff val="0"/>
-              <a:satOff val="0"/>
-              <a:lumOff val="0"/>
-              <a:alphaOff val="0"/>
-            </a:schemeClr>
-          </a:solidFill>
-          <a:prstDash val="solid"/>
-        </a:ln>
-        <a:effectLst/>
-      </dsp:spPr>
-      <dsp:style>
-        <a:lnRef idx="2">
-          <a:scrgbClr r="0" g="0" b="0"/>
-        </a:lnRef>
-        <a:fillRef idx="1">
-          <a:scrgbClr r="0" g="0" b="0"/>
-        </a:fillRef>
-        <a:effectRef idx="0">
-          <a:scrgbClr r="0" g="0" b="0"/>
-        </a:effectRef>
-        <a:fontRef idx="minor">
-          <a:schemeClr val="lt1"/>
-        </a:fontRef>
-      </dsp:style>
-      <dsp:txBody>
-        <a:bodyPr spcFirstLastPara="0" vert="horz" wrap="square" lIns="266129" tIns="0" rIns="266129" bIns="0" numCol="1" spcCol="1270" anchor="ctr" anchorCtr="0">
-          <a:noAutofit/>
-        </a:bodyPr>
-        <a:lstStyle/>
-        <a:p>
-          <a:pPr lvl="0" algn="l" defTabSz="800100">
-            <a:lnSpc>
-              <a:spcPct val="90000"/>
-            </a:lnSpc>
-            <a:spcBef>
-              <a:spcPct val="0"/>
-            </a:spcBef>
-            <a:spcAft>
-              <a:spcPct val="35000"/>
-            </a:spcAft>
-          </a:pPr>
-          <a:r>
-            <a:rPr lang="en-IN" sz="1800" kern="1200" dirty="0" err="1" smtClean="0"/>
-            <a:t>pD</a:t>
-          </a:r>
-          <a:r>
-            <a:rPr lang="en-IN" sz="1800" kern="1200" dirty="0" smtClean="0"/>
-            <a:t> in DIC1 gives an indication when components are well separated?</a:t>
-          </a:r>
-          <a:endParaRPr lang="en-IN" sz="1800" kern="1200" dirty="0"/>
-        </a:p>
-      </dsp:txBody>
-      <dsp:txXfrm>
-        <a:off x="528859" y="2085901"/>
-        <a:ext cx="6989002" cy="479482"/>
-      </dsp:txXfrm>
-    </dsp:sp>
-    <dsp:sp modelId="{76CE9F42-B308-4DB4-A3D1-BB9B1BB970E6}">
-      <dsp:nvSpPr>
-        <dsp:cNvPr id="0" name=""/>
-        <dsp:cNvSpPr/>
-      </dsp:nvSpPr>
-      <dsp:spPr>
-        <a:xfrm>
-          <a:off x="0" y="3142122"/>
-          <a:ext cx="10058399" cy="453600"/>
-        </a:xfrm>
-        <a:prstGeom prst="rect">
-          <a:avLst/>
-        </a:prstGeom>
-        <a:solidFill>
-          <a:schemeClr val="lt1">
-            <a:alpha val="90000"/>
-            <a:hueOff val="0"/>
-            <a:satOff val="0"/>
-            <a:lumOff val="0"/>
-            <a:alphaOff val="0"/>
-          </a:schemeClr>
-        </a:solidFill>
-        <a:ln w="15875" cap="flat" cmpd="sng" algn="ctr">
-          <a:solidFill>
-            <a:schemeClr val="accent1">
-              <a:hueOff val="0"/>
-              <a:satOff val="0"/>
-              <a:lumOff val="0"/>
-              <a:alphaOff val="0"/>
-            </a:schemeClr>
-          </a:solidFill>
-          <a:prstDash val="solid"/>
-        </a:ln>
-        <a:effectLst/>
-      </dsp:spPr>
-      <dsp:style>
-        <a:lnRef idx="2">
-          <a:scrgbClr r="0" g="0" b="0"/>
-        </a:lnRef>
-        <a:fillRef idx="1">
-          <a:scrgbClr r="0" g="0" b="0"/>
-        </a:fillRef>
-        <a:effectRef idx="0">
-          <a:scrgbClr r="0" g="0" b="0"/>
-        </a:effectRef>
-        <a:fontRef idx="minor"/>
-      </dsp:style>
-    </dsp:sp>
-    <dsp:sp modelId="{4CA68685-41EA-423D-8D51-7D146AA6D434}">
-      <dsp:nvSpPr>
-        <dsp:cNvPr id="0" name=""/>
-        <dsp:cNvSpPr/>
-      </dsp:nvSpPr>
-      <dsp:spPr>
-        <a:xfrm>
-          <a:off x="502920" y="2876442"/>
-          <a:ext cx="7040880" cy="531360"/>
-        </a:xfrm>
-        <a:prstGeom prst="roundRect">
-          <a:avLst/>
-        </a:prstGeom>
-        <a:solidFill>
-          <a:schemeClr val="accent1">
-            <a:hueOff val="0"/>
-            <a:satOff val="0"/>
-            <a:lumOff val="0"/>
-            <a:alphaOff val="0"/>
-          </a:schemeClr>
-        </a:solidFill>
-        <a:ln w="15875" cap="flat" cmpd="sng" algn="ctr">
-          <a:solidFill>
-            <a:schemeClr val="lt1">
-              <a:hueOff val="0"/>
-              <a:satOff val="0"/>
-              <a:lumOff val="0"/>
-              <a:alphaOff val="0"/>
-            </a:schemeClr>
-          </a:solidFill>
-          <a:prstDash val="solid"/>
-        </a:ln>
-        <a:effectLst/>
-      </dsp:spPr>
-      <dsp:style>
-        <a:lnRef idx="2">
-          <a:scrgbClr r="0" g="0" b="0"/>
-        </a:lnRef>
-        <a:fillRef idx="1">
-          <a:scrgbClr r="0" g="0" b="0"/>
-        </a:fillRef>
-        <a:effectRef idx="0">
-          <a:scrgbClr r="0" g="0" b="0"/>
-        </a:effectRef>
-        <a:fontRef idx="minor">
-          <a:schemeClr val="lt1"/>
-        </a:fontRef>
-      </dsp:style>
-      <dsp:txBody>
-        <a:bodyPr spcFirstLastPara="0" vert="horz" wrap="square" lIns="266129" tIns="0" rIns="266129" bIns="0" numCol="1" spcCol="1270" anchor="ctr" anchorCtr="0">
-          <a:noAutofit/>
-        </a:bodyPr>
-        <a:lstStyle/>
-        <a:p>
-          <a:pPr lvl="0" algn="l" defTabSz="800100">
-            <a:lnSpc>
-              <a:spcPct val="90000"/>
-            </a:lnSpc>
-            <a:spcBef>
-              <a:spcPct val="0"/>
-            </a:spcBef>
-            <a:spcAft>
-              <a:spcPct val="35000"/>
-            </a:spcAft>
-          </a:pPr>
-          <a:endParaRPr lang="en-IN" sz="1800" kern="1200" dirty="0"/>
-        </a:p>
-      </dsp:txBody>
-      <dsp:txXfrm>
-        <a:off x="528859" y="2902381"/>
-        <a:ext cx="6989002" cy="479482"/>
-      </dsp:txXfrm>
-    </dsp:sp>
   </dsp:spTree>
 </dsp:drawing>
 </file>
@@ -5810,256 +5346,6 @@
       <dsp:cNvGrpSpPr/>
     </dsp:nvGrpSpPr>
     <dsp:grpSpPr/>
-    <dsp:sp modelId="{19EBEFF9-C7F7-41DA-8673-5438FF827474}">
-      <dsp:nvSpPr>
-        <dsp:cNvPr id="0" name=""/>
-        <dsp:cNvSpPr/>
-      </dsp:nvSpPr>
-      <dsp:spPr>
-        <a:xfrm>
-          <a:off x="0" y="1006962"/>
-          <a:ext cx="10058399" cy="907200"/>
-        </a:xfrm>
-        <a:prstGeom prst="rect">
-          <a:avLst/>
-        </a:prstGeom>
-        <a:solidFill>
-          <a:schemeClr val="lt1">
-            <a:alpha val="90000"/>
-            <a:hueOff val="0"/>
-            <a:satOff val="0"/>
-            <a:lumOff val="0"/>
-            <a:alphaOff val="0"/>
-          </a:schemeClr>
-        </a:solidFill>
-        <a:ln w="15875" cap="flat" cmpd="sng" algn="ctr">
-          <a:solidFill>
-            <a:schemeClr val="accent1">
-              <a:hueOff val="0"/>
-              <a:satOff val="0"/>
-              <a:lumOff val="0"/>
-              <a:alphaOff val="0"/>
-            </a:schemeClr>
-          </a:solidFill>
-          <a:prstDash val="solid"/>
-        </a:ln>
-        <a:effectLst/>
-      </dsp:spPr>
-      <dsp:style>
-        <a:lnRef idx="2">
-          <a:scrgbClr r="0" g="0" b="0"/>
-        </a:lnRef>
-        <a:fillRef idx="1">
-          <a:scrgbClr r="0" g="0" b="0"/>
-        </a:fillRef>
-        <a:effectRef idx="0">
-          <a:scrgbClr r="0" g="0" b="0"/>
-        </a:effectRef>
-        <a:fontRef idx="minor"/>
-      </dsp:style>
-    </dsp:sp>
-    <dsp:sp modelId="{CCAC4913-284D-4267-B389-14932CC72AD9}">
-      <dsp:nvSpPr>
-        <dsp:cNvPr id="0" name=""/>
-        <dsp:cNvSpPr/>
-      </dsp:nvSpPr>
-      <dsp:spPr>
-        <a:xfrm>
-          <a:off x="502920" y="475602"/>
-          <a:ext cx="7040880" cy="1062720"/>
-        </a:xfrm>
-        <a:prstGeom prst="roundRect">
-          <a:avLst/>
-        </a:prstGeom>
-        <a:solidFill>
-          <a:schemeClr val="accent1">
-            <a:hueOff val="0"/>
-            <a:satOff val="0"/>
-            <a:lumOff val="0"/>
-            <a:alphaOff val="0"/>
-          </a:schemeClr>
-        </a:solidFill>
-        <a:ln w="15875" cap="flat" cmpd="sng" algn="ctr">
-          <a:solidFill>
-            <a:schemeClr val="lt1">
-              <a:hueOff val="0"/>
-              <a:satOff val="0"/>
-              <a:lumOff val="0"/>
-              <a:alphaOff val="0"/>
-            </a:schemeClr>
-          </a:solidFill>
-          <a:prstDash val="solid"/>
-        </a:ln>
-        <a:effectLst/>
-      </dsp:spPr>
-      <dsp:style>
-        <a:lnRef idx="2">
-          <a:scrgbClr r="0" g="0" b="0"/>
-        </a:lnRef>
-        <a:fillRef idx="1">
-          <a:scrgbClr r="0" g="0" b="0"/>
-        </a:fillRef>
-        <a:effectRef idx="0">
-          <a:scrgbClr r="0" g="0" b="0"/>
-        </a:effectRef>
-        <a:fontRef idx="minor">
-          <a:schemeClr val="lt1"/>
-        </a:fontRef>
-      </dsp:style>
-      <dsp:txBody>
-        <a:bodyPr spcFirstLastPara="0" vert="horz" wrap="square" lIns="266129" tIns="0" rIns="266129" bIns="0" numCol="1" spcCol="1270" anchor="ctr" anchorCtr="0">
-          <a:noAutofit/>
-        </a:bodyPr>
-        <a:lstStyle/>
-        <a:p>
-          <a:pPr lvl="0" algn="l" defTabSz="1600200">
-            <a:lnSpc>
-              <a:spcPct val="90000"/>
-            </a:lnSpc>
-            <a:spcBef>
-              <a:spcPct val="0"/>
-            </a:spcBef>
-            <a:spcAft>
-              <a:spcPct val="35000"/>
-            </a:spcAft>
-          </a:pPr>
-          <a:r>
-            <a:rPr lang="en-IN" sz="3600" kern="1200" dirty="0" smtClean="0"/>
-            <a:t>JAGS (just another Gibbs sampler)</a:t>
-          </a:r>
-          <a:endParaRPr lang="en-IN" sz="3600" kern="1200" dirty="0"/>
-        </a:p>
-      </dsp:txBody>
-      <dsp:txXfrm>
-        <a:off x="554798" y="527480"/>
-        <a:ext cx="6937124" cy="958964"/>
-      </dsp:txXfrm>
-    </dsp:sp>
-    <dsp:sp modelId="{27A2DFA7-F80A-4DF7-AECA-C814F2629745}">
-      <dsp:nvSpPr>
-        <dsp:cNvPr id="0" name=""/>
-        <dsp:cNvSpPr/>
-      </dsp:nvSpPr>
-      <dsp:spPr>
-        <a:xfrm>
-          <a:off x="0" y="2639922"/>
-          <a:ext cx="10058399" cy="907200"/>
-        </a:xfrm>
-        <a:prstGeom prst="rect">
-          <a:avLst/>
-        </a:prstGeom>
-        <a:solidFill>
-          <a:schemeClr val="lt1">
-            <a:alpha val="90000"/>
-            <a:hueOff val="0"/>
-            <a:satOff val="0"/>
-            <a:lumOff val="0"/>
-            <a:alphaOff val="0"/>
-          </a:schemeClr>
-        </a:solidFill>
-        <a:ln w="15875" cap="flat" cmpd="sng" algn="ctr">
-          <a:solidFill>
-            <a:schemeClr val="accent1">
-              <a:hueOff val="0"/>
-              <a:satOff val="0"/>
-              <a:lumOff val="0"/>
-              <a:alphaOff val="0"/>
-            </a:schemeClr>
-          </a:solidFill>
-          <a:prstDash val="solid"/>
-        </a:ln>
-        <a:effectLst/>
-      </dsp:spPr>
-      <dsp:style>
-        <a:lnRef idx="2">
-          <a:scrgbClr r="0" g="0" b="0"/>
-        </a:lnRef>
-        <a:fillRef idx="1">
-          <a:scrgbClr r="0" g="0" b="0"/>
-        </a:fillRef>
-        <a:effectRef idx="0">
-          <a:scrgbClr r="0" g="0" b="0"/>
-        </a:effectRef>
-        <a:fontRef idx="minor"/>
-      </dsp:style>
-    </dsp:sp>
-    <dsp:sp modelId="{68517EE7-70BC-4FB6-A672-29E09D032A47}">
-      <dsp:nvSpPr>
-        <dsp:cNvPr id="0" name=""/>
-        <dsp:cNvSpPr/>
-      </dsp:nvSpPr>
-      <dsp:spPr>
-        <a:xfrm>
-          <a:off x="502920" y="2108562"/>
-          <a:ext cx="7040880" cy="1062720"/>
-        </a:xfrm>
-        <a:prstGeom prst="roundRect">
-          <a:avLst/>
-        </a:prstGeom>
-        <a:solidFill>
-          <a:schemeClr val="accent1">
-            <a:hueOff val="0"/>
-            <a:satOff val="0"/>
-            <a:lumOff val="0"/>
-            <a:alphaOff val="0"/>
-          </a:schemeClr>
-        </a:solidFill>
-        <a:ln w="15875" cap="flat" cmpd="sng" algn="ctr">
-          <a:solidFill>
-            <a:schemeClr val="lt1">
-              <a:hueOff val="0"/>
-              <a:satOff val="0"/>
-              <a:lumOff val="0"/>
-              <a:alphaOff val="0"/>
-            </a:schemeClr>
-          </a:solidFill>
-          <a:prstDash val="solid"/>
-        </a:ln>
-        <a:effectLst/>
-      </dsp:spPr>
-      <dsp:style>
-        <a:lnRef idx="2">
-          <a:scrgbClr r="0" g="0" b="0"/>
-        </a:lnRef>
-        <a:fillRef idx="1">
-          <a:scrgbClr r="0" g="0" b="0"/>
-        </a:fillRef>
-        <a:effectRef idx="0">
-          <a:scrgbClr r="0" g="0" b="0"/>
-        </a:effectRef>
-        <a:fontRef idx="minor">
-          <a:schemeClr val="lt1"/>
-        </a:fontRef>
-      </dsp:style>
-      <dsp:txBody>
-        <a:bodyPr spcFirstLastPara="0" vert="horz" wrap="square" lIns="266129" tIns="0" rIns="266129" bIns="0" numCol="1" spcCol="1270" anchor="ctr" anchorCtr="0">
-          <a:noAutofit/>
-        </a:bodyPr>
-        <a:lstStyle/>
-        <a:p>
-          <a:pPr lvl="0" algn="l" defTabSz="1600200">
-            <a:lnSpc>
-              <a:spcPct val="90000"/>
-            </a:lnSpc>
-            <a:spcBef>
-              <a:spcPct val="0"/>
-            </a:spcBef>
-            <a:spcAft>
-              <a:spcPct val="35000"/>
-            </a:spcAft>
-          </a:pPr>
-          <a:r>
-            <a:rPr lang="en-IN" sz="3600" kern="1200" dirty="0" smtClean="0"/>
-            <a:t>R and the various packages</a:t>
-          </a:r>
-          <a:endParaRPr lang="en-IN" sz="3600" kern="1200" dirty="0"/>
-        </a:p>
-      </dsp:txBody>
-      <dsp:txXfrm>
-        <a:off x="554798" y="2160440"/>
-        <a:ext cx="6937124" cy="958964"/>
-      </dsp:txXfrm>
-    </dsp:sp>
   </dsp:spTree>
 </dsp:drawing>
 </file>
@@ -11129,7 +10415,7 @@
           <a:p>
             <a:fld id="{3D63F0B7-4086-4782-831C-AF1C749D82D7}" type="datetimeFigureOut">
               <a:rPr lang="en-US"/>
-              <a:t>3/2/2016</a:t>
+              <a:t>3/7/2016</a:t>
             </a:fld>
             <a:endParaRPr lang="en-US"/>
           </a:p>
@@ -11704,7 +10990,7 @@
           <a:p>
             <a:fld id="{5DEC605F-B7B5-4674-B28F-F497069155F3}" type="datetime1">
               <a:rPr lang="en-US" smtClean="0"/>
-              <a:t>3/2/2016</a:t>
+              <a:t>3/7/2016</a:t>
             </a:fld>
             <a:endParaRPr lang="en-US" dirty="0"/>
           </a:p>
@@ -11971,7 +11257,7 @@
           <a:p>
             <a:fld id="{4C9717C8-88C9-46F3-9C17-B8958533C4E1}" type="datetime1">
               <a:rPr lang="en-US" smtClean="0"/>
-              <a:t>3/2/2016</a:t>
+              <a:t>3/7/2016</a:t>
             </a:fld>
             <a:endParaRPr lang="en-US" dirty="0"/>
           </a:p>
@@ -12232,7 +11518,7 @@
           <a:p>
             <a:fld id="{DFB31FA2-3C95-4DA0-8F94-C773F1282CF8}" type="datetime1">
               <a:rPr lang="en-US" smtClean="0"/>
-              <a:t>3/2/2016</a:t>
+              <a:t>3/7/2016</a:t>
             </a:fld>
             <a:endParaRPr lang="en-US" dirty="0"/>
           </a:p>
@@ -12465,7 +11751,7 @@
           <a:p>
             <a:fld id="{96C4D736-4FC0-44DB-B5A6-0A892DCF338F}" type="datetime1">
               <a:rPr lang="en-US" smtClean="0"/>
-              <a:t>3/2/2016</a:t>
+              <a:t>3/7/2016</a:t>
             </a:fld>
             <a:endParaRPr lang="en-US" dirty="0"/>
           </a:p>
@@ -12873,7 +12159,7 @@
           <a:p>
             <a:fld id="{8434BA4B-5710-4911-9B3D-361AE1C407A7}" type="datetime1">
               <a:rPr lang="en-US" smtClean="0"/>
-              <a:t>3/2/2016</a:t>
+              <a:t>3/7/2016</a:t>
             </a:fld>
             <a:endParaRPr lang="en-US" dirty="0"/>
           </a:p>
@@ -13206,7 +12492,7 @@
           <a:p>
             <a:fld id="{E58D5AF2-506B-4141-A603-D2627314BA60}" type="datetime1">
               <a:rPr lang="en-US" smtClean="0"/>
-              <a:t>3/2/2016</a:t>
+              <a:t>3/7/2016</a:t>
             </a:fld>
             <a:endParaRPr lang="en-US" dirty="0"/>
           </a:p>
@@ -13589,7 +12875,7 @@
           <a:p>
             <a:fld id="{8C40E3F5-6B12-4EED-A57B-44737E7E5497}" type="datetime1">
               <a:rPr lang="en-US" smtClean="0"/>
-              <a:t>3/2/2016</a:t>
+              <a:t>3/7/2016</a:t>
             </a:fld>
             <a:endParaRPr lang="en-US" dirty="0"/>
           </a:p>
@@ -13706,7 +12992,7 @@
           <a:p>
             <a:fld id="{2E252D13-B46F-4D3C-9B9E-2F84E2367EE6}" type="datetime1">
               <a:rPr lang="en-US" smtClean="0"/>
-              <a:t>3/2/2016</a:t>
+              <a:t>3/7/2016</a:t>
             </a:fld>
             <a:endParaRPr lang="en-US" dirty="0"/>
           </a:p>
@@ -13877,7 +13163,7 @@
           <a:p>
             <a:fld id="{A06F4D39-EBA1-485E-BCB4-E8BD13DB3677}" type="datetime1">
               <a:rPr lang="en-US" smtClean="0"/>
-              <a:t>3/2/2016</a:t>
+              <a:t>3/7/2016</a:t>
             </a:fld>
             <a:endParaRPr lang="en-US" dirty="0"/>
           </a:p>
@@ -14291,7 +13577,7 @@
           <a:p>
             <a:fld id="{49207368-093B-4F7E-A616-1FF43E4A3B8A}" type="datetime1">
               <a:rPr lang="en-US" smtClean="0"/>
-              <a:t>3/2/2016</a:t>
+              <a:t>3/7/2016</a:t>
             </a:fld>
             <a:endParaRPr lang="en-US" dirty="0"/>
           </a:p>
@@ -14728,7 +14014,7 @@
           <a:p>
             <a:fld id="{94847F1A-F40B-4094-98BB-85D8FC957A3E}" type="datetime1">
               <a:rPr lang="en-US" smtClean="0"/>
-              <a:t>3/2/2016</a:t>
+              <a:t>3/7/2016</a:t>
             </a:fld>
             <a:endParaRPr lang="en-US" dirty="0"/>
           </a:p>
@@ -15074,7 +14360,7 @@
           <a:p>
             <a:fld id="{32136411-0D9C-4584-8A4E-0CB0C8665326}" type="datetime1">
               <a:rPr lang="en-US" smtClean="0"/>
-              <a:t>3/2/2016</a:t>
+              <a:t>3/7/2016</a:t>
             </a:fld>
             <a:endParaRPr lang="en-US" dirty="0"/>
           </a:p>
@@ -19088,11 +18374,7 @@
           <a:p>
             <a:r>
               <a:rPr lang="en-IN" dirty="0" smtClean="0"/>
-              <a:t>Results for 3 well separated </a:t>
-            </a:r>
-            <a:r>
-              <a:rPr lang="en-IN" dirty="0" smtClean="0"/>
-              <a:t>components, un</a:t>
+              <a:t>Results for 3 well separated components, un</a:t>
             </a:r>
             <a:endParaRPr lang="en-IN" dirty="0"/>
           </a:p>
@@ -19304,7 +18586,6 @@
                         <a:rPr lang="en-IN" sz="1200" b="0" dirty="0" smtClean="0"/>
                         <a:t>7028.43</a:t>
                       </a:r>
-                      <a:endParaRPr lang="en-IN" sz="1200" b="0" dirty="0" smtClean="0"/>
                     </a:p>
                     <a:p>
                       <a:r>
@@ -19342,11 +18623,7 @@
                       </a:r>
                       <a:r>
                         <a:rPr lang="en-IN" sz="1200" b="0" dirty="0" smtClean="0"/>
-                        <a:t>11.87</a:t>
-                      </a:r>
-                      <a:r>
-                        <a:rPr lang="en-IN" sz="1200" b="0" dirty="0" smtClean="0"/>
-                        <a:t>)</a:t>
+                        <a:t>11.87)</a:t>
                       </a:r>
                       <a:endParaRPr lang="en-IN" sz="1200" b="0" kern="1200" dirty="0">
                         <a:solidFill>
@@ -19369,7 +18646,6 @@
                         <a:rPr lang="en-IN" sz="1200" b="0" dirty="0" smtClean="0"/>
                         <a:t>7035.24</a:t>
                       </a:r>
-                      <a:endParaRPr lang="en-IN" sz="1200" b="0" dirty="0" smtClean="0"/>
                     </a:p>
                     <a:p>
                       <a:r>
@@ -19441,7 +18717,6 @@
                         <a:rPr lang="en-IN" sz="1200" b="0" dirty="0" smtClean="0"/>
                         <a:t>17040.36</a:t>
                       </a:r>
-                      <a:endParaRPr lang="en-IN" sz="1200" b="0" dirty="0" smtClean="0"/>
                     </a:p>
                     <a:p>
                       <a:r>
@@ -19490,11 +18765,7 @@
                       </a:r>
                       <a:r>
                         <a:rPr lang="en-IN" sz="1200" b="0" dirty="0" smtClean="0"/>
-                        <a:t>25.78</a:t>
-                      </a:r>
-                      <a:r>
-                        <a:rPr lang="en-IN" sz="1200" b="0" dirty="0" smtClean="0"/>
-                        <a:t>)</a:t>
+                        <a:t>25.78)</a:t>
                       </a:r>
                       <a:endParaRPr lang="en-IN" sz="1200" b="0" kern="1200" dirty="0">
                         <a:solidFill>
@@ -19517,7 +18788,6 @@
                         <a:rPr lang="en-IN" sz="1200" b="0" dirty="0" smtClean="0"/>
                         <a:t>17076.01</a:t>
                       </a:r>
-                      <a:endParaRPr lang="en-IN" sz="1200" b="0" dirty="0" smtClean="0"/>
                     </a:p>
                     <a:p>
                       <a:r>
@@ -19555,11 +18825,7 @@
                       </a:r>
                       <a:r>
                         <a:rPr lang="en-IN" sz="1200" b="0" dirty="0" smtClean="0"/>
-                        <a:t>61.43</a:t>
-                      </a:r>
-                      <a:r>
-                        <a:rPr lang="en-IN" sz="1200" b="0" dirty="0" smtClean="0"/>
-                        <a:t>)</a:t>
+                        <a:t>61.43)</a:t>
                       </a:r>
                       <a:endParaRPr lang="en-IN" sz="1200" b="0" kern="1200" dirty="0">
                         <a:solidFill>
@@ -19582,7 +18848,6 @@
                         <a:rPr lang="en-IN" sz="1200" b="0" dirty="0" smtClean="0"/>
                         <a:t>6110.43</a:t>
                       </a:r>
-                      <a:endParaRPr lang="en-IN" sz="1200" b="0" dirty="0" smtClean="0"/>
                     </a:p>
                     <a:p>
                       <a:r>
@@ -19684,7 +18949,6 @@
                         <a:rPr lang="en-IN" sz="1200" b="0" dirty="0" smtClean="0"/>
                         <a:t>7101.44</a:t>
                       </a:r>
-                      <a:endParaRPr lang="en-IN" sz="1200" b="0" dirty="0" smtClean="0"/>
                     </a:p>
                     <a:p>
                       <a:r>
@@ -19697,15 +18961,7 @@
                       </a:r>
                       <a:r>
                         <a:rPr lang="en-IN" sz="1200" b="0" dirty="0" smtClean="0"/>
-                        <a:t> = </a:t>
-                      </a:r>
-                      <a:r>
-                        <a:rPr lang="en-IN" sz="1200" b="0" dirty="0" smtClean="0"/>
-                        <a:t>14.22</a:t>
-                      </a:r>
-                      <a:r>
-                        <a:rPr lang="en-IN" sz="1200" b="0" dirty="0" smtClean="0"/>
-                        <a:t>)</a:t>
+                        <a:t> = 14.22)</a:t>
                       </a:r>
                       <a:endParaRPr lang="en-IN" sz="1200" b="0" kern="1200" dirty="0">
                         <a:solidFill>
@@ -19728,7 +18984,6 @@
                         <a:rPr lang="en-IN" sz="1200" b="0" dirty="0" smtClean="0"/>
                         <a:t>7101.873</a:t>
                       </a:r>
-                      <a:endParaRPr lang="en-IN" sz="1200" b="0" dirty="0" smtClean="0"/>
                     </a:p>
                     <a:p>
                       <a:r>
@@ -19800,7 +19055,6 @@
                         <a:rPr lang="en-IN" sz="1200" b="0" dirty="0" smtClean="0"/>
                         <a:t>17270.44</a:t>
                       </a:r>
-                      <a:endParaRPr lang="en-IN" sz="1200" b="0" dirty="0" smtClean="0"/>
                     </a:p>
                     <a:p>
                       <a:r>
@@ -19838,11 +19092,7 @@
                       </a:r>
                       <a:r>
                         <a:rPr lang="en-IN" sz="1200" b="0" dirty="0" smtClean="0"/>
-                        <a:t>44.16</a:t>
-                      </a:r>
-                      <a:r>
-                        <a:rPr lang="en-IN" sz="1200" b="0" dirty="0" smtClean="0"/>
-                        <a:t>)</a:t>
+                        <a:t>44.16)</a:t>
                       </a:r>
                       <a:endParaRPr lang="en-IN" sz="1200" b="0" kern="1200" dirty="0">
                         <a:solidFill>
@@ -19865,7 +19115,6 @@
                         <a:rPr lang="en-IN" sz="1200" b="0" dirty="0" smtClean="0"/>
                         <a:t>17433.49</a:t>
                       </a:r>
-                      <a:endParaRPr lang="en-IN" sz="1200" b="0" dirty="0" smtClean="0"/>
                     </a:p>
                     <a:p>
                       <a:r>
@@ -19903,11 +19152,7 @@
                       </a:r>
                       <a:r>
                         <a:rPr lang="en-IN" sz="1200" b="0" dirty="0" smtClean="0"/>
-                        <a:t>207.21</a:t>
-                      </a:r>
-                      <a:r>
-                        <a:rPr lang="en-IN" sz="1200" b="0" dirty="0" smtClean="0"/>
-                        <a:t>)</a:t>
+                        <a:t>207.21)</a:t>
                       </a:r>
                       <a:endParaRPr lang="en-IN" sz="1200" b="0" kern="1200" dirty="0">
                         <a:solidFill>
@@ -19930,7 +19175,6 @@
                         <a:rPr lang="en-IN" sz="1200" b="0" dirty="0" smtClean="0"/>
                         <a:t>6061.03</a:t>
                       </a:r>
-                      <a:endParaRPr lang="en-IN" sz="1200" b="0" dirty="0" smtClean="0"/>
                     </a:p>
                     <a:p>
                       <a:r>
@@ -19968,11 +19212,7 @@
                       </a:r>
                       <a:r>
                         <a:rPr lang="en-IN" sz="1200" b="0" dirty="0" smtClean="0"/>
-                        <a:t>-21.71</a:t>
-                      </a:r>
-                      <a:r>
-                        <a:rPr lang="en-IN" sz="1200" b="0" dirty="0" smtClean="0"/>
-                        <a:t>)</a:t>
+                        <a:t>-21.71)</a:t>
                       </a:r>
                       <a:endParaRPr lang="en-IN" sz="1200" b="0" kern="1200" dirty="0">
                         <a:solidFill>
@@ -20318,7 +19558,6 @@
                         <a:rPr lang="en-IN" sz="1200" b="0" dirty="0" smtClean="0"/>
                         <a:t>15586.91</a:t>
                       </a:r>
-                      <a:endParaRPr lang="en-IN" sz="1200" b="0" dirty="0" smtClean="0"/>
                     </a:p>
                     <a:p>
                       <a:r>
@@ -20595,11 +19834,7 @@
                       </a:r>
                       <a:r>
                         <a:rPr lang="en-IN" sz="1200" b="0" dirty="0" smtClean="0"/>
-                        <a:t>7.63</a:t>
-                      </a:r>
-                      <a:r>
-                        <a:rPr lang="en-IN" sz="1200" b="0" dirty="0" smtClean="0"/>
-                        <a:t>)</a:t>
+                        <a:t>7.63)</a:t>
                       </a:r>
                       <a:endParaRPr lang="en-IN" sz="1200" b="0" kern="1200" dirty="0">
                         <a:solidFill>
@@ -20639,7 +19874,6 @@
                         <a:rPr lang="en-IN" sz="1200" b="0" dirty="0" smtClean="0"/>
                         <a:t>7854.453</a:t>
                       </a:r>
-                      <a:endParaRPr lang="en-IN" sz="1200" b="0" dirty="0" smtClean="0"/>
                     </a:p>
                     <a:p>
                       <a:pPr marL="0" marR="0" indent="0" algn="l" defTabSz="914400" rtl="0" eaLnBrk="1" fontAlgn="auto" latinLnBrk="0" hangingPunct="1">
@@ -20745,7 +19979,6 @@
                         <a:rPr lang="en-IN" sz="1200" b="0" dirty="0" smtClean="0"/>
                         <a:t>15658.16</a:t>
                       </a:r>
-                      <a:endParaRPr lang="en-IN" sz="1200" b="0" dirty="0" smtClean="0"/>
                     </a:p>
                     <a:p>
                       <a:pPr marL="0" marR="0" indent="0" algn="l" defTabSz="914400" rtl="0" eaLnBrk="1" fontAlgn="auto" latinLnBrk="0" hangingPunct="1">
@@ -20800,11 +20033,7 @@
                       </a:r>
                       <a:r>
                         <a:rPr lang="en-IN" sz="1200" b="0" dirty="0" smtClean="0"/>
-                        <a:t>77.92</a:t>
-                      </a:r>
-                      <a:r>
-                        <a:rPr lang="en-IN" sz="1200" b="0" dirty="0" smtClean="0"/>
-                        <a:t>)</a:t>
+                        <a:t>77.92)</a:t>
                       </a:r>
                       <a:endParaRPr lang="en-IN" sz="1200" b="0" kern="1200" dirty="0">
                         <a:solidFill>
@@ -20844,7 +20073,6 @@
                         <a:rPr lang="en-IN" sz="1200" b="0" dirty="0" smtClean="0"/>
                         <a:t>16037.37</a:t>
                       </a:r>
-                      <a:endParaRPr lang="en-IN" sz="1200" b="0" dirty="0" smtClean="0"/>
                     </a:p>
                     <a:p>
                       <a:pPr marL="0" marR="0" indent="0" algn="l" defTabSz="914400" rtl="0" eaLnBrk="1" fontAlgn="auto" latinLnBrk="0" hangingPunct="1">
@@ -20950,7 +20178,6 @@
                         <a:rPr lang="en-IN" sz="1200" b="0" dirty="0" smtClean="0"/>
                         <a:t>6189.28</a:t>
                       </a:r>
-                      <a:endParaRPr lang="en-IN" sz="1200" b="0" dirty="0" smtClean="0"/>
                     </a:p>
                     <a:p>
                       <a:pPr marL="0" marR="0" indent="0" algn="l" defTabSz="914400" rtl="0" eaLnBrk="1" fontAlgn="auto" latinLnBrk="0" hangingPunct="1">
@@ -21005,11 +20232,7 @@
                       </a:r>
                       <a:r>
                         <a:rPr lang="en-IN" sz="1200" b="0" dirty="0" smtClean="0"/>
-                        <a:t>105.68</a:t>
-                      </a:r>
-                      <a:r>
-                        <a:rPr lang="en-IN" sz="1200" b="0" dirty="0" smtClean="0"/>
-                        <a:t>)</a:t>
+                        <a:t>105.68)</a:t>
                       </a:r>
                       <a:endParaRPr lang="en-IN" sz="1200" b="0" kern="1200" dirty="0">
                         <a:solidFill>
@@ -21096,7 +20319,6 @@
                         <a:rPr lang="en-IN" sz="1200" b="0" dirty="0" smtClean="0"/>
                         <a:t>7624.78</a:t>
                       </a:r>
-                      <a:endParaRPr lang="en-IN" sz="1200" b="0" dirty="0" smtClean="0"/>
                     </a:p>
                     <a:p>
                       <a:pPr marL="0" marR="0" indent="0" algn="l" defTabSz="914400" rtl="0" eaLnBrk="1" fontAlgn="auto" latinLnBrk="0" hangingPunct="1">
@@ -21151,11 +20373,7 @@
                       </a:r>
                       <a:r>
                         <a:rPr lang="en-IN" sz="1200" b="0" dirty="0" smtClean="0"/>
-                        <a:t>-162.35</a:t>
-                      </a:r>
-                      <a:r>
-                        <a:rPr lang="en-IN" sz="1200" b="0" dirty="0" smtClean="0"/>
-                        <a:t>)</a:t>
+                        <a:t>-162.35)</a:t>
                       </a:r>
                       <a:endParaRPr lang="en-IN" sz="1200" b="0" kern="1200" dirty="0">
                         <a:solidFill>
@@ -21195,7 +20413,6 @@
                         <a:rPr lang="en-IN" sz="1200" b="0" dirty="0" smtClean="0"/>
                         <a:t>7816.59</a:t>
                       </a:r>
-                      <a:endParaRPr lang="en-IN" sz="1200" b="0" dirty="0" smtClean="0"/>
                     </a:p>
                     <a:p>
                       <a:pPr marL="0" marR="0" indent="0" algn="l" defTabSz="914400" rtl="0" eaLnBrk="1" fontAlgn="auto" latinLnBrk="0" hangingPunct="1">
@@ -21250,11 +20467,7 @@
                       </a:r>
                       <a:r>
                         <a:rPr lang="en-IN" sz="1200" b="0" dirty="0" smtClean="0"/>
-                        <a:t>29.45</a:t>
-                      </a:r>
-                      <a:r>
-                        <a:rPr lang="en-IN" sz="1200" b="0" dirty="0" smtClean="0"/>
-                        <a:t>)</a:t>
+                        <a:t>29.45)</a:t>
                       </a:r>
                       <a:endParaRPr lang="en-IN" sz="1200" b="0" kern="1200" dirty="0">
                         <a:solidFill>
@@ -21294,7 +20507,6 @@
                         <a:rPr lang="en-IN" sz="1200" b="0" dirty="0" smtClean="0"/>
                         <a:t>15880.63</a:t>
                       </a:r>
-                      <a:endParaRPr lang="en-IN" sz="1200" b="0" dirty="0" smtClean="0"/>
                     </a:p>
                     <a:p>
                       <a:pPr marL="0" marR="0" indent="0" algn="l" defTabSz="914400" rtl="0" eaLnBrk="1" fontAlgn="auto" latinLnBrk="0" hangingPunct="1">
@@ -21349,11 +20561,7 @@
                       </a:r>
                       <a:r>
                         <a:rPr lang="en-IN" sz="1200" b="0" dirty="0" smtClean="0"/>
-                        <a:t>85.80</a:t>
-                      </a:r>
-                      <a:r>
-                        <a:rPr lang="en-IN" sz="1200" b="0" dirty="0" smtClean="0"/>
-                        <a:t>)</a:t>
+                        <a:t>85.80)</a:t>
                       </a:r>
                       <a:endParaRPr lang="en-IN" sz="1200" b="0" kern="1200" dirty="0">
                         <a:solidFill>
@@ -21393,7 +20601,6 @@
                         <a:rPr lang="en-IN" sz="1200" b="0" dirty="0" smtClean="0"/>
                         <a:t>12865.95</a:t>
                       </a:r>
-                      <a:endParaRPr lang="en-IN" sz="1200" b="0" dirty="0" smtClean="0"/>
                     </a:p>
                     <a:p>
                       <a:pPr marL="0" marR="0" indent="0" algn="l" defTabSz="914400" rtl="0" eaLnBrk="1" fontAlgn="auto" latinLnBrk="0" hangingPunct="1">
@@ -21499,7 +20706,6 @@
                         <a:rPr lang="en-IN" sz="1200" b="0" dirty="0" smtClean="0"/>
                         <a:t>6191.27</a:t>
                       </a:r>
-                      <a:endParaRPr lang="en-IN" sz="1200" b="0" dirty="0" smtClean="0"/>
                     </a:p>
                     <a:p>
                       <a:pPr marL="0" marR="0" indent="0" algn="l" defTabSz="914400" rtl="0" eaLnBrk="1" fontAlgn="auto" latinLnBrk="0" hangingPunct="1">
@@ -21554,11 +20760,7 @@
                       </a:r>
                       <a:r>
                         <a:rPr lang="en-IN" sz="1200" b="0" dirty="0" smtClean="0"/>
-                        <a:t>108.37</a:t>
-                      </a:r>
-                      <a:r>
-                        <a:rPr lang="en-IN" sz="1200" b="0" dirty="0" smtClean="0"/>
-                        <a:t>)</a:t>
+                        <a:t>108.37)</a:t>
                       </a:r>
                       <a:endParaRPr lang="en-IN" sz="1200" b="0" kern="1200" dirty="0">
                         <a:solidFill>
@@ -25049,7 +24251,6 @@
                         <a:rPr lang="en-IN" sz="1200" b="0" dirty="0" smtClean="0"/>
                         <a:t>7478.89</a:t>
                       </a:r>
-                      <a:endParaRPr lang="en-IN" sz="1200" b="0" dirty="0" smtClean="0"/>
                     </a:p>
                     <a:p>
                       <a:r>
@@ -25087,11 +24288,7 @@
                       </a:r>
                       <a:r>
                         <a:rPr lang="en-IN" sz="1200" b="0" dirty="0" smtClean="0"/>
-                        <a:t>13.23</a:t>
-                      </a:r>
-                      <a:r>
-                        <a:rPr lang="en-IN" sz="1200" b="0" dirty="0" smtClean="0"/>
-                        <a:t>)</a:t>
+                        <a:t>13.23)</a:t>
                       </a:r>
                       <a:endParaRPr lang="en-IN" sz="1200" b="0" kern="1200" dirty="0">
                         <a:solidFill>
@@ -25114,7 +24311,6 @@
                         <a:rPr lang="en-IN" sz="1200" b="0" dirty="0" smtClean="0"/>
                         <a:t>7476.65</a:t>
                       </a:r>
-                      <a:endParaRPr lang="en-IN" sz="1200" b="0" dirty="0" smtClean="0"/>
                     </a:p>
                     <a:p>
                       <a:r>
@@ -25186,7 +24382,6 @@
                         <a:rPr lang="en-IN" sz="1200" b="0" dirty="0" smtClean="0"/>
                         <a:t>15304.93</a:t>
                       </a:r>
-                      <a:endParaRPr lang="en-IN" sz="1200" b="0" dirty="0" smtClean="0"/>
                     </a:p>
                     <a:p>
                       <a:r>
@@ -25235,11 +24430,7 @@
                       </a:r>
                       <a:r>
                         <a:rPr lang="en-IN" sz="1200" b="0" dirty="0" smtClean="0"/>
-                        <a:t>26.31</a:t>
-                      </a:r>
-                      <a:r>
-                        <a:rPr lang="en-IN" sz="1200" b="0" dirty="0" smtClean="0"/>
-                        <a:t>)</a:t>
+                        <a:t>26.31)</a:t>
                       </a:r>
                       <a:endParaRPr lang="en-IN" sz="1200" b="0" kern="1200" dirty="0">
                         <a:solidFill>
@@ -25262,7 +24453,6 @@
                         <a:rPr lang="en-IN" sz="1200" b="0" dirty="0" smtClean="0"/>
                         <a:t>15428.91</a:t>
                       </a:r>
-                      <a:endParaRPr lang="en-IN" sz="1200" b="0" dirty="0" smtClean="0"/>
                     </a:p>
                     <a:p>
                       <a:r>
@@ -25300,11 +24490,7 @@
                       </a:r>
                       <a:r>
                         <a:rPr lang="en-IN" sz="1200" b="0" dirty="0" smtClean="0"/>
-                        <a:t>150.29</a:t>
-                      </a:r>
-                      <a:r>
-                        <a:rPr lang="en-IN" sz="1200" b="0" dirty="0" smtClean="0"/>
-                        <a:t>)</a:t>
+                        <a:t>150.29)</a:t>
                       </a:r>
                       <a:endParaRPr lang="en-IN" sz="1200" b="0" kern="1200" dirty="0">
                         <a:solidFill>
@@ -25327,7 +24513,6 @@
                         <a:rPr lang="en-IN" sz="1200" b="0" dirty="0" smtClean="0"/>
                         <a:t>6183.127</a:t>
                       </a:r>
-                      <a:endParaRPr lang="en-IN" sz="1200" b="0" dirty="0" smtClean="0"/>
                     </a:p>
                     <a:p>
                       <a:r>
@@ -25429,7 +24614,6 @@
                         <a:rPr lang="en-IN" sz="1200" b="0" dirty="0" smtClean="0"/>
                         <a:t>8300.28</a:t>
                       </a:r>
-                      <a:endParaRPr lang="en-IN" sz="1200" b="0" dirty="0" smtClean="0"/>
                     </a:p>
                     <a:p>
                       <a:r>
@@ -25442,15 +24626,7 @@
                       </a:r>
                       <a:r>
                         <a:rPr lang="en-IN" sz="1200" b="0" dirty="0" smtClean="0"/>
-                        <a:t> = </a:t>
-                      </a:r>
-                      <a:r>
-                        <a:rPr lang="en-IN" sz="1200" b="0" dirty="0" smtClean="0"/>
-                        <a:t>6.79</a:t>
-                      </a:r>
-                      <a:r>
-                        <a:rPr lang="en-IN" sz="1200" b="0" dirty="0" smtClean="0"/>
-                        <a:t>)</a:t>
+                        <a:t> = 6.79)</a:t>
                       </a:r>
                       <a:endParaRPr lang="en-IN" sz="1200" b="0" kern="1200" dirty="0">
                         <a:solidFill>
@@ -25473,7 +24649,6 @@
                         <a:rPr lang="en-IN" sz="1200" b="0" dirty="0" smtClean="0"/>
                         <a:t>8383.95</a:t>
                       </a:r>
-                      <a:endParaRPr lang="en-IN" sz="1200" b="0" dirty="0" smtClean="0"/>
                     </a:p>
                     <a:p>
                       <a:r>
@@ -25545,7 +24720,6 @@
                         <a:rPr lang="en-IN" sz="1200" b="0" dirty="0" smtClean="0"/>
                         <a:t>15582.35</a:t>
                       </a:r>
-                      <a:endParaRPr lang="en-IN" sz="1200" b="0" dirty="0" smtClean="0"/>
                     </a:p>
                     <a:p>
                       <a:r>
@@ -25583,11 +24757,7 @@
                       </a:r>
                       <a:r>
                         <a:rPr lang="en-IN" sz="1200" b="0" dirty="0" smtClean="0"/>
-                        <a:t>43.18</a:t>
-                      </a:r>
-                      <a:r>
-                        <a:rPr lang="en-IN" sz="1200" b="0" dirty="0" smtClean="0"/>
-                        <a:t>)</a:t>
+                        <a:t>43.18)</a:t>
                       </a:r>
                       <a:endParaRPr lang="en-IN" sz="1200" b="0" kern="1200" dirty="0">
                         <a:solidFill>
@@ -25610,7 +24780,6 @@
                         <a:rPr lang="en-IN" sz="1200" b="0" dirty="0" smtClean="0"/>
                         <a:t>15931.90</a:t>
                       </a:r>
-                      <a:endParaRPr lang="en-IN" sz="1200" b="0" dirty="0" smtClean="0"/>
                     </a:p>
                     <a:p>
                       <a:r>
@@ -25648,11 +24817,7 @@
                       </a:r>
                       <a:r>
                         <a:rPr lang="en-IN" sz="1200" b="0" dirty="0" smtClean="0"/>
-                        <a:t>392.74</a:t>
-                      </a:r>
-                      <a:r>
-                        <a:rPr lang="en-IN" sz="1200" b="0" dirty="0" smtClean="0"/>
-                        <a:t>)</a:t>
+                        <a:t>392.74)</a:t>
                       </a:r>
                       <a:endParaRPr lang="en-IN" sz="1200" b="0" kern="1200" dirty="0">
                         <a:solidFill>
@@ -25675,7 +24840,6 @@
                         <a:rPr lang="en-IN" sz="1200" b="0" dirty="0" smtClean="0"/>
                         <a:t>6181.79</a:t>
                       </a:r>
-                      <a:endParaRPr lang="en-IN" sz="1200" b="0" dirty="0" smtClean="0"/>
                     </a:p>
                     <a:p>
                       <a:r>
@@ -25713,11 +24877,7 @@
                       </a:r>
                       <a:r>
                         <a:rPr lang="en-IN" sz="1200" b="0" dirty="0" smtClean="0"/>
-                        <a:t>104.65</a:t>
-                      </a:r>
-                      <a:r>
-                        <a:rPr lang="en-IN" sz="1200" b="0" dirty="0" smtClean="0"/>
-                        <a:t>)</a:t>
+                        <a:t>104.65)</a:t>
                       </a:r>
                       <a:endParaRPr lang="en-IN" sz="1200" b="0" kern="1200" dirty="0">
                         <a:solidFill>
@@ -25787,7 +24947,6 @@
                         <a:rPr lang="en-IN" sz="1200" b="0" dirty="0" smtClean="0"/>
                         <a:t>9284.91</a:t>
                       </a:r>
-                      <a:endParaRPr lang="en-IN" sz="1200" b="0" dirty="0" smtClean="0"/>
                     </a:p>
                     <a:p>
                       <a:pPr marL="0" marR="0" indent="0" algn="l" defTabSz="914400" rtl="0" eaLnBrk="1" fontAlgn="auto" latinLnBrk="0" hangingPunct="1">
@@ -25955,7 +25114,6 @@
                         <a:rPr lang="en-IN" sz="1200" b="0" dirty="0" smtClean="0"/>
                         <a:t>15528.08</a:t>
                       </a:r>
-                      <a:endParaRPr lang="en-IN" sz="1200" b="0" dirty="0" smtClean="0"/>
                     </a:p>
                     <a:p>
                       <a:r>
@@ -26027,7 +25185,6 @@
                         <a:rPr lang="en-IN" sz="1200" b="0" dirty="0" smtClean="0"/>
                         <a:t>15995.44</a:t>
                       </a:r>
-                      <a:endParaRPr lang="en-IN" sz="1200" b="0" dirty="0" smtClean="0"/>
                     </a:p>
                     <a:p>
                       <a:r>
@@ -26234,7 +25391,6 @@
                         <a:rPr lang="en-IN" sz="1200" b="0" dirty="0" smtClean="0"/>
                         <a:t>10047.85</a:t>
                       </a:r>
-                      <a:endParaRPr lang="en-IN" sz="1200" b="0" dirty="0" smtClean="0"/>
                     </a:p>
                     <a:p>
                       <a:pPr marL="0" marR="0" indent="0" algn="l" defTabSz="914400" rtl="0" eaLnBrk="1" fontAlgn="auto" latinLnBrk="0" hangingPunct="1">
@@ -26289,11 +25445,7 @@
                       </a:r>
                       <a:r>
                         <a:rPr lang="en-IN" sz="1200" b="0" dirty="0" smtClean="0"/>
-                        <a:t>182.57</a:t>
-                      </a:r>
-                      <a:r>
-                        <a:rPr lang="en-IN" sz="1200" b="0" dirty="0" smtClean="0"/>
-                        <a:t>)</a:t>
+                        <a:t>182.57)</a:t>
                       </a:r>
                       <a:endParaRPr lang="en-IN" sz="1200" b="0" kern="1200" dirty="0">
                         <a:solidFill>
@@ -26333,7 +25485,6 @@
                         <a:rPr lang="en-IN" sz="1200" b="0" dirty="0" smtClean="0"/>
                         <a:t>9762.34</a:t>
                       </a:r>
-                      <a:endParaRPr lang="en-IN" sz="1200" b="0" dirty="0" smtClean="0"/>
                     </a:p>
                     <a:p>
                       <a:pPr marL="0" marR="0" indent="0" algn="l" defTabSz="914400" rtl="0" eaLnBrk="1" fontAlgn="auto" latinLnBrk="0" hangingPunct="1">
@@ -26439,7 +25590,6 @@
                         <a:rPr lang="en-IN" sz="1200" b="0" dirty="0" smtClean="0"/>
                         <a:t>15670.82</a:t>
                       </a:r>
-                      <a:endParaRPr lang="en-IN" sz="1200" b="0" dirty="0" smtClean="0"/>
                     </a:p>
                     <a:p>
                       <a:pPr marL="0" marR="0" indent="0" algn="l" defTabSz="914400" rtl="0" eaLnBrk="1" fontAlgn="auto" latinLnBrk="0" hangingPunct="1">
@@ -26494,11 +25644,7 @@
                       </a:r>
                       <a:r>
                         <a:rPr lang="en-IN" sz="1200" b="0" dirty="0" smtClean="0"/>
-                        <a:t>76.11</a:t>
-                      </a:r>
-                      <a:r>
-                        <a:rPr lang="en-IN" sz="1200" b="0" dirty="0" smtClean="0"/>
-                        <a:t>)</a:t>
+                        <a:t>76.11)</a:t>
                       </a:r>
                       <a:endParaRPr lang="en-IN" sz="1200" b="0" kern="1200" dirty="0">
                         <a:solidFill>
@@ -26538,7 +25684,6 @@
                         <a:rPr lang="en-IN" sz="1200" b="0" dirty="0" smtClean="0"/>
                         <a:t>13523.96</a:t>
                       </a:r>
-                      <a:endParaRPr lang="en-IN" sz="1200" b="0" dirty="0" smtClean="0"/>
                     </a:p>
                     <a:p>
                       <a:pPr marL="0" marR="0" indent="0" algn="l" defTabSz="914400" rtl="0" eaLnBrk="1" fontAlgn="auto" latinLnBrk="0" hangingPunct="1">
@@ -26644,7 +25789,6 @@
                         <a:rPr lang="en-IN" sz="1200" b="0" dirty="0" smtClean="0"/>
                         <a:t>6186.42</a:t>
                       </a:r>
-                      <a:endParaRPr lang="en-IN" sz="1200" b="0" dirty="0" smtClean="0"/>
                     </a:p>
                     <a:p>
                       <a:pPr marL="0" marR="0" indent="0" algn="l" defTabSz="914400" rtl="0" eaLnBrk="1" fontAlgn="auto" latinLnBrk="0" hangingPunct="1">
@@ -26699,11 +25843,7 @@
                       </a:r>
                       <a:r>
                         <a:rPr lang="en-IN" sz="1200" b="0" dirty="0" smtClean="0"/>
-                        <a:t>109.33</a:t>
-                      </a:r>
-                      <a:r>
-                        <a:rPr lang="en-IN" sz="1200" b="0" dirty="0" smtClean="0"/>
-                        <a:t>)</a:t>
+                        <a:t>109.33)</a:t>
                       </a:r>
                       <a:endParaRPr lang="en-IN" sz="1200" b="0" kern="1200" dirty="0">
                         <a:solidFill>
@@ -26878,65 +26018,373 @@
           <a:chExt cx="0" cy="0"/>
         </a:xfrm>
       </p:grpSpPr>
-      <p:sp>
-        <p:nvSpPr>
-          <p:cNvPr id="2" name="Title 1"/>
-          <p:cNvSpPr>
-            <a:spLocks noGrp="1"/>
-          </p:cNvSpPr>
-          <p:nvPr>
-            <p:ph type="title"/>
-          </p:nvPr>
-        </p:nvSpPr>
-        <p:spPr/>
-        <p:txBody>
-          <a:bodyPr/>
-          <a:lstStyle/>
-          <a:p>
-            <a:r>
-              <a:rPr lang="en-IN" dirty="0" smtClean="0"/>
-              <a:t>Discussion</a:t>
-            </a:r>
-            <a:endParaRPr lang="en-IN" dirty="0"/>
-          </a:p>
-        </p:txBody>
-      </p:sp>
-      <p:sp>
-        <p:nvSpPr>
-          <p:cNvPr id="3" name="Content Placeholder 2"/>
-          <p:cNvSpPr>
-            <a:spLocks noGrp="1"/>
-          </p:cNvSpPr>
-          <p:nvPr>
-            <p:ph idx="1"/>
-          </p:nvPr>
-        </p:nvSpPr>
-        <p:spPr/>
-        <p:txBody>
-          <a:bodyPr/>
-          <a:lstStyle/>
-          <a:p>
-            <a:r>
-              <a:rPr lang="en-IN" dirty="0" smtClean="0"/>
-              <a:t>Talk about negative </a:t>
-            </a:r>
-            <a:r>
-              <a:rPr lang="en-IN" dirty="0" err="1" smtClean="0"/>
-              <a:t>pD</a:t>
-            </a:r>
-            <a:endParaRPr lang="en-IN" dirty="0" smtClean="0"/>
-          </a:p>
-          <a:p>
-            <a:r>
-              <a:rPr lang="en-IN" dirty="0" smtClean="0"/>
-              <a:t>What are the equations and results.</a:t>
-            </a:r>
-          </a:p>
-          <a:p>
-            <a:endParaRPr lang="en-IN" dirty="0"/>
-          </a:p>
-        </p:txBody>
-      </p:sp>
+      <mc:AlternateContent xmlns:mc="http://schemas.openxmlformats.org/markup-compatibility/2006" xmlns:a14="http://schemas.microsoft.com/office/drawing/2010/main">
+        <mc:Choice Requires="a14">
+          <p:sp>
+            <p:nvSpPr>
+              <p:cNvPr id="2" name="Title 1"/>
+              <p:cNvSpPr>
+                <a:spLocks noGrp="1"/>
+              </p:cNvSpPr>
+              <p:nvPr>
+                <p:ph type="title"/>
+              </p:nvPr>
+            </p:nvSpPr>
+            <p:spPr/>
+            <p:txBody>
+              <a:bodyPr/>
+              <a:lstStyle/>
+              <a:p>
+                <a:r>
+                  <a:rPr lang="en-IN" dirty="0" smtClean="0"/>
+                  <a:t>Posterior checks for </a:t>
+                </a:r>
+                <a14:m>
+                  <m:oMath xmlns:m="http://schemas.openxmlformats.org/officeDocument/2006/math">
+                    <m:r>
+                      <a:rPr lang="en-IN" b="0" i="1" smtClean="0">
+                        <a:latin typeface="Cambria Math" panose="02040503050406030204" pitchFamily="18" charset="0"/>
+                      </a:rPr>
+                      <m:t>𝑝</m:t>
+                    </m:r>
+                    <m:d>
+                      <m:dPr>
+                        <m:ctrlPr>
+                          <a:rPr lang="en-IN" b="0" i="1" smtClean="0">
+                            <a:latin typeface="Cambria Math" panose="02040503050406030204" pitchFamily="18" charset="0"/>
+                          </a:rPr>
+                        </m:ctrlPr>
+                      </m:dPr>
+                      <m:e>
+                        <m:r>
+                          <a:rPr lang="en-IN" b="0" i="1" smtClean="0">
+                            <a:latin typeface="Cambria Math" panose="02040503050406030204" pitchFamily="18" charset="0"/>
+                          </a:rPr>
+                          <m:t>𝜃</m:t>
+                        </m:r>
+                      </m:e>
+                      <m:e>
+                        <m:r>
+                          <a:rPr lang="en-IN" b="0" i="1" smtClean="0">
+                            <a:latin typeface="Cambria Math" panose="02040503050406030204" pitchFamily="18" charset="0"/>
+                          </a:rPr>
+                          <m:t>𝑦</m:t>
+                        </m:r>
+                      </m:e>
+                    </m:d>
+                  </m:oMath>
+                </a14:m>
+                <a:r>
+                  <a:rPr lang="en-IN" dirty="0" smtClean="0"/>
+                  <a:t>and </a:t>
+                </a:r>
+                <a14:m>
+                  <m:oMath xmlns:m="http://schemas.openxmlformats.org/officeDocument/2006/math">
+                    <m:r>
+                      <a:rPr lang="en-IN" b="0" i="1" smtClean="0">
+                        <a:latin typeface="Cambria Math" panose="02040503050406030204" pitchFamily="18" charset="0"/>
+                      </a:rPr>
+                      <m:t>𝑝</m:t>
+                    </m:r>
+                    <m:r>
+                      <a:rPr lang="en-IN" b="0" i="1" smtClean="0">
+                        <a:latin typeface="Cambria Math" panose="02040503050406030204" pitchFamily="18" charset="0"/>
+                      </a:rPr>
+                      <m:t>(</m:t>
+                    </m:r>
+                    <m:sSup>
+                      <m:sSupPr>
+                        <m:ctrlPr>
+                          <a:rPr lang="en-IN" b="0" i="1" smtClean="0">
+                            <a:latin typeface="Cambria Math" panose="02040503050406030204" pitchFamily="18" charset="0"/>
+                          </a:rPr>
+                        </m:ctrlPr>
+                      </m:sSupPr>
+                      <m:e>
+                        <m:r>
+                          <a:rPr lang="en-IN" b="0" i="1" smtClean="0">
+                            <a:latin typeface="Cambria Math" panose="02040503050406030204" pitchFamily="18" charset="0"/>
+                          </a:rPr>
+                          <m:t>𝑦</m:t>
+                        </m:r>
+                      </m:e>
+                      <m:sup>
+                        <m:r>
+                          <a:rPr lang="en-IN" b="0" i="1" smtClean="0">
+                            <a:latin typeface="Cambria Math" panose="02040503050406030204" pitchFamily="18" charset="0"/>
+                          </a:rPr>
+                          <m:t>𝑓</m:t>
+                        </m:r>
+                      </m:sup>
+                    </m:sSup>
+                    <m:r>
+                      <a:rPr lang="en-IN" b="0" i="1" smtClean="0">
+                        <a:latin typeface="Cambria Math" panose="02040503050406030204" pitchFamily="18" charset="0"/>
+                      </a:rPr>
+                      <m:t>|</m:t>
+                    </m:r>
+                    <m:r>
+                      <a:rPr lang="en-IN" b="0" i="1" smtClean="0">
+                        <a:latin typeface="Cambria Math" panose="02040503050406030204" pitchFamily="18" charset="0"/>
+                      </a:rPr>
+                      <m:t>𝑦</m:t>
+                    </m:r>
+                    <m:r>
+                      <a:rPr lang="en-IN" b="0" i="1" smtClean="0">
+                        <a:latin typeface="Cambria Math" panose="02040503050406030204" pitchFamily="18" charset="0"/>
+                      </a:rPr>
+                      <m:t>)</m:t>
+                    </m:r>
+                  </m:oMath>
+                </a14:m>
+                <a:endParaRPr lang="en-IN" dirty="0"/>
+              </a:p>
+            </p:txBody>
+          </p:sp>
+        </mc:Choice>
+        <mc:Fallback xmlns="">
+          <p:sp>
+            <p:nvSpPr>
+              <p:cNvPr id="2" name="Title 1"/>
+              <p:cNvSpPr>
+                <a:spLocks noGrp="1" noRot="1" noChangeAspect="1" noMove="1" noResize="1" noEditPoints="1" noAdjustHandles="1" noChangeArrowheads="1" noChangeShapeType="1" noTextEdit="1"/>
+              </p:cNvSpPr>
+              <p:nvPr>
+                <p:ph type="title"/>
+              </p:nvPr>
+            </p:nvSpPr>
+            <p:spPr>
+              <a:blipFill rotWithShape="0">
+                <a:blip r:embed="rId2"/>
+                <a:stretch>
+                  <a:fillRect l="-2121" b="-18487"/>
+                </a:stretch>
+              </a:blipFill>
+            </p:spPr>
+            <p:txBody>
+              <a:bodyPr/>
+              <a:lstStyle/>
+              <a:p>
+                <a:r>
+                  <a:rPr lang="en-IN">
+                    <a:noFill/>
+                  </a:rPr>
+                  <a:t> </a:t>
+                </a:r>
+              </a:p>
+            </p:txBody>
+          </p:sp>
+        </mc:Fallback>
+      </mc:AlternateContent>
+      <mc:AlternateContent xmlns:mc="http://schemas.openxmlformats.org/markup-compatibility/2006">
+        <mc:Choice xmlns:a14="http://schemas.microsoft.com/office/drawing/2010/main" Requires="a14">
+          <p:sp>
+            <p:nvSpPr>
+              <p:cNvPr id="3" name="Content Placeholder 2"/>
+              <p:cNvSpPr>
+                <a:spLocks noGrp="1"/>
+              </p:cNvSpPr>
+              <p:nvPr>
+                <p:ph idx="1"/>
+              </p:nvPr>
+            </p:nvSpPr>
+            <p:spPr/>
+            <p:txBody>
+              <a:bodyPr>
+                <a:normAutofit lnSpcReduction="10000"/>
+              </a:bodyPr>
+              <a:lstStyle/>
+              <a:p>
+                <a:r>
+                  <a:rPr lang="en-IN" dirty="0" smtClean="0"/>
+                  <a:t>Multivariate normality for </a:t>
+                </a:r>
+                <a14:m>
+                  <m:oMath xmlns:m="http://schemas.openxmlformats.org/officeDocument/2006/math">
+                    <m:r>
+                      <a:rPr lang="en-IN" b="0" i="1" smtClean="0">
+                        <a:latin typeface="Cambria Math" panose="02040503050406030204" pitchFamily="18" charset="0"/>
+                      </a:rPr>
+                      <m:t>𝑝</m:t>
+                    </m:r>
+                    <m:d>
+                      <m:dPr>
+                        <m:ctrlPr>
+                          <a:rPr lang="en-IN" b="0" i="1" smtClean="0">
+                            <a:latin typeface="Cambria Math" panose="02040503050406030204" pitchFamily="18" charset="0"/>
+                          </a:rPr>
+                        </m:ctrlPr>
+                      </m:dPr>
+                      <m:e>
+                        <m:r>
+                          <a:rPr lang="en-IN" b="0" i="1" smtClean="0">
+                            <a:latin typeface="Cambria Math" panose="02040503050406030204" pitchFamily="18" charset="0"/>
+                          </a:rPr>
+                          <m:t>𝜇</m:t>
+                        </m:r>
+                      </m:e>
+                      <m:e>
+                        <m:r>
+                          <a:rPr lang="en-IN" b="0" i="1" smtClean="0">
+                            <a:latin typeface="Cambria Math" panose="02040503050406030204" pitchFamily="18" charset="0"/>
+                          </a:rPr>
+                          <m:t>𝑦</m:t>
+                        </m:r>
+                      </m:e>
+                    </m:d>
+                  </m:oMath>
+                </a14:m>
+                <a:r>
+                  <a:rPr lang="en-IN" dirty="0" smtClean="0"/>
+                  <a:t>?</a:t>
+                </a:r>
+              </a:p>
+              <a:p>
+                <a:r>
+                  <a:rPr lang="en-IN" dirty="0" smtClean="0"/>
+                  <a:t>Are the mixture proportions correctly identified? </a:t>
+                </a:r>
+              </a:p>
+              <a:p>
+                <a:r>
+                  <a:rPr lang="en-IN" dirty="0" smtClean="0"/>
+                  <a:t>(check the posterior predictive distributions mean)</a:t>
+                </a:r>
+              </a:p>
+              <a:p>
+                <a:r>
+                  <a:rPr lang="en-IN" dirty="0" smtClean="0"/>
+                  <a:t>How about looking at convergence? Running mean </a:t>
+                </a:r>
+                <a:r>
+                  <a:rPr lang="en-IN" dirty="0" err="1" smtClean="0"/>
+                  <a:t>etc</a:t>
+                </a:r>
+                <a:endParaRPr lang="en-IN" dirty="0" smtClean="0"/>
+              </a:p>
+              <a:p>
+                <a:r>
+                  <a:rPr lang="en-IN" dirty="0" smtClean="0">
+                    <a:solidFill>
+                      <a:srgbClr val="FF0000"/>
+                    </a:solidFill>
+                  </a:rPr>
+                  <a:t>Mean, min, max are affected in terms of the width of 95%HPDI. they become wider if you tried more components than needed….other moments don’t seem to be that affected in this sense</a:t>
+                </a:r>
+              </a:p>
+              <a:p>
+                <a:r>
+                  <a:rPr lang="en-IN" dirty="0" smtClean="0">
+                    <a:solidFill>
+                      <a:srgbClr val="FF0000"/>
+                    </a:solidFill>
+                  </a:rPr>
+                  <a:t>If you have less components than needed then the higher order moments are not in the </a:t>
+                </a:r>
+                <a:r>
+                  <a:rPr lang="en-IN" dirty="0" smtClean="0">
+                    <a:solidFill>
+                      <a:srgbClr val="FF0000"/>
+                    </a:solidFill>
+                  </a:rPr>
+                  <a:t>95%HPDI…..</a:t>
+                </a:r>
+                <a:r>
+                  <a:rPr lang="en-IN" dirty="0" err="1" smtClean="0">
+                    <a:solidFill>
+                      <a:srgbClr val="FF0000"/>
+                    </a:solidFill>
+                  </a:rPr>
+                  <a:t>Mardia’s</a:t>
+                </a:r>
+                <a:r>
+                  <a:rPr lang="en-IN" dirty="0" smtClean="0">
+                    <a:solidFill>
+                      <a:srgbClr val="FF0000"/>
+                    </a:solidFill>
+                  </a:rPr>
+                  <a:t> test skewness vs. kurtosis </a:t>
+                </a:r>
+                <a:r>
+                  <a:rPr lang="en-IN" dirty="0" err="1" smtClean="0">
+                    <a:solidFill>
+                      <a:srgbClr val="FF0000"/>
+                    </a:solidFill>
+                  </a:rPr>
+                  <a:t>etc</a:t>
+                </a:r>
+                <a:r>
+                  <a:rPr lang="en-IN" dirty="0" smtClean="0">
+                    <a:solidFill>
+                      <a:srgbClr val="FF0000"/>
+                    </a:solidFill>
+                  </a:rPr>
+                  <a:t> didn’t agree</a:t>
+                </a:r>
+                <a:endParaRPr lang="en-IN" dirty="0" smtClean="0">
+                  <a:solidFill>
+                    <a:srgbClr val="FF0000"/>
+                  </a:solidFill>
+                </a:endParaRPr>
+              </a:p>
+              <a:p>
+                <a:r>
+                  <a:rPr lang="en-IN" dirty="0" smtClean="0"/>
+                  <a:t>MAPE density plot and 95%HPDI</a:t>
+                </a:r>
+              </a:p>
+              <a:p>
+                <a:r>
+                  <a:rPr lang="en-IN" dirty="0" smtClean="0"/>
+                  <a:t>In 2D: mean </a:t>
+                </a:r>
+                <a:r>
+                  <a:rPr lang="en-IN" dirty="0" err="1" smtClean="0"/>
+                  <a:t>mahalanobis</a:t>
+                </a:r>
+                <a:r>
+                  <a:rPr lang="en-IN" dirty="0" smtClean="0"/>
+                  <a:t> distance to other components can be checked. It becomes skewed on choosing higher number of elements. So the right number of components.</a:t>
+                </a:r>
+                <a:endParaRPr lang="en-IN" dirty="0"/>
+              </a:p>
+            </p:txBody>
+          </p:sp>
+        </mc:Choice>
+        <mc:Fallback>
+          <p:sp>
+            <p:nvSpPr>
+              <p:cNvPr id="3" name="Content Placeholder 2"/>
+              <p:cNvSpPr>
+                <a:spLocks noGrp="1" noRot="1" noChangeAspect="1" noMove="1" noResize="1" noEditPoints="1" noAdjustHandles="1" noChangeArrowheads="1" noChangeShapeType="1" noTextEdit="1"/>
+              </p:cNvSpPr>
+              <p:nvPr>
+                <p:ph idx="1"/>
+              </p:nvPr>
+            </p:nvSpPr>
+            <p:spPr>
+              <a:blipFill rotWithShape="0">
+                <a:blip r:embed="rId3"/>
+                <a:stretch>
+                  <a:fillRect l="-606" t="-2273" r="-788" b="-2727"/>
+                </a:stretch>
+              </a:blipFill>
+            </p:spPr>
+            <p:txBody>
+              <a:bodyPr/>
+              <a:lstStyle/>
+              <a:p>
+                <a:r>
+                  <a:rPr lang="en-IN">
+                    <a:noFill/>
+                  </a:rPr>
+                  <a:t> </a:t>
+                </a:r>
+              </a:p>
+            </p:txBody>
+          </p:sp>
+        </mc:Fallback>
+      </mc:AlternateContent>
       <p:sp>
         <p:nvSpPr>
           <p:cNvPr id="4" name="Slide Number Placeholder 3"/>
@@ -26964,7 +26412,7 @@
     </p:spTree>
     <p:extLst>
       <p:ext uri="{BB962C8B-B14F-4D97-AF65-F5344CB8AC3E}">
-        <p14:creationId xmlns:p14="http://schemas.microsoft.com/office/powerpoint/2010/main" val="4071190941"/>
+        <p14:creationId xmlns:p14="http://schemas.microsoft.com/office/powerpoint/2010/main" val="1393650434"/>
       </p:ext>
     </p:extLst>
   </p:cSld>
@@ -27638,7 +27086,7 @@
           <a:p>
             <a:r>
               <a:rPr lang="en-IN" dirty="0" smtClean="0"/>
-              <a:t>What remains?</a:t>
+              <a:t>Discussion</a:t>
             </a:r>
             <a:endParaRPr lang="en-IN" dirty="0"/>
           </a:p>
@@ -27661,17 +27109,37 @@
           <a:p>
             <a:r>
               <a:rPr lang="en-IN" dirty="0" smtClean="0"/>
-              <a:t>Other Bayesian measures</a:t>
+              <a:t>Talk about negative </a:t>
+            </a:r>
+            <a:r>
+              <a:rPr lang="en-IN" dirty="0" err="1" smtClean="0"/>
+              <a:t>pD</a:t>
+            </a:r>
+            <a:endParaRPr lang="en-IN" dirty="0" smtClean="0"/>
+          </a:p>
+          <a:p>
+            <a:r>
+              <a:rPr lang="en-IN" dirty="0" smtClean="0"/>
+              <a:t>What are the equations and results</a:t>
+            </a:r>
+            <a:r>
+              <a:rPr lang="en-IN" dirty="0" smtClean="0"/>
+              <a:t>.</a:t>
             </a:r>
           </a:p>
           <a:p>
             <a:r>
               <a:rPr lang="en-IN" dirty="0" smtClean="0"/>
-              <a:t>Modelling the data</a:t>
+              <a:t>Talk about priors </a:t>
             </a:r>
-            <a:endParaRPr lang="en-IN" dirty="0" smtClean="0"/>
-          </a:p>
-          <a:p>
+            <a:r>
+              <a:rPr lang="en-IN" dirty="0" err="1" smtClean="0"/>
+              <a:t>etc</a:t>
+            </a:r>
+            <a:r>
+              <a:rPr lang="en-IN" smtClean="0"/>
+              <a:t>….that you used</a:t>
+            </a:r>
             <a:endParaRPr lang="en-IN" dirty="0" smtClean="0"/>
           </a:p>
           <a:p>
@@ -27706,6 +27174,117 @@
     </p:spTree>
     <p:extLst>
       <p:ext uri="{BB962C8B-B14F-4D97-AF65-F5344CB8AC3E}">
+        <p14:creationId xmlns:p14="http://schemas.microsoft.com/office/powerpoint/2010/main" val="4071190941"/>
+      </p:ext>
+    </p:extLst>
+  </p:cSld>
+  <p:clrMapOvr>
+    <a:masterClrMapping/>
+  </p:clrMapOvr>
+</p:sld>
+</file>
+
+<file path=ppt/slides/slide21.xml><?xml version="1.0" encoding="utf-8"?>
+<p:sld xmlns:a="http://schemas.openxmlformats.org/drawingml/2006/main" xmlns:r="http://schemas.openxmlformats.org/officeDocument/2006/relationships" xmlns:p="http://schemas.openxmlformats.org/presentationml/2006/main">
+  <p:cSld>
+    <p:spTree>
+      <p:nvGrpSpPr>
+        <p:cNvPr id="1" name=""/>
+        <p:cNvGrpSpPr/>
+        <p:nvPr/>
+      </p:nvGrpSpPr>
+      <p:grpSpPr>
+        <a:xfrm>
+          <a:off x="0" y="0"/>
+          <a:ext cx="0" cy="0"/>
+          <a:chOff x="0" y="0"/>
+          <a:chExt cx="0" cy="0"/>
+        </a:xfrm>
+      </p:grpSpPr>
+      <p:sp>
+        <p:nvSpPr>
+          <p:cNvPr id="2" name="Title 1"/>
+          <p:cNvSpPr>
+            <a:spLocks noGrp="1"/>
+          </p:cNvSpPr>
+          <p:nvPr>
+            <p:ph type="title"/>
+          </p:nvPr>
+        </p:nvSpPr>
+        <p:spPr/>
+        <p:txBody>
+          <a:bodyPr/>
+          <a:lstStyle/>
+          <a:p>
+            <a:r>
+              <a:rPr lang="en-IN" dirty="0" smtClean="0"/>
+              <a:t>What remains?</a:t>
+            </a:r>
+            <a:endParaRPr lang="en-IN" dirty="0"/>
+          </a:p>
+        </p:txBody>
+      </p:sp>
+      <p:sp>
+        <p:nvSpPr>
+          <p:cNvPr id="3" name="Content Placeholder 2"/>
+          <p:cNvSpPr>
+            <a:spLocks noGrp="1"/>
+          </p:cNvSpPr>
+          <p:nvPr>
+            <p:ph idx="1"/>
+          </p:nvPr>
+        </p:nvSpPr>
+        <p:spPr/>
+        <p:txBody>
+          <a:bodyPr/>
+          <a:lstStyle/>
+          <a:p>
+            <a:r>
+              <a:rPr lang="en-IN" dirty="0" smtClean="0"/>
+              <a:t>Other Bayesian measures</a:t>
+            </a:r>
+          </a:p>
+          <a:p>
+            <a:r>
+              <a:rPr lang="en-IN" dirty="0" smtClean="0"/>
+              <a:t>Modelling the data</a:t>
+            </a:r>
+          </a:p>
+          <a:p>
+            <a:endParaRPr lang="en-IN" dirty="0" smtClean="0"/>
+          </a:p>
+          <a:p>
+            <a:endParaRPr lang="en-IN" dirty="0"/>
+          </a:p>
+        </p:txBody>
+      </p:sp>
+      <p:sp>
+        <p:nvSpPr>
+          <p:cNvPr id="4" name="Slide Number Placeholder 3"/>
+          <p:cNvSpPr>
+            <a:spLocks noGrp="1"/>
+          </p:cNvSpPr>
+          <p:nvPr>
+            <p:ph type="sldNum" sz="quarter" idx="12"/>
+          </p:nvPr>
+        </p:nvSpPr>
+        <p:spPr/>
+        <p:txBody>
+          <a:bodyPr/>
+          <a:lstStyle/>
+          <a:p>
+            <a:fld id="{6113E31D-E2AB-40D1-8B51-AFA5AFEF393A}" type="slidenum">
+              <a:rPr lang="en-US" smtClean="0"/>
+              <a:pPr/>
+              <a:t>21</a:t>
+            </a:fld>
+            <a:endParaRPr lang="en-US" dirty="0"/>
+          </a:p>
+        </p:txBody>
+      </p:sp>
+    </p:spTree>
+    <p:extLst>
+      <p:ext uri="{BB962C8B-B14F-4D97-AF65-F5344CB8AC3E}">
         <p14:creationId xmlns:p14="http://schemas.microsoft.com/office/powerpoint/2010/main" val="368656516"/>
       </p:ext>
     </p:extLst>
@@ -27723,7 +27302,7 @@
 </p:sld>
 </file>
 
-<file path=ppt/slides/slide21.xml><?xml version="1.0" encoding="utf-8"?>
+<file path=ppt/slides/slide22.xml><?xml version="1.0" encoding="utf-8"?>
 <p:sld xmlns:a="http://schemas.openxmlformats.org/drawingml/2006/main" xmlns:r="http://schemas.openxmlformats.org/officeDocument/2006/relationships" xmlns:p="http://schemas.openxmlformats.org/presentationml/2006/main">
   <p:cSld>
     <p:spTree>
@@ -27800,7 +27379,7 @@
             <a:fld id="{6113E31D-E2AB-40D1-8B51-AFA5AFEF393A}" type="slidenum">
               <a:rPr lang="en-US" smtClean="0"/>
               <a:pPr/>
-              <a:t>21</a:t>
+              <a:t>22</a:t>
             </a:fld>
             <a:endParaRPr lang="en-US" dirty="0"/>
           </a:p>
@@ -27819,7 +27398,7 @@
 </p:sld>
 </file>
 
-<file path=ppt/slides/slide22.xml><?xml version="1.0" encoding="utf-8"?>
+<file path=ppt/slides/slide23.xml><?xml version="1.0" encoding="utf-8"?>
 <p:sld xmlns:a="http://schemas.openxmlformats.org/drawingml/2006/main" xmlns:r="http://schemas.openxmlformats.org/officeDocument/2006/relationships" xmlns:p="http://schemas.openxmlformats.org/presentationml/2006/main">
   <p:cSld>
     <p:spTree>
@@ -27902,7 +27481,7 @@
             <a:fld id="{6113E31D-E2AB-40D1-8B51-AFA5AFEF393A}" type="slidenum">
               <a:rPr lang="en-US" smtClean="0"/>
               <a:pPr/>
-              <a:t>22</a:t>
+              <a:t>23</a:t>
             </a:fld>
             <a:endParaRPr lang="en-US" dirty="0"/>
           </a:p>
@@ -27928,7 +27507,7 @@
 </p:sld>
 </file>
 
-<file path=ppt/slides/slide23.xml><?xml version="1.0" encoding="utf-8"?>
+<file path=ppt/slides/slide24.xml><?xml version="1.0" encoding="utf-8"?>
 <p:sld xmlns:a="http://schemas.openxmlformats.org/drawingml/2006/main" xmlns:r="http://schemas.openxmlformats.org/officeDocument/2006/relationships" xmlns:p="http://schemas.openxmlformats.org/presentationml/2006/main">
   <p:cSld>
     <p:spTree>
@@ -27986,7 +27565,7 @@
             <a:fld id="{6113E31D-E2AB-40D1-8B51-AFA5AFEF393A}" type="slidenum">
               <a:rPr lang="en-US" smtClean="0"/>
               <a:pPr/>
-              <a:t>23</a:t>
+              <a:t>24</a:t>
             </a:fld>
             <a:endParaRPr lang="en-US" dirty="0"/>
           </a:p>

--- a/mid term presentation.pptx
+++ b/mid term presentation.pptx
@@ -10415,7 +10415,7 @@
           <a:p>
             <a:fld id="{3D63F0B7-4086-4782-831C-AF1C749D82D7}" type="datetimeFigureOut">
               <a:rPr lang="en-US"/>
-              <a:t>3/7/2016</a:t>
+              <a:t>3/12/2016</a:t>
             </a:fld>
             <a:endParaRPr lang="en-US"/>
           </a:p>
@@ -10990,7 +10990,7 @@
           <a:p>
             <a:fld id="{5DEC605F-B7B5-4674-B28F-F497069155F3}" type="datetime1">
               <a:rPr lang="en-US" smtClean="0"/>
-              <a:t>3/7/2016</a:t>
+              <a:t>3/12/2016</a:t>
             </a:fld>
             <a:endParaRPr lang="en-US" dirty="0"/>
           </a:p>
@@ -11257,7 +11257,7 @@
           <a:p>
             <a:fld id="{4C9717C8-88C9-46F3-9C17-B8958533C4E1}" type="datetime1">
               <a:rPr lang="en-US" smtClean="0"/>
-              <a:t>3/7/2016</a:t>
+              <a:t>3/12/2016</a:t>
             </a:fld>
             <a:endParaRPr lang="en-US" dirty="0"/>
           </a:p>
@@ -11518,7 +11518,7 @@
           <a:p>
             <a:fld id="{DFB31FA2-3C95-4DA0-8F94-C773F1282CF8}" type="datetime1">
               <a:rPr lang="en-US" smtClean="0"/>
-              <a:t>3/7/2016</a:t>
+              <a:t>3/12/2016</a:t>
             </a:fld>
             <a:endParaRPr lang="en-US" dirty="0"/>
           </a:p>
@@ -11751,7 +11751,7 @@
           <a:p>
             <a:fld id="{96C4D736-4FC0-44DB-B5A6-0A892DCF338F}" type="datetime1">
               <a:rPr lang="en-US" smtClean="0"/>
-              <a:t>3/7/2016</a:t>
+              <a:t>3/12/2016</a:t>
             </a:fld>
             <a:endParaRPr lang="en-US" dirty="0"/>
           </a:p>
@@ -12159,7 +12159,7 @@
           <a:p>
             <a:fld id="{8434BA4B-5710-4911-9B3D-361AE1C407A7}" type="datetime1">
               <a:rPr lang="en-US" smtClean="0"/>
-              <a:t>3/7/2016</a:t>
+              <a:t>3/12/2016</a:t>
             </a:fld>
             <a:endParaRPr lang="en-US" dirty="0"/>
           </a:p>
@@ -12492,7 +12492,7 @@
           <a:p>
             <a:fld id="{E58D5AF2-506B-4141-A603-D2627314BA60}" type="datetime1">
               <a:rPr lang="en-US" smtClean="0"/>
-              <a:t>3/7/2016</a:t>
+              <a:t>3/12/2016</a:t>
             </a:fld>
             <a:endParaRPr lang="en-US" dirty="0"/>
           </a:p>
@@ -12875,7 +12875,7 @@
           <a:p>
             <a:fld id="{8C40E3F5-6B12-4EED-A57B-44737E7E5497}" type="datetime1">
               <a:rPr lang="en-US" smtClean="0"/>
-              <a:t>3/7/2016</a:t>
+              <a:t>3/12/2016</a:t>
             </a:fld>
             <a:endParaRPr lang="en-US" dirty="0"/>
           </a:p>
@@ -12992,7 +12992,7 @@
           <a:p>
             <a:fld id="{2E252D13-B46F-4D3C-9B9E-2F84E2367EE6}" type="datetime1">
               <a:rPr lang="en-US" smtClean="0"/>
-              <a:t>3/7/2016</a:t>
+              <a:t>3/12/2016</a:t>
             </a:fld>
             <a:endParaRPr lang="en-US" dirty="0"/>
           </a:p>
@@ -13163,7 +13163,7 @@
           <a:p>
             <a:fld id="{A06F4D39-EBA1-485E-BCB4-E8BD13DB3677}" type="datetime1">
               <a:rPr lang="en-US" smtClean="0"/>
-              <a:t>3/7/2016</a:t>
+              <a:t>3/12/2016</a:t>
             </a:fld>
             <a:endParaRPr lang="en-US" dirty="0"/>
           </a:p>
@@ -13577,7 +13577,7 @@
           <a:p>
             <a:fld id="{49207368-093B-4F7E-A616-1FF43E4A3B8A}" type="datetime1">
               <a:rPr lang="en-US" smtClean="0"/>
-              <a:t>3/7/2016</a:t>
+              <a:t>3/12/2016</a:t>
             </a:fld>
             <a:endParaRPr lang="en-US" dirty="0"/>
           </a:p>
@@ -14014,7 +14014,7 @@
           <a:p>
             <a:fld id="{94847F1A-F40B-4094-98BB-85D8FC957A3E}" type="datetime1">
               <a:rPr lang="en-US" smtClean="0"/>
-              <a:t>3/7/2016</a:t>
+              <a:t>3/12/2016</a:t>
             </a:fld>
             <a:endParaRPr lang="en-US" dirty="0"/>
           </a:p>
@@ -14360,7 +14360,7 @@
           <a:p>
             <a:fld id="{32136411-0D9C-4584-8A4E-0CB0C8665326}" type="datetime1">
               <a:rPr lang="en-US" smtClean="0"/>
-              <a:t>3/7/2016</a:t>
+              <a:t>3/12/2016</a:t>
             </a:fld>
             <a:endParaRPr lang="en-US" dirty="0"/>
           </a:p>
@@ -26176,8 +26176,8 @@
           </p:sp>
         </mc:Fallback>
       </mc:AlternateContent>
-      <mc:AlternateContent xmlns:mc="http://schemas.openxmlformats.org/markup-compatibility/2006">
-        <mc:Choice xmlns:a14="http://schemas.microsoft.com/office/drawing/2010/main" Requires="a14">
+      <mc:AlternateContent xmlns:mc="http://schemas.openxmlformats.org/markup-compatibility/2006" xmlns:a14="http://schemas.microsoft.com/office/drawing/2010/main">
+        <mc:Choice Requires="a14">
           <p:sp>
             <p:nvSpPr>
               <p:cNvPr id="3" name="Content Placeholder 2"/>
@@ -26279,15 +26279,7 @@
                       <a:srgbClr val="FF0000"/>
                     </a:solidFill>
                   </a:rPr>
-                  <a:t>If you have less components than needed then the higher order moments are not in the </a:t>
-                </a:r>
-                <a:r>
-                  <a:rPr lang="en-IN" dirty="0" smtClean="0">
-                    <a:solidFill>
-                      <a:srgbClr val="FF0000"/>
-                    </a:solidFill>
-                  </a:rPr>
-                  <a:t>95%HPDI…..</a:t>
+                  <a:t>If you have less components than needed then the higher order moments are not in the 95%HPDI…..</a:t>
                 </a:r>
                 <a:r>
                   <a:rPr lang="en-IN" dirty="0" err="1" smtClean="0">
@@ -26321,11 +26313,6 @@
                   </a:rPr>
                   <a:t> didn’t agree</a:t>
                 </a:r>
-                <a:endParaRPr lang="en-IN" dirty="0" smtClean="0">
-                  <a:solidFill>
-                    <a:srgbClr val="FF0000"/>
-                  </a:solidFill>
-                </a:endParaRPr>
               </a:p>
               <a:p>
                 <a:r>
@@ -26351,7 +26338,7 @@
             </p:txBody>
           </p:sp>
         </mc:Choice>
-        <mc:Fallback>
+        <mc:Fallback xmlns="">
           <p:sp>
             <p:nvSpPr>
               <p:cNvPr id="3" name="Content Placeholder 2"/>
@@ -27120,11 +27107,7 @@
           <a:p>
             <a:r>
               <a:rPr lang="en-IN" dirty="0" smtClean="0"/>
-              <a:t>What are the equations and results</a:t>
-            </a:r>
-            <a:r>
-              <a:rPr lang="en-IN" dirty="0" smtClean="0"/>
-              <a:t>.</a:t>
+              <a:t>What are the equations and results.</a:t>
             </a:r>
           </a:p>
           <a:p>
@@ -27137,8 +27120,28 @@
               <a:t>etc</a:t>
             </a:r>
             <a:r>
+              <a:rPr lang="en-IN" dirty="0" smtClean="0"/>
+              <a:t>….that you </a:t>
+            </a:r>
+            <a:r>
+              <a:rPr lang="en-IN" dirty="0" smtClean="0"/>
+              <a:t>used</a:t>
+            </a:r>
+          </a:p>
+          <a:p>
+            <a:r>
+              <a:rPr lang="en-IN" dirty="0" smtClean="0"/>
+              <a:t>JAGS Burn in issue</a:t>
+            </a:r>
+          </a:p>
+          <a:p>
+            <a:r>
+              <a:rPr lang="en-IN" dirty="0" smtClean="0"/>
+              <a:t>JAGS </a:t>
+            </a:r>
+            <a:r>
               <a:rPr lang="en-IN" smtClean="0"/>
-              <a:t>….that you used</a:t>
+              <a:t>constraints issue</a:t>
             </a:r>
             <a:endParaRPr lang="en-IN" dirty="0" smtClean="0"/>
           </a:p>

--- a/mid term presentation.pptx
+++ b/mid term presentation.pptx
@@ -5,7 +5,7 @@
     <p:sldMasterId id="2147483673" r:id="rId1"/>
   </p:sldMasterIdLst>
   <p:notesMasterIdLst>
-    <p:notesMasterId r:id="rId26"/>
+    <p:notesMasterId r:id="rId24"/>
   </p:notesMasterIdLst>
   <p:sldIdLst>
     <p:sldId id="271" r:id="rId2"/>
@@ -17,21 +17,19 @@
     <p:sldId id="278" r:id="rId8"/>
     <p:sldId id="283" r:id="rId9"/>
     <p:sldId id="289" r:id="rId10"/>
-    <p:sldId id="290" r:id="rId11"/>
-    <p:sldId id="285" r:id="rId12"/>
-    <p:sldId id="295" r:id="rId13"/>
-    <p:sldId id="294" r:id="rId14"/>
-    <p:sldId id="287" r:id="rId15"/>
-    <p:sldId id="286" r:id="rId16"/>
-    <p:sldId id="296" r:id="rId17"/>
-    <p:sldId id="297" r:id="rId18"/>
-    <p:sldId id="288" r:id="rId19"/>
-    <p:sldId id="298" r:id="rId20"/>
-    <p:sldId id="292" r:id="rId21"/>
+    <p:sldId id="285" r:id="rId11"/>
+    <p:sldId id="295" r:id="rId12"/>
+    <p:sldId id="294" r:id="rId13"/>
+    <p:sldId id="287" r:id="rId14"/>
+    <p:sldId id="286" r:id="rId15"/>
+    <p:sldId id="296" r:id="rId16"/>
+    <p:sldId id="297" r:id="rId17"/>
+    <p:sldId id="288" r:id="rId18"/>
+    <p:sldId id="299" r:id="rId19"/>
+    <p:sldId id="300" r:id="rId20"/>
+    <p:sldId id="301" r:id="rId21"/>
     <p:sldId id="273" r:id="rId22"/>
-    <p:sldId id="291" r:id="rId23"/>
-    <p:sldId id="274" r:id="rId24"/>
-    <p:sldId id="279" r:id="rId25"/>
+    <p:sldId id="279" r:id="rId23"/>
   </p:sldIdLst>
   <p:sldSz cx="12192000" cy="6858000"/>
   <p:notesSz cx="6858000" cy="9144000"/>
@@ -3137,6 +3135,753 @@
 </dgm:colorsDef>
 </file>
 
+<file path=ppt/diagrams/colors5.xml><?xml version="1.0" encoding="utf-8"?>
+<dgm:colorsDef xmlns:dgm="http://schemas.openxmlformats.org/drawingml/2006/diagram" xmlns:a="http://schemas.openxmlformats.org/drawingml/2006/main" uniqueId="urn:microsoft.com/office/officeart/2005/8/colors/accent1_2">
+  <dgm:title val=""/>
+  <dgm:desc val=""/>
+  <dgm:catLst>
+    <dgm:cat type="accent1" pri="11200"/>
+  </dgm:catLst>
+  <dgm:styleLbl name="node0">
+    <dgm:fillClrLst meth="repeat">
+      <a:schemeClr val="accent1"/>
+    </dgm:fillClrLst>
+    <dgm:linClrLst meth="repeat">
+      <a:schemeClr val="lt1"/>
+    </dgm:linClrLst>
+    <dgm:effectClrLst/>
+    <dgm:txLinClrLst/>
+    <dgm:txFillClrLst/>
+    <dgm:txEffectClrLst/>
+  </dgm:styleLbl>
+  <dgm:styleLbl name="alignNode1">
+    <dgm:fillClrLst meth="repeat">
+      <a:schemeClr val="accent1"/>
+    </dgm:fillClrLst>
+    <dgm:linClrLst meth="repeat">
+      <a:schemeClr val="accent1"/>
+    </dgm:linClrLst>
+    <dgm:effectClrLst/>
+    <dgm:txLinClrLst/>
+    <dgm:txFillClrLst/>
+    <dgm:txEffectClrLst/>
+  </dgm:styleLbl>
+  <dgm:styleLbl name="node1">
+    <dgm:fillClrLst meth="repeat">
+      <a:schemeClr val="accent1"/>
+    </dgm:fillClrLst>
+    <dgm:linClrLst meth="repeat">
+      <a:schemeClr val="lt1"/>
+    </dgm:linClrLst>
+    <dgm:effectClrLst/>
+    <dgm:txLinClrLst/>
+    <dgm:txFillClrLst/>
+    <dgm:txEffectClrLst/>
+  </dgm:styleLbl>
+  <dgm:styleLbl name="lnNode1">
+    <dgm:fillClrLst meth="repeat">
+      <a:schemeClr val="accent1"/>
+    </dgm:fillClrLst>
+    <dgm:linClrLst meth="repeat">
+      <a:schemeClr val="lt1"/>
+    </dgm:linClrLst>
+    <dgm:effectClrLst/>
+    <dgm:txLinClrLst/>
+    <dgm:txFillClrLst/>
+    <dgm:txEffectClrLst/>
+  </dgm:styleLbl>
+  <dgm:styleLbl name="vennNode1">
+    <dgm:fillClrLst meth="repeat">
+      <a:schemeClr val="accent1">
+        <a:alpha val="50000"/>
+      </a:schemeClr>
+    </dgm:fillClrLst>
+    <dgm:linClrLst meth="repeat">
+      <a:schemeClr val="lt1"/>
+    </dgm:linClrLst>
+    <dgm:effectClrLst/>
+    <dgm:txLinClrLst/>
+    <dgm:txFillClrLst/>
+    <dgm:txEffectClrLst/>
+  </dgm:styleLbl>
+  <dgm:styleLbl name="node2">
+    <dgm:fillClrLst meth="repeat">
+      <a:schemeClr val="accent1"/>
+    </dgm:fillClrLst>
+    <dgm:linClrLst meth="repeat">
+      <a:schemeClr val="lt1"/>
+    </dgm:linClrLst>
+    <dgm:effectClrLst/>
+    <dgm:txLinClrLst/>
+    <dgm:txFillClrLst/>
+    <dgm:txEffectClrLst/>
+  </dgm:styleLbl>
+  <dgm:styleLbl name="node3">
+    <dgm:fillClrLst meth="repeat">
+      <a:schemeClr val="accent1"/>
+    </dgm:fillClrLst>
+    <dgm:linClrLst meth="repeat">
+      <a:schemeClr val="lt1"/>
+    </dgm:linClrLst>
+    <dgm:effectClrLst/>
+    <dgm:txLinClrLst/>
+    <dgm:txFillClrLst/>
+    <dgm:txEffectClrLst/>
+  </dgm:styleLbl>
+  <dgm:styleLbl name="node4">
+    <dgm:fillClrLst meth="repeat">
+      <a:schemeClr val="accent1"/>
+    </dgm:fillClrLst>
+    <dgm:linClrLst meth="repeat">
+      <a:schemeClr val="lt1"/>
+    </dgm:linClrLst>
+    <dgm:effectClrLst/>
+    <dgm:txLinClrLst/>
+    <dgm:txFillClrLst/>
+    <dgm:txEffectClrLst/>
+  </dgm:styleLbl>
+  <dgm:styleLbl name="fgImgPlace1">
+    <dgm:fillClrLst meth="repeat">
+      <a:schemeClr val="accent1">
+        <a:tint val="50000"/>
+      </a:schemeClr>
+    </dgm:fillClrLst>
+    <dgm:linClrLst meth="repeat">
+      <a:schemeClr val="lt1"/>
+    </dgm:linClrLst>
+    <dgm:effectClrLst/>
+    <dgm:txLinClrLst/>
+    <dgm:txFillClrLst meth="repeat">
+      <a:schemeClr val="lt1"/>
+    </dgm:txFillClrLst>
+    <dgm:txEffectClrLst/>
+  </dgm:styleLbl>
+  <dgm:styleLbl name="alignImgPlace1">
+    <dgm:fillClrLst meth="repeat">
+      <a:schemeClr val="accent1">
+        <a:tint val="50000"/>
+      </a:schemeClr>
+    </dgm:fillClrLst>
+    <dgm:linClrLst meth="repeat">
+      <a:schemeClr val="lt1"/>
+    </dgm:linClrLst>
+    <dgm:effectClrLst/>
+    <dgm:txLinClrLst/>
+    <dgm:txFillClrLst meth="repeat">
+      <a:schemeClr val="lt1"/>
+    </dgm:txFillClrLst>
+    <dgm:txEffectClrLst/>
+  </dgm:styleLbl>
+  <dgm:styleLbl name="bgImgPlace1">
+    <dgm:fillClrLst meth="repeat">
+      <a:schemeClr val="accent1">
+        <a:tint val="50000"/>
+      </a:schemeClr>
+    </dgm:fillClrLst>
+    <dgm:linClrLst meth="repeat">
+      <a:schemeClr val="lt1"/>
+    </dgm:linClrLst>
+    <dgm:effectClrLst/>
+    <dgm:txLinClrLst/>
+    <dgm:txFillClrLst meth="repeat">
+      <a:schemeClr val="lt1"/>
+    </dgm:txFillClrLst>
+    <dgm:txEffectClrLst/>
+  </dgm:styleLbl>
+  <dgm:styleLbl name="sibTrans2D1">
+    <dgm:fillClrLst meth="repeat">
+      <a:schemeClr val="accent1">
+        <a:tint val="60000"/>
+      </a:schemeClr>
+    </dgm:fillClrLst>
+    <dgm:linClrLst meth="repeat">
+      <a:schemeClr val="accent1">
+        <a:tint val="60000"/>
+      </a:schemeClr>
+    </dgm:linClrLst>
+    <dgm:effectClrLst/>
+    <dgm:txLinClrLst/>
+    <dgm:txFillClrLst/>
+    <dgm:txEffectClrLst/>
+  </dgm:styleLbl>
+  <dgm:styleLbl name="fgSibTrans2D1">
+    <dgm:fillClrLst meth="repeat">
+      <a:schemeClr val="accent1">
+        <a:tint val="60000"/>
+      </a:schemeClr>
+    </dgm:fillClrLst>
+    <dgm:linClrLst meth="repeat">
+      <a:schemeClr val="accent1">
+        <a:tint val="60000"/>
+      </a:schemeClr>
+    </dgm:linClrLst>
+    <dgm:effectClrLst/>
+    <dgm:txLinClrLst/>
+    <dgm:txFillClrLst/>
+    <dgm:txEffectClrLst/>
+  </dgm:styleLbl>
+  <dgm:styleLbl name="bgSibTrans2D1">
+    <dgm:fillClrLst meth="repeat">
+      <a:schemeClr val="accent1">
+        <a:tint val="60000"/>
+      </a:schemeClr>
+    </dgm:fillClrLst>
+    <dgm:linClrLst meth="repeat">
+      <a:schemeClr val="accent1">
+        <a:tint val="60000"/>
+      </a:schemeClr>
+    </dgm:linClrLst>
+    <dgm:effectClrLst/>
+    <dgm:txLinClrLst/>
+    <dgm:txFillClrLst/>
+    <dgm:txEffectClrLst/>
+  </dgm:styleLbl>
+  <dgm:styleLbl name="sibTrans1D1">
+    <dgm:fillClrLst meth="repeat">
+      <a:schemeClr val="accent1"/>
+    </dgm:fillClrLst>
+    <dgm:linClrLst meth="repeat">
+      <a:schemeClr val="accent1"/>
+    </dgm:linClrLst>
+    <dgm:effectClrLst/>
+    <dgm:txLinClrLst/>
+    <dgm:txFillClrLst meth="repeat">
+      <a:schemeClr val="tx1"/>
+    </dgm:txFillClrLst>
+    <dgm:txEffectClrLst/>
+  </dgm:styleLbl>
+  <dgm:styleLbl name="callout">
+    <dgm:fillClrLst meth="repeat">
+      <a:schemeClr val="accent1"/>
+    </dgm:fillClrLst>
+    <dgm:linClrLst meth="repeat">
+      <a:schemeClr val="accent1">
+        <a:tint val="50000"/>
+      </a:schemeClr>
+    </dgm:linClrLst>
+    <dgm:effectClrLst/>
+    <dgm:txLinClrLst/>
+    <dgm:txFillClrLst meth="repeat">
+      <a:schemeClr val="tx1"/>
+    </dgm:txFillClrLst>
+    <dgm:txEffectClrLst/>
+  </dgm:styleLbl>
+  <dgm:styleLbl name="asst0">
+    <dgm:fillClrLst meth="repeat">
+      <a:schemeClr val="accent1"/>
+    </dgm:fillClrLst>
+    <dgm:linClrLst meth="repeat">
+      <a:schemeClr val="lt1"/>
+    </dgm:linClrLst>
+    <dgm:effectClrLst/>
+    <dgm:txLinClrLst/>
+    <dgm:txFillClrLst/>
+    <dgm:txEffectClrLst/>
+  </dgm:styleLbl>
+  <dgm:styleLbl name="asst1">
+    <dgm:fillClrLst meth="repeat">
+      <a:schemeClr val="accent1"/>
+    </dgm:fillClrLst>
+    <dgm:linClrLst meth="repeat">
+      <a:schemeClr val="lt1"/>
+    </dgm:linClrLst>
+    <dgm:effectClrLst/>
+    <dgm:txLinClrLst/>
+    <dgm:txFillClrLst/>
+    <dgm:txEffectClrLst/>
+  </dgm:styleLbl>
+  <dgm:styleLbl name="asst2">
+    <dgm:fillClrLst meth="repeat">
+      <a:schemeClr val="accent1"/>
+    </dgm:fillClrLst>
+    <dgm:linClrLst meth="repeat">
+      <a:schemeClr val="lt1"/>
+    </dgm:linClrLst>
+    <dgm:effectClrLst/>
+    <dgm:txLinClrLst/>
+    <dgm:txFillClrLst/>
+    <dgm:txEffectClrLst/>
+  </dgm:styleLbl>
+  <dgm:styleLbl name="asst3">
+    <dgm:fillClrLst meth="repeat">
+      <a:schemeClr val="accent1"/>
+    </dgm:fillClrLst>
+    <dgm:linClrLst meth="repeat">
+      <a:schemeClr val="lt1"/>
+    </dgm:linClrLst>
+    <dgm:effectClrLst/>
+    <dgm:txLinClrLst/>
+    <dgm:txFillClrLst/>
+    <dgm:txEffectClrLst/>
+  </dgm:styleLbl>
+  <dgm:styleLbl name="asst4">
+    <dgm:fillClrLst meth="repeat">
+      <a:schemeClr val="accent1"/>
+    </dgm:fillClrLst>
+    <dgm:linClrLst meth="repeat">
+      <a:schemeClr val="lt1"/>
+    </dgm:linClrLst>
+    <dgm:effectClrLst/>
+    <dgm:txLinClrLst/>
+    <dgm:txFillClrLst/>
+    <dgm:txEffectClrLst/>
+  </dgm:styleLbl>
+  <dgm:styleLbl name="parChTrans2D1">
+    <dgm:fillClrLst meth="repeat">
+      <a:schemeClr val="accent1">
+        <a:tint val="60000"/>
+      </a:schemeClr>
+    </dgm:fillClrLst>
+    <dgm:linClrLst meth="repeat">
+      <a:schemeClr val="accent1">
+        <a:tint val="60000"/>
+      </a:schemeClr>
+    </dgm:linClrLst>
+    <dgm:effectClrLst/>
+    <dgm:txLinClrLst/>
+    <dgm:txFillClrLst meth="repeat">
+      <a:schemeClr val="lt1"/>
+    </dgm:txFillClrLst>
+    <dgm:txEffectClrLst/>
+  </dgm:styleLbl>
+  <dgm:styleLbl name="parChTrans2D2">
+    <dgm:fillClrLst meth="repeat">
+      <a:schemeClr val="accent1"/>
+    </dgm:fillClrLst>
+    <dgm:linClrLst meth="repeat">
+      <a:schemeClr val="accent1"/>
+    </dgm:linClrLst>
+    <dgm:effectClrLst/>
+    <dgm:txLinClrLst/>
+    <dgm:txFillClrLst meth="repeat">
+      <a:schemeClr val="lt1"/>
+    </dgm:txFillClrLst>
+    <dgm:txEffectClrLst/>
+  </dgm:styleLbl>
+  <dgm:styleLbl name="parChTrans2D3">
+    <dgm:fillClrLst meth="repeat">
+      <a:schemeClr val="accent1"/>
+    </dgm:fillClrLst>
+    <dgm:linClrLst meth="repeat">
+      <a:schemeClr val="accent1"/>
+    </dgm:linClrLst>
+    <dgm:effectClrLst/>
+    <dgm:txLinClrLst/>
+    <dgm:txFillClrLst meth="repeat">
+      <a:schemeClr val="lt1"/>
+    </dgm:txFillClrLst>
+    <dgm:txEffectClrLst/>
+  </dgm:styleLbl>
+  <dgm:styleLbl name="parChTrans2D4">
+    <dgm:fillClrLst meth="repeat">
+      <a:schemeClr val="accent1"/>
+    </dgm:fillClrLst>
+    <dgm:linClrLst meth="repeat">
+      <a:schemeClr val="accent1"/>
+    </dgm:linClrLst>
+    <dgm:effectClrLst/>
+    <dgm:txLinClrLst/>
+    <dgm:txFillClrLst meth="repeat">
+      <a:schemeClr val="lt1"/>
+    </dgm:txFillClrLst>
+    <dgm:txEffectClrLst/>
+  </dgm:styleLbl>
+  <dgm:styleLbl name="parChTrans1D1">
+    <dgm:fillClrLst meth="repeat">
+      <a:schemeClr val="accent1"/>
+    </dgm:fillClrLst>
+    <dgm:linClrLst meth="repeat">
+      <a:schemeClr val="accent1">
+        <a:shade val="60000"/>
+      </a:schemeClr>
+    </dgm:linClrLst>
+    <dgm:effectClrLst/>
+    <dgm:txLinClrLst/>
+    <dgm:txFillClrLst meth="repeat">
+      <a:schemeClr val="tx1"/>
+    </dgm:txFillClrLst>
+    <dgm:txEffectClrLst/>
+  </dgm:styleLbl>
+  <dgm:styleLbl name="parChTrans1D2">
+    <dgm:fillClrLst meth="repeat">
+      <a:schemeClr val="accent1"/>
+    </dgm:fillClrLst>
+    <dgm:linClrLst meth="repeat">
+      <a:schemeClr val="accent1">
+        <a:shade val="60000"/>
+      </a:schemeClr>
+    </dgm:linClrLst>
+    <dgm:effectClrLst/>
+    <dgm:txLinClrLst/>
+    <dgm:txFillClrLst meth="repeat">
+      <a:schemeClr val="tx1"/>
+    </dgm:txFillClrLst>
+    <dgm:txEffectClrLst/>
+  </dgm:styleLbl>
+  <dgm:styleLbl name="parChTrans1D3">
+    <dgm:fillClrLst meth="repeat">
+      <a:schemeClr val="accent1"/>
+    </dgm:fillClrLst>
+    <dgm:linClrLst meth="repeat">
+      <a:schemeClr val="accent1">
+        <a:shade val="80000"/>
+      </a:schemeClr>
+    </dgm:linClrLst>
+    <dgm:effectClrLst/>
+    <dgm:txLinClrLst/>
+    <dgm:txFillClrLst meth="repeat">
+      <a:schemeClr val="tx1"/>
+    </dgm:txFillClrLst>
+    <dgm:txEffectClrLst/>
+  </dgm:styleLbl>
+  <dgm:styleLbl name="parChTrans1D4">
+    <dgm:fillClrLst meth="repeat">
+      <a:schemeClr val="accent1"/>
+    </dgm:fillClrLst>
+    <dgm:linClrLst meth="repeat">
+      <a:schemeClr val="accent1">
+        <a:shade val="80000"/>
+      </a:schemeClr>
+    </dgm:linClrLst>
+    <dgm:effectClrLst/>
+    <dgm:txLinClrLst/>
+    <dgm:txFillClrLst meth="repeat">
+      <a:schemeClr val="tx1"/>
+    </dgm:txFillClrLst>
+    <dgm:txEffectClrLst/>
+  </dgm:styleLbl>
+  <dgm:styleLbl name="fgAcc1">
+    <dgm:fillClrLst meth="repeat">
+      <a:schemeClr val="lt1">
+        <a:alpha val="90000"/>
+      </a:schemeClr>
+    </dgm:fillClrLst>
+    <dgm:linClrLst meth="repeat">
+      <a:schemeClr val="accent1"/>
+    </dgm:linClrLst>
+    <dgm:effectClrLst/>
+    <dgm:txLinClrLst/>
+    <dgm:txFillClrLst meth="repeat">
+      <a:schemeClr val="dk1"/>
+    </dgm:txFillClrLst>
+    <dgm:txEffectClrLst/>
+  </dgm:styleLbl>
+  <dgm:styleLbl name="conFgAcc1">
+    <dgm:fillClrLst meth="repeat">
+      <a:schemeClr val="lt1">
+        <a:alpha val="90000"/>
+      </a:schemeClr>
+    </dgm:fillClrLst>
+    <dgm:linClrLst meth="repeat">
+      <a:schemeClr val="accent1"/>
+    </dgm:linClrLst>
+    <dgm:effectClrLst/>
+    <dgm:txLinClrLst/>
+    <dgm:txFillClrLst meth="repeat">
+      <a:schemeClr val="dk1"/>
+    </dgm:txFillClrLst>
+    <dgm:txEffectClrLst/>
+  </dgm:styleLbl>
+  <dgm:styleLbl name="alignAcc1">
+    <dgm:fillClrLst meth="repeat">
+      <a:schemeClr val="lt1">
+        <a:alpha val="90000"/>
+      </a:schemeClr>
+    </dgm:fillClrLst>
+    <dgm:linClrLst meth="repeat">
+      <a:schemeClr val="accent1"/>
+    </dgm:linClrLst>
+    <dgm:effectClrLst/>
+    <dgm:txLinClrLst/>
+    <dgm:txFillClrLst meth="repeat">
+      <a:schemeClr val="dk1"/>
+    </dgm:txFillClrLst>
+    <dgm:txEffectClrLst/>
+  </dgm:styleLbl>
+  <dgm:styleLbl name="trAlignAcc1">
+    <dgm:fillClrLst meth="repeat">
+      <a:schemeClr val="lt1">
+        <a:alpha val="40000"/>
+      </a:schemeClr>
+    </dgm:fillClrLst>
+    <dgm:linClrLst meth="repeat">
+      <a:schemeClr val="accent1"/>
+    </dgm:linClrLst>
+    <dgm:effectClrLst/>
+    <dgm:txLinClrLst/>
+    <dgm:txFillClrLst meth="repeat">
+      <a:schemeClr val="dk1"/>
+    </dgm:txFillClrLst>
+    <dgm:txEffectClrLst/>
+  </dgm:styleLbl>
+  <dgm:styleLbl name="bgAcc1">
+    <dgm:fillClrLst meth="repeat">
+      <a:schemeClr val="lt1">
+        <a:alpha val="90000"/>
+      </a:schemeClr>
+    </dgm:fillClrLst>
+    <dgm:linClrLst meth="repeat">
+      <a:schemeClr val="accent1"/>
+    </dgm:linClrLst>
+    <dgm:effectClrLst/>
+    <dgm:txLinClrLst/>
+    <dgm:txFillClrLst meth="repeat">
+      <a:schemeClr val="dk1"/>
+    </dgm:txFillClrLst>
+    <dgm:txEffectClrLst/>
+  </dgm:styleLbl>
+  <dgm:styleLbl name="solidFgAcc1">
+    <dgm:fillClrLst meth="repeat">
+      <a:schemeClr val="lt1"/>
+    </dgm:fillClrLst>
+    <dgm:linClrLst meth="repeat">
+      <a:schemeClr val="accent1"/>
+    </dgm:linClrLst>
+    <dgm:effectClrLst/>
+    <dgm:txLinClrLst/>
+    <dgm:txFillClrLst meth="repeat">
+      <a:schemeClr val="dk1"/>
+    </dgm:txFillClrLst>
+    <dgm:txEffectClrLst/>
+  </dgm:styleLbl>
+  <dgm:styleLbl name="solidAlignAcc1">
+    <dgm:fillClrLst meth="repeat">
+      <a:schemeClr val="lt1"/>
+    </dgm:fillClrLst>
+    <dgm:linClrLst meth="repeat">
+      <a:schemeClr val="accent1"/>
+    </dgm:linClrLst>
+    <dgm:effectClrLst/>
+    <dgm:txLinClrLst/>
+    <dgm:txFillClrLst meth="repeat">
+      <a:schemeClr val="dk1"/>
+    </dgm:txFillClrLst>
+    <dgm:txEffectClrLst/>
+  </dgm:styleLbl>
+  <dgm:styleLbl name="solidBgAcc1">
+    <dgm:fillClrLst meth="repeat">
+      <a:schemeClr val="lt1"/>
+    </dgm:fillClrLst>
+    <dgm:linClrLst meth="repeat">
+      <a:schemeClr val="accent1"/>
+    </dgm:linClrLst>
+    <dgm:effectClrLst/>
+    <dgm:txLinClrLst/>
+    <dgm:txFillClrLst meth="repeat">
+      <a:schemeClr val="dk1"/>
+    </dgm:txFillClrLst>
+    <dgm:txEffectClrLst/>
+  </dgm:styleLbl>
+  <dgm:styleLbl name="fgAccFollowNode1">
+    <dgm:fillClrLst meth="repeat">
+      <a:schemeClr val="accent1">
+        <a:alpha val="90000"/>
+        <a:tint val="40000"/>
+      </a:schemeClr>
+    </dgm:fillClrLst>
+    <dgm:linClrLst meth="repeat">
+      <a:schemeClr val="accent1">
+        <a:alpha val="90000"/>
+        <a:tint val="40000"/>
+      </a:schemeClr>
+    </dgm:linClrLst>
+    <dgm:effectClrLst/>
+    <dgm:txLinClrLst/>
+    <dgm:txFillClrLst meth="repeat">
+      <a:schemeClr val="dk1"/>
+    </dgm:txFillClrLst>
+    <dgm:txEffectClrLst/>
+  </dgm:styleLbl>
+  <dgm:styleLbl name="alignAccFollowNode1">
+    <dgm:fillClrLst meth="repeat">
+      <a:schemeClr val="accent1">
+        <a:alpha val="90000"/>
+        <a:tint val="40000"/>
+      </a:schemeClr>
+    </dgm:fillClrLst>
+    <dgm:linClrLst meth="repeat">
+      <a:schemeClr val="accent1">
+        <a:alpha val="90000"/>
+        <a:tint val="40000"/>
+      </a:schemeClr>
+    </dgm:linClrLst>
+    <dgm:effectClrLst/>
+    <dgm:txLinClrLst/>
+    <dgm:txFillClrLst meth="repeat">
+      <a:schemeClr val="dk1"/>
+    </dgm:txFillClrLst>
+    <dgm:txEffectClrLst/>
+  </dgm:styleLbl>
+  <dgm:styleLbl name="bgAccFollowNode1">
+    <dgm:fillClrLst meth="repeat">
+      <a:schemeClr val="accent1">
+        <a:alpha val="90000"/>
+        <a:tint val="40000"/>
+      </a:schemeClr>
+    </dgm:fillClrLst>
+    <dgm:linClrLst meth="repeat">
+      <a:schemeClr val="accent1">
+        <a:alpha val="90000"/>
+        <a:tint val="40000"/>
+      </a:schemeClr>
+    </dgm:linClrLst>
+    <dgm:effectClrLst/>
+    <dgm:txLinClrLst/>
+    <dgm:txFillClrLst meth="repeat">
+      <a:schemeClr val="dk1"/>
+    </dgm:txFillClrLst>
+    <dgm:txEffectClrLst/>
+  </dgm:styleLbl>
+  <dgm:styleLbl name="fgAcc0">
+    <dgm:fillClrLst meth="repeat">
+      <a:schemeClr val="lt1">
+        <a:alpha val="90000"/>
+      </a:schemeClr>
+    </dgm:fillClrLst>
+    <dgm:linClrLst meth="repeat">
+      <a:schemeClr val="accent1"/>
+    </dgm:linClrLst>
+    <dgm:effectClrLst/>
+    <dgm:txLinClrLst/>
+    <dgm:txFillClrLst meth="repeat">
+      <a:schemeClr val="dk1"/>
+    </dgm:txFillClrLst>
+    <dgm:txEffectClrLst/>
+  </dgm:styleLbl>
+  <dgm:styleLbl name="fgAcc2">
+    <dgm:fillClrLst meth="repeat">
+      <a:schemeClr val="lt1">
+        <a:alpha val="90000"/>
+      </a:schemeClr>
+    </dgm:fillClrLst>
+    <dgm:linClrLst meth="repeat">
+      <a:schemeClr val="accent1"/>
+    </dgm:linClrLst>
+    <dgm:effectClrLst/>
+    <dgm:txLinClrLst/>
+    <dgm:txFillClrLst meth="repeat">
+      <a:schemeClr val="dk1"/>
+    </dgm:txFillClrLst>
+    <dgm:txEffectClrLst/>
+  </dgm:styleLbl>
+  <dgm:styleLbl name="fgAcc3">
+    <dgm:fillClrLst meth="repeat">
+      <a:schemeClr val="lt1">
+        <a:alpha val="90000"/>
+      </a:schemeClr>
+    </dgm:fillClrLst>
+    <dgm:linClrLst meth="repeat">
+      <a:schemeClr val="accent1"/>
+    </dgm:linClrLst>
+    <dgm:effectClrLst/>
+    <dgm:txLinClrLst/>
+    <dgm:txFillClrLst meth="repeat">
+      <a:schemeClr val="dk1"/>
+    </dgm:txFillClrLst>
+    <dgm:txEffectClrLst/>
+  </dgm:styleLbl>
+  <dgm:styleLbl name="fgAcc4">
+    <dgm:fillClrLst meth="repeat">
+      <a:schemeClr val="lt1">
+        <a:alpha val="90000"/>
+      </a:schemeClr>
+    </dgm:fillClrLst>
+    <dgm:linClrLst meth="repeat">
+      <a:schemeClr val="accent1"/>
+    </dgm:linClrLst>
+    <dgm:effectClrLst/>
+    <dgm:txLinClrLst/>
+    <dgm:txFillClrLst meth="repeat">
+      <a:schemeClr val="dk1"/>
+    </dgm:txFillClrLst>
+    <dgm:txEffectClrLst/>
+  </dgm:styleLbl>
+  <dgm:styleLbl name="bgShp">
+    <dgm:fillClrLst meth="repeat">
+      <a:schemeClr val="accent1">
+        <a:tint val="40000"/>
+      </a:schemeClr>
+    </dgm:fillClrLst>
+    <dgm:linClrLst meth="repeat">
+      <a:schemeClr val="accent1"/>
+    </dgm:linClrLst>
+    <dgm:effectClrLst/>
+    <dgm:txLinClrLst/>
+    <dgm:txFillClrLst meth="repeat">
+      <a:schemeClr val="dk1"/>
+    </dgm:txFillClrLst>
+    <dgm:txEffectClrLst/>
+  </dgm:styleLbl>
+  <dgm:styleLbl name="dkBgShp">
+    <dgm:fillClrLst meth="repeat">
+      <a:schemeClr val="accent1">
+        <a:shade val="80000"/>
+      </a:schemeClr>
+    </dgm:fillClrLst>
+    <dgm:linClrLst meth="repeat">
+      <a:schemeClr val="accent1"/>
+    </dgm:linClrLst>
+    <dgm:effectClrLst/>
+    <dgm:txLinClrLst/>
+    <dgm:txFillClrLst meth="repeat">
+      <a:schemeClr val="lt1"/>
+    </dgm:txFillClrLst>
+    <dgm:txEffectClrLst/>
+  </dgm:styleLbl>
+  <dgm:styleLbl name="trBgShp">
+    <dgm:fillClrLst meth="repeat">
+      <a:schemeClr val="accent1">
+        <a:tint val="50000"/>
+        <a:alpha val="40000"/>
+      </a:schemeClr>
+    </dgm:fillClrLst>
+    <dgm:linClrLst meth="repeat">
+      <a:schemeClr val="accent1"/>
+    </dgm:linClrLst>
+    <dgm:effectClrLst/>
+    <dgm:txLinClrLst/>
+    <dgm:txFillClrLst meth="repeat">
+      <a:schemeClr val="lt1"/>
+    </dgm:txFillClrLst>
+    <dgm:txEffectClrLst/>
+  </dgm:styleLbl>
+  <dgm:styleLbl name="fgShp">
+    <dgm:fillClrLst meth="repeat">
+      <a:schemeClr val="accent1">
+        <a:tint val="60000"/>
+      </a:schemeClr>
+    </dgm:fillClrLst>
+    <dgm:linClrLst meth="repeat">
+      <a:schemeClr val="lt1"/>
+    </dgm:linClrLst>
+    <dgm:effectClrLst/>
+    <dgm:txLinClrLst/>
+    <dgm:txFillClrLst meth="repeat">
+      <a:schemeClr val="dk1"/>
+    </dgm:txFillClrLst>
+    <dgm:txEffectClrLst/>
+  </dgm:styleLbl>
+  <dgm:styleLbl name="revTx">
+    <dgm:fillClrLst meth="repeat">
+      <a:schemeClr val="lt1">
+        <a:alpha val="0"/>
+      </a:schemeClr>
+    </dgm:fillClrLst>
+    <dgm:linClrLst meth="repeat">
+      <a:schemeClr val="dk1">
+        <a:alpha val="0"/>
+      </a:schemeClr>
+    </dgm:linClrLst>
+    <dgm:effectClrLst/>
+    <dgm:txLinClrLst/>
+    <dgm:txFillClrLst meth="repeat">
+      <a:schemeClr val="tx1"/>
+    </dgm:txFillClrLst>
+    <dgm:txEffectClrLst/>
+  </dgm:styleLbl>
+</dgm:colorsDef>
+</file>
+
 <file path=ppt/diagrams/data1.xml><?xml version="1.0" encoding="utf-8"?>
 <dgm:dataModel xmlns:dgm="http://schemas.openxmlformats.org/drawingml/2006/diagram" xmlns:a="http://schemas.openxmlformats.org/drawingml/2006/main">
   <dgm:ptLst>
@@ -3257,7 +4002,11 @@
         <a:p>
           <a:r>
             <a:rPr lang="en-IN" dirty="0" smtClean="0"/>
-            <a:t>Criteria for choice of number of components (DIC, Bayes Factor, PPD checks)</a:t>
+            <a:t>Criteria for choice of number of components (DIC, Bayes Factor, </a:t>
+          </a:r>
+          <a:r>
+            <a:rPr lang="en-IN" dirty="0" smtClean="0"/>
+            <a:t>Predictive methods)</a:t>
           </a:r>
           <a:endParaRPr lang="en-IN" dirty="0"/>
         </a:p>
@@ -3588,11 +4337,11 @@
         <a:p>
           <a:r>
             <a:rPr lang="en-IN" dirty="0" smtClean="0"/>
-            <a:t>Criteria for choice </a:t>
+            <a:t>Criteria for choice of number of components (DIC, Bayes Factor, </a:t>
           </a:r>
           <a:r>
             <a:rPr lang="en-IN" dirty="0" smtClean="0"/>
-            <a:t>of number of components (DIC, Bayes Factor, PPD checks)</a:t>
+            <a:t>Predictive methods)</a:t>
           </a:r>
           <a:endParaRPr lang="en-IN" dirty="0"/>
         </a:p>
@@ -4364,6 +5113,10 @@
         <a:bodyPr/>
         <a:lstStyle/>
         <a:p>
+          <a:r>
+            <a:rPr lang="en-IN" dirty="0" smtClean="0"/>
+            <a:t>Some simulations are incorrect as JAGS does not throw away burn in part</a:t>
+          </a:r>
           <a:endParaRPr lang="en-IN" dirty="0"/>
         </a:p>
       </dgm:t>
@@ -4427,6 +5180,43 @@
         </a:p>
       </dgm:t>
     </dgm:pt>
+    <dgm:pt modelId="{1F35778B-3101-4B4C-A4EC-91B42410A26F}">
+      <dgm:prSet phldrT="[Text]"/>
+      <dgm:spPr/>
+      <dgm:t>
+        <a:bodyPr/>
+        <a:lstStyle/>
+        <a:p>
+          <a:r>
+            <a:rPr lang="en-IN" dirty="0" smtClean="0"/>
+            <a:t>Interpretation of the DIC</a:t>
+          </a:r>
+          <a:endParaRPr lang="en-IN" dirty="0"/>
+        </a:p>
+      </dgm:t>
+    </dgm:pt>
+    <dgm:pt modelId="{C7D6E99B-143D-44B2-A589-0330A909AE42}" type="parTrans" cxnId="{91099D35-5FE0-4559-B066-AD8A3BC96C86}">
+      <dgm:prSet/>
+      <dgm:spPr/>
+      <dgm:t>
+        <a:bodyPr/>
+        <a:lstStyle/>
+        <a:p>
+          <a:endParaRPr lang="en-IN"/>
+        </a:p>
+      </dgm:t>
+    </dgm:pt>
+    <dgm:pt modelId="{A8BE90BF-D39A-4EEE-9D80-7735A4AFC47F}" type="sibTrans" cxnId="{91099D35-5FE0-4559-B066-AD8A3BC96C86}">
+      <dgm:prSet/>
+      <dgm:spPr/>
+      <dgm:t>
+        <a:bodyPr/>
+        <a:lstStyle/>
+        <a:p>
+          <a:endParaRPr lang="en-IN"/>
+        </a:p>
+      </dgm:t>
+    </dgm:pt>
     <dgm:pt modelId="{48A2258D-150D-4459-ACA6-18E0E13E41B6}" type="pres">
       <dgm:prSet presAssocID="{19FFB2C3-AE84-4B29-8D88-9BF437BA173E}" presName="linear" presStyleCnt="0">
         <dgm:presLayoutVars>
@@ -4449,7 +5239,7 @@
       <dgm:spPr/>
     </dgm:pt>
     <dgm:pt modelId="{D2687CAC-8E36-4BAD-9805-FCA2FD3ECE51}" type="pres">
-      <dgm:prSet presAssocID="{F7CCF8BE-C5C6-480C-941F-BC51210439A6}" presName="parentLeftMargin" presStyleLbl="node1" presStyleIdx="0" presStyleCnt="4"/>
+      <dgm:prSet presAssocID="{F7CCF8BE-C5C6-480C-941F-BC51210439A6}" presName="parentLeftMargin" presStyleLbl="node1" presStyleIdx="0" presStyleCnt="5"/>
       <dgm:spPr/>
       <dgm:t>
         <a:bodyPr/>
@@ -4460,7 +5250,7 @@
       </dgm:t>
     </dgm:pt>
     <dgm:pt modelId="{08B9ECD3-4292-44A0-A85B-B39FA3A13DC1}" type="pres">
-      <dgm:prSet presAssocID="{F7CCF8BE-C5C6-480C-941F-BC51210439A6}" presName="parentText" presStyleLbl="node1" presStyleIdx="0" presStyleCnt="4">
+      <dgm:prSet presAssocID="{F7CCF8BE-C5C6-480C-941F-BC51210439A6}" presName="parentText" presStyleLbl="node1" presStyleIdx="0" presStyleCnt="5">
         <dgm:presLayoutVars>
           <dgm:chMax val="0"/>
           <dgm:bulletEnabled val="1"/>
@@ -4480,7 +5270,7 @@
       <dgm:spPr/>
     </dgm:pt>
     <dgm:pt modelId="{24653161-CF7B-4828-9373-2E24672E7D0F}" type="pres">
-      <dgm:prSet presAssocID="{F7CCF8BE-C5C6-480C-941F-BC51210439A6}" presName="childText" presStyleLbl="conFgAcc1" presStyleIdx="0" presStyleCnt="4">
+      <dgm:prSet presAssocID="{F7CCF8BE-C5C6-480C-941F-BC51210439A6}" presName="childText" presStyleLbl="conFgAcc1" presStyleIdx="0" presStyleCnt="5">
         <dgm:presLayoutVars>
           <dgm:bulletEnabled val="1"/>
         </dgm:presLayoutVars>
@@ -4496,7 +5286,7 @@
       <dgm:spPr/>
     </dgm:pt>
     <dgm:pt modelId="{65A58C6A-D911-4915-AB4C-F5ACA426AFA6}" type="pres">
-      <dgm:prSet presAssocID="{43D293A7-95E4-4AAE-8471-DB36821093D5}" presName="parentLeftMargin" presStyleLbl="node1" presStyleIdx="0" presStyleCnt="4"/>
+      <dgm:prSet presAssocID="{43D293A7-95E4-4AAE-8471-DB36821093D5}" presName="parentLeftMargin" presStyleLbl="node1" presStyleIdx="0" presStyleCnt="5"/>
       <dgm:spPr/>
       <dgm:t>
         <a:bodyPr/>
@@ -4507,7 +5297,7 @@
       </dgm:t>
     </dgm:pt>
     <dgm:pt modelId="{020BF3BE-0C0F-4990-A4AF-33945C7D902D}" type="pres">
-      <dgm:prSet presAssocID="{43D293A7-95E4-4AAE-8471-DB36821093D5}" presName="parentText" presStyleLbl="node1" presStyleIdx="1" presStyleCnt="4">
+      <dgm:prSet presAssocID="{43D293A7-95E4-4AAE-8471-DB36821093D5}" presName="parentText" presStyleLbl="node1" presStyleIdx="1" presStyleCnt="5">
         <dgm:presLayoutVars>
           <dgm:chMax val="0"/>
           <dgm:bulletEnabled val="1"/>
@@ -4527,7 +5317,7 @@
       <dgm:spPr/>
     </dgm:pt>
     <dgm:pt modelId="{03F82894-C00F-4296-A79D-2DDEDDD789A0}" type="pres">
-      <dgm:prSet presAssocID="{43D293A7-95E4-4AAE-8471-DB36821093D5}" presName="childText" presStyleLbl="conFgAcc1" presStyleIdx="1" presStyleCnt="4">
+      <dgm:prSet presAssocID="{43D293A7-95E4-4AAE-8471-DB36821093D5}" presName="childText" presStyleLbl="conFgAcc1" presStyleIdx="1" presStyleCnt="5">
         <dgm:presLayoutVars>
           <dgm:bulletEnabled val="1"/>
         </dgm:presLayoutVars>
@@ -4543,7 +5333,7 @@
       <dgm:spPr/>
     </dgm:pt>
     <dgm:pt modelId="{23C1F804-1563-4A5B-B323-A3092D211405}" type="pres">
-      <dgm:prSet presAssocID="{97BD3130-5128-45D8-951A-0A2CAD70BEFC}" presName="parentLeftMargin" presStyleLbl="node1" presStyleIdx="1" presStyleCnt="4"/>
+      <dgm:prSet presAssocID="{97BD3130-5128-45D8-951A-0A2CAD70BEFC}" presName="parentLeftMargin" presStyleLbl="node1" presStyleIdx="1" presStyleCnt="5"/>
       <dgm:spPr/>
       <dgm:t>
         <a:bodyPr/>
@@ -4554,7 +5344,7 @@
       </dgm:t>
     </dgm:pt>
     <dgm:pt modelId="{31119444-DBF7-4401-9EE7-9AC62541184F}" type="pres">
-      <dgm:prSet presAssocID="{97BD3130-5128-45D8-951A-0A2CAD70BEFC}" presName="parentText" presStyleLbl="node1" presStyleIdx="2" presStyleCnt="4">
+      <dgm:prSet presAssocID="{97BD3130-5128-45D8-951A-0A2CAD70BEFC}" presName="parentText" presStyleLbl="node1" presStyleIdx="2" presStyleCnt="5">
         <dgm:presLayoutVars>
           <dgm:chMax val="0"/>
           <dgm:bulletEnabled val="1"/>
@@ -4574,7 +5364,7 @@
       <dgm:spPr/>
     </dgm:pt>
     <dgm:pt modelId="{56C4644B-55C4-4738-962D-8486393AD584}" type="pres">
-      <dgm:prSet presAssocID="{97BD3130-5128-45D8-951A-0A2CAD70BEFC}" presName="childText" presStyleLbl="conFgAcc1" presStyleIdx="2" presStyleCnt="4">
+      <dgm:prSet presAssocID="{97BD3130-5128-45D8-951A-0A2CAD70BEFC}" presName="childText" presStyleLbl="conFgAcc1" presStyleIdx="2" presStyleCnt="5">
         <dgm:presLayoutVars>
           <dgm:bulletEnabled val="1"/>
         </dgm:presLayoutVars>
@@ -4585,12 +5375,59 @@
       <dgm:prSet presAssocID="{C729E4A4-7C6E-4E8B-B3F1-9203A37BE6A5}" presName="spaceBetweenRectangles" presStyleCnt="0"/>
       <dgm:spPr/>
     </dgm:pt>
+    <dgm:pt modelId="{C041D051-03A3-432D-96C0-110CAB88DF46}" type="pres">
+      <dgm:prSet presAssocID="{1F35778B-3101-4B4C-A4EC-91B42410A26F}" presName="parentLin" presStyleCnt="0"/>
+      <dgm:spPr/>
+    </dgm:pt>
+    <dgm:pt modelId="{FA4D37A8-F368-4F60-9EA8-36A7E50B5FD8}" type="pres">
+      <dgm:prSet presAssocID="{1F35778B-3101-4B4C-A4EC-91B42410A26F}" presName="parentLeftMargin" presStyleLbl="node1" presStyleIdx="2" presStyleCnt="5"/>
+      <dgm:spPr/>
+      <dgm:t>
+        <a:bodyPr/>
+        <a:lstStyle/>
+        <a:p>
+          <a:endParaRPr lang="en-IN"/>
+        </a:p>
+      </dgm:t>
+    </dgm:pt>
+    <dgm:pt modelId="{88916055-C945-4663-8EB7-43AF3F3787AB}" type="pres">
+      <dgm:prSet presAssocID="{1F35778B-3101-4B4C-A4EC-91B42410A26F}" presName="parentText" presStyleLbl="node1" presStyleIdx="3" presStyleCnt="5">
+        <dgm:presLayoutVars>
+          <dgm:chMax val="0"/>
+          <dgm:bulletEnabled val="1"/>
+        </dgm:presLayoutVars>
+      </dgm:prSet>
+      <dgm:spPr/>
+      <dgm:t>
+        <a:bodyPr/>
+        <a:lstStyle/>
+        <a:p>
+          <a:endParaRPr lang="en-IN"/>
+        </a:p>
+      </dgm:t>
+    </dgm:pt>
+    <dgm:pt modelId="{8118E9E3-734F-4F5A-B38D-92F66E705745}" type="pres">
+      <dgm:prSet presAssocID="{1F35778B-3101-4B4C-A4EC-91B42410A26F}" presName="negativeSpace" presStyleCnt="0"/>
+      <dgm:spPr/>
+    </dgm:pt>
+    <dgm:pt modelId="{069F7339-5FA5-45D6-AB48-90E2345B07A2}" type="pres">
+      <dgm:prSet presAssocID="{1F35778B-3101-4B4C-A4EC-91B42410A26F}" presName="childText" presStyleLbl="conFgAcc1" presStyleIdx="3" presStyleCnt="5">
+        <dgm:presLayoutVars>
+          <dgm:bulletEnabled val="1"/>
+        </dgm:presLayoutVars>
+      </dgm:prSet>
+      <dgm:spPr/>
+    </dgm:pt>
+    <dgm:pt modelId="{60EA1126-50FC-46AD-B492-0F448560B0C9}" type="pres">
+      <dgm:prSet presAssocID="{A8BE90BF-D39A-4EEE-9D80-7735A4AFC47F}" presName="spaceBetweenRectangles" presStyleCnt="0"/>
+      <dgm:spPr/>
+    </dgm:pt>
     <dgm:pt modelId="{0D48F3DC-6ABE-4A37-9D55-588CE9C8CC8B}" type="pres">
       <dgm:prSet presAssocID="{BCBCE5F7-11BF-4CB5-B998-82283E498044}" presName="parentLin" presStyleCnt="0"/>
       <dgm:spPr/>
     </dgm:pt>
     <dgm:pt modelId="{6F927957-66E8-4AC3-A377-8139F1EF6196}" type="pres">
-      <dgm:prSet presAssocID="{BCBCE5F7-11BF-4CB5-B998-82283E498044}" presName="parentLeftMargin" presStyleLbl="node1" presStyleIdx="2" presStyleCnt="4"/>
+      <dgm:prSet presAssocID="{BCBCE5F7-11BF-4CB5-B998-82283E498044}" presName="parentLeftMargin" presStyleLbl="node1" presStyleIdx="3" presStyleCnt="5"/>
       <dgm:spPr/>
       <dgm:t>
         <a:bodyPr/>
@@ -4601,7 +5438,7 @@
       </dgm:t>
     </dgm:pt>
     <dgm:pt modelId="{4CA68685-41EA-423D-8D51-7D146AA6D434}" type="pres">
-      <dgm:prSet presAssocID="{BCBCE5F7-11BF-4CB5-B998-82283E498044}" presName="parentText" presStyleLbl="node1" presStyleIdx="3" presStyleCnt="4">
+      <dgm:prSet presAssocID="{BCBCE5F7-11BF-4CB5-B998-82283E498044}" presName="parentText" presStyleLbl="node1" presStyleIdx="4" presStyleCnt="5">
         <dgm:presLayoutVars>
           <dgm:chMax val="0"/>
           <dgm:bulletEnabled val="1"/>
@@ -4621,7 +5458,7 @@
       <dgm:spPr/>
     </dgm:pt>
     <dgm:pt modelId="{76CE9F42-B308-4DB4-A3D1-BB9B1BB970E6}" type="pres">
-      <dgm:prSet presAssocID="{BCBCE5F7-11BF-4CB5-B998-82283E498044}" presName="childText" presStyleLbl="conFgAcc1" presStyleIdx="3" presStyleCnt="4">
+      <dgm:prSet presAssocID="{BCBCE5F7-11BF-4CB5-B998-82283E498044}" presName="childText" presStyleLbl="conFgAcc1" presStyleIdx="4" presStyleCnt="5">
         <dgm:presLayoutVars>
           <dgm:bulletEnabled val="1"/>
         </dgm:presLayoutVars>
@@ -4630,19 +5467,22 @@
     </dgm:pt>
   </dgm:ptLst>
   <dgm:cxnLst>
+    <dgm:cxn modelId="{B26D6D46-E2C8-41AA-BA24-343A63FD9CD5}" srcId="{19FFB2C3-AE84-4B29-8D88-9BF437BA173E}" destId="{F7CCF8BE-C5C6-480C-941F-BC51210439A6}" srcOrd="0" destOrd="0" parTransId="{EE8AC459-4E2C-493D-AE06-E37065324B2C}" sibTransId="{DCA37244-2F31-4AA1-AD01-989F02B6FC2B}"/>
+    <dgm:cxn modelId="{DCBB05F1-9D34-46EF-A31A-C60CBB15E9BA}" type="presOf" srcId="{1F35778B-3101-4B4C-A4EC-91B42410A26F}" destId="{FA4D37A8-F368-4F60-9EA8-36A7E50B5FD8}" srcOrd="0" destOrd="0" presId="urn:microsoft.com/office/officeart/2005/8/layout/list1"/>
     <dgm:cxn modelId="{A58CDE8A-6FA1-462D-9F50-E3A315634B7C}" type="presOf" srcId="{19FFB2C3-AE84-4B29-8D88-9BF437BA173E}" destId="{48A2258D-150D-4459-ACA6-18E0E13E41B6}" srcOrd="0" destOrd="0" presId="urn:microsoft.com/office/officeart/2005/8/layout/list1"/>
+    <dgm:cxn modelId="{984E6023-430A-4332-8E4B-A21D01869BC7}" srcId="{19FFB2C3-AE84-4B29-8D88-9BF437BA173E}" destId="{BCBCE5F7-11BF-4CB5-B998-82283E498044}" srcOrd="4" destOrd="0" parTransId="{1DEE8EA6-F707-4BB2-80FE-6A83A88DD0F9}" sibTransId="{49B62931-E3F3-4DB4-B80C-9F7929A57687}"/>
+    <dgm:cxn modelId="{C22FE31B-9AAD-4A53-BB20-218920BD99B6}" type="presOf" srcId="{F7CCF8BE-C5C6-480C-941F-BC51210439A6}" destId="{08B9ECD3-4292-44A0-A85B-B39FA3A13DC1}" srcOrd="1" destOrd="0" presId="urn:microsoft.com/office/officeart/2005/8/layout/list1"/>
+    <dgm:cxn modelId="{5E92A144-FB54-4D2C-B689-E2FCC9FF93ED}" type="presOf" srcId="{1F35778B-3101-4B4C-A4EC-91B42410A26F}" destId="{88916055-C945-4663-8EB7-43AF3F3787AB}" srcOrd="1" destOrd="0" presId="urn:microsoft.com/office/officeart/2005/8/layout/list1"/>
+    <dgm:cxn modelId="{C99603E1-B0C9-409F-86B8-117975EC5D48}" type="presOf" srcId="{43D293A7-95E4-4AAE-8471-DB36821093D5}" destId="{020BF3BE-0C0F-4990-A4AF-33945C7D902D}" srcOrd="1" destOrd="0" presId="urn:microsoft.com/office/officeart/2005/8/layout/list1"/>
+    <dgm:cxn modelId="{332827FE-B3DC-4214-BD86-D8719A2547A0}" type="presOf" srcId="{43D293A7-95E4-4AAE-8471-DB36821093D5}" destId="{65A58C6A-D911-4915-AB4C-F5ACA426AFA6}" srcOrd="0" destOrd="0" presId="urn:microsoft.com/office/officeart/2005/8/layout/list1"/>
+    <dgm:cxn modelId="{33C3694C-E1F5-45AA-A8CA-A94E5D7B26D2}" type="presOf" srcId="{BCBCE5F7-11BF-4CB5-B998-82283E498044}" destId="{4CA68685-41EA-423D-8D51-7D146AA6D434}" srcOrd="1" destOrd="0" presId="urn:microsoft.com/office/officeart/2005/8/layout/list1"/>
+    <dgm:cxn modelId="{0BEE0264-4FE3-4295-B806-5A2AD31D0BCE}" type="presOf" srcId="{97BD3130-5128-45D8-951A-0A2CAD70BEFC}" destId="{31119444-DBF7-4401-9EE7-9AC62541184F}" srcOrd="1" destOrd="0" presId="urn:microsoft.com/office/officeart/2005/8/layout/list1"/>
+    <dgm:cxn modelId="{91099D35-5FE0-4559-B066-AD8A3BC96C86}" srcId="{19FFB2C3-AE84-4B29-8D88-9BF437BA173E}" destId="{1F35778B-3101-4B4C-A4EC-91B42410A26F}" srcOrd="3" destOrd="0" parTransId="{C7D6E99B-143D-44B2-A589-0330A909AE42}" sibTransId="{A8BE90BF-D39A-4EEE-9D80-7735A4AFC47F}"/>
+    <dgm:cxn modelId="{8698ADDD-5230-45BF-9FE5-732D53D84CD1}" type="presOf" srcId="{BCBCE5F7-11BF-4CB5-B998-82283E498044}" destId="{6F927957-66E8-4AC3-A377-8139F1EF6196}" srcOrd="0" destOrd="0" presId="urn:microsoft.com/office/officeart/2005/8/layout/list1"/>
     <dgm:cxn modelId="{104AD764-C7D4-4332-9CDB-9BA15D392158}" type="presOf" srcId="{97BD3130-5128-45D8-951A-0A2CAD70BEFC}" destId="{23C1F804-1563-4A5B-B323-A3092D211405}" srcOrd="0" destOrd="0" presId="urn:microsoft.com/office/officeart/2005/8/layout/list1"/>
-    <dgm:cxn modelId="{8698ADDD-5230-45BF-9FE5-732D53D84CD1}" type="presOf" srcId="{BCBCE5F7-11BF-4CB5-B998-82283E498044}" destId="{6F927957-66E8-4AC3-A377-8139F1EF6196}" srcOrd="0" destOrd="0" presId="urn:microsoft.com/office/officeart/2005/8/layout/list1"/>
-    <dgm:cxn modelId="{0BEE0264-4FE3-4295-B806-5A2AD31D0BCE}" type="presOf" srcId="{97BD3130-5128-45D8-951A-0A2CAD70BEFC}" destId="{31119444-DBF7-4401-9EE7-9AC62541184F}" srcOrd="1" destOrd="0" presId="urn:microsoft.com/office/officeart/2005/8/layout/list1"/>
-    <dgm:cxn modelId="{984E6023-430A-4332-8E4B-A21D01869BC7}" srcId="{19FFB2C3-AE84-4B29-8D88-9BF437BA173E}" destId="{BCBCE5F7-11BF-4CB5-B998-82283E498044}" srcOrd="3" destOrd="0" parTransId="{1DEE8EA6-F707-4BB2-80FE-6A83A88DD0F9}" sibTransId="{49B62931-E3F3-4DB4-B80C-9F7929A57687}"/>
-    <dgm:cxn modelId="{332827FE-B3DC-4214-BD86-D8719A2547A0}" type="presOf" srcId="{43D293A7-95E4-4AAE-8471-DB36821093D5}" destId="{65A58C6A-D911-4915-AB4C-F5ACA426AFA6}" srcOrd="0" destOrd="0" presId="urn:microsoft.com/office/officeart/2005/8/layout/list1"/>
-    <dgm:cxn modelId="{C22FE31B-9AAD-4A53-BB20-218920BD99B6}" type="presOf" srcId="{F7CCF8BE-C5C6-480C-941F-BC51210439A6}" destId="{08B9ECD3-4292-44A0-A85B-B39FA3A13DC1}" srcOrd="1" destOrd="0" presId="urn:microsoft.com/office/officeart/2005/8/layout/list1"/>
     <dgm:cxn modelId="{A0094D51-9B65-4C61-B9EF-3C7D69E37BB8}" srcId="{19FFB2C3-AE84-4B29-8D88-9BF437BA173E}" destId="{97BD3130-5128-45D8-951A-0A2CAD70BEFC}" srcOrd="2" destOrd="0" parTransId="{3985D8B1-B994-4692-B383-6B09D8790FC2}" sibTransId="{C729E4A4-7C6E-4E8B-B3F1-9203A37BE6A5}"/>
     <dgm:cxn modelId="{480DDA25-F6B1-4607-92B7-3B4D2DC1EAB3}" type="presOf" srcId="{F7CCF8BE-C5C6-480C-941F-BC51210439A6}" destId="{D2687CAC-8E36-4BAD-9805-FCA2FD3ECE51}" srcOrd="0" destOrd="0" presId="urn:microsoft.com/office/officeart/2005/8/layout/list1"/>
     <dgm:cxn modelId="{0AD31D5B-AB16-4844-A096-A8E9620C0148}" srcId="{19FFB2C3-AE84-4B29-8D88-9BF437BA173E}" destId="{43D293A7-95E4-4AAE-8471-DB36821093D5}" srcOrd="1" destOrd="0" parTransId="{24D43FB9-1638-4AD8-8CBF-C918EAC8E231}" sibTransId="{4DA495AF-39E3-41D4-ACA7-2C5B284836E9}"/>
-    <dgm:cxn modelId="{33C3694C-E1F5-45AA-A8CA-A94E5D7B26D2}" type="presOf" srcId="{BCBCE5F7-11BF-4CB5-B998-82283E498044}" destId="{4CA68685-41EA-423D-8D51-7D146AA6D434}" srcOrd="1" destOrd="0" presId="urn:microsoft.com/office/officeart/2005/8/layout/list1"/>
-    <dgm:cxn modelId="{B26D6D46-E2C8-41AA-BA24-343A63FD9CD5}" srcId="{19FFB2C3-AE84-4B29-8D88-9BF437BA173E}" destId="{F7CCF8BE-C5C6-480C-941F-BC51210439A6}" srcOrd="0" destOrd="0" parTransId="{EE8AC459-4E2C-493D-AE06-E37065324B2C}" sibTransId="{DCA37244-2F31-4AA1-AD01-989F02B6FC2B}"/>
-    <dgm:cxn modelId="{C99603E1-B0C9-409F-86B8-117975EC5D48}" type="presOf" srcId="{43D293A7-95E4-4AAE-8471-DB36821093D5}" destId="{020BF3BE-0C0F-4990-A4AF-33945C7D902D}" srcOrd="1" destOrd="0" presId="urn:microsoft.com/office/officeart/2005/8/layout/list1"/>
     <dgm:cxn modelId="{7641F53F-6405-420B-9833-3AD947023322}" type="presParOf" srcId="{48A2258D-150D-4459-ACA6-18E0E13E41B6}" destId="{4360558E-1B8F-42CD-9536-FA42452A5B9B}" srcOrd="0" destOrd="0" presId="urn:microsoft.com/office/officeart/2005/8/layout/list1"/>
     <dgm:cxn modelId="{12A00C23-9B98-4163-93E9-3615FF29E4CF}" type="presParOf" srcId="{4360558E-1B8F-42CD-9536-FA42452A5B9B}" destId="{D2687CAC-8E36-4BAD-9805-FCA2FD3ECE51}" srcOrd="0" destOrd="0" presId="urn:microsoft.com/office/officeart/2005/8/layout/list1"/>
     <dgm:cxn modelId="{84D4D741-1847-46E2-8D93-06FF1B06B44E}" type="presParOf" srcId="{4360558E-1B8F-42CD-9536-FA42452A5B9B}" destId="{08B9ECD3-4292-44A0-A85B-B39FA3A13DC1}" srcOrd="1" destOrd="0" presId="urn:microsoft.com/office/officeart/2005/8/layout/list1"/>
@@ -4661,11 +5501,17 @@
     <dgm:cxn modelId="{6D0EEFFE-3DD7-41B5-9F52-C88E80F15943}" type="presParOf" srcId="{48A2258D-150D-4459-ACA6-18E0E13E41B6}" destId="{FE4EE11B-A278-4339-81F1-D54ED2F446CF}" srcOrd="9" destOrd="0" presId="urn:microsoft.com/office/officeart/2005/8/layout/list1"/>
     <dgm:cxn modelId="{647BDEC1-5957-48FF-9329-1212E5F08667}" type="presParOf" srcId="{48A2258D-150D-4459-ACA6-18E0E13E41B6}" destId="{56C4644B-55C4-4738-962D-8486393AD584}" srcOrd="10" destOrd="0" presId="urn:microsoft.com/office/officeart/2005/8/layout/list1"/>
     <dgm:cxn modelId="{EEE75485-A0DA-46A5-A5F1-07DD14F6C8A2}" type="presParOf" srcId="{48A2258D-150D-4459-ACA6-18E0E13E41B6}" destId="{86E8C414-012B-4B19-9B14-C10442B51A2E}" srcOrd="11" destOrd="0" presId="urn:microsoft.com/office/officeart/2005/8/layout/list1"/>
-    <dgm:cxn modelId="{3D2F98BC-FE52-416A-81A1-0CF8C690A3E9}" type="presParOf" srcId="{48A2258D-150D-4459-ACA6-18E0E13E41B6}" destId="{0D48F3DC-6ABE-4A37-9D55-588CE9C8CC8B}" srcOrd="12" destOrd="0" presId="urn:microsoft.com/office/officeart/2005/8/layout/list1"/>
+    <dgm:cxn modelId="{14D6E5F7-BBD2-4B8C-86BF-64A221836EEC}" type="presParOf" srcId="{48A2258D-150D-4459-ACA6-18E0E13E41B6}" destId="{C041D051-03A3-432D-96C0-110CAB88DF46}" srcOrd="12" destOrd="0" presId="urn:microsoft.com/office/officeart/2005/8/layout/list1"/>
+    <dgm:cxn modelId="{D60017B9-2A60-4279-935D-C66239135668}" type="presParOf" srcId="{C041D051-03A3-432D-96C0-110CAB88DF46}" destId="{FA4D37A8-F368-4F60-9EA8-36A7E50B5FD8}" srcOrd="0" destOrd="0" presId="urn:microsoft.com/office/officeart/2005/8/layout/list1"/>
+    <dgm:cxn modelId="{79CA5142-4FF9-41CE-A283-A0DC1B8BEF26}" type="presParOf" srcId="{C041D051-03A3-432D-96C0-110CAB88DF46}" destId="{88916055-C945-4663-8EB7-43AF3F3787AB}" srcOrd="1" destOrd="0" presId="urn:microsoft.com/office/officeart/2005/8/layout/list1"/>
+    <dgm:cxn modelId="{BFCED793-5264-4473-84F3-24465350BD20}" type="presParOf" srcId="{48A2258D-150D-4459-ACA6-18E0E13E41B6}" destId="{8118E9E3-734F-4F5A-B38D-92F66E705745}" srcOrd="13" destOrd="0" presId="urn:microsoft.com/office/officeart/2005/8/layout/list1"/>
+    <dgm:cxn modelId="{5E9B4956-FFB3-42D3-BC74-C091265CB859}" type="presParOf" srcId="{48A2258D-150D-4459-ACA6-18E0E13E41B6}" destId="{069F7339-5FA5-45D6-AB48-90E2345B07A2}" srcOrd="14" destOrd="0" presId="urn:microsoft.com/office/officeart/2005/8/layout/list1"/>
+    <dgm:cxn modelId="{5C426C4B-5336-4DD2-AA51-B6513FC82A91}" type="presParOf" srcId="{48A2258D-150D-4459-ACA6-18E0E13E41B6}" destId="{60EA1126-50FC-46AD-B492-0F448560B0C9}" srcOrd="15" destOrd="0" presId="urn:microsoft.com/office/officeart/2005/8/layout/list1"/>
+    <dgm:cxn modelId="{3D2F98BC-FE52-416A-81A1-0CF8C690A3E9}" type="presParOf" srcId="{48A2258D-150D-4459-ACA6-18E0E13E41B6}" destId="{0D48F3DC-6ABE-4A37-9D55-588CE9C8CC8B}" srcOrd="16" destOrd="0" presId="urn:microsoft.com/office/officeart/2005/8/layout/list1"/>
     <dgm:cxn modelId="{91709D86-0D36-4B9E-A49F-E693CCE29231}" type="presParOf" srcId="{0D48F3DC-6ABE-4A37-9D55-588CE9C8CC8B}" destId="{6F927957-66E8-4AC3-A377-8139F1EF6196}" srcOrd="0" destOrd="0" presId="urn:microsoft.com/office/officeart/2005/8/layout/list1"/>
     <dgm:cxn modelId="{2B774225-AE6C-427C-B7A8-6B1FD8B2020A}" type="presParOf" srcId="{0D48F3DC-6ABE-4A37-9D55-588CE9C8CC8B}" destId="{4CA68685-41EA-423D-8D51-7D146AA6D434}" srcOrd="1" destOrd="0" presId="urn:microsoft.com/office/officeart/2005/8/layout/list1"/>
-    <dgm:cxn modelId="{C8A62411-4E6E-43E9-B105-061A273D4E70}" type="presParOf" srcId="{48A2258D-150D-4459-ACA6-18E0E13E41B6}" destId="{48AF7BA3-2712-44F2-8B49-9250E169CB2A}" srcOrd="13" destOrd="0" presId="urn:microsoft.com/office/officeart/2005/8/layout/list1"/>
-    <dgm:cxn modelId="{62B3C02C-5EFD-468D-8472-FE5A3087DA07}" type="presParOf" srcId="{48A2258D-150D-4459-ACA6-18E0E13E41B6}" destId="{76CE9F42-B308-4DB4-A3D1-BB9B1BB970E6}" srcOrd="14" destOrd="0" presId="urn:microsoft.com/office/officeart/2005/8/layout/list1"/>
+    <dgm:cxn modelId="{C8A62411-4E6E-43E9-B105-061A273D4E70}" type="presParOf" srcId="{48A2258D-150D-4459-ACA6-18E0E13E41B6}" destId="{48AF7BA3-2712-44F2-8B49-9250E169CB2A}" srcOrd="17" destOrd="0" presId="urn:microsoft.com/office/officeart/2005/8/layout/list1"/>
+    <dgm:cxn modelId="{62B3C02C-5EFD-468D-8472-FE5A3087DA07}" type="presParOf" srcId="{48A2258D-150D-4459-ACA6-18E0E13E41B6}" destId="{76CE9F42-B308-4DB4-A3D1-BB9B1BB970E6}" srcOrd="18" destOrd="0" presId="urn:microsoft.com/office/officeart/2005/8/layout/list1"/>
   </dgm:cxnLst>
   <dgm:bg/>
   <dgm:whole/>
@@ -4680,7 +5526,7 @@
 <file path=ppt/diagrams/data5.xml><?xml version="1.0" encoding="utf-8"?>
 <dgm:dataModel xmlns:dgm="http://schemas.openxmlformats.org/drawingml/2006/diagram" xmlns:a="http://schemas.openxmlformats.org/drawingml/2006/main">
   <dgm:ptLst>
-    <dgm:pt modelId="{D997051F-4A21-48F4-8915-4916A32164DF}" type="doc">
+    <dgm:pt modelId="{1AF317FB-040E-4EFD-A854-94671027B56E}" type="doc">
       <dgm:prSet loTypeId="urn:microsoft.com/office/officeart/2005/8/layout/list1" loCatId="list" qsTypeId="urn:microsoft.com/office/officeart/2005/8/quickstyle/simple1" qsCatId="simple" csTypeId="urn:microsoft.com/office/officeart/2005/8/colors/accent1_2" csCatId="accent1" phldr="1"/>
       <dgm:spPr/>
       <dgm:t>
@@ -4691,82 +5537,216 @@
         </a:p>
       </dgm:t>
     </dgm:pt>
-    <dgm:pt modelId="{9B42CED3-BD59-4AD1-8F08-B46DC9AEC251}">
-      <dgm:prSet phldrT="[Text]"/>
+    <dgm:pt modelId="{CC6B3C4E-2D5C-4D00-8C27-355AF3C3A2FE}">
+      <dgm:prSet phldrT="[Text]" custT="1"/>
       <dgm:spPr/>
       <dgm:t>
         <a:bodyPr/>
         <a:lstStyle/>
         <a:p>
           <a:r>
-            <a:rPr lang="en-IN" dirty="0" smtClean="0"/>
-            <a:t>JAGS (just another Gibbs sampler)</a:t>
+            <a:rPr lang="en-IN" sz="1400" dirty="0" smtClean="0"/>
+            <a:t>The various summary measures I tried (based on </a:t>
           </a:r>
-          <a:endParaRPr lang="en-IN" dirty="0"/>
+          <a:r>
+            <a:rPr lang="en-IN" sz="1400" dirty="0" err="1" smtClean="0"/>
+            <a:t>Frühwirth-Schnatter</a:t>
+          </a:r>
+          <a:r>
+            <a:rPr lang="en-IN" sz="1400" dirty="0" smtClean="0"/>
+            <a:t>, 2006):</a:t>
+          </a:r>
+          <a:br>
+            <a:rPr lang="en-IN" sz="1400" dirty="0" smtClean="0"/>
+          </a:br>
+          <a:r>
+            <a:rPr lang="en-IN" sz="1400" dirty="0" smtClean="0"/>
+            <a:t>mean, variance, skewness, kurtosis and even higher order moments of the observed data</a:t>
+          </a:r>
+          <a:endParaRPr lang="en-IN" sz="1400" dirty="0"/>
         </a:p>
       </dgm:t>
     </dgm:pt>
-    <dgm:pt modelId="{474362D9-31D3-4E8A-983C-4424A9D6D2C8}" type="parTrans" cxnId="{F33F5097-157F-4548-9A28-709FECABD480}">
+    <dgm:pt modelId="{3D85C30E-E5E9-40B1-B50D-F1BE39823ACF}" type="parTrans" cxnId="{0E4BEE1D-2612-4DEA-A265-9D3598BA60A8}">
       <dgm:prSet/>
       <dgm:spPr/>
       <dgm:t>
         <a:bodyPr/>
         <a:lstStyle/>
         <a:p>
-          <a:endParaRPr lang="en-IN"/>
+          <a:endParaRPr lang="en-IN" sz="3200"/>
         </a:p>
       </dgm:t>
     </dgm:pt>
-    <dgm:pt modelId="{C9001C8A-FBF7-41A0-BADD-BF8895B844BD}" type="sibTrans" cxnId="{F33F5097-157F-4548-9A28-709FECABD480}">
+    <dgm:pt modelId="{6ED55EC1-57A9-4A60-BC9D-F28950CC7370}" type="sibTrans" cxnId="{0E4BEE1D-2612-4DEA-A265-9D3598BA60A8}">
       <dgm:prSet/>
       <dgm:spPr/>
       <dgm:t>
         <a:bodyPr/>
         <a:lstStyle/>
         <a:p>
-          <a:endParaRPr lang="en-IN"/>
+          <a:endParaRPr lang="en-IN" sz="3200"/>
         </a:p>
       </dgm:t>
     </dgm:pt>
-    <dgm:pt modelId="{6C10E8EC-C7CE-489D-8145-B2C05782B9CF}">
-      <dgm:prSet phldrT="[Text]"/>
+    <dgm:pt modelId="{632CF2C6-F4A6-4AAC-BF52-7356B1F93FC2}">
+      <dgm:prSet custT="1"/>
       <dgm:spPr/>
       <dgm:t>
         <a:bodyPr/>
         <a:lstStyle/>
         <a:p>
           <a:r>
-            <a:rPr lang="en-IN" dirty="0" smtClean="0"/>
-            <a:t>R and the various packages</a:t>
+            <a:rPr lang="en-IN" sz="1400" dirty="0" smtClean="0"/>
+            <a:t>In higher dimensions: </a:t>
           </a:r>
-          <a:endParaRPr lang="en-IN" dirty="0"/>
+          <a:r>
+            <a:rPr lang="en-IN" sz="1400" dirty="0" err="1" smtClean="0"/>
+            <a:t>Mardia’s</a:t>
+          </a:r>
+          <a:r>
+            <a:rPr lang="en-IN" sz="1400" dirty="0" smtClean="0"/>
+            <a:t> skewness and kurtosis and a few more test statistics </a:t>
+          </a:r>
+          <a:endParaRPr lang="en-IN" sz="1400" dirty="0" smtClean="0"/>
         </a:p>
       </dgm:t>
     </dgm:pt>
-    <dgm:pt modelId="{F4E5E018-976D-4B9C-B81D-B190A10706D1}" type="parTrans" cxnId="{E4F63187-AAE0-4554-A07D-1BDCF0A1FBE5}">
+    <dgm:pt modelId="{793B912F-C01D-40ED-8663-0C6EF9D012B0}" type="parTrans" cxnId="{4099A840-8487-419F-A1FB-B564C316B011}">
       <dgm:prSet/>
       <dgm:spPr/>
       <dgm:t>
         <a:bodyPr/>
         <a:lstStyle/>
         <a:p>
-          <a:endParaRPr lang="en-IN"/>
+          <a:endParaRPr lang="en-IN" sz="3200"/>
         </a:p>
       </dgm:t>
     </dgm:pt>
-    <dgm:pt modelId="{30E8B5A7-E3AB-41F0-92B0-A2A67608E6B7}" type="sibTrans" cxnId="{E4F63187-AAE0-4554-A07D-1BDCF0A1FBE5}">
+    <dgm:pt modelId="{208617AE-3F98-43A8-B332-D7C1C21DCD89}" type="sibTrans" cxnId="{4099A840-8487-419F-A1FB-B564C316B011}">
       <dgm:prSet/>
       <dgm:spPr/>
       <dgm:t>
         <a:bodyPr/>
         <a:lstStyle/>
         <a:p>
-          <a:endParaRPr lang="en-IN"/>
+          <a:endParaRPr lang="en-IN" sz="3200"/>
         </a:p>
       </dgm:t>
     </dgm:pt>
-    <dgm:pt modelId="{E7588D9B-6F8B-4806-9030-1665EAB07543}" type="pres">
-      <dgm:prSet presAssocID="{D997051F-4A21-48F4-8915-4916A32164DF}" presName="linear" presStyleCnt="0">
+    <dgm:pt modelId="{A3E7161A-1337-4676-8ABF-BD604752E177}">
+      <dgm:prSet custT="1"/>
+      <dgm:spPr/>
+      <dgm:t>
+        <a:bodyPr/>
+        <a:lstStyle/>
+        <a:p>
+          <a:r>
+            <a:rPr lang="en-IN" sz="1400" dirty="0" smtClean="0"/>
+            <a:t>In one dimension the posterior of component means can be checked</a:t>
+          </a:r>
+          <a:endParaRPr lang="en-IN" sz="1400" dirty="0"/>
+        </a:p>
+      </dgm:t>
+    </dgm:pt>
+    <dgm:pt modelId="{F23D5F29-88C3-4141-BD8A-C8B29D879FD9}" type="parTrans" cxnId="{745D7E03-4E5F-4441-9ED4-03B203FDAE59}">
+      <dgm:prSet/>
+      <dgm:spPr/>
+      <dgm:t>
+        <a:bodyPr/>
+        <a:lstStyle/>
+        <a:p>
+          <a:endParaRPr lang="en-IN" sz="3200"/>
+        </a:p>
+      </dgm:t>
+    </dgm:pt>
+    <dgm:pt modelId="{02F13553-D2BA-4192-AFF9-221990045063}" type="sibTrans" cxnId="{745D7E03-4E5F-4441-9ED4-03B203FDAE59}">
+      <dgm:prSet/>
+      <dgm:spPr/>
+      <dgm:t>
+        <a:bodyPr/>
+        <a:lstStyle/>
+        <a:p>
+          <a:endParaRPr lang="en-IN" sz="3200"/>
+        </a:p>
+      </dgm:t>
+    </dgm:pt>
+    <dgm:pt modelId="{5A421303-9E4C-4AEE-B4EB-18B5D5FA4D67}">
+      <dgm:prSet custT="1"/>
+      <dgm:spPr/>
+      <dgm:t>
+        <a:bodyPr/>
+        <a:lstStyle/>
+        <a:p>
+          <a:r>
+            <a:rPr lang="en-IN" sz="1400" dirty="0" smtClean="0"/>
+            <a:t>More detailed questions: Are the mixture proportions correctly identified?</a:t>
+          </a:r>
+          <a:endParaRPr lang="en-IN" sz="1400" dirty="0"/>
+        </a:p>
+      </dgm:t>
+    </dgm:pt>
+    <dgm:pt modelId="{024A8514-66D8-42B0-8D46-D4795BFD12C2}" type="parTrans" cxnId="{9787B8BC-AE10-49CA-8D90-9272B8E150C0}">
+      <dgm:prSet/>
+      <dgm:spPr/>
+      <dgm:t>
+        <a:bodyPr/>
+        <a:lstStyle/>
+        <a:p>
+          <a:endParaRPr lang="en-IN" sz="3200"/>
+        </a:p>
+      </dgm:t>
+    </dgm:pt>
+    <dgm:pt modelId="{2E64120C-1C32-4AF6-9C00-E906F972D522}" type="sibTrans" cxnId="{9787B8BC-AE10-49CA-8D90-9272B8E150C0}">
+      <dgm:prSet/>
+      <dgm:spPr/>
+      <dgm:t>
+        <a:bodyPr/>
+        <a:lstStyle/>
+        <a:p>
+          <a:endParaRPr lang="en-IN" sz="3200"/>
+        </a:p>
+      </dgm:t>
+    </dgm:pt>
+    <dgm:pt modelId="{86229061-F4F6-42E1-B058-AFBD3AB0F2EB}">
+      <dgm:prSet custT="1"/>
+      <dgm:spPr/>
+      <dgm:t>
+        <a:bodyPr/>
+        <a:lstStyle/>
+        <a:p>
+          <a:r>
+            <a:rPr lang="en-IN" sz="1400" dirty="0" smtClean="0"/>
+            <a:t>Why some of the posterior checks aren’t working? Perhaps checking for model fit is not a good approach because with more components it is never bad.</a:t>
+          </a:r>
+          <a:endParaRPr lang="en-IN" sz="1400" dirty="0"/>
+        </a:p>
+      </dgm:t>
+    </dgm:pt>
+    <dgm:pt modelId="{6B584C77-EAD0-4AB8-B5EC-F1880E6D21AF}" type="parTrans" cxnId="{680A5396-D40B-488C-B4CF-13C4A8684BD6}">
+      <dgm:prSet/>
+      <dgm:spPr/>
+      <dgm:t>
+        <a:bodyPr/>
+        <a:lstStyle/>
+        <a:p>
+          <a:endParaRPr lang="en-IN" sz="3200"/>
+        </a:p>
+      </dgm:t>
+    </dgm:pt>
+    <dgm:pt modelId="{054F60E7-83A7-4940-AF3B-7AF5F66A81DE}" type="sibTrans" cxnId="{680A5396-D40B-488C-B4CF-13C4A8684BD6}">
+      <dgm:prSet/>
+      <dgm:spPr/>
+      <dgm:t>
+        <a:bodyPr/>
+        <a:lstStyle/>
+        <a:p>
+          <a:endParaRPr lang="en-IN" sz="3200"/>
+        </a:p>
+      </dgm:t>
+    </dgm:pt>
+    <dgm:pt modelId="{8B38913C-0921-4DCA-A701-64E36CB91E8D}" type="pres">
+      <dgm:prSet presAssocID="{1AF317FB-040E-4EFD-A854-94671027B56E}" presName="linear" presStyleCnt="0">
         <dgm:presLayoutVars>
           <dgm:dir/>
           <dgm:animLvl val="lvl"/>
@@ -4774,31 +5754,17 @@
         </dgm:presLayoutVars>
       </dgm:prSet>
       <dgm:spPr/>
-      <dgm:t>
-        <a:bodyPr/>
-        <a:lstStyle/>
-        <a:p>
-          <a:endParaRPr lang="en-IN"/>
-        </a:p>
-      </dgm:t>
     </dgm:pt>
-    <dgm:pt modelId="{DF75FBCB-0256-4630-84C1-10BEC1FD4E1B}" type="pres">
-      <dgm:prSet presAssocID="{9B42CED3-BD59-4AD1-8F08-B46DC9AEC251}" presName="parentLin" presStyleCnt="0"/>
+    <dgm:pt modelId="{2ED20D93-B7E6-4CFF-AF33-AB1A5B966814}" type="pres">
+      <dgm:prSet presAssocID="{CC6B3C4E-2D5C-4D00-8C27-355AF3C3A2FE}" presName="parentLin" presStyleCnt="0"/>
       <dgm:spPr/>
     </dgm:pt>
-    <dgm:pt modelId="{9A3FA08A-A536-4656-8057-5ADF7C1B6D02}" type="pres">
-      <dgm:prSet presAssocID="{9B42CED3-BD59-4AD1-8F08-B46DC9AEC251}" presName="parentLeftMargin" presStyleLbl="node1" presStyleIdx="0" presStyleCnt="2"/>
+    <dgm:pt modelId="{069DAAD1-24CE-44B7-81F8-F949B0EAD730}" type="pres">
+      <dgm:prSet presAssocID="{CC6B3C4E-2D5C-4D00-8C27-355AF3C3A2FE}" presName="parentLeftMargin" presStyleLbl="node1" presStyleIdx="0" presStyleCnt="5"/>
       <dgm:spPr/>
-      <dgm:t>
-        <a:bodyPr/>
-        <a:lstStyle/>
-        <a:p>
-          <a:endParaRPr lang="en-IN"/>
-        </a:p>
-      </dgm:t>
     </dgm:pt>
-    <dgm:pt modelId="{CCAC4913-284D-4267-B389-14932CC72AD9}" type="pres">
-      <dgm:prSet presAssocID="{9B42CED3-BD59-4AD1-8F08-B46DC9AEC251}" presName="parentText" presStyleLbl="node1" presStyleIdx="0" presStyleCnt="2">
+    <dgm:pt modelId="{A4E3366F-6CE4-4A5A-BC90-DA157F4F8D28}" type="pres">
+      <dgm:prSet presAssocID="{CC6B3C4E-2D5C-4D00-8C27-355AF3C3A2FE}" presName="parentText" presStyleLbl="node1" presStyleIdx="0" presStyleCnt="5">
         <dgm:presLayoutVars>
           <dgm:chMax val="0"/>
           <dgm:bulletEnabled val="1"/>
@@ -4813,39 +5779,131 @@
         </a:p>
       </dgm:t>
     </dgm:pt>
-    <dgm:pt modelId="{07B38DFA-C8FB-4070-82D8-C5902C20ADC8}" type="pres">
-      <dgm:prSet presAssocID="{9B42CED3-BD59-4AD1-8F08-B46DC9AEC251}" presName="negativeSpace" presStyleCnt="0"/>
+    <dgm:pt modelId="{6B443ACD-B773-4560-BD1C-63B428D6B230}" type="pres">
+      <dgm:prSet presAssocID="{CC6B3C4E-2D5C-4D00-8C27-355AF3C3A2FE}" presName="negativeSpace" presStyleCnt="0"/>
       <dgm:spPr/>
     </dgm:pt>
-    <dgm:pt modelId="{19EBEFF9-C7F7-41DA-8673-5438FF827474}" type="pres">
-      <dgm:prSet presAssocID="{9B42CED3-BD59-4AD1-8F08-B46DC9AEC251}" presName="childText" presStyleLbl="conFgAcc1" presStyleIdx="0" presStyleCnt="2">
+    <dgm:pt modelId="{D2D28DF4-D44A-458F-BFFF-BCF3C1BFA0FE}" type="pres">
+      <dgm:prSet presAssocID="{CC6B3C4E-2D5C-4D00-8C27-355AF3C3A2FE}" presName="childText" presStyleLbl="conFgAcc1" presStyleIdx="0" presStyleCnt="5">
         <dgm:presLayoutVars>
           <dgm:bulletEnabled val="1"/>
         </dgm:presLayoutVars>
       </dgm:prSet>
       <dgm:spPr/>
     </dgm:pt>
-    <dgm:pt modelId="{C6BF1A9E-D757-419C-A35E-8377031D75A0}" type="pres">
-      <dgm:prSet presAssocID="{C9001C8A-FBF7-41A0-BADD-BF8895B844BD}" presName="spaceBetweenRectangles" presStyleCnt="0"/>
+    <dgm:pt modelId="{4FEA5C78-E380-4C83-9BA1-321B88E53267}" type="pres">
+      <dgm:prSet presAssocID="{6ED55EC1-57A9-4A60-BC9D-F28950CC7370}" presName="spaceBetweenRectangles" presStyleCnt="0"/>
       <dgm:spPr/>
     </dgm:pt>
-    <dgm:pt modelId="{3CEDD76A-427C-40B0-AFF4-B3FD30BB779F}" type="pres">
-      <dgm:prSet presAssocID="{6C10E8EC-C7CE-489D-8145-B2C05782B9CF}" presName="parentLin" presStyleCnt="0"/>
+    <dgm:pt modelId="{498387B7-1358-4DF0-9078-EE3B6992A7EE}" type="pres">
+      <dgm:prSet presAssocID="{632CF2C6-F4A6-4AAC-BF52-7356B1F93FC2}" presName="parentLin" presStyleCnt="0"/>
       <dgm:spPr/>
     </dgm:pt>
-    <dgm:pt modelId="{428D7772-2861-40B1-9BEF-9748747CE89E}" type="pres">
-      <dgm:prSet presAssocID="{6C10E8EC-C7CE-489D-8145-B2C05782B9CF}" presName="parentLeftMargin" presStyleLbl="node1" presStyleIdx="0" presStyleCnt="2"/>
+    <dgm:pt modelId="{7BC2B9C8-8830-4B9E-98A9-F73764AD0200}" type="pres">
+      <dgm:prSet presAssocID="{632CF2C6-F4A6-4AAC-BF52-7356B1F93FC2}" presName="parentLeftMargin" presStyleLbl="node1" presStyleIdx="0" presStyleCnt="5"/>
       <dgm:spPr/>
-      <dgm:t>
-        <a:bodyPr/>
-        <a:lstStyle/>
-        <a:p>
-          <a:endParaRPr lang="en-IN"/>
-        </a:p>
-      </dgm:t>
     </dgm:pt>
-    <dgm:pt modelId="{68517EE7-70BC-4FB6-A672-29E09D032A47}" type="pres">
-      <dgm:prSet presAssocID="{6C10E8EC-C7CE-489D-8145-B2C05782B9CF}" presName="parentText" presStyleLbl="node1" presStyleIdx="1" presStyleCnt="2">
+    <dgm:pt modelId="{52170AF7-0D36-4EA5-B823-AF73C96BD040}" type="pres">
+      <dgm:prSet presAssocID="{632CF2C6-F4A6-4AAC-BF52-7356B1F93FC2}" presName="parentText" presStyleLbl="node1" presStyleIdx="1" presStyleCnt="5">
+        <dgm:presLayoutVars>
+          <dgm:chMax val="0"/>
+          <dgm:bulletEnabled val="1"/>
+        </dgm:presLayoutVars>
+      </dgm:prSet>
+      <dgm:spPr/>
+    </dgm:pt>
+    <dgm:pt modelId="{B091566A-0990-445D-AA93-618265BAF381}" type="pres">
+      <dgm:prSet presAssocID="{632CF2C6-F4A6-4AAC-BF52-7356B1F93FC2}" presName="negativeSpace" presStyleCnt="0"/>
+      <dgm:spPr/>
+    </dgm:pt>
+    <dgm:pt modelId="{E75AC3AD-F42B-45F4-B75A-EECF326E529B}" type="pres">
+      <dgm:prSet presAssocID="{632CF2C6-F4A6-4AAC-BF52-7356B1F93FC2}" presName="childText" presStyleLbl="conFgAcc1" presStyleIdx="1" presStyleCnt="5">
+        <dgm:presLayoutVars>
+          <dgm:bulletEnabled val="1"/>
+        </dgm:presLayoutVars>
+      </dgm:prSet>
+      <dgm:spPr/>
+    </dgm:pt>
+    <dgm:pt modelId="{C2A2E0BC-E5D4-46FD-BB0F-CF94521C8109}" type="pres">
+      <dgm:prSet presAssocID="{208617AE-3F98-43A8-B332-D7C1C21DCD89}" presName="spaceBetweenRectangles" presStyleCnt="0"/>
+      <dgm:spPr/>
+    </dgm:pt>
+    <dgm:pt modelId="{1592210C-2667-4504-8E2B-06BBEBBA97A0}" type="pres">
+      <dgm:prSet presAssocID="{A3E7161A-1337-4676-8ABF-BD604752E177}" presName="parentLin" presStyleCnt="0"/>
+      <dgm:spPr/>
+    </dgm:pt>
+    <dgm:pt modelId="{2A0C1402-8D7A-486B-97B7-2E2355D1C732}" type="pres">
+      <dgm:prSet presAssocID="{A3E7161A-1337-4676-8ABF-BD604752E177}" presName="parentLeftMargin" presStyleLbl="node1" presStyleIdx="1" presStyleCnt="5"/>
+      <dgm:spPr/>
+    </dgm:pt>
+    <dgm:pt modelId="{79466E71-585A-4329-9789-8EE0BEA080E5}" type="pres">
+      <dgm:prSet presAssocID="{A3E7161A-1337-4676-8ABF-BD604752E177}" presName="parentText" presStyleLbl="node1" presStyleIdx="2" presStyleCnt="5">
+        <dgm:presLayoutVars>
+          <dgm:chMax val="0"/>
+          <dgm:bulletEnabled val="1"/>
+        </dgm:presLayoutVars>
+      </dgm:prSet>
+      <dgm:spPr/>
+    </dgm:pt>
+    <dgm:pt modelId="{DE27A57F-1B9C-4E87-BB24-7E40CDB6B42B}" type="pres">
+      <dgm:prSet presAssocID="{A3E7161A-1337-4676-8ABF-BD604752E177}" presName="negativeSpace" presStyleCnt="0"/>
+      <dgm:spPr/>
+    </dgm:pt>
+    <dgm:pt modelId="{5160C588-0A17-4891-86B3-014A67AC3D70}" type="pres">
+      <dgm:prSet presAssocID="{A3E7161A-1337-4676-8ABF-BD604752E177}" presName="childText" presStyleLbl="conFgAcc1" presStyleIdx="2" presStyleCnt="5">
+        <dgm:presLayoutVars>
+          <dgm:bulletEnabled val="1"/>
+        </dgm:presLayoutVars>
+      </dgm:prSet>
+      <dgm:spPr/>
+    </dgm:pt>
+    <dgm:pt modelId="{E264A19B-4885-41E9-BB71-932BC0148FE3}" type="pres">
+      <dgm:prSet presAssocID="{02F13553-D2BA-4192-AFF9-221990045063}" presName="spaceBetweenRectangles" presStyleCnt="0"/>
+      <dgm:spPr/>
+    </dgm:pt>
+    <dgm:pt modelId="{8AE8ED86-A8FC-4C3B-AAD4-38EB96F6F6CC}" type="pres">
+      <dgm:prSet presAssocID="{5A421303-9E4C-4AEE-B4EB-18B5D5FA4D67}" presName="parentLin" presStyleCnt="0"/>
+      <dgm:spPr/>
+    </dgm:pt>
+    <dgm:pt modelId="{DE839884-2FF2-4707-A69F-9DCF2BE94F99}" type="pres">
+      <dgm:prSet presAssocID="{5A421303-9E4C-4AEE-B4EB-18B5D5FA4D67}" presName="parentLeftMargin" presStyleLbl="node1" presStyleIdx="2" presStyleCnt="5"/>
+      <dgm:spPr/>
+    </dgm:pt>
+    <dgm:pt modelId="{F43C019A-B06D-44E8-B3C0-9251E34F5448}" type="pres">
+      <dgm:prSet presAssocID="{5A421303-9E4C-4AEE-B4EB-18B5D5FA4D67}" presName="parentText" presStyleLbl="node1" presStyleIdx="3" presStyleCnt="5">
+        <dgm:presLayoutVars>
+          <dgm:chMax val="0"/>
+          <dgm:bulletEnabled val="1"/>
+        </dgm:presLayoutVars>
+      </dgm:prSet>
+      <dgm:spPr/>
+    </dgm:pt>
+    <dgm:pt modelId="{4390A960-5BE2-4A4C-A092-54E304D2E476}" type="pres">
+      <dgm:prSet presAssocID="{5A421303-9E4C-4AEE-B4EB-18B5D5FA4D67}" presName="negativeSpace" presStyleCnt="0"/>
+      <dgm:spPr/>
+    </dgm:pt>
+    <dgm:pt modelId="{18C7A500-DC51-4CBE-94DC-45D9356748C1}" type="pres">
+      <dgm:prSet presAssocID="{5A421303-9E4C-4AEE-B4EB-18B5D5FA4D67}" presName="childText" presStyleLbl="conFgAcc1" presStyleIdx="3" presStyleCnt="5">
+        <dgm:presLayoutVars>
+          <dgm:bulletEnabled val="1"/>
+        </dgm:presLayoutVars>
+      </dgm:prSet>
+      <dgm:spPr/>
+    </dgm:pt>
+    <dgm:pt modelId="{F1CE33F9-2F1D-4B48-AC3B-D23D64604866}" type="pres">
+      <dgm:prSet presAssocID="{2E64120C-1C32-4AF6-9C00-E906F972D522}" presName="spaceBetweenRectangles" presStyleCnt="0"/>
+      <dgm:spPr/>
+    </dgm:pt>
+    <dgm:pt modelId="{AC8BA45B-CC02-4DEA-8A66-63142C667122}" type="pres">
+      <dgm:prSet presAssocID="{86229061-F4F6-42E1-B058-AFBD3AB0F2EB}" presName="parentLin" presStyleCnt="0"/>
+      <dgm:spPr/>
+    </dgm:pt>
+    <dgm:pt modelId="{4A7AA179-E608-4666-BA46-EA4D08790B77}" type="pres">
+      <dgm:prSet presAssocID="{86229061-F4F6-42E1-B058-AFBD3AB0F2EB}" presName="parentLeftMargin" presStyleLbl="node1" presStyleIdx="3" presStyleCnt="5"/>
+      <dgm:spPr/>
+    </dgm:pt>
+    <dgm:pt modelId="{7A588EEE-8205-4B28-8AF0-EB8C4DFE48A3}" type="pres">
+      <dgm:prSet presAssocID="{86229061-F4F6-42E1-B058-AFBD3AB0F2EB}" presName="parentText" presStyleLbl="node1" presStyleIdx="4" presStyleCnt="5">
         <dgm:presLayoutVars>
           <dgm:chMax val="0"/>
           <dgm:bulletEnabled val="1"/>
@@ -4860,12 +5918,12 @@
         </a:p>
       </dgm:t>
     </dgm:pt>
-    <dgm:pt modelId="{7964A605-9C4A-4FC2-933E-5F3AD2D46406}" type="pres">
-      <dgm:prSet presAssocID="{6C10E8EC-C7CE-489D-8145-B2C05782B9CF}" presName="negativeSpace" presStyleCnt="0"/>
+    <dgm:pt modelId="{F9830961-1EF6-48C4-87A1-B188C538EA06}" type="pres">
+      <dgm:prSet presAssocID="{86229061-F4F6-42E1-B058-AFBD3AB0F2EB}" presName="negativeSpace" presStyleCnt="0"/>
       <dgm:spPr/>
     </dgm:pt>
-    <dgm:pt modelId="{27A2DFA7-F80A-4DF7-AECA-C814F2629745}" type="pres">
-      <dgm:prSet presAssocID="{6C10E8EC-C7CE-489D-8145-B2C05782B9CF}" presName="childText" presStyleLbl="conFgAcc1" presStyleIdx="1" presStyleCnt="2">
+    <dgm:pt modelId="{9B0C781F-2052-4902-BEBE-F34307638FCB}" type="pres">
+      <dgm:prSet presAssocID="{86229061-F4F6-42E1-B058-AFBD3AB0F2EB}" presName="childText" presStyleLbl="conFgAcc1" presStyleIdx="4" presStyleCnt="5">
         <dgm:presLayoutVars>
           <dgm:bulletEnabled val="1"/>
         </dgm:presLayoutVars>
@@ -4874,24 +5932,342 @@
     </dgm:pt>
   </dgm:ptLst>
   <dgm:cxnLst>
-    <dgm:cxn modelId="{8E3E85D5-07B8-4A2E-9075-89FD43F5DBA5}" type="presOf" srcId="{6C10E8EC-C7CE-489D-8145-B2C05782B9CF}" destId="{428D7772-2861-40B1-9BEF-9748747CE89E}" srcOrd="0" destOrd="0" presId="urn:microsoft.com/office/officeart/2005/8/layout/list1"/>
-    <dgm:cxn modelId="{E4F63187-AAE0-4554-A07D-1BDCF0A1FBE5}" srcId="{D997051F-4A21-48F4-8915-4916A32164DF}" destId="{6C10E8EC-C7CE-489D-8145-B2C05782B9CF}" srcOrd="1" destOrd="0" parTransId="{F4E5E018-976D-4B9C-B81D-B190A10706D1}" sibTransId="{30E8B5A7-E3AB-41F0-92B0-A2A67608E6B7}"/>
-    <dgm:cxn modelId="{F33F5097-157F-4548-9A28-709FECABD480}" srcId="{D997051F-4A21-48F4-8915-4916A32164DF}" destId="{9B42CED3-BD59-4AD1-8F08-B46DC9AEC251}" srcOrd="0" destOrd="0" parTransId="{474362D9-31D3-4E8A-983C-4424A9D6D2C8}" sibTransId="{C9001C8A-FBF7-41A0-BADD-BF8895B844BD}"/>
-    <dgm:cxn modelId="{BEDDE65A-69E3-48C6-BB35-61180337C03C}" type="presOf" srcId="{D997051F-4A21-48F4-8915-4916A32164DF}" destId="{E7588D9B-6F8B-4806-9030-1665EAB07543}" srcOrd="0" destOrd="0" presId="urn:microsoft.com/office/officeart/2005/8/layout/list1"/>
-    <dgm:cxn modelId="{FCEA0EC0-10A6-4B3C-B7DB-B0AA57BBAC3D}" type="presOf" srcId="{9B42CED3-BD59-4AD1-8F08-B46DC9AEC251}" destId="{CCAC4913-284D-4267-B389-14932CC72AD9}" srcOrd="1" destOrd="0" presId="urn:microsoft.com/office/officeart/2005/8/layout/list1"/>
-    <dgm:cxn modelId="{15C19013-1B2E-4403-8010-10E5A085A160}" type="presOf" srcId="{9B42CED3-BD59-4AD1-8F08-B46DC9AEC251}" destId="{9A3FA08A-A536-4656-8057-5ADF7C1B6D02}" srcOrd="0" destOrd="0" presId="urn:microsoft.com/office/officeart/2005/8/layout/list1"/>
-    <dgm:cxn modelId="{4C5B2108-14D6-4663-87B0-53FFF09D2E33}" type="presOf" srcId="{6C10E8EC-C7CE-489D-8145-B2C05782B9CF}" destId="{68517EE7-70BC-4FB6-A672-29E09D032A47}" srcOrd="1" destOrd="0" presId="urn:microsoft.com/office/officeart/2005/8/layout/list1"/>
-    <dgm:cxn modelId="{6DA9F964-47B3-4D61-B9C5-BFE71BB67B2D}" type="presParOf" srcId="{E7588D9B-6F8B-4806-9030-1665EAB07543}" destId="{DF75FBCB-0256-4630-84C1-10BEC1FD4E1B}" srcOrd="0" destOrd="0" presId="urn:microsoft.com/office/officeart/2005/8/layout/list1"/>
-    <dgm:cxn modelId="{5E7CBCCC-D117-4FDE-A419-130BE2AAA083}" type="presParOf" srcId="{DF75FBCB-0256-4630-84C1-10BEC1FD4E1B}" destId="{9A3FA08A-A536-4656-8057-5ADF7C1B6D02}" srcOrd="0" destOrd="0" presId="urn:microsoft.com/office/officeart/2005/8/layout/list1"/>
-    <dgm:cxn modelId="{ACD152FB-6416-4B24-919E-60B9DFC76579}" type="presParOf" srcId="{DF75FBCB-0256-4630-84C1-10BEC1FD4E1B}" destId="{CCAC4913-284D-4267-B389-14932CC72AD9}" srcOrd="1" destOrd="0" presId="urn:microsoft.com/office/officeart/2005/8/layout/list1"/>
-    <dgm:cxn modelId="{B50E9C45-9507-4C95-B046-AC28895F1D9B}" type="presParOf" srcId="{E7588D9B-6F8B-4806-9030-1665EAB07543}" destId="{07B38DFA-C8FB-4070-82D8-C5902C20ADC8}" srcOrd="1" destOrd="0" presId="urn:microsoft.com/office/officeart/2005/8/layout/list1"/>
-    <dgm:cxn modelId="{03A3970D-DEEB-4D17-B73E-D935F7428F43}" type="presParOf" srcId="{E7588D9B-6F8B-4806-9030-1665EAB07543}" destId="{19EBEFF9-C7F7-41DA-8673-5438FF827474}" srcOrd="2" destOrd="0" presId="urn:microsoft.com/office/officeart/2005/8/layout/list1"/>
-    <dgm:cxn modelId="{3953A308-79D7-4866-B7F8-1B8D73FD5CFE}" type="presParOf" srcId="{E7588D9B-6F8B-4806-9030-1665EAB07543}" destId="{C6BF1A9E-D757-419C-A35E-8377031D75A0}" srcOrd="3" destOrd="0" presId="urn:microsoft.com/office/officeart/2005/8/layout/list1"/>
-    <dgm:cxn modelId="{340D6340-28EE-4110-A62F-6C2F383017F0}" type="presParOf" srcId="{E7588D9B-6F8B-4806-9030-1665EAB07543}" destId="{3CEDD76A-427C-40B0-AFF4-B3FD30BB779F}" srcOrd="4" destOrd="0" presId="urn:microsoft.com/office/officeart/2005/8/layout/list1"/>
-    <dgm:cxn modelId="{5E78BAAC-7FA3-475E-857E-D1222192405A}" type="presParOf" srcId="{3CEDD76A-427C-40B0-AFF4-B3FD30BB779F}" destId="{428D7772-2861-40B1-9BEF-9748747CE89E}" srcOrd="0" destOrd="0" presId="urn:microsoft.com/office/officeart/2005/8/layout/list1"/>
-    <dgm:cxn modelId="{5F2498E4-4677-4B7B-8E6E-3356502783A0}" type="presParOf" srcId="{3CEDD76A-427C-40B0-AFF4-B3FD30BB779F}" destId="{68517EE7-70BC-4FB6-A672-29E09D032A47}" srcOrd="1" destOrd="0" presId="urn:microsoft.com/office/officeart/2005/8/layout/list1"/>
-    <dgm:cxn modelId="{E25E2A4E-60FC-4ACD-8CF2-E9F51A921DD8}" type="presParOf" srcId="{E7588D9B-6F8B-4806-9030-1665EAB07543}" destId="{7964A605-9C4A-4FC2-933E-5F3AD2D46406}" srcOrd="5" destOrd="0" presId="urn:microsoft.com/office/officeart/2005/8/layout/list1"/>
-    <dgm:cxn modelId="{F069480B-C512-40A2-8318-BB56974C7008}" type="presParOf" srcId="{E7588D9B-6F8B-4806-9030-1665EAB07543}" destId="{27A2DFA7-F80A-4DF7-AECA-C814F2629745}" srcOrd="6" destOrd="0" presId="urn:microsoft.com/office/officeart/2005/8/layout/list1"/>
+    <dgm:cxn modelId="{F2D7D62C-11A0-4A74-8613-932B291813DE}" type="presOf" srcId="{CC6B3C4E-2D5C-4D00-8C27-355AF3C3A2FE}" destId="{069DAAD1-24CE-44B7-81F8-F949B0EAD730}" srcOrd="0" destOrd="0" presId="urn:microsoft.com/office/officeart/2005/8/layout/list1"/>
+    <dgm:cxn modelId="{745D7E03-4E5F-4441-9ED4-03B203FDAE59}" srcId="{1AF317FB-040E-4EFD-A854-94671027B56E}" destId="{A3E7161A-1337-4676-8ABF-BD604752E177}" srcOrd="2" destOrd="0" parTransId="{F23D5F29-88C3-4141-BD8A-C8B29D879FD9}" sibTransId="{02F13553-D2BA-4192-AFF9-221990045063}"/>
+    <dgm:cxn modelId="{72DBE04B-88BD-404B-87AB-F3B2609B491B}" type="presOf" srcId="{5A421303-9E4C-4AEE-B4EB-18B5D5FA4D67}" destId="{DE839884-2FF2-4707-A69F-9DCF2BE94F99}" srcOrd="0" destOrd="0" presId="urn:microsoft.com/office/officeart/2005/8/layout/list1"/>
+    <dgm:cxn modelId="{9787B8BC-AE10-49CA-8D90-9272B8E150C0}" srcId="{1AF317FB-040E-4EFD-A854-94671027B56E}" destId="{5A421303-9E4C-4AEE-B4EB-18B5D5FA4D67}" srcOrd="3" destOrd="0" parTransId="{024A8514-66D8-42B0-8D46-D4795BFD12C2}" sibTransId="{2E64120C-1C32-4AF6-9C00-E906F972D522}"/>
+    <dgm:cxn modelId="{B8595456-B209-40CF-AC85-26FE37B1FEA7}" type="presOf" srcId="{1AF317FB-040E-4EFD-A854-94671027B56E}" destId="{8B38913C-0921-4DCA-A701-64E36CB91E8D}" srcOrd="0" destOrd="0" presId="urn:microsoft.com/office/officeart/2005/8/layout/list1"/>
+    <dgm:cxn modelId="{0E4BEE1D-2612-4DEA-A265-9D3598BA60A8}" srcId="{1AF317FB-040E-4EFD-A854-94671027B56E}" destId="{CC6B3C4E-2D5C-4D00-8C27-355AF3C3A2FE}" srcOrd="0" destOrd="0" parTransId="{3D85C30E-E5E9-40B1-B50D-F1BE39823ACF}" sibTransId="{6ED55EC1-57A9-4A60-BC9D-F28950CC7370}"/>
+    <dgm:cxn modelId="{E0CB142B-D9C6-49BB-BF6D-1230671526BC}" type="presOf" srcId="{CC6B3C4E-2D5C-4D00-8C27-355AF3C3A2FE}" destId="{A4E3366F-6CE4-4A5A-BC90-DA157F4F8D28}" srcOrd="1" destOrd="0" presId="urn:microsoft.com/office/officeart/2005/8/layout/list1"/>
+    <dgm:cxn modelId="{C3F4DF2F-3319-4F8B-8336-BB72F1A3D832}" type="presOf" srcId="{A3E7161A-1337-4676-8ABF-BD604752E177}" destId="{2A0C1402-8D7A-486B-97B7-2E2355D1C732}" srcOrd="0" destOrd="0" presId="urn:microsoft.com/office/officeart/2005/8/layout/list1"/>
+    <dgm:cxn modelId="{4099A840-8487-419F-A1FB-B564C316B011}" srcId="{1AF317FB-040E-4EFD-A854-94671027B56E}" destId="{632CF2C6-F4A6-4AAC-BF52-7356B1F93FC2}" srcOrd="1" destOrd="0" parTransId="{793B912F-C01D-40ED-8663-0C6EF9D012B0}" sibTransId="{208617AE-3F98-43A8-B332-D7C1C21DCD89}"/>
+    <dgm:cxn modelId="{3CC4EC0D-BDEA-4842-8C67-A35D06304C9A}" type="presOf" srcId="{632CF2C6-F4A6-4AAC-BF52-7356B1F93FC2}" destId="{7BC2B9C8-8830-4B9E-98A9-F73764AD0200}" srcOrd="0" destOrd="0" presId="urn:microsoft.com/office/officeart/2005/8/layout/list1"/>
+    <dgm:cxn modelId="{E42A8D8F-1B90-4F63-B9D2-9545E2ED5544}" type="presOf" srcId="{5A421303-9E4C-4AEE-B4EB-18B5D5FA4D67}" destId="{F43C019A-B06D-44E8-B3C0-9251E34F5448}" srcOrd="1" destOrd="0" presId="urn:microsoft.com/office/officeart/2005/8/layout/list1"/>
+    <dgm:cxn modelId="{2602B157-7EA7-4B2F-892C-8A65532AF817}" type="presOf" srcId="{A3E7161A-1337-4676-8ABF-BD604752E177}" destId="{79466E71-585A-4329-9789-8EE0BEA080E5}" srcOrd="1" destOrd="0" presId="urn:microsoft.com/office/officeart/2005/8/layout/list1"/>
+    <dgm:cxn modelId="{A74F22A6-72BB-40A7-A69A-D9422FC596D0}" type="presOf" srcId="{632CF2C6-F4A6-4AAC-BF52-7356B1F93FC2}" destId="{52170AF7-0D36-4EA5-B823-AF73C96BD040}" srcOrd="1" destOrd="0" presId="urn:microsoft.com/office/officeart/2005/8/layout/list1"/>
+    <dgm:cxn modelId="{6045D446-96B3-4811-9BA6-42C201A41DD4}" type="presOf" srcId="{86229061-F4F6-42E1-B058-AFBD3AB0F2EB}" destId="{4A7AA179-E608-4666-BA46-EA4D08790B77}" srcOrd="0" destOrd="0" presId="urn:microsoft.com/office/officeart/2005/8/layout/list1"/>
+    <dgm:cxn modelId="{893E80BE-8C16-4307-8AB8-D958CA7C5F87}" type="presOf" srcId="{86229061-F4F6-42E1-B058-AFBD3AB0F2EB}" destId="{7A588EEE-8205-4B28-8AF0-EB8C4DFE48A3}" srcOrd="1" destOrd="0" presId="urn:microsoft.com/office/officeart/2005/8/layout/list1"/>
+    <dgm:cxn modelId="{680A5396-D40B-488C-B4CF-13C4A8684BD6}" srcId="{1AF317FB-040E-4EFD-A854-94671027B56E}" destId="{86229061-F4F6-42E1-B058-AFBD3AB0F2EB}" srcOrd="4" destOrd="0" parTransId="{6B584C77-EAD0-4AB8-B5EC-F1880E6D21AF}" sibTransId="{054F60E7-83A7-4940-AF3B-7AF5F66A81DE}"/>
+    <dgm:cxn modelId="{019DE32E-428A-4E90-BECC-3CF68DD1A01E}" type="presParOf" srcId="{8B38913C-0921-4DCA-A701-64E36CB91E8D}" destId="{2ED20D93-B7E6-4CFF-AF33-AB1A5B966814}" srcOrd="0" destOrd="0" presId="urn:microsoft.com/office/officeart/2005/8/layout/list1"/>
+    <dgm:cxn modelId="{9EC48E48-2B01-4140-8F67-67DCB5CC872B}" type="presParOf" srcId="{2ED20D93-B7E6-4CFF-AF33-AB1A5B966814}" destId="{069DAAD1-24CE-44B7-81F8-F949B0EAD730}" srcOrd="0" destOrd="0" presId="urn:microsoft.com/office/officeart/2005/8/layout/list1"/>
+    <dgm:cxn modelId="{09C43D72-49BD-48A6-B023-C6556A451812}" type="presParOf" srcId="{2ED20D93-B7E6-4CFF-AF33-AB1A5B966814}" destId="{A4E3366F-6CE4-4A5A-BC90-DA157F4F8D28}" srcOrd="1" destOrd="0" presId="urn:microsoft.com/office/officeart/2005/8/layout/list1"/>
+    <dgm:cxn modelId="{BF324719-E0A6-4142-B9DF-96D12A47F361}" type="presParOf" srcId="{8B38913C-0921-4DCA-A701-64E36CB91E8D}" destId="{6B443ACD-B773-4560-BD1C-63B428D6B230}" srcOrd="1" destOrd="0" presId="urn:microsoft.com/office/officeart/2005/8/layout/list1"/>
+    <dgm:cxn modelId="{83D22B33-7232-4BCE-AC95-D5791393D0FE}" type="presParOf" srcId="{8B38913C-0921-4DCA-A701-64E36CB91E8D}" destId="{D2D28DF4-D44A-458F-BFFF-BCF3C1BFA0FE}" srcOrd="2" destOrd="0" presId="urn:microsoft.com/office/officeart/2005/8/layout/list1"/>
+    <dgm:cxn modelId="{32F7580F-1C10-43DA-805D-E24C9063310E}" type="presParOf" srcId="{8B38913C-0921-4DCA-A701-64E36CB91E8D}" destId="{4FEA5C78-E380-4C83-9BA1-321B88E53267}" srcOrd="3" destOrd="0" presId="urn:microsoft.com/office/officeart/2005/8/layout/list1"/>
+    <dgm:cxn modelId="{CD3363B0-8C29-4982-97BA-4E34E2579422}" type="presParOf" srcId="{8B38913C-0921-4DCA-A701-64E36CB91E8D}" destId="{498387B7-1358-4DF0-9078-EE3B6992A7EE}" srcOrd="4" destOrd="0" presId="urn:microsoft.com/office/officeart/2005/8/layout/list1"/>
+    <dgm:cxn modelId="{3F79D54C-485D-484B-A9A6-85856931EA9F}" type="presParOf" srcId="{498387B7-1358-4DF0-9078-EE3B6992A7EE}" destId="{7BC2B9C8-8830-4B9E-98A9-F73764AD0200}" srcOrd="0" destOrd="0" presId="urn:microsoft.com/office/officeart/2005/8/layout/list1"/>
+    <dgm:cxn modelId="{2255719B-6B4A-428B-8FE2-618ED94E70AE}" type="presParOf" srcId="{498387B7-1358-4DF0-9078-EE3B6992A7EE}" destId="{52170AF7-0D36-4EA5-B823-AF73C96BD040}" srcOrd="1" destOrd="0" presId="urn:microsoft.com/office/officeart/2005/8/layout/list1"/>
+    <dgm:cxn modelId="{06F555FE-B766-4217-A686-B3CE06374BD4}" type="presParOf" srcId="{8B38913C-0921-4DCA-A701-64E36CB91E8D}" destId="{B091566A-0990-445D-AA93-618265BAF381}" srcOrd="5" destOrd="0" presId="urn:microsoft.com/office/officeart/2005/8/layout/list1"/>
+    <dgm:cxn modelId="{3205A135-EDBF-4ADA-9C6C-97F62873B9A7}" type="presParOf" srcId="{8B38913C-0921-4DCA-A701-64E36CB91E8D}" destId="{E75AC3AD-F42B-45F4-B75A-EECF326E529B}" srcOrd="6" destOrd="0" presId="urn:microsoft.com/office/officeart/2005/8/layout/list1"/>
+    <dgm:cxn modelId="{0E73D19B-094A-46F3-A8D9-101FC2AF808C}" type="presParOf" srcId="{8B38913C-0921-4DCA-A701-64E36CB91E8D}" destId="{C2A2E0BC-E5D4-46FD-BB0F-CF94521C8109}" srcOrd="7" destOrd="0" presId="urn:microsoft.com/office/officeart/2005/8/layout/list1"/>
+    <dgm:cxn modelId="{E92643B9-914B-4F75-BBC0-77041CB30510}" type="presParOf" srcId="{8B38913C-0921-4DCA-A701-64E36CB91E8D}" destId="{1592210C-2667-4504-8E2B-06BBEBBA97A0}" srcOrd="8" destOrd="0" presId="urn:microsoft.com/office/officeart/2005/8/layout/list1"/>
+    <dgm:cxn modelId="{C1C3A43D-095A-4C17-AB8B-52FD1FCDAC5D}" type="presParOf" srcId="{1592210C-2667-4504-8E2B-06BBEBBA97A0}" destId="{2A0C1402-8D7A-486B-97B7-2E2355D1C732}" srcOrd="0" destOrd="0" presId="urn:microsoft.com/office/officeart/2005/8/layout/list1"/>
+    <dgm:cxn modelId="{9450FAC4-1A94-432E-B8A6-EB3D126EAE93}" type="presParOf" srcId="{1592210C-2667-4504-8E2B-06BBEBBA97A0}" destId="{79466E71-585A-4329-9789-8EE0BEA080E5}" srcOrd="1" destOrd="0" presId="urn:microsoft.com/office/officeart/2005/8/layout/list1"/>
+    <dgm:cxn modelId="{B3EFDD32-CDD5-4F90-9A89-BECACC32DD89}" type="presParOf" srcId="{8B38913C-0921-4DCA-A701-64E36CB91E8D}" destId="{DE27A57F-1B9C-4E87-BB24-7E40CDB6B42B}" srcOrd="9" destOrd="0" presId="urn:microsoft.com/office/officeart/2005/8/layout/list1"/>
+    <dgm:cxn modelId="{F679E25B-483F-4048-A5FE-CA4DB9F4D915}" type="presParOf" srcId="{8B38913C-0921-4DCA-A701-64E36CB91E8D}" destId="{5160C588-0A17-4891-86B3-014A67AC3D70}" srcOrd="10" destOrd="0" presId="urn:microsoft.com/office/officeart/2005/8/layout/list1"/>
+    <dgm:cxn modelId="{BE637AC5-7CE1-4618-B5F8-59FAC7B5FC2A}" type="presParOf" srcId="{8B38913C-0921-4DCA-A701-64E36CB91E8D}" destId="{E264A19B-4885-41E9-BB71-932BC0148FE3}" srcOrd="11" destOrd="0" presId="urn:microsoft.com/office/officeart/2005/8/layout/list1"/>
+    <dgm:cxn modelId="{8A5AD5A8-81D3-4906-AEA6-4E8E412ADBE0}" type="presParOf" srcId="{8B38913C-0921-4DCA-A701-64E36CB91E8D}" destId="{8AE8ED86-A8FC-4C3B-AAD4-38EB96F6F6CC}" srcOrd="12" destOrd="0" presId="urn:microsoft.com/office/officeart/2005/8/layout/list1"/>
+    <dgm:cxn modelId="{3F02E76F-5B82-40D2-9B3F-1A7C2E584A1A}" type="presParOf" srcId="{8AE8ED86-A8FC-4C3B-AAD4-38EB96F6F6CC}" destId="{DE839884-2FF2-4707-A69F-9DCF2BE94F99}" srcOrd="0" destOrd="0" presId="urn:microsoft.com/office/officeart/2005/8/layout/list1"/>
+    <dgm:cxn modelId="{B5660DAC-89EC-4E57-AB78-14A03EA66DBC}" type="presParOf" srcId="{8AE8ED86-A8FC-4C3B-AAD4-38EB96F6F6CC}" destId="{F43C019A-B06D-44E8-B3C0-9251E34F5448}" srcOrd="1" destOrd="0" presId="urn:microsoft.com/office/officeart/2005/8/layout/list1"/>
+    <dgm:cxn modelId="{462FCB09-4D43-4382-9A12-56872303222E}" type="presParOf" srcId="{8B38913C-0921-4DCA-A701-64E36CB91E8D}" destId="{4390A960-5BE2-4A4C-A092-54E304D2E476}" srcOrd="13" destOrd="0" presId="urn:microsoft.com/office/officeart/2005/8/layout/list1"/>
+    <dgm:cxn modelId="{1F31CF89-647D-4778-8C62-6E1E6110FEB7}" type="presParOf" srcId="{8B38913C-0921-4DCA-A701-64E36CB91E8D}" destId="{18C7A500-DC51-4CBE-94DC-45D9356748C1}" srcOrd="14" destOrd="0" presId="urn:microsoft.com/office/officeart/2005/8/layout/list1"/>
+    <dgm:cxn modelId="{605BCAAA-F266-4E72-8EB5-FB20E17CF45F}" type="presParOf" srcId="{8B38913C-0921-4DCA-A701-64E36CB91E8D}" destId="{F1CE33F9-2F1D-4B48-AC3B-D23D64604866}" srcOrd="15" destOrd="0" presId="urn:microsoft.com/office/officeart/2005/8/layout/list1"/>
+    <dgm:cxn modelId="{A38F9D54-1654-49C3-A668-7ACDD034ADC6}" type="presParOf" srcId="{8B38913C-0921-4DCA-A701-64E36CB91E8D}" destId="{AC8BA45B-CC02-4DEA-8A66-63142C667122}" srcOrd="16" destOrd="0" presId="urn:microsoft.com/office/officeart/2005/8/layout/list1"/>
+    <dgm:cxn modelId="{783348AA-7782-40C3-AC4C-9A1E71DD15B5}" type="presParOf" srcId="{AC8BA45B-CC02-4DEA-8A66-63142C667122}" destId="{4A7AA179-E608-4666-BA46-EA4D08790B77}" srcOrd="0" destOrd="0" presId="urn:microsoft.com/office/officeart/2005/8/layout/list1"/>
+    <dgm:cxn modelId="{BA7CC16C-194E-48A1-BFC9-CB38C4B8E3DE}" type="presParOf" srcId="{AC8BA45B-CC02-4DEA-8A66-63142C667122}" destId="{7A588EEE-8205-4B28-8AF0-EB8C4DFE48A3}" srcOrd="1" destOrd="0" presId="urn:microsoft.com/office/officeart/2005/8/layout/list1"/>
+    <dgm:cxn modelId="{CF1C0343-6846-4AD1-A0BC-77C6E06CBD09}" type="presParOf" srcId="{8B38913C-0921-4DCA-A701-64E36CB91E8D}" destId="{F9830961-1EF6-48C4-87A1-B188C538EA06}" srcOrd="17" destOrd="0" presId="urn:microsoft.com/office/officeart/2005/8/layout/list1"/>
+    <dgm:cxn modelId="{C357E2DF-037D-4E0B-9F91-4B7D039CDDFD}" type="presParOf" srcId="{8B38913C-0921-4DCA-A701-64E36CB91E8D}" destId="{9B0C781F-2052-4902-BEBE-F34307638FCB}" srcOrd="18" destOrd="0" presId="urn:microsoft.com/office/officeart/2005/8/layout/list1"/>
+  </dgm:cxnLst>
+  <dgm:bg/>
+  <dgm:whole/>
+  <dgm:extLst>
+    <a:ext uri="http://schemas.microsoft.com/office/drawing/2008/diagram">
+      <dsp:dataModelExt xmlns:dsp="http://schemas.microsoft.com/office/drawing/2008/diagram" relId="rId6" minVer="http://schemas.openxmlformats.org/drawingml/2006/diagram"/>
+    </a:ext>
+  </dgm:extLst>
+</dgm:dataModel>
+</file>
+
+<file path=ppt/diagrams/data6.xml><?xml version="1.0" encoding="utf-8"?>
+<dgm:dataModel xmlns:dgm="http://schemas.openxmlformats.org/drawingml/2006/diagram" xmlns:a="http://schemas.openxmlformats.org/drawingml/2006/main">
+  <dgm:ptLst>
+    <dgm:pt modelId="{F39205B8-D3EA-47A4-8755-B54AF9E6EF25}" type="doc">
+      <dgm:prSet loTypeId="urn:microsoft.com/office/officeart/2005/8/layout/list1" loCatId="list" qsTypeId="urn:microsoft.com/office/officeart/2005/8/quickstyle/simple1" qsCatId="simple" csTypeId="urn:microsoft.com/office/officeart/2005/8/colors/accent1_2" csCatId="accent1" phldr="1"/>
+      <dgm:spPr/>
+      <dgm:t>
+        <a:bodyPr/>
+        <a:lstStyle/>
+        <a:p>
+          <a:endParaRPr lang="en-IN"/>
+        </a:p>
+      </dgm:t>
+    </dgm:pt>
+    <dgm:pt modelId="{E8A42FE2-5B85-44B2-A14C-449CFF0C2088}">
+      <dgm:prSet phldrT="[Text]" custT="1"/>
+      <dgm:spPr/>
+      <dgm:t>
+        <a:bodyPr/>
+        <a:lstStyle/>
+        <a:p>
+          <a:r>
+            <a:rPr lang="en-IN" sz="1800" dirty="0" smtClean="0"/>
+            <a:t>More simulations/Confirmatory simulations.</a:t>
+          </a:r>
+          <a:endParaRPr lang="en-IN" sz="1800" dirty="0"/>
+        </a:p>
+      </dgm:t>
+    </dgm:pt>
+    <dgm:pt modelId="{5DD23B15-EC0C-4573-A910-BACF3C98063F}" type="parTrans" cxnId="{777B542C-10DC-4630-99A7-E73D10A61EEB}">
+      <dgm:prSet/>
+      <dgm:spPr/>
+      <dgm:t>
+        <a:bodyPr/>
+        <a:lstStyle/>
+        <a:p>
+          <a:endParaRPr lang="en-IN" sz="2800"/>
+        </a:p>
+      </dgm:t>
+    </dgm:pt>
+    <dgm:pt modelId="{10D29C1E-B68D-4A0F-9ED1-E580BFACDB08}" type="sibTrans" cxnId="{777B542C-10DC-4630-99A7-E73D10A61EEB}">
+      <dgm:prSet/>
+      <dgm:spPr/>
+      <dgm:t>
+        <a:bodyPr/>
+        <a:lstStyle/>
+        <a:p>
+          <a:endParaRPr lang="en-IN" sz="2800"/>
+        </a:p>
+      </dgm:t>
+    </dgm:pt>
+    <dgm:pt modelId="{3E741584-9345-4E9A-A9CF-859BBEE0A53C}">
+      <dgm:prSet custT="1"/>
+      <dgm:spPr/>
+      <dgm:t>
+        <a:bodyPr/>
+        <a:lstStyle/>
+        <a:p>
+          <a:r>
+            <a:rPr lang="en-IN" sz="1800" dirty="0" smtClean="0"/>
+            <a:t>Modelling the blood donor data. I doubt I will be able to run so many observations on my computer. </a:t>
+          </a:r>
+          <a:endParaRPr lang="en-IN" sz="1800" dirty="0" smtClean="0"/>
+        </a:p>
+      </dgm:t>
+    </dgm:pt>
+    <dgm:pt modelId="{AE548D34-E2AC-4E57-B84B-EF00B8167951}" type="parTrans" cxnId="{CAD9AB2B-842A-4B27-8506-82128F15A9E2}">
+      <dgm:prSet/>
+      <dgm:spPr/>
+      <dgm:t>
+        <a:bodyPr/>
+        <a:lstStyle/>
+        <a:p>
+          <a:endParaRPr lang="en-IN" sz="2800"/>
+        </a:p>
+      </dgm:t>
+    </dgm:pt>
+    <dgm:pt modelId="{26D58A06-0F7A-4EBC-BBC0-2C84C9A8107A}" type="sibTrans" cxnId="{CAD9AB2B-842A-4B27-8506-82128F15A9E2}">
+      <dgm:prSet/>
+      <dgm:spPr/>
+      <dgm:t>
+        <a:bodyPr/>
+        <a:lstStyle/>
+        <a:p>
+          <a:endParaRPr lang="en-IN" sz="2800"/>
+        </a:p>
+      </dgm:t>
+    </dgm:pt>
+    <dgm:pt modelId="{3BD05D8F-E34A-4947-852F-0D85213B57B9}">
+      <dgm:prSet custT="1"/>
+      <dgm:spPr/>
+      <dgm:t>
+        <a:bodyPr/>
+        <a:lstStyle/>
+        <a:p>
+          <a:r>
+            <a:rPr lang="en-IN" sz="1800" dirty="0" smtClean="0"/>
+            <a:t>Answer why things work, when I don’t expect them to? Or why they don’t when I expect them to work?</a:t>
+          </a:r>
+          <a:endParaRPr lang="en-IN" sz="1800" dirty="0" smtClean="0"/>
+        </a:p>
+      </dgm:t>
+    </dgm:pt>
+    <dgm:pt modelId="{CCB8FC95-DC7C-44E5-8F59-D7431D6800DE}" type="parTrans" cxnId="{92A3F8FD-479D-4927-8B98-7D87C9ECA369}">
+      <dgm:prSet/>
+      <dgm:spPr/>
+      <dgm:t>
+        <a:bodyPr/>
+        <a:lstStyle/>
+        <a:p>
+          <a:endParaRPr lang="en-IN" sz="2800"/>
+        </a:p>
+      </dgm:t>
+    </dgm:pt>
+    <dgm:pt modelId="{D8DBFF3D-F8E0-40CD-B896-5A41229C75D1}" type="sibTrans" cxnId="{92A3F8FD-479D-4927-8B98-7D87C9ECA369}">
+      <dgm:prSet/>
+      <dgm:spPr/>
+      <dgm:t>
+        <a:bodyPr/>
+        <a:lstStyle/>
+        <a:p>
+          <a:endParaRPr lang="en-IN" sz="2800"/>
+        </a:p>
+      </dgm:t>
+    </dgm:pt>
+    <dgm:pt modelId="{A12403FB-4726-4B45-9454-BCFFE3B34FF4}" type="pres">
+      <dgm:prSet presAssocID="{F39205B8-D3EA-47A4-8755-B54AF9E6EF25}" presName="linear" presStyleCnt="0">
+        <dgm:presLayoutVars>
+          <dgm:dir/>
+          <dgm:animLvl val="lvl"/>
+          <dgm:resizeHandles val="exact"/>
+        </dgm:presLayoutVars>
+      </dgm:prSet>
+      <dgm:spPr/>
+    </dgm:pt>
+    <dgm:pt modelId="{A886BD94-F82F-4219-8DB1-7F7654676FDB}" type="pres">
+      <dgm:prSet presAssocID="{E8A42FE2-5B85-44B2-A14C-449CFF0C2088}" presName="parentLin" presStyleCnt="0"/>
+      <dgm:spPr/>
+    </dgm:pt>
+    <dgm:pt modelId="{6FE66035-A1EF-4857-A8EC-9277B04F5719}" type="pres">
+      <dgm:prSet presAssocID="{E8A42FE2-5B85-44B2-A14C-449CFF0C2088}" presName="parentLeftMargin" presStyleLbl="node1" presStyleIdx="0" presStyleCnt="3"/>
+      <dgm:spPr/>
+    </dgm:pt>
+    <dgm:pt modelId="{A8CAAB20-3E27-4445-A96E-5F5B18696E53}" type="pres">
+      <dgm:prSet presAssocID="{E8A42FE2-5B85-44B2-A14C-449CFF0C2088}" presName="parentText" presStyleLbl="node1" presStyleIdx="0" presStyleCnt="3">
+        <dgm:presLayoutVars>
+          <dgm:chMax val="0"/>
+          <dgm:bulletEnabled val="1"/>
+        </dgm:presLayoutVars>
+      </dgm:prSet>
+      <dgm:spPr/>
+      <dgm:t>
+        <a:bodyPr/>
+        <a:lstStyle/>
+        <a:p>
+          <a:endParaRPr lang="en-IN"/>
+        </a:p>
+      </dgm:t>
+    </dgm:pt>
+    <dgm:pt modelId="{036ABF5A-DC83-4F5D-9164-431D07985D28}" type="pres">
+      <dgm:prSet presAssocID="{E8A42FE2-5B85-44B2-A14C-449CFF0C2088}" presName="negativeSpace" presStyleCnt="0"/>
+      <dgm:spPr/>
+    </dgm:pt>
+    <dgm:pt modelId="{7B5DEF11-71DF-4CA7-8962-0F48733A7639}" type="pres">
+      <dgm:prSet presAssocID="{E8A42FE2-5B85-44B2-A14C-449CFF0C2088}" presName="childText" presStyleLbl="conFgAcc1" presStyleIdx="0" presStyleCnt="3">
+        <dgm:presLayoutVars>
+          <dgm:bulletEnabled val="1"/>
+        </dgm:presLayoutVars>
+      </dgm:prSet>
+      <dgm:spPr/>
+    </dgm:pt>
+    <dgm:pt modelId="{E856E78E-B8E2-47A7-BFB2-D9C90919A98F}" type="pres">
+      <dgm:prSet presAssocID="{10D29C1E-B68D-4A0F-9ED1-E580BFACDB08}" presName="spaceBetweenRectangles" presStyleCnt="0"/>
+      <dgm:spPr/>
+    </dgm:pt>
+    <dgm:pt modelId="{4C87C9EC-E768-451E-BDDF-CCC6294A9783}" type="pres">
+      <dgm:prSet presAssocID="{3E741584-9345-4E9A-A9CF-859BBEE0A53C}" presName="parentLin" presStyleCnt="0"/>
+      <dgm:spPr/>
+    </dgm:pt>
+    <dgm:pt modelId="{11BC2B51-681C-4B3E-8FC0-8B0020430C26}" type="pres">
+      <dgm:prSet presAssocID="{3E741584-9345-4E9A-A9CF-859BBEE0A53C}" presName="parentLeftMargin" presStyleLbl="node1" presStyleIdx="0" presStyleCnt="3"/>
+      <dgm:spPr/>
+    </dgm:pt>
+    <dgm:pt modelId="{6DFE2E36-94C9-49A3-B2F7-A4C8E2D5ACFE}" type="pres">
+      <dgm:prSet presAssocID="{3E741584-9345-4E9A-A9CF-859BBEE0A53C}" presName="parentText" presStyleLbl="node1" presStyleIdx="1" presStyleCnt="3">
+        <dgm:presLayoutVars>
+          <dgm:chMax val="0"/>
+          <dgm:bulletEnabled val="1"/>
+        </dgm:presLayoutVars>
+      </dgm:prSet>
+      <dgm:spPr/>
+      <dgm:t>
+        <a:bodyPr/>
+        <a:lstStyle/>
+        <a:p>
+          <a:endParaRPr lang="en-IN"/>
+        </a:p>
+      </dgm:t>
+    </dgm:pt>
+    <dgm:pt modelId="{C02B0E93-2937-4AA6-A872-90E972025E0A}" type="pres">
+      <dgm:prSet presAssocID="{3E741584-9345-4E9A-A9CF-859BBEE0A53C}" presName="negativeSpace" presStyleCnt="0"/>
+      <dgm:spPr/>
+    </dgm:pt>
+    <dgm:pt modelId="{04098D48-2BFD-46A7-813F-71AB062DC392}" type="pres">
+      <dgm:prSet presAssocID="{3E741584-9345-4E9A-A9CF-859BBEE0A53C}" presName="childText" presStyleLbl="conFgAcc1" presStyleIdx="1" presStyleCnt="3">
+        <dgm:presLayoutVars>
+          <dgm:bulletEnabled val="1"/>
+        </dgm:presLayoutVars>
+      </dgm:prSet>
+      <dgm:spPr/>
+    </dgm:pt>
+    <dgm:pt modelId="{C525B783-3370-48D4-9EDC-C9BFBAAD099C}" type="pres">
+      <dgm:prSet presAssocID="{26D58A06-0F7A-4EBC-BBC0-2C84C9A8107A}" presName="spaceBetweenRectangles" presStyleCnt="0"/>
+      <dgm:spPr/>
+    </dgm:pt>
+    <dgm:pt modelId="{70FE8122-AA69-4145-83D0-73E26DBF24E1}" type="pres">
+      <dgm:prSet presAssocID="{3BD05D8F-E34A-4947-852F-0D85213B57B9}" presName="parentLin" presStyleCnt="0"/>
+      <dgm:spPr/>
+    </dgm:pt>
+    <dgm:pt modelId="{211F4C41-9140-41EF-8E1F-0FAC677730DE}" type="pres">
+      <dgm:prSet presAssocID="{3BD05D8F-E34A-4947-852F-0D85213B57B9}" presName="parentLeftMargin" presStyleLbl="node1" presStyleIdx="1" presStyleCnt="3"/>
+      <dgm:spPr/>
+    </dgm:pt>
+    <dgm:pt modelId="{C56A46F4-7953-4AA0-9A16-2B54C52F4181}" type="pres">
+      <dgm:prSet presAssocID="{3BD05D8F-E34A-4947-852F-0D85213B57B9}" presName="parentText" presStyleLbl="node1" presStyleIdx="2" presStyleCnt="3">
+        <dgm:presLayoutVars>
+          <dgm:chMax val="0"/>
+          <dgm:bulletEnabled val="1"/>
+        </dgm:presLayoutVars>
+      </dgm:prSet>
+      <dgm:spPr/>
+      <dgm:t>
+        <a:bodyPr/>
+        <a:lstStyle/>
+        <a:p>
+          <a:endParaRPr lang="en-IN"/>
+        </a:p>
+      </dgm:t>
+    </dgm:pt>
+    <dgm:pt modelId="{18CA3386-3739-423E-A481-FB72B08D9B40}" type="pres">
+      <dgm:prSet presAssocID="{3BD05D8F-E34A-4947-852F-0D85213B57B9}" presName="negativeSpace" presStyleCnt="0"/>
+      <dgm:spPr/>
+    </dgm:pt>
+    <dgm:pt modelId="{AC581AAA-7751-405B-AA44-9ADEED71A8A0}" type="pres">
+      <dgm:prSet presAssocID="{3BD05D8F-E34A-4947-852F-0D85213B57B9}" presName="childText" presStyleLbl="conFgAcc1" presStyleIdx="2" presStyleCnt="3">
+        <dgm:presLayoutVars>
+          <dgm:bulletEnabled val="1"/>
+        </dgm:presLayoutVars>
+      </dgm:prSet>
+      <dgm:spPr/>
+    </dgm:pt>
+  </dgm:ptLst>
+  <dgm:cxnLst>
+    <dgm:cxn modelId="{E9F83FBD-1838-4CD7-B40F-F0A1DCACD4A7}" type="presOf" srcId="{3E741584-9345-4E9A-A9CF-859BBEE0A53C}" destId="{11BC2B51-681C-4B3E-8FC0-8B0020430C26}" srcOrd="0" destOrd="0" presId="urn:microsoft.com/office/officeart/2005/8/layout/list1"/>
+    <dgm:cxn modelId="{9B85EA85-EADC-40E4-8BD5-F9B215A183E1}" type="presOf" srcId="{E8A42FE2-5B85-44B2-A14C-449CFF0C2088}" destId="{6FE66035-A1EF-4857-A8EC-9277B04F5719}" srcOrd="0" destOrd="0" presId="urn:microsoft.com/office/officeart/2005/8/layout/list1"/>
+    <dgm:cxn modelId="{BFFE6A6D-7609-47A7-BDC5-23B9285C50CD}" type="presOf" srcId="{3BD05D8F-E34A-4947-852F-0D85213B57B9}" destId="{211F4C41-9140-41EF-8E1F-0FAC677730DE}" srcOrd="0" destOrd="0" presId="urn:microsoft.com/office/officeart/2005/8/layout/list1"/>
+    <dgm:cxn modelId="{700C270D-9FD8-485B-B2E7-14187F1A28D1}" type="presOf" srcId="{F39205B8-D3EA-47A4-8755-B54AF9E6EF25}" destId="{A12403FB-4726-4B45-9454-BCFFE3B34FF4}" srcOrd="0" destOrd="0" presId="urn:microsoft.com/office/officeart/2005/8/layout/list1"/>
+    <dgm:cxn modelId="{92A3F8FD-479D-4927-8B98-7D87C9ECA369}" srcId="{F39205B8-D3EA-47A4-8755-B54AF9E6EF25}" destId="{3BD05D8F-E34A-4947-852F-0D85213B57B9}" srcOrd="2" destOrd="0" parTransId="{CCB8FC95-DC7C-44E5-8F59-D7431D6800DE}" sibTransId="{D8DBFF3D-F8E0-40CD-B896-5A41229C75D1}"/>
+    <dgm:cxn modelId="{67A5BE82-8BAB-4C94-8809-A6DCA69DA843}" type="presOf" srcId="{3E741584-9345-4E9A-A9CF-859BBEE0A53C}" destId="{6DFE2E36-94C9-49A3-B2F7-A4C8E2D5ACFE}" srcOrd="1" destOrd="0" presId="urn:microsoft.com/office/officeart/2005/8/layout/list1"/>
+    <dgm:cxn modelId="{EFCDC4A2-F3F3-4291-8170-A94E7AD12C38}" type="presOf" srcId="{3BD05D8F-E34A-4947-852F-0D85213B57B9}" destId="{C56A46F4-7953-4AA0-9A16-2B54C52F4181}" srcOrd="1" destOrd="0" presId="urn:microsoft.com/office/officeart/2005/8/layout/list1"/>
+    <dgm:cxn modelId="{777B542C-10DC-4630-99A7-E73D10A61EEB}" srcId="{F39205B8-D3EA-47A4-8755-B54AF9E6EF25}" destId="{E8A42FE2-5B85-44B2-A14C-449CFF0C2088}" srcOrd="0" destOrd="0" parTransId="{5DD23B15-EC0C-4573-A910-BACF3C98063F}" sibTransId="{10D29C1E-B68D-4A0F-9ED1-E580BFACDB08}"/>
+    <dgm:cxn modelId="{1DB50CE1-5FDC-4092-95C9-723ACBD0D2C0}" type="presOf" srcId="{E8A42FE2-5B85-44B2-A14C-449CFF0C2088}" destId="{A8CAAB20-3E27-4445-A96E-5F5B18696E53}" srcOrd="1" destOrd="0" presId="urn:microsoft.com/office/officeart/2005/8/layout/list1"/>
+    <dgm:cxn modelId="{CAD9AB2B-842A-4B27-8506-82128F15A9E2}" srcId="{F39205B8-D3EA-47A4-8755-B54AF9E6EF25}" destId="{3E741584-9345-4E9A-A9CF-859BBEE0A53C}" srcOrd="1" destOrd="0" parTransId="{AE548D34-E2AC-4E57-B84B-EF00B8167951}" sibTransId="{26D58A06-0F7A-4EBC-BBC0-2C84C9A8107A}"/>
+    <dgm:cxn modelId="{7C8BA3F8-E77F-4F0C-BD83-6750CCD9D7E4}" type="presParOf" srcId="{A12403FB-4726-4B45-9454-BCFFE3B34FF4}" destId="{A886BD94-F82F-4219-8DB1-7F7654676FDB}" srcOrd="0" destOrd="0" presId="urn:microsoft.com/office/officeart/2005/8/layout/list1"/>
+    <dgm:cxn modelId="{C2ADBEC6-D9C6-4789-875C-C63DC840A0F3}" type="presParOf" srcId="{A886BD94-F82F-4219-8DB1-7F7654676FDB}" destId="{6FE66035-A1EF-4857-A8EC-9277B04F5719}" srcOrd="0" destOrd="0" presId="urn:microsoft.com/office/officeart/2005/8/layout/list1"/>
+    <dgm:cxn modelId="{AE75B32D-AD90-40A3-BDC0-975929D2FA5E}" type="presParOf" srcId="{A886BD94-F82F-4219-8DB1-7F7654676FDB}" destId="{A8CAAB20-3E27-4445-A96E-5F5B18696E53}" srcOrd="1" destOrd="0" presId="urn:microsoft.com/office/officeart/2005/8/layout/list1"/>
+    <dgm:cxn modelId="{05599E21-C04A-4CE0-AEDF-036A45EE4002}" type="presParOf" srcId="{A12403FB-4726-4B45-9454-BCFFE3B34FF4}" destId="{036ABF5A-DC83-4F5D-9164-431D07985D28}" srcOrd="1" destOrd="0" presId="urn:microsoft.com/office/officeart/2005/8/layout/list1"/>
+    <dgm:cxn modelId="{B1246181-2C1C-413A-9E26-21FD31E1B7DF}" type="presParOf" srcId="{A12403FB-4726-4B45-9454-BCFFE3B34FF4}" destId="{7B5DEF11-71DF-4CA7-8962-0F48733A7639}" srcOrd="2" destOrd="0" presId="urn:microsoft.com/office/officeart/2005/8/layout/list1"/>
+    <dgm:cxn modelId="{BB8DED5A-FDC2-4CEB-A82B-FD6FEC3CAD9F}" type="presParOf" srcId="{A12403FB-4726-4B45-9454-BCFFE3B34FF4}" destId="{E856E78E-B8E2-47A7-BFB2-D9C90919A98F}" srcOrd="3" destOrd="0" presId="urn:microsoft.com/office/officeart/2005/8/layout/list1"/>
+    <dgm:cxn modelId="{EC187855-181F-4987-A1E8-EB36B78FC47B}" type="presParOf" srcId="{A12403FB-4726-4B45-9454-BCFFE3B34FF4}" destId="{4C87C9EC-E768-451E-BDDF-CCC6294A9783}" srcOrd="4" destOrd="0" presId="urn:microsoft.com/office/officeart/2005/8/layout/list1"/>
+    <dgm:cxn modelId="{B37AF1F0-BB9A-443F-A5A7-E173B722FFE7}" type="presParOf" srcId="{4C87C9EC-E768-451E-BDDF-CCC6294A9783}" destId="{11BC2B51-681C-4B3E-8FC0-8B0020430C26}" srcOrd="0" destOrd="0" presId="urn:microsoft.com/office/officeart/2005/8/layout/list1"/>
+    <dgm:cxn modelId="{3C1548BD-56C9-4649-A777-F6D4B4DDB810}" type="presParOf" srcId="{4C87C9EC-E768-451E-BDDF-CCC6294A9783}" destId="{6DFE2E36-94C9-49A3-B2F7-A4C8E2D5ACFE}" srcOrd="1" destOrd="0" presId="urn:microsoft.com/office/officeart/2005/8/layout/list1"/>
+    <dgm:cxn modelId="{DC2DB33D-9D9B-4A2F-A8DC-20E8EF7E938D}" type="presParOf" srcId="{A12403FB-4726-4B45-9454-BCFFE3B34FF4}" destId="{C02B0E93-2937-4AA6-A872-90E972025E0A}" srcOrd="5" destOrd="0" presId="urn:microsoft.com/office/officeart/2005/8/layout/list1"/>
+    <dgm:cxn modelId="{F4EE4B70-E73E-4197-9F2F-D81AD3039252}" type="presParOf" srcId="{A12403FB-4726-4B45-9454-BCFFE3B34FF4}" destId="{04098D48-2BFD-46A7-813F-71AB062DC392}" srcOrd="6" destOrd="0" presId="urn:microsoft.com/office/officeart/2005/8/layout/list1"/>
+    <dgm:cxn modelId="{F5B25369-DDB0-4182-A3F9-784D832E3075}" type="presParOf" srcId="{A12403FB-4726-4B45-9454-BCFFE3B34FF4}" destId="{C525B783-3370-48D4-9EDC-C9BFBAAD099C}" srcOrd="7" destOrd="0" presId="urn:microsoft.com/office/officeart/2005/8/layout/list1"/>
+    <dgm:cxn modelId="{6950E725-0FE3-4B31-B43B-5640A66C5AFB}" type="presParOf" srcId="{A12403FB-4726-4B45-9454-BCFFE3B34FF4}" destId="{70FE8122-AA69-4145-83D0-73E26DBF24E1}" srcOrd="8" destOrd="0" presId="urn:microsoft.com/office/officeart/2005/8/layout/list1"/>
+    <dgm:cxn modelId="{1893B47B-D0F6-4360-A64E-B67DC0096224}" type="presParOf" srcId="{70FE8122-AA69-4145-83D0-73E26DBF24E1}" destId="{211F4C41-9140-41EF-8E1F-0FAC677730DE}" srcOrd="0" destOrd="0" presId="urn:microsoft.com/office/officeart/2005/8/layout/list1"/>
+    <dgm:cxn modelId="{019D0385-A2EC-4C29-B868-559C2073D9D2}" type="presParOf" srcId="{70FE8122-AA69-4145-83D0-73E26DBF24E1}" destId="{C56A46F4-7953-4AA0-9A16-2B54C52F4181}" srcOrd="1" destOrd="0" presId="urn:microsoft.com/office/officeart/2005/8/layout/list1"/>
+    <dgm:cxn modelId="{C9251D58-91ED-4B99-97F9-1921866328CB}" type="presParOf" srcId="{A12403FB-4726-4B45-9454-BCFFE3B34FF4}" destId="{18CA3386-3739-423E-A481-FB72B08D9B40}" srcOrd="9" destOrd="0" presId="urn:microsoft.com/office/officeart/2005/8/layout/list1"/>
+    <dgm:cxn modelId="{4A63ED79-7E53-489D-A192-2A313722BE5F}" type="presParOf" srcId="{A12403FB-4726-4B45-9454-BCFFE3B34FF4}" destId="{AC581AAA-7751-405B-AA44-9ADEED71A8A0}" srcOrd="10" destOrd="0" presId="urn:microsoft.com/office/officeart/2005/8/layout/list1"/>
   </dgm:cxnLst>
   <dgm:bg/>
   <dgm:whole/>
@@ -4918,8 +6294,8 @@
       </dsp:nvSpPr>
       <dsp:spPr>
         <a:xfrm>
-          <a:off x="0" y="1202082"/>
-          <a:ext cx="10058399" cy="403200"/>
+          <a:off x="0" y="1303242"/>
+          <a:ext cx="10058399" cy="352800"/>
         </a:xfrm>
         <a:prstGeom prst="rect">
           <a:avLst/>
@@ -4966,8 +6342,8 @@
       </dsp:nvSpPr>
       <dsp:spPr>
         <a:xfrm>
-          <a:off x="502920" y="965922"/>
-          <a:ext cx="7040880" cy="472320"/>
+          <a:off x="502920" y="1096602"/>
+          <a:ext cx="7040880" cy="413280"/>
         </a:xfrm>
         <a:prstGeom prst="roundRect">
           <a:avLst/>
@@ -5013,7 +6389,7 @@
         </a:bodyPr>
         <a:lstStyle/>
         <a:p>
-          <a:pPr lvl="0" algn="l" defTabSz="711200">
+          <a:pPr lvl="0" algn="l" defTabSz="622300">
             <a:lnSpc>
               <a:spcPct val="90000"/>
             </a:lnSpc>
@@ -5025,7 +6401,7 @@
             </a:spcAft>
           </a:pPr>
           <a:r>
-            <a:rPr lang="en-IN" sz="1600" kern="1200" dirty="0" smtClean="0"/>
+            <a:rPr lang="en-IN" sz="1400" kern="1200" dirty="0" smtClean="0"/>
             <a:t>Estimation of component density parameters </a:t>
           </a:r>
           <a14:m xmlns:a14="http://schemas.microsoft.com/office/drawing/2010/main">
@@ -5033,14 +6409,14 @@
               <m:sSub>
                 <m:sSubPr>
                   <m:ctrlPr>
-                    <a:rPr lang="en-IN" sz="1600" b="0" i="1" kern="1200" smtClean="0">
+                    <a:rPr lang="en-IN" sz="1400" b="0" i="1" kern="1200" smtClean="0">
                       <a:latin typeface="Cambria Math" panose="02040503050406030204" pitchFamily="18" charset="0"/>
                     </a:rPr>
                   </m:ctrlPr>
                 </m:sSubPr>
                 <m:e>
                   <m:r>
-                    <a:rPr lang="en-IN" sz="1600" b="0" i="1" kern="1200" smtClean="0">
+                    <a:rPr lang="en-IN" sz="1400" b="0" i="1" kern="1200" smtClean="0">
                       <a:latin typeface="Cambria Math" panose="02040503050406030204" pitchFamily="18" charset="0"/>
                     </a:rPr>
                     <m:t>𝜃</m:t>
@@ -5048,7 +6424,7 @@
                 </m:e>
                 <m:sub>
                   <m:r>
-                    <a:rPr lang="en-IN" sz="1600" b="0" i="1" kern="1200" smtClean="0">
+                    <a:rPr lang="en-IN" sz="1400" b="0" i="1" kern="1200" smtClean="0">
                       <a:latin typeface="Cambria Math" panose="02040503050406030204" pitchFamily="18" charset="0"/>
                     </a:rPr>
                     <m:t>𝐺</m:t>
@@ -5057,12 +6433,12 @@
               </m:sSub>
             </m:oMath>
           </a14:m>
-          <a:endParaRPr lang="en-IN" sz="1600" kern="1200" dirty="0"/>
+          <a:endParaRPr lang="en-IN" sz="1400" kern="1200" dirty="0"/>
         </a:p>
       </dsp:txBody>
       <dsp:txXfrm>
-        <a:off x="525977" y="988979"/>
-        <a:ext cx="6994766" cy="426206"/>
+        <a:off x="523095" y="1116777"/>
+        <a:ext cx="7000530" cy="372930"/>
       </dsp:txXfrm>
     </dsp:sp>
     <dsp:sp modelId="{76C90AD7-D93C-431C-B72C-D919FFD6017B}">
@@ -5072,8 +6448,8 @@
       </dsp:nvSpPr>
       <dsp:spPr>
         <a:xfrm>
-          <a:off x="0" y="1927842"/>
-          <a:ext cx="10058399" cy="403200"/>
+          <a:off x="0" y="1938282"/>
+          <a:ext cx="10058399" cy="352800"/>
         </a:xfrm>
         <a:prstGeom prst="rect">
           <a:avLst/>
@@ -5120,8 +6496,8 @@
       </dsp:nvSpPr>
       <dsp:spPr>
         <a:xfrm>
-          <a:off x="502920" y="1691682"/>
-          <a:ext cx="7040880" cy="472320"/>
+          <a:off x="502920" y="1731642"/>
+          <a:ext cx="7040880" cy="413280"/>
         </a:xfrm>
         <a:prstGeom prst="roundRect">
           <a:avLst/>
@@ -5162,7 +6538,7 @@
         </a:bodyPr>
         <a:lstStyle/>
         <a:p>
-          <a:pPr lvl="0" algn="l" defTabSz="711200">
+          <a:pPr lvl="0" algn="l" defTabSz="622300">
             <a:lnSpc>
               <a:spcPct val="90000"/>
             </a:lnSpc>
@@ -5174,15 +6550,19 @@
             </a:spcAft>
           </a:pPr>
           <a:r>
-            <a:rPr lang="en-IN" sz="1600" kern="1200" dirty="0" smtClean="0"/>
-            <a:t>Criteria for choice of number of components (DIC, Bayes Factor, PPD checks)</a:t>
+            <a:rPr lang="en-IN" sz="1400" kern="1200" dirty="0" smtClean="0"/>
+            <a:t>Criteria for choice of number of components (DIC, Bayes Factor, </a:t>
           </a:r>
-          <a:endParaRPr lang="en-IN" sz="1600" kern="1200" dirty="0"/>
+          <a:r>
+            <a:rPr lang="en-IN" sz="1400" kern="1200" dirty="0" smtClean="0"/>
+            <a:t>Predictive methods)</a:t>
+          </a:r>
+          <a:endParaRPr lang="en-IN" sz="1400" kern="1200" dirty="0"/>
         </a:p>
       </dsp:txBody>
       <dsp:txXfrm>
-        <a:off x="525977" y="1714739"/>
-        <a:ext cx="6994766" cy="426206"/>
+        <a:off x="523095" y="1751817"/>
+        <a:ext cx="7000530" cy="372930"/>
       </dsp:txXfrm>
     </dsp:sp>
     <dsp:sp modelId="{9841D275-70F8-4DFE-86AA-BF99D2DA3C8E}">
@@ -5192,8 +6572,8 @@
       </dsp:nvSpPr>
       <dsp:spPr>
         <a:xfrm>
-          <a:off x="0" y="2653602"/>
-          <a:ext cx="10058399" cy="403200"/>
+          <a:off x="0" y="2573322"/>
+          <a:ext cx="10058399" cy="352800"/>
         </a:xfrm>
         <a:prstGeom prst="rect">
           <a:avLst/>
@@ -5240,8 +6620,8 @@
       </dsp:nvSpPr>
       <dsp:spPr>
         <a:xfrm>
-          <a:off x="502920" y="2417442"/>
-          <a:ext cx="7040880" cy="472320"/>
+          <a:off x="502920" y="2366682"/>
+          <a:ext cx="7040880" cy="413280"/>
         </a:xfrm>
         <a:prstGeom prst="roundRect">
           <a:avLst/>
@@ -5287,7 +6667,7 @@
         </a:bodyPr>
         <a:lstStyle/>
         <a:p>
-          <a:pPr lvl="0" algn="l" defTabSz="711200">
+          <a:pPr lvl="0" algn="l" defTabSz="622300">
             <a:lnSpc>
               <a:spcPct val="90000"/>
             </a:lnSpc>
@@ -5299,15 +6679,15 @@
             </a:spcAft>
           </a:pPr>
           <a:r>
-            <a:rPr lang="en-IN" sz="1600" kern="1200" dirty="0" smtClean="0"/>
+            <a:rPr lang="en-IN" sz="1400" kern="1200" dirty="0" smtClean="0"/>
             <a:t>Classification of observations into groups</a:t>
           </a:r>
-          <a:endParaRPr lang="en-IN" sz="1600" kern="1200" dirty="0"/>
+          <a:endParaRPr lang="en-IN" sz="1400" kern="1200" dirty="0"/>
         </a:p>
       </dsp:txBody>
       <dsp:txXfrm>
-        <a:off x="525977" y="2440499"/>
-        <a:ext cx="6994766" cy="426206"/>
+        <a:off x="523095" y="2386857"/>
+        <a:ext cx="7000530" cy="372930"/>
       </dsp:txXfrm>
     </dsp:sp>
   </dsp:spTree>
@@ -5322,6 +6702,332 @@
       <dsp:cNvGrpSpPr/>
     </dsp:nvGrpSpPr>
     <dsp:grpSpPr/>
+    <dsp:sp modelId="{EE8FC98E-BB7F-4508-B1E7-C9A5C3AF8619}">
+      <dsp:nvSpPr>
+        <dsp:cNvPr id="0" name=""/>
+        <dsp:cNvSpPr/>
+      </dsp:nvSpPr>
+      <dsp:spPr>
+        <a:xfrm rot="16200000">
+          <a:off x="253171" y="-253171"/>
+          <a:ext cx="2520779" cy="3027123"/>
+        </a:xfrm>
+        <a:prstGeom prst="flowChartManualOperation">
+          <a:avLst/>
+        </a:prstGeom>
+        <a:solidFill>
+          <a:schemeClr val="accent1">
+            <a:hueOff val="0"/>
+            <a:satOff val="0"/>
+            <a:lumOff val="0"/>
+            <a:alphaOff val="0"/>
+          </a:schemeClr>
+        </a:solidFill>
+        <a:ln w="15875" cap="flat" cmpd="sng" algn="ctr">
+          <a:solidFill>
+            <a:schemeClr val="lt1">
+              <a:hueOff val="0"/>
+              <a:satOff val="0"/>
+              <a:lumOff val="0"/>
+              <a:alphaOff val="0"/>
+            </a:schemeClr>
+          </a:solidFill>
+          <a:prstDash val="solid"/>
+        </a:ln>
+        <a:effectLst/>
+      </dsp:spPr>
+      <dsp:style>
+        <a:lnRef idx="2">
+          <a:scrgbClr r="0" g="0" b="0"/>
+        </a:lnRef>
+        <a:fillRef idx="1">
+          <a:scrgbClr r="0" g="0" b="0"/>
+        </a:fillRef>
+        <a:effectRef idx="0">
+          <a:scrgbClr r="0" g="0" b="0"/>
+        </a:effectRef>
+        <a:fontRef idx="minor">
+          <a:schemeClr val="lt1"/>
+        </a:fontRef>
+      </dsp:style>
+      <dsp:txBody>
+        <a:bodyPr spcFirstLastPara="0" vert="horz" wrap="square" lIns="146050" tIns="0" rIns="144859" bIns="0" numCol="1" spcCol="1270" anchor="t" anchorCtr="0">
+          <a:noAutofit/>
+        </a:bodyPr>
+        <a:lstStyle/>
+        <a:p>
+          <a:pPr lvl="0" algn="l" defTabSz="1022350">
+            <a:lnSpc>
+              <a:spcPct val="90000"/>
+            </a:lnSpc>
+            <a:spcBef>
+              <a:spcPct val="0"/>
+            </a:spcBef>
+            <a:spcAft>
+              <a:spcPct val="35000"/>
+            </a:spcAft>
+          </a:pPr>
+          <a:r>
+            <a:rPr lang="en-IN" sz="2300" kern="1200" dirty="0" smtClean="0"/>
+            <a:t>Conditional</a:t>
+          </a:r>
+          <a:endParaRPr lang="en-IN" sz="2300" kern="1200" dirty="0"/>
+        </a:p>
+        <a:p>
+          <a:pPr marL="171450" lvl="1" indent="-171450" algn="l" defTabSz="800100">
+            <a:lnSpc>
+              <a:spcPct val="90000"/>
+            </a:lnSpc>
+            <a:spcBef>
+              <a:spcPct val="0"/>
+            </a:spcBef>
+            <a:spcAft>
+              <a:spcPct val="15000"/>
+            </a:spcAft>
+            <a:buChar char="••"/>
+          </a:pPr>
+          <a:r>
+            <a:rPr lang="en-IN" sz="1800" kern="1200" dirty="0" smtClean="0"/>
+            <a:t>Conditional on knowing allocations.</a:t>
+          </a:r>
+          <a:endParaRPr lang="en-IN" sz="1800" kern="1200" dirty="0"/>
+        </a:p>
+        <a:p>
+          <a:pPr marL="171450" lvl="1" indent="-171450" algn="l" defTabSz="800100">
+            <a:lnSpc>
+              <a:spcPct val="90000"/>
+            </a:lnSpc>
+            <a:spcBef>
+              <a:spcPct val="0"/>
+            </a:spcBef>
+            <a:spcAft>
+              <a:spcPct val="15000"/>
+            </a:spcAft>
+            <a:buChar char="••"/>
+          </a:pPr>
+          <a:r>
+            <a:rPr lang="en-IN" sz="1800" kern="1200" dirty="0" smtClean="0"/>
+            <a:t>Conditional on knowing the random effect.</a:t>
+          </a:r>
+          <a:endParaRPr lang="en-IN" sz="1800" kern="1200" dirty="0"/>
+        </a:p>
+      </dsp:txBody>
+      <dsp:txXfrm rot="5400000">
+        <a:off x="-1" y="504157"/>
+        <a:ext cx="3027123" cy="1512467"/>
+      </dsp:txXfrm>
+    </dsp:sp>
+    <dsp:sp modelId="{1F6469E8-BD07-4791-B30B-E1B5321D0275}">
+      <dsp:nvSpPr>
+        <dsp:cNvPr id="0" name=""/>
+        <dsp:cNvSpPr/>
+      </dsp:nvSpPr>
+      <dsp:spPr>
+        <a:xfrm rot="16200000">
+          <a:off x="3508494" y="-253171"/>
+          <a:ext cx="2520779" cy="3027123"/>
+        </a:xfrm>
+        <a:prstGeom prst="flowChartManualOperation">
+          <a:avLst/>
+        </a:prstGeom>
+        <a:solidFill>
+          <a:schemeClr val="accent1">
+            <a:hueOff val="0"/>
+            <a:satOff val="0"/>
+            <a:lumOff val="0"/>
+            <a:alphaOff val="0"/>
+          </a:schemeClr>
+        </a:solidFill>
+        <a:ln w="15875" cap="flat" cmpd="sng" algn="ctr">
+          <a:solidFill>
+            <a:schemeClr val="lt1">
+              <a:hueOff val="0"/>
+              <a:satOff val="0"/>
+              <a:lumOff val="0"/>
+              <a:alphaOff val="0"/>
+            </a:schemeClr>
+          </a:solidFill>
+          <a:prstDash val="solid"/>
+        </a:ln>
+        <a:effectLst/>
+      </dsp:spPr>
+      <dsp:style>
+        <a:lnRef idx="2">
+          <a:scrgbClr r="0" g="0" b="0"/>
+        </a:lnRef>
+        <a:fillRef idx="1">
+          <a:scrgbClr r="0" g="0" b="0"/>
+        </a:fillRef>
+        <a:effectRef idx="0">
+          <a:scrgbClr r="0" g="0" b="0"/>
+        </a:effectRef>
+        <a:fontRef idx="minor">
+          <a:schemeClr val="lt1"/>
+        </a:fontRef>
+      </dsp:style>
+      <dsp:txBody>
+        <a:bodyPr spcFirstLastPara="0" vert="horz" wrap="square" lIns="146050" tIns="0" rIns="144859" bIns="0" numCol="1" spcCol="1270" anchor="t" anchorCtr="0">
+          <a:noAutofit/>
+        </a:bodyPr>
+        <a:lstStyle/>
+        <a:p>
+          <a:pPr lvl="0" algn="l" defTabSz="1022350">
+            <a:lnSpc>
+              <a:spcPct val="90000"/>
+            </a:lnSpc>
+            <a:spcBef>
+              <a:spcPct val="0"/>
+            </a:spcBef>
+            <a:spcAft>
+              <a:spcPct val="35000"/>
+            </a:spcAft>
+          </a:pPr>
+          <a:r>
+            <a:rPr lang="en-IN" sz="2300" kern="1200" dirty="0" smtClean="0"/>
+            <a:t>Observed</a:t>
+          </a:r>
+          <a:endParaRPr lang="en-IN" sz="2300" kern="1200" dirty="0"/>
+        </a:p>
+        <a:p>
+          <a:pPr marL="171450" lvl="1" indent="-171450" algn="l" defTabSz="800100">
+            <a:lnSpc>
+              <a:spcPct val="90000"/>
+            </a:lnSpc>
+            <a:spcBef>
+              <a:spcPct val="0"/>
+            </a:spcBef>
+            <a:spcAft>
+              <a:spcPct val="15000"/>
+            </a:spcAft>
+            <a:buChar char="••"/>
+          </a:pPr>
+          <a:r>
+            <a:rPr lang="en-IN" sz="1800" kern="1200" dirty="0" smtClean="0"/>
+            <a:t>Likelihood based on observed part of the data.</a:t>
+          </a:r>
+          <a:endParaRPr lang="en-IN" sz="1800" kern="1200" dirty="0"/>
+        </a:p>
+      </dsp:txBody>
+      <dsp:txXfrm rot="5400000">
+        <a:off x="3255322" y="504157"/>
+        <a:ext cx="3027123" cy="1512467"/>
+      </dsp:txXfrm>
+    </dsp:sp>
+    <dsp:sp modelId="{2DF2BD4A-13ED-4CC9-A7E5-FF1BCCF8D53D}">
+      <dsp:nvSpPr>
+        <dsp:cNvPr id="0" name=""/>
+        <dsp:cNvSpPr/>
+      </dsp:nvSpPr>
+      <dsp:spPr>
+        <a:xfrm rot="16200000">
+          <a:off x="6762652" y="-253171"/>
+          <a:ext cx="2520779" cy="3027123"/>
+        </a:xfrm>
+        <a:prstGeom prst="flowChartManualOperation">
+          <a:avLst/>
+        </a:prstGeom>
+        <a:solidFill>
+          <a:schemeClr val="accent1">
+            <a:hueOff val="0"/>
+            <a:satOff val="0"/>
+            <a:lumOff val="0"/>
+            <a:alphaOff val="0"/>
+          </a:schemeClr>
+        </a:solidFill>
+        <a:ln w="15875" cap="flat" cmpd="sng" algn="ctr">
+          <a:solidFill>
+            <a:schemeClr val="lt1">
+              <a:hueOff val="0"/>
+              <a:satOff val="0"/>
+              <a:lumOff val="0"/>
+              <a:alphaOff val="0"/>
+            </a:schemeClr>
+          </a:solidFill>
+          <a:prstDash val="solid"/>
+        </a:ln>
+        <a:effectLst/>
+      </dsp:spPr>
+      <dsp:style>
+        <a:lnRef idx="2">
+          <a:scrgbClr r="0" g="0" b="0"/>
+        </a:lnRef>
+        <a:fillRef idx="1">
+          <a:scrgbClr r="0" g="0" b="0"/>
+        </a:fillRef>
+        <a:effectRef idx="0">
+          <a:scrgbClr r="0" g="0" b="0"/>
+        </a:effectRef>
+        <a:fontRef idx="minor">
+          <a:schemeClr val="lt1"/>
+        </a:fontRef>
+      </dsp:style>
+      <dsp:txBody>
+        <a:bodyPr spcFirstLastPara="0" vert="horz" wrap="square" lIns="146050" tIns="0" rIns="144859" bIns="0" numCol="1" spcCol="1270" anchor="t" anchorCtr="0">
+          <a:noAutofit/>
+        </a:bodyPr>
+        <a:lstStyle/>
+        <a:p>
+          <a:pPr lvl="0" algn="l" defTabSz="1022350">
+            <a:lnSpc>
+              <a:spcPct val="90000"/>
+            </a:lnSpc>
+            <a:spcBef>
+              <a:spcPct val="0"/>
+            </a:spcBef>
+            <a:spcAft>
+              <a:spcPct val="35000"/>
+            </a:spcAft>
+          </a:pPr>
+          <a:r>
+            <a:rPr lang="en-IN" sz="2300" kern="1200" dirty="0" smtClean="0"/>
+            <a:t>Complete</a:t>
+          </a:r>
+          <a:endParaRPr lang="en-IN" sz="2300" kern="1200" dirty="0"/>
+        </a:p>
+        <a:p>
+          <a:pPr marL="171450" lvl="1" indent="-171450" algn="l" defTabSz="800100">
+            <a:lnSpc>
+              <a:spcPct val="90000"/>
+            </a:lnSpc>
+            <a:spcBef>
+              <a:spcPct val="0"/>
+            </a:spcBef>
+            <a:spcAft>
+              <a:spcPct val="15000"/>
+            </a:spcAft>
+            <a:buChar char="••"/>
+          </a:pPr>
+          <a:r>
+            <a:rPr lang="en-IN" sz="1800" kern="1200" dirty="0" smtClean="0"/>
+            <a:t>Model observed and unobserved data both.</a:t>
+          </a:r>
+          <a:endParaRPr lang="en-IN" sz="1800" kern="1200" dirty="0"/>
+        </a:p>
+        <a:p>
+          <a:pPr marL="171450" lvl="1" indent="-171450" algn="l" defTabSz="800100">
+            <a:lnSpc>
+              <a:spcPct val="90000"/>
+            </a:lnSpc>
+            <a:spcBef>
+              <a:spcPct val="0"/>
+            </a:spcBef>
+            <a:spcAft>
+              <a:spcPct val="15000"/>
+            </a:spcAft>
+            <a:buChar char="••"/>
+          </a:pPr>
+          <a:r>
+            <a:rPr lang="en-IN" sz="1800" kern="1200" dirty="0" smtClean="0"/>
+            <a:t>Random effect and allocations are unobserved.</a:t>
+          </a:r>
+          <a:endParaRPr lang="en-IN" sz="1800" kern="1200" dirty="0"/>
+        </a:p>
+      </dsp:txBody>
+      <dsp:txXfrm rot="5400000">
+        <a:off x="6509480" y="504157"/>
+        <a:ext cx="3027123" cy="1512467"/>
+      </dsp:txXfrm>
+    </dsp:sp>
   </dsp:spTree>
 </dsp:drawing>
 </file>
@@ -5334,6 +7040,635 @@
       <dsp:cNvGrpSpPr/>
     </dsp:nvGrpSpPr>
     <dsp:grpSpPr/>
+    <dsp:sp modelId="{24653161-CF7B-4828-9373-2E24672E7D0F}">
+      <dsp:nvSpPr>
+        <dsp:cNvPr id="0" name=""/>
+        <dsp:cNvSpPr/>
+      </dsp:nvSpPr>
+      <dsp:spPr>
+        <a:xfrm>
+          <a:off x="0" y="380382"/>
+          <a:ext cx="10058399" cy="428400"/>
+        </a:xfrm>
+        <a:prstGeom prst="rect">
+          <a:avLst/>
+        </a:prstGeom>
+        <a:solidFill>
+          <a:schemeClr val="lt1">
+            <a:alpha val="90000"/>
+            <a:hueOff val="0"/>
+            <a:satOff val="0"/>
+            <a:lumOff val="0"/>
+            <a:alphaOff val="0"/>
+          </a:schemeClr>
+        </a:solidFill>
+        <a:ln w="15875" cap="flat" cmpd="sng" algn="ctr">
+          <a:solidFill>
+            <a:schemeClr val="accent1">
+              <a:hueOff val="0"/>
+              <a:satOff val="0"/>
+              <a:lumOff val="0"/>
+              <a:alphaOff val="0"/>
+            </a:schemeClr>
+          </a:solidFill>
+          <a:prstDash val="solid"/>
+        </a:ln>
+        <a:effectLst/>
+      </dsp:spPr>
+      <dsp:style>
+        <a:lnRef idx="2">
+          <a:scrgbClr r="0" g="0" b="0"/>
+        </a:lnRef>
+        <a:fillRef idx="1">
+          <a:scrgbClr r="0" g="0" b="0"/>
+        </a:fillRef>
+        <a:effectRef idx="0">
+          <a:scrgbClr r="0" g="0" b="0"/>
+        </a:effectRef>
+        <a:fontRef idx="minor"/>
+      </dsp:style>
+    </dsp:sp>
+    <dsp:sp modelId="{08B9ECD3-4292-44A0-A85B-B39FA3A13DC1}">
+      <dsp:nvSpPr>
+        <dsp:cNvPr id="0" name=""/>
+        <dsp:cNvSpPr/>
+      </dsp:nvSpPr>
+      <dsp:spPr>
+        <a:xfrm>
+          <a:off x="502920" y="129462"/>
+          <a:ext cx="7040880" cy="501840"/>
+        </a:xfrm>
+        <a:prstGeom prst="roundRect">
+          <a:avLst/>
+        </a:prstGeom>
+        <a:solidFill>
+          <a:schemeClr val="accent1">
+            <a:hueOff val="0"/>
+            <a:satOff val="0"/>
+            <a:lumOff val="0"/>
+            <a:alphaOff val="0"/>
+          </a:schemeClr>
+        </a:solidFill>
+        <a:ln w="15875" cap="flat" cmpd="sng" algn="ctr">
+          <a:solidFill>
+            <a:schemeClr val="lt1">
+              <a:hueOff val="0"/>
+              <a:satOff val="0"/>
+              <a:lumOff val="0"/>
+              <a:alphaOff val="0"/>
+            </a:schemeClr>
+          </a:solidFill>
+          <a:prstDash val="solid"/>
+        </a:ln>
+        <a:effectLst/>
+      </dsp:spPr>
+      <dsp:style>
+        <a:lnRef idx="2">
+          <a:scrgbClr r="0" g="0" b="0"/>
+        </a:lnRef>
+        <a:fillRef idx="1">
+          <a:scrgbClr r="0" g="0" b="0"/>
+        </a:fillRef>
+        <a:effectRef idx="0">
+          <a:scrgbClr r="0" g="0" b="0"/>
+        </a:effectRef>
+        <a:fontRef idx="minor">
+          <a:schemeClr val="lt1"/>
+        </a:fontRef>
+      </dsp:style>
+      <dsp:txBody>
+        <a:bodyPr spcFirstLastPara="0" vert="horz" wrap="square" lIns="266129" tIns="0" rIns="266129" bIns="0" numCol="1" spcCol="1270" anchor="ctr" anchorCtr="0">
+          <a:noAutofit/>
+        </a:bodyPr>
+        <a:lstStyle/>
+        <a:p>
+          <a:pPr lvl="0" algn="l" defTabSz="755650">
+            <a:lnSpc>
+              <a:spcPct val="90000"/>
+            </a:lnSpc>
+            <a:spcBef>
+              <a:spcPct val="0"/>
+            </a:spcBef>
+            <a:spcAft>
+              <a:spcPct val="35000"/>
+            </a:spcAft>
+          </a:pPr>
+          <a:r>
+            <a:rPr lang="en-IN" sz="1700" kern="1200" dirty="0" smtClean="0"/>
+            <a:t>HW test passed</a:t>
+          </a:r>
+          <a:endParaRPr lang="en-IN" sz="1700" kern="1200" dirty="0"/>
+        </a:p>
+      </dsp:txBody>
+      <dsp:txXfrm>
+        <a:off x="527418" y="153960"/>
+        <a:ext cx="6991884" cy="452844"/>
+      </dsp:txXfrm>
+    </dsp:sp>
+    <dsp:sp modelId="{03F82894-C00F-4296-A79D-2DDEDDD789A0}">
+      <dsp:nvSpPr>
+        <dsp:cNvPr id="0" name=""/>
+        <dsp:cNvSpPr/>
+      </dsp:nvSpPr>
+      <dsp:spPr>
+        <a:xfrm>
+          <a:off x="0" y="1151502"/>
+          <a:ext cx="10058399" cy="428400"/>
+        </a:xfrm>
+        <a:prstGeom prst="rect">
+          <a:avLst/>
+        </a:prstGeom>
+        <a:solidFill>
+          <a:schemeClr val="lt1">
+            <a:alpha val="90000"/>
+            <a:hueOff val="0"/>
+            <a:satOff val="0"/>
+            <a:lumOff val="0"/>
+            <a:alphaOff val="0"/>
+          </a:schemeClr>
+        </a:solidFill>
+        <a:ln w="15875" cap="flat" cmpd="sng" algn="ctr">
+          <a:solidFill>
+            <a:schemeClr val="accent1">
+              <a:hueOff val="0"/>
+              <a:satOff val="0"/>
+              <a:lumOff val="0"/>
+              <a:alphaOff val="0"/>
+            </a:schemeClr>
+          </a:solidFill>
+          <a:prstDash val="solid"/>
+        </a:ln>
+        <a:effectLst/>
+      </dsp:spPr>
+      <dsp:style>
+        <a:lnRef idx="2">
+          <a:scrgbClr r="0" g="0" b="0"/>
+        </a:lnRef>
+        <a:fillRef idx="1">
+          <a:scrgbClr r="0" g="0" b="0"/>
+        </a:fillRef>
+        <a:effectRef idx="0">
+          <a:scrgbClr r="0" g="0" b="0"/>
+        </a:effectRef>
+        <a:fontRef idx="minor"/>
+      </dsp:style>
+    </dsp:sp>
+    <dsp:sp modelId="{020BF3BE-0C0F-4990-A4AF-33945C7D902D}">
+      <dsp:nvSpPr>
+        <dsp:cNvPr id="0" name=""/>
+        <dsp:cNvSpPr/>
+      </dsp:nvSpPr>
+      <dsp:spPr>
+        <a:xfrm>
+          <a:off x="502920" y="900582"/>
+          <a:ext cx="7040880" cy="501840"/>
+        </a:xfrm>
+        <a:prstGeom prst="roundRect">
+          <a:avLst/>
+        </a:prstGeom>
+        <a:solidFill>
+          <a:schemeClr val="accent1">
+            <a:hueOff val="0"/>
+            <a:satOff val="0"/>
+            <a:lumOff val="0"/>
+            <a:alphaOff val="0"/>
+          </a:schemeClr>
+        </a:solidFill>
+        <a:ln w="15875" cap="flat" cmpd="sng" algn="ctr">
+          <a:solidFill>
+            <a:schemeClr val="lt1">
+              <a:hueOff val="0"/>
+              <a:satOff val="0"/>
+              <a:lumOff val="0"/>
+              <a:alphaOff val="0"/>
+            </a:schemeClr>
+          </a:solidFill>
+          <a:prstDash val="solid"/>
+        </a:ln>
+        <a:effectLst/>
+      </dsp:spPr>
+      <dsp:style>
+        <a:lnRef idx="2">
+          <a:scrgbClr r="0" g="0" b="0"/>
+        </a:lnRef>
+        <a:fillRef idx="1">
+          <a:scrgbClr r="0" g="0" b="0"/>
+        </a:fillRef>
+        <a:effectRef idx="0">
+          <a:scrgbClr r="0" g="0" b="0"/>
+        </a:effectRef>
+        <a:fontRef idx="minor">
+          <a:schemeClr val="lt1"/>
+        </a:fontRef>
+      </dsp:style>
+      <dsp:txBody>
+        <a:bodyPr spcFirstLastPara="0" vert="horz" wrap="square" lIns="266129" tIns="0" rIns="266129" bIns="0" numCol="1" spcCol="1270" anchor="ctr" anchorCtr="0">
+          <a:noAutofit/>
+        </a:bodyPr>
+        <a:lstStyle/>
+        <a:p>
+          <a:pPr lvl="0" algn="l" defTabSz="755650">
+            <a:lnSpc>
+              <a:spcPct val="90000"/>
+            </a:lnSpc>
+            <a:spcBef>
+              <a:spcPct val="0"/>
+            </a:spcBef>
+            <a:spcAft>
+              <a:spcPct val="35000"/>
+            </a:spcAft>
+          </a:pPr>
+          <a:r>
+            <a:rPr lang="en-IN" sz="1700" kern="1200" dirty="0" smtClean="0"/>
+            <a:t>DIC 4 works best when components are well separated </a:t>
+          </a:r>
+          <a:endParaRPr lang="en-IN" sz="1700" kern="1200" dirty="0"/>
+        </a:p>
+      </dsp:txBody>
+      <dsp:txXfrm>
+        <a:off x="527418" y="925080"/>
+        <a:ext cx="6991884" cy="452844"/>
+      </dsp:txXfrm>
+    </dsp:sp>
+    <dsp:sp modelId="{56C4644B-55C4-4738-962D-8486393AD584}">
+      <dsp:nvSpPr>
+        <dsp:cNvPr id="0" name=""/>
+        <dsp:cNvSpPr/>
+      </dsp:nvSpPr>
+      <dsp:spPr>
+        <a:xfrm>
+          <a:off x="0" y="1922622"/>
+          <a:ext cx="10058399" cy="428400"/>
+        </a:xfrm>
+        <a:prstGeom prst="rect">
+          <a:avLst/>
+        </a:prstGeom>
+        <a:solidFill>
+          <a:schemeClr val="lt1">
+            <a:alpha val="90000"/>
+            <a:hueOff val="0"/>
+            <a:satOff val="0"/>
+            <a:lumOff val="0"/>
+            <a:alphaOff val="0"/>
+          </a:schemeClr>
+        </a:solidFill>
+        <a:ln w="15875" cap="flat" cmpd="sng" algn="ctr">
+          <a:solidFill>
+            <a:schemeClr val="accent1">
+              <a:hueOff val="0"/>
+              <a:satOff val="0"/>
+              <a:lumOff val="0"/>
+              <a:alphaOff val="0"/>
+            </a:schemeClr>
+          </a:solidFill>
+          <a:prstDash val="solid"/>
+        </a:ln>
+        <a:effectLst/>
+      </dsp:spPr>
+      <dsp:style>
+        <a:lnRef idx="2">
+          <a:scrgbClr r="0" g="0" b="0"/>
+        </a:lnRef>
+        <a:fillRef idx="1">
+          <a:scrgbClr r="0" g="0" b="0"/>
+        </a:fillRef>
+        <a:effectRef idx="0">
+          <a:scrgbClr r="0" g="0" b="0"/>
+        </a:effectRef>
+        <a:fontRef idx="minor"/>
+      </dsp:style>
+    </dsp:sp>
+    <dsp:sp modelId="{31119444-DBF7-4401-9EE7-9AC62541184F}">
+      <dsp:nvSpPr>
+        <dsp:cNvPr id="0" name=""/>
+        <dsp:cNvSpPr/>
+      </dsp:nvSpPr>
+      <dsp:spPr>
+        <a:xfrm>
+          <a:off x="502920" y="1671702"/>
+          <a:ext cx="7040880" cy="501840"/>
+        </a:xfrm>
+        <a:prstGeom prst="roundRect">
+          <a:avLst/>
+        </a:prstGeom>
+        <a:solidFill>
+          <a:schemeClr val="accent1">
+            <a:hueOff val="0"/>
+            <a:satOff val="0"/>
+            <a:lumOff val="0"/>
+            <a:alphaOff val="0"/>
+          </a:schemeClr>
+        </a:solidFill>
+        <a:ln w="15875" cap="flat" cmpd="sng" algn="ctr">
+          <a:solidFill>
+            <a:schemeClr val="lt1">
+              <a:hueOff val="0"/>
+              <a:satOff val="0"/>
+              <a:lumOff val="0"/>
+              <a:alphaOff val="0"/>
+            </a:schemeClr>
+          </a:solidFill>
+          <a:prstDash val="solid"/>
+        </a:ln>
+        <a:effectLst/>
+      </dsp:spPr>
+      <dsp:style>
+        <a:lnRef idx="2">
+          <a:scrgbClr r="0" g="0" b="0"/>
+        </a:lnRef>
+        <a:fillRef idx="1">
+          <a:scrgbClr r="0" g="0" b="0"/>
+        </a:fillRef>
+        <a:effectRef idx="0">
+          <a:scrgbClr r="0" g="0" b="0"/>
+        </a:effectRef>
+        <a:fontRef idx="minor">
+          <a:schemeClr val="lt1"/>
+        </a:fontRef>
+      </dsp:style>
+      <dsp:txBody>
+        <a:bodyPr spcFirstLastPara="0" vert="horz" wrap="square" lIns="266129" tIns="0" rIns="266129" bIns="0" numCol="1" spcCol="1270" anchor="ctr" anchorCtr="0">
+          <a:noAutofit/>
+        </a:bodyPr>
+        <a:lstStyle/>
+        <a:p>
+          <a:pPr lvl="0" algn="l" defTabSz="755650">
+            <a:lnSpc>
+              <a:spcPct val="90000"/>
+            </a:lnSpc>
+            <a:spcBef>
+              <a:spcPct val="0"/>
+            </a:spcBef>
+            <a:spcAft>
+              <a:spcPct val="35000"/>
+            </a:spcAft>
+          </a:pPr>
+          <a:r>
+            <a:rPr lang="en-IN" sz="1700" kern="1200" dirty="0" err="1" smtClean="0"/>
+            <a:t>pD</a:t>
+          </a:r>
+          <a:r>
+            <a:rPr lang="en-IN" sz="1700" kern="1200" dirty="0" smtClean="0"/>
+            <a:t> in DIC1 gives an indication when components are well separated?</a:t>
+          </a:r>
+          <a:endParaRPr lang="en-IN" sz="1700" kern="1200" dirty="0"/>
+        </a:p>
+      </dsp:txBody>
+      <dsp:txXfrm>
+        <a:off x="527418" y="1696200"/>
+        <a:ext cx="6991884" cy="452844"/>
+      </dsp:txXfrm>
+    </dsp:sp>
+    <dsp:sp modelId="{069F7339-5FA5-45D6-AB48-90E2345B07A2}">
+      <dsp:nvSpPr>
+        <dsp:cNvPr id="0" name=""/>
+        <dsp:cNvSpPr/>
+      </dsp:nvSpPr>
+      <dsp:spPr>
+        <a:xfrm>
+          <a:off x="0" y="2693742"/>
+          <a:ext cx="10058399" cy="428400"/>
+        </a:xfrm>
+        <a:prstGeom prst="rect">
+          <a:avLst/>
+        </a:prstGeom>
+        <a:solidFill>
+          <a:schemeClr val="lt1">
+            <a:alpha val="90000"/>
+            <a:hueOff val="0"/>
+            <a:satOff val="0"/>
+            <a:lumOff val="0"/>
+            <a:alphaOff val="0"/>
+          </a:schemeClr>
+        </a:solidFill>
+        <a:ln w="15875" cap="flat" cmpd="sng" algn="ctr">
+          <a:solidFill>
+            <a:schemeClr val="accent1">
+              <a:hueOff val="0"/>
+              <a:satOff val="0"/>
+              <a:lumOff val="0"/>
+              <a:alphaOff val="0"/>
+            </a:schemeClr>
+          </a:solidFill>
+          <a:prstDash val="solid"/>
+        </a:ln>
+        <a:effectLst/>
+      </dsp:spPr>
+      <dsp:style>
+        <a:lnRef idx="2">
+          <a:scrgbClr r="0" g="0" b="0"/>
+        </a:lnRef>
+        <a:fillRef idx="1">
+          <a:scrgbClr r="0" g="0" b="0"/>
+        </a:fillRef>
+        <a:effectRef idx="0">
+          <a:scrgbClr r="0" g="0" b="0"/>
+        </a:effectRef>
+        <a:fontRef idx="minor"/>
+      </dsp:style>
+    </dsp:sp>
+    <dsp:sp modelId="{88916055-C945-4663-8EB7-43AF3F3787AB}">
+      <dsp:nvSpPr>
+        <dsp:cNvPr id="0" name=""/>
+        <dsp:cNvSpPr/>
+      </dsp:nvSpPr>
+      <dsp:spPr>
+        <a:xfrm>
+          <a:off x="502920" y="2442822"/>
+          <a:ext cx="7040880" cy="501840"/>
+        </a:xfrm>
+        <a:prstGeom prst="roundRect">
+          <a:avLst/>
+        </a:prstGeom>
+        <a:solidFill>
+          <a:schemeClr val="accent1">
+            <a:hueOff val="0"/>
+            <a:satOff val="0"/>
+            <a:lumOff val="0"/>
+            <a:alphaOff val="0"/>
+          </a:schemeClr>
+        </a:solidFill>
+        <a:ln w="15875" cap="flat" cmpd="sng" algn="ctr">
+          <a:solidFill>
+            <a:schemeClr val="lt1">
+              <a:hueOff val="0"/>
+              <a:satOff val="0"/>
+              <a:lumOff val="0"/>
+              <a:alphaOff val="0"/>
+            </a:schemeClr>
+          </a:solidFill>
+          <a:prstDash val="solid"/>
+        </a:ln>
+        <a:effectLst/>
+      </dsp:spPr>
+      <dsp:style>
+        <a:lnRef idx="2">
+          <a:scrgbClr r="0" g="0" b="0"/>
+        </a:lnRef>
+        <a:fillRef idx="1">
+          <a:scrgbClr r="0" g="0" b="0"/>
+        </a:fillRef>
+        <a:effectRef idx="0">
+          <a:scrgbClr r="0" g="0" b="0"/>
+        </a:effectRef>
+        <a:fontRef idx="minor">
+          <a:schemeClr val="lt1"/>
+        </a:fontRef>
+      </dsp:style>
+      <dsp:txBody>
+        <a:bodyPr spcFirstLastPara="0" vert="horz" wrap="square" lIns="266129" tIns="0" rIns="266129" bIns="0" numCol="1" spcCol="1270" anchor="ctr" anchorCtr="0">
+          <a:noAutofit/>
+        </a:bodyPr>
+        <a:lstStyle/>
+        <a:p>
+          <a:pPr lvl="0" algn="l" defTabSz="755650">
+            <a:lnSpc>
+              <a:spcPct val="90000"/>
+            </a:lnSpc>
+            <a:spcBef>
+              <a:spcPct val="0"/>
+            </a:spcBef>
+            <a:spcAft>
+              <a:spcPct val="35000"/>
+            </a:spcAft>
+          </a:pPr>
+          <a:r>
+            <a:rPr lang="en-IN" sz="1700" kern="1200" dirty="0" smtClean="0"/>
+            <a:t>Interpretation of the DIC</a:t>
+          </a:r>
+          <a:endParaRPr lang="en-IN" sz="1700" kern="1200" dirty="0"/>
+        </a:p>
+      </dsp:txBody>
+      <dsp:txXfrm>
+        <a:off x="527418" y="2467320"/>
+        <a:ext cx="6991884" cy="452844"/>
+      </dsp:txXfrm>
+    </dsp:sp>
+    <dsp:sp modelId="{76CE9F42-B308-4DB4-A3D1-BB9B1BB970E6}">
+      <dsp:nvSpPr>
+        <dsp:cNvPr id="0" name=""/>
+        <dsp:cNvSpPr/>
+      </dsp:nvSpPr>
+      <dsp:spPr>
+        <a:xfrm>
+          <a:off x="0" y="3464862"/>
+          <a:ext cx="10058399" cy="428400"/>
+        </a:xfrm>
+        <a:prstGeom prst="rect">
+          <a:avLst/>
+        </a:prstGeom>
+        <a:solidFill>
+          <a:schemeClr val="lt1">
+            <a:alpha val="90000"/>
+            <a:hueOff val="0"/>
+            <a:satOff val="0"/>
+            <a:lumOff val="0"/>
+            <a:alphaOff val="0"/>
+          </a:schemeClr>
+        </a:solidFill>
+        <a:ln w="15875" cap="flat" cmpd="sng" algn="ctr">
+          <a:solidFill>
+            <a:schemeClr val="accent1">
+              <a:hueOff val="0"/>
+              <a:satOff val="0"/>
+              <a:lumOff val="0"/>
+              <a:alphaOff val="0"/>
+            </a:schemeClr>
+          </a:solidFill>
+          <a:prstDash val="solid"/>
+        </a:ln>
+        <a:effectLst/>
+      </dsp:spPr>
+      <dsp:style>
+        <a:lnRef idx="2">
+          <a:scrgbClr r="0" g="0" b="0"/>
+        </a:lnRef>
+        <a:fillRef idx="1">
+          <a:scrgbClr r="0" g="0" b="0"/>
+        </a:fillRef>
+        <a:effectRef idx="0">
+          <a:scrgbClr r="0" g="0" b="0"/>
+        </a:effectRef>
+        <a:fontRef idx="minor"/>
+      </dsp:style>
+    </dsp:sp>
+    <dsp:sp modelId="{4CA68685-41EA-423D-8D51-7D146AA6D434}">
+      <dsp:nvSpPr>
+        <dsp:cNvPr id="0" name=""/>
+        <dsp:cNvSpPr/>
+      </dsp:nvSpPr>
+      <dsp:spPr>
+        <a:xfrm>
+          <a:off x="502920" y="3213942"/>
+          <a:ext cx="7040880" cy="501840"/>
+        </a:xfrm>
+        <a:prstGeom prst="roundRect">
+          <a:avLst/>
+        </a:prstGeom>
+        <a:solidFill>
+          <a:schemeClr val="accent1">
+            <a:hueOff val="0"/>
+            <a:satOff val="0"/>
+            <a:lumOff val="0"/>
+            <a:alphaOff val="0"/>
+          </a:schemeClr>
+        </a:solidFill>
+        <a:ln w="15875" cap="flat" cmpd="sng" algn="ctr">
+          <a:solidFill>
+            <a:schemeClr val="lt1">
+              <a:hueOff val="0"/>
+              <a:satOff val="0"/>
+              <a:lumOff val="0"/>
+              <a:alphaOff val="0"/>
+            </a:schemeClr>
+          </a:solidFill>
+          <a:prstDash val="solid"/>
+        </a:ln>
+        <a:effectLst/>
+      </dsp:spPr>
+      <dsp:style>
+        <a:lnRef idx="2">
+          <a:scrgbClr r="0" g="0" b="0"/>
+        </a:lnRef>
+        <a:fillRef idx="1">
+          <a:scrgbClr r="0" g="0" b="0"/>
+        </a:fillRef>
+        <a:effectRef idx="0">
+          <a:scrgbClr r="0" g="0" b="0"/>
+        </a:effectRef>
+        <a:fontRef idx="minor">
+          <a:schemeClr val="lt1"/>
+        </a:fontRef>
+      </dsp:style>
+      <dsp:txBody>
+        <a:bodyPr spcFirstLastPara="0" vert="horz" wrap="square" lIns="266129" tIns="0" rIns="266129" bIns="0" numCol="1" spcCol="1270" anchor="ctr" anchorCtr="0">
+          <a:noAutofit/>
+        </a:bodyPr>
+        <a:lstStyle/>
+        <a:p>
+          <a:pPr lvl="0" algn="l" defTabSz="755650">
+            <a:lnSpc>
+              <a:spcPct val="90000"/>
+            </a:lnSpc>
+            <a:spcBef>
+              <a:spcPct val="0"/>
+            </a:spcBef>
+            <a:spcAft>
+              <a:spcPct val="35000"/>
+            </a:spcAft>
+          </a:pPr>
+          <a:r>
+            <a:rPr lang="en-IN" sz="1700" kern="1200" dirty="0" smtClean="0"/>
+            <a:t>Some simulations are incorrect as JAGS does not throw away burn in part</a:t>
+          </a:r>
+          <a:endParaRPr lang="en-IN" sz="1700" kern="1200" dirty="0"/>
+        </a:p>
+      </dsp:txBody>
+      <dsp:txXfrm>
+        <a:off x="527418" y="3238440"/>
+        <a:ext cx="6991884" cy="452844"/>
+      </dsp:txXfrm>
+    </dsp:sp>
   </dsp:spTree>
 </dsp:drawing>
 </file>
@@ -5346,6 +7681,1041 @@
       <dsp:cNvGrpSpPr/>
     </dsp:nvGrpSpPr>
     <dsp:grpSpPr/>
+    <dsp:sp modelId="{D2D28DF4-D44A-458F-BFFF-BCF3C1BFA0FE}">
+      <dsp:nvSpPr>
+        <dsp:cNvPr id="0" name=""/>
+        <dsp:cNvSpPr/>
+      </dsp:nvSpPr>
+      <dsp:spPr>
+        <a:xfrm>
+          <a:off x="0" y="284442"/>
+          <a:ext cx="10058399" cy="453600"/>
+        </a:xfrm>
+        <a:prstGeom prst="rect">
+          <a:avLst/>
+        </a:prstGeom>
+        <a:solidFill>
+          <a:schemeClr val="lt1">
+            <a:alpha val="90000"/>
+            <a:hueOff val="0"/>
+            <a:satOff val="0"/>
+            <a:lumOff val="0"/>
+            <a:alphaOff val="0"/>
+          </a:schemeClr>
+        </a:solidFill>
+        <a:ln w="15875" cap="flat" cmpd="sng" algn="ctr">
+          <a:solidFill>
+            <a:schemeClr val="accent1">
+              <a:hueOff val="0"/>
+              <a:satOff val="0"/>
+              <a:lumOff val="0"/>
+              <a:alphaOff val="0"/>
+            </a:schemeClr>
+          </a:solidFill>
+          <a:prstDash val="solid"/>
+        </a:ln>
+        <a:effectLst/>
+      </dsp:spPr>
+      <dsp:style>
+        <a:lnRef idx="2">
+          <a:scrgbClr r="0" g="0" b="0"/>
+        </a:lnRef>
+        <a:fillRef idx="1">
+          <a:scrgbClr r="0" g="0" b="0"/>
+        </a:fillRef>
+        <a:effectRef idx="0">
+          <a:scrgbClr r="0" g="0" b="0"/>
+        </a:effectRef>
+        <a:fontRef idx="minor"/>
+      </dsp:style>
+    </dsp:sp>
+    <dsp:sp modelId="{A4E3366F-6CE4-4A5A-BC90-DA157F4F8D28}">
+      <dsp:nvSpPr>
+        <dsp:cNvPr id="0" name=""/>
+        <dsp:cNvSpPr/>
+      </dsp:nvSpPr>
+      <dsp:spPr>
+        <a:xfrm>
+          <a:off x="502920" y="18762"/>
+          <a:ext cx="7040880" cy="531360"/>
+        </a:xfrm>
+        <a:prstGeom prst="roundRect">
+          <a:avLst/>
+        </a:prstGeom>
+        <a:solidFill>
+          <a:schemeClr val="accent1">
+            <a:hueOff val="0"/>
+            <a:satOff val="0"/>
+            <a:lumOff val="0"/>
+            <a:alphaOff val="0"/>
+          </a:schemeClr>
+        </a:solidFill>
+        <a:ln w="15875" cap="flat" cmpd="sng" algn="ctr">
+          <a:solidFill>
+            <a:schemeClr val="lt1">
+              <a:hueOff val="0"/>
+              <a:satOff val="0"/>
+              <a:lumOff val="0"/>
+              <a:alphaOff val="0"/>
+            </a:schemeClr>
+          </a:solidFill>
+          <a:prstDash val="solid"/>
+        </a:ln>
+        <a:effectLst/>
+      </dsp:spPr>
+      <dsp:style>
+        <a:lnRef idx="2">
+          <a:scrgbClr r="0" g="0" b="0"/>
+        </a:lnRef>
+        <a:fillRef idx="1">
+          <a:scrgbClr r="0" g="0" b="0"/>
+        </a:fillRef>
+        <a:effectRef idx="0">
+          <a:scrgbClr r="0" g="0" b="0"/>
+        </a:effectRef>
+        <a:fontRef idx="minor">
+          <a:schemeClr val="lt1"/>
+        </a:fontRef>
+      </dsp:style>
+      <dsp:txBody>
+        <a:bodyPr spcFirstLastPara="0" vert="horz" wrap="square" lIns="266129" tIns="0" rIns="266129" bIns="0" numCol="1" spcCol="1270" anchor="ctr" anchorCtr="0">
+          <a:noAutofit/>
+        </a:bodyPr>
+        <a:lstStyle/>
+        <a:p>
+          <a:pPr lvl="0" algn="l" defTabSz="622300">
+            <a:lnSpc>
+              <a:spcPct val="90000"/>
+            </a:lnSpc>
+            <a:spcBef>
+              <a:spcPct val="0"/>
+            </a:spcBef>
+            <a:spcAft>
+              <a:spcPct val="35000"/>
+            </a:spcAft>
+          </a:pPr>
+          <a:r>
+            <a:rPr lang="en-IN" sz="1400" kern="1200" dirty="0" smtClean="0"/>
+            <a:t>The various summary measures I tried (based on </a:t>
+          </a:r>
+          <a:r>
+            <a:rPr lang="en-IN" sz="1400" kern="1200" dirty="0" err="1" smtClean="0"/>
+            <a:t>Frühwirth-Schnatter</a:t>
+          </a:r>
+          <a:r>
+            <a:rPr lang="en-IN" sz="1400" kern="1200" dirty="0" smtClean="0"/>
+            <a:t>, 2006):</a:t>
+          </a:r>
+          <a:br>
+            <a:rPr lang="en-IN" sz="1400" kern="1200" dirty="0" smtClean="0"/>
+          </a:br>
+          <a:r>
+            <a:rPr lang="en-IN" sz="1400" kern="1200" dirty="0" smtClean="0"/>
+            <a:t>mean, variance, skewness, kurtosis and even higher order moments of the observed data</a:t>
+          </a:r>
+          <a:endParaRPr lang="en-IN" sz="1400" kern="1200" dirty="0"/>
+        </a:p>
+      </dsp:txBody>
+      <dsp:txXfrm>
+        <a:off x="528859" y="44701"/>
+        <a:ext cx="6989002" cy="479482"/>
+      </dsp:txXfrm>
+    </dsp:sp>
+    <dsp:sp modelId="{E75AC3AD-F42B-45F4-B75A-EECF326E529B}">
+      <dsp:nvSpPr>
+        <dsp:cNvPr id="0" name=""/>
+        <dsp:cNvSpPr/>
+      </dsp:nvSpPr>
+      <dsp:spPr>
+        <a:xfrm>
+          <a:off x="0" y="1100922"/>
+          <a:ext cx="10058399" cy="453600"/>
+        </a:xfrm>
+        <a:prstGeom prst="rect">
+          <a:avLst/>
+        </a:prstGeom>
+        <a:solidFill>
+          <a:schemeClr val="lt1">
+            <a:alpha val="90000"/>
+            <a:hueOff val="0"/>
+            <a:satOff val="0"/>
+            <a:lumOff val="0"/>
+            <a:alphaOff val="0"/>
+          </a:schemeClr>
+        </a:solidFill>
+        <a:ln w="15875" cap="flat" cmpd="sng" algn="ctr">
+          <a:solidFill>
+            <a:schemeClr val="accent1">
+              <a:hueOff val="0"/>
+              <a:satOff val="0"/>
+              <a:lumOff val="0"/>
+              <a:alphaOff val="0"/>
+            </a:schemeClr>
+          </a:solidFill>
+          <a:prstDash val="solid"/>
+        </a:ln>
+        <a:effectLst/>
+      </dsp:spPr>
+      <dsp:style>
+        <a:lnRef idx="2">
+          <a:scrgbClr r="0" g="0" b="0"/>
+        </a:lnRef>
+        <a:fillRef idx="1">
+          <a:scrgbClr r="0" g="0" b="0"/>
+        </a:fillRef>
+        <a:effectRef idx="0">
+          <a:scrgbClr r="0" g="0" b="0"/>
+        </a:effectRef>
+        <a:fontRef idx="minor"/>
+      </dsp:style>
+    </dsp:sp>
+    <dsp:sp modelId="{52170AF7-0D36-4EA5-B823-AF73C96BD040}">
+      <dsp:nvSpPr>
+        <dsp:cNvPr id="0" name=""/>
+        <dsp:cNvSpPr/>
+      </dsp:nvSpPr>
+      <dsp:spPr>
+        <a:xfrm>
+          <a:off x="502920" y="835242"/>
+          <a:ext cx="7040880" cy="531360"/>
+        </a:xfrm>
+        <a:prstGeom prst="roundRect">
+          <a:avLst/>
+        </a:prstGeom>
+        <a:solidFill>
+          <a:schemeClr val="accent1">
+            <a:hueOff val="0"/>
+            <a:satOff val="0"/>
+            <a:lumOff val="0"/>
+            <a:alphaOff val="0"/>
+          </a:schemeClr>
+        </a:solidFill>
+        <a:ln w="15875" cap="flat" cmpd="sng" algn="ctr">
+          <a:solidFill>
+            <a:schemeClr val="lt1">
+              <a:hueOff val="0"/>
+              <a:satOff val="0"/>
+              <a:lumOff val="0"/>
+              <a:alphaOff val="0"/>
+            </a:schemeClr>
+          </a:solidFill>
+          <a:prstDash val="solid"/>
+        </a:ln>
+        <a:effectLst/>
+      </dsp:spPr>
+      <dsp:style>
+        <a:lnRef idx="2">
+          <a:scrgbClr r="0" g="0" b="0"/>
+        </a:lnRef>
+        <a:fillRef idx="1">
+          <a:scrgbClr r="0" g="0" b="0"/>
+        </a:fillRef>
+        <a:effectRef idx="0">
+          <a:scrgbClr r="0" g="0" b="0"/>
+        </a:effectRef>
+        <a:fontRef idx="minor">
+          <a:schemeClr val="lt1"/>
+        </a:fontRef>
+      </dsp:style>
+      <dsp:txBody>
+        <a:bodyPr spcFirstLastPara="0" vert="horz" wrap="square" lIns="266129" tIns="0" rIns="266129" bIns="0" numCol="1" spcCol="1270" anchor="ctr" anchorCtr="0">
+          <a:noAutofit/>
+        </a:bodyPr>
+        <a:lstStyle/>
+        <a:p>
+          <a:pPr lvl="0" algn="l" defTabSz="622300">
+            <a:lnSpc>
+              <a:spcPct val="90000"/>
+            </a:lnSpc>
+            <a:spcBef>
+              <a:spcPct val="0"/>
+            </a:spcBef>
+            <a:spcAft>
+              <a:spcPct val="35000"/>
+            </a:spcAft>
+          </a:pPr>
+          <a:r>
+            <a:rPr lang="en-IN" sz="1400" kern="1200" dirty="0" smtClean="0"/>
+            <a:t>In higher dimensions: </a:t>
+          </a:r>
+          <a:r>
+            <a:rPr lang="en-IN" sz="1400" kern="1200" dirty="0" err="1" smtClean="0"/>
+            <a:t>Mardia’s</a:t>
+          </a:r>
+          <a:r>
+            <a:rPr lang="en-IN" sz="1400" kern="1200" dirty="0" smtClean="0"/>
+            <a:t> skewness and kurtosis and a few more test statistics </a:t>
+          </a:r>
+          <a:endParaRPr lang="en-IN" sz="1400" kern="1200" dirty="0" smtClean="0"/>
+        </a:p>
+      </dsp:txBody>
+      <dsp:txXfrm>
+        <a:off x="528859" y="861181"/>
+        <a:ext cx="6989002" cy="479482"/>
+      </dsp:txXfrm>
+    </dsp:sp>
+    <dsp:sp modelId="{5160C588-0A17-4891-86B3-014A67AC3D70}">
+      <dsp:nvSpPr>
+        <dsp:cNvPr id="0" name=""/>
+        <dsp:cNvSpPr/>
+      </dsp:nvSpPr>
+      <dsp:spPr>
+        <a:xfrm>
+          <a:off x="0" y="1917402"/>
+          <a:ext cx="10058399" cy="453600"/>
+        </a:xfrm>
+        <a:prstGeom prst="rect">
+          <a:avLst/>
+        </a:prstGeom>
+        <a:solidFill>
+          <a:schemeClr val="lt1">
+            <a:alpha val="90000"/>
+            <a:hueOff val="0"/>
+            <a:satOff val="0"/>
+            <a:lumOff val="0"/>
+            <a:alphaOff val="0"/>
+          </a:schemeClr>
+        </a:solidFill>
+        <a:ln w="15875" cap="flat" cmpd="sng" algn="ctr">
+          <a:solidFill>
+            <a:schemeClr val="accent1">
+              <a:hueOff val="0"/>
+              <a:satOff val="0"/>
+              <a:lumOff val="0"/>
+              <a:alphaOff val="0"/>
+            </a:schemeClr>
+          </a:solidFill>
+          <a:prstDash val="solid"/>
+        </a:ln>
+        <a:effectLst/>
+      </dsp:spPr>
+      <dsp:style>
+        <a:lnRef idx="2">
+          <a:scrgbClr r="0" g="0" b="0"/>
+        </a:lnRef>
+        <a:fillRef idx="1">
+          <a:scrgbClr r="0" g="0" b="0"/>
+        </a:fillRef>
+        <a:effectRef idx="0">
+          <a:scrgbClr r="0" g="0" b="0"/>
+        </a:effectRef>
+        <a:fontRef idx="minor"/>
+      </dsp:style>
+    </dsp:sp>
+    <dsp:sp modelId="{79466E71-585A-4329-9789-8EE0BEA080E5}">
+      <dsp:nvSpPr>
+        <dsp:cNvPr id="0" name=""/>
+        <dsp:cNvSpPr/>
+      </dsp:nvSpPr>
+      <dsp:spPr>
+        <a:xfrm>
+          <a:off x="502920" y="1651722"/>
+          <a:ext cx="7040880" cy="531360"/>
+        </a:xfrm>
+        <a:prstGeom prst="roundRect">
+          <a:avLst/>
+        </a:prstGeom>
+        <a:solidFill>
+          <a:schemeClr val="accent1">
+            <a:hueOff val="0"/>
+            <a:satOff val="0"/>
+            <a:lumOff val="0"/>
+            <a:alphaOff val="0"/>
+          </a:schemeClr>
+        </a:solidFill>
+        <a:ln w="15875" cap="flat" cmpd="sng" algn="ctr">
+          <a:solidFill>
+            <a:schemeClr val="lt1">
+              <a:hueOff val="0"/>
+              <a:satOff val="0"/>
+              <a:lumOff val="0"/>
+              <a:alphaOff val="0"/>
+            </a:schemeClr>
+          </a:solidFill>
+          <a:prstDash val="solid"/>
+        </a:ln>
+        <a:effectLst/>
+      </dsp:spPr>
+      <dsp:style>
+        <a:lnRef idx="2">
+          <a:scrgbClr r="0" g="0" b="0"/>
+        </a:lnRef>
+        <a:fillRef idx="1">
+          <a:scrgbClr r="0" g="0" b="0"/>
+        </a:fillRef>
+        <a:effectRef idx="0">
+          <a:scrgbClr r="0" g="0" b="0"/>
+        </a:effectRef>
+        <a:fontRef idx="minor">
+          <a:schemeClr val="lt1"/>
+        </a:fontRef>
+      </dsp:style>
+      <dsp:txBody>
+        <a:bodyPr spcFirstLastPara="0" vert="horz" wrap="square" lIns="266129" tIns="0" rIns="266129" bIns="0" numCol="1" spcCol="1270" anchor="ctr" anchorCtr="0">
+          <a:noAutofit/>
+        </a:bodyPr>
+        <a:lstStyle/>
+        <a:p>
+          <a:pPr lvl="0" algn="l" defTabSz="622300">
+            <a:lnSpc>
+              <a:spcPct val="90000"/>
+            </a:lnSpc>
+            <a:spcBef>
+              <a:spcPct val="0"/>
+            </a:spcBef>
+            <a:spcAft>
+              <a:spcPct val="35000"/>
+            </a:spcAft>
+          </a:pPr>
+          <a:r>
+            <a:rPr lang="en-IN" sz="1400" kern="1200" dirty="0" smtClean="0"/>
+            <a:t>In one dimension the posterior of component means can be checked</a:t>
+          </a:r>
+          <a:endParaRPr lang="en-IN" sz="1400" kern="1200" dirty="0"/>
+        </a:p>
+      </dsp:txBody>
+      <dsp:txXfrm>
+        <a:off x="528859" y="1677661"/>
+        <a:ext cx="6989002" cy="479482"/>
+      </dsp:txXfrm>
+    </dsp:sp>
+    <dsp:sp modelId="{18C7A500-DC51-4CBE-94DC-45D9356748C1}">
+      <dsp:nvSpPr>
+        <dsp:cNvPr id="0" name=""/>
+        <dsp:cNvSpPr/>
+      </dsp:nvSpPr>
+      <dsp:spPr>
+        <a:xfrm>
+          <a:off x="0" y="2733882"/>
+          <a:ext cx="10058399" cy="453600"/>
+        </a:xfrm>
+        <a:prstGeom prst="rect">
+          <a:avLst/>
+        </a:prstGeom>
+        <a:solidFill>
+          <a:schemeClr val="lt1">
+            <a:alpha val="90000"/>
+            <a:hueOff val="0"/>
+            <a:satOff val="0"/>
+            <a:lumOff val="0"/>
+            <a:alphaOff val="0"/>
+          </a:schemeClr>
+        </a:solidFill>
+        <a:ln w="15875" cap="flat" cmpd="sng" algn="ctr">
+          <a:solidFill>
+            <a:schemeClr val="accent1">
+              <a:hueOff val="0"/>
+              <a:satOff val="0"/>
+              <a:lumOff val="0"/>
+              <a:alphaOff val="0"/>
+            </a:schemeClr>
+          </a:solidFill>
+          <a:prstDash val="solid"/>
+        </a:ln>
+        <a:effectLst/>
+      </dsp:spPr>
+      <dsp:style>
+        <a:lnRef idx="2">
+          <a:scrgbClr r="0" g="0" b="0"/>
+        </a:lnRef>
+        <a:fillRef idx="1">
+          <a:scrgbClr r="0" g="0" b="0"/>
+        </a:fillRef>
+        <a:effectRef idx="0">
+          <a:scrgbClr r="0" g="0" b="0"/>
+        </a:effectRef>
+        <a:fontRef idx="minor"/>
+      </dsp:style>
+    </dsp:sp>
+    <dsp:sp modelId="{F43C019A-B06D-44E8-B3C0-9251E34F5448}">
+      <dsp:nvSpPr>
+        <dsp:cNvPr id="0" name=""/>
+        <dsp:cNvSpPr/>
+      </dsp:nvSpPr>
+      <dsp:spPr>
+        <a:xfrm>
+          <a:off x="502920" y="2468202"/>
+          <a:ext cx="7040880" cy="531360"/>
+        </a:xfrm>
+        <a:prstGeom prst="roundRect">
+          <a:avLst/>
+        </a:prstGeom>
+        <a:solidFill>
+          <a:schemeClr val="accent1">
+            <a:hueOff val="0"/>
+            <a:satOff val="0"/>
+            <a:lumOff val="0"/>
+            <a:alphaOff val="0"/>
+          </a:schemeClr>
+        </a:solidFill>
+        <a:ln w="15875" cap="flat" cmpd="sng" algn="ctr">
+          <a:solidFill>
+            <a:schemeClr val="lt1">
+              <a:hueOff val="0"/>
+              <a:satOff val="0"/>
+              <a:lumOff val="0"/>
+              <a:alphaOff val="0"/>
+            </a:schemeClr>
+          </a:solidFill>
+          <a:prstDash val="solid"/>
+        </a:ln>
+        <a:effectLst/>
+      </dsp:spPr>
+      <dsp:style>
+        <a:lnRef idx="2">
+          <a:scrgbClr r="0" g="0" b="0"/>
+        </a:lnRef>
+        <a:fillRef idx="1">
+          <a:scrgbClr r="0" g="0" b="0"/>
+        </a:fillRef>
+        <a:effectRef idx="0">
+          <a:scrgbClr r="0" g="0" b="0"/>
+        </a:effectRef>
+        <a:fontRef idx="minor">
+          <a:schemeClr val="lt1"/>
+        </a:fontRef>
+      </dsp:style>
+      <dsp:txBody>
+        <a:bodyPr spcFirstLastPara="0" vert="horz" wrap="square" lIns="266129" tIns="0" rIns="266129" bIns="0" numCol="1" spcCol="1270" anchor="ctr" anchorCtr="0">
+          <a:noAutofit/>
+        </a:bodyPr>
+        <a:lstStyle/>
+        <a:p>
+          <a:pPr lvl="0" algn="l" defTabSz="622300">
+            <a:lnSpc>
+              <a:spcPct val="90000"/>
+            </a:lnSpc>
+            <a:spcBef>
+              <a:spcPct val="0"/>
+            </a:spcBef>
+            <a:spcAft>
+              <a:spcPct val="35000"/>
+            </a:spcAft>
+          </a:pPr>
+          <a:r>
+            <a:rPr lang="en-IN" sz="1400" kern="1200" dirty="0" smtClean="0"/>
+            <a:t>More detailed questions: Are the mixture proportions correctly identified?</a:t>
+          </a:r>
+          <a:endParaRPr lang="en-IN" sz="1400" kern="1200" dirty="0"/>
+        </a:p>
+      </dsp:txBody>
+      <dsp:txXfrm>
+        <a:off x="528859" y="2494141"/>
+        <a:ext cx="6989002" cy="479482"/>
+      </dsp:txXfrm>
+    </dsp:sp>
+    <dsp:sp modelId="{9B0C781F-2052-4902-BEBE-F34307638FCB}">
+      <dsp:nvSpPr>
+        <dsp:cNvPr id="0" name=""/>
+        <dsp:cNvSpPr/>
+      </dsp:nvSpPr>
+      <dsp:spPr>
+        <a:xfrm>
+          <a:off x="0" y="3550362"/>
+          <a:ext cx="10058399" cy="453600"/>
+        </a:xfrm>
+        <a:prstGeom prst="rect">
+          <a:avLst/>
+        </a:prstGeom>
+        <a:solidFill>
+          <a:schemeClr val="lt1">
+            <a:alpha val="90000"/>
+            <a:hueOff val="0"/>
+            <a:satOff val="0"/>
+            <a:lumOff val="0"/>
+            <a:alphaOff val="0"/>
+          </a:schemeClr>
+        </a:solidFill>
+        <a:ln w="15875" cap="flat" cmpd="sng" algn="ctr">
+          <a:solidFill>
+            <a:schemeClr val="accent1">
+              <a:hueOff val="0"/>
+              <a:satOff val="0"/>
+              <a:lumOff val="0"/>
+              <a:alphaOff val="0"/>
+            </a:schemeClr>
+          </a:solidFill>
+          <a:prstDash val="solid"/>
+        </a:ln>
+        <a:effectLst/>
+      </dsp:spPr>
+      <dsp:style>
+        <a:lnRef idx="2">
+          <a:scrgbClr r="0" g="0" b="0"/>
+        </a:lnRef>
+        <a:fillRef idx="1">
+          <a:scrgbClr r="0" g="0" b="0"/>
+        </a:fillRef>
+        <a:effectRef idx="0">
+          <a:scrgbClr r="0" g="0" b="0"/>
+        </a:effectRef>
+        <a:fontRef idx="minor"/>
+      </dsp:style>
+    </dsp:sp>
+    <dsp:sp modelId="{7A588EEE-8205-4B28-8AF0-EB8C4DFE48A3}">
+      <dsp:nvSpPr>
+        <dsp:cNvPr id="0" name=""/>
+        <dsp:cNvSpPr/>
+      </dsp:nvSpPr>
+      <dsp:spPr>
+        <a:xfrm>
+          <a:off x="502920" y="3284682"/>
+          <a:ext cx="7040880" cy="531360"/>
+        </a:xfrm>
+        <a:prstGeom prst="roundRect">
+          <a:avLst/>
+        </a:prstGeom>
+        <a:solidFill>
+          <a:schemeClr val="accent1">
+            <a:hueOff val="0"/>
+            <a:satOff val="0"/>
+            <a:lumOff val="0"/>
+            <a:alphaOff val="0"/>
+          </a:schemeClr>
+        </a:solidFill>
+        <a:ln w="15875" cap="flat" cmpd="sng" algn="ctr">
+          <a:solidFill>
+            <a:schemeClr val="lt1">
+              <a:hueOff val="0"/>
+              <a:satOff val="0"/>
+              <a:lumOff val="0"/>
+              <a:alphaOff val="0"/>
+            </a:schemeClr>
+          </a:solidFill>
+          <a:prstDash val="solid"/>
+        </a:ln>
+        <a:effectLst/>
+      </dsp:spPr>
+      <dsp:style>
+        <a:lnRef idx="2">
+          <a:scrgbClr r="0" g="0" b="0"/>
+        </a:lnRef>
+        <a:fillRef idx="1">
+          <a:scrgbClr r="0" g="0" b="0"/>
+        </a:fillRef>
+        <a:effectRef idx="0">
+          <a:scrgbClr r="0" g="0" b="0"/>
+        </a:effectRef>
+        <a:fontRef idx="minor">
+          <a:schemeClr val="lt1"/>
+        </a:fontRef>
+      </dsp:style>
+      <dsp:txBody>
+        <a:bodyPr spcFirstLastPara="0" vert="horz" wrap="square" lIns="266129" tIns="0" rIns="266129" bIns="0" numCol="1" spcCol="1270" anchor="ctr" anchorCtr="0">
+          <a:noAutofit/>
+        </a:bodyPr>
+        <a:lstStyle/>
+        <a:p>
+          <a:pPr lvl="0" algn="l" defTabSz="622300">
+            <a:lnSpc>
+              <a:spcPct val="90000"/>
+            </a:lnSpc>
+            <a:spcBef>
+              <a:spcPct val="0"/>
+            </a:spcBef>
+            <a:spcAft>
+              <a:spcPct val="35000"/>
+            </a:spcAft>
+          </a:pPr>
+          <a:r>
+            <a:rPr lang="en-IN" sz="1400" kern="1200" dirty="0" smtClean="0"/>
+            <a:t>Why some of the posterior checks aren’t working? Perhaps checking for model fit is not a good approach because with more components it is never bad.</a:t>
+          </a:r>
+          <a:endParaRPr lang="en-IN" sz="1400" kern="1200" dirty="0"/>
+        </a:p>
+      </dsp:txBody>
+      <dsp:txXfrm>
+        <a:off x="528859" y="3310621"/>
+        <a:ext cx="6989002" cy="479482"/>
+      </dsp:txXfrm>
+    </dsp:sp>
+  </dsp:spTree>
+</dsp:drawing>
+</file>
+
+<file path=ppt/diagrams/drawing5.xml><?xml version="1.0" encoding="utf-8"?>
+<dsp:drawing xmlns:dgm="http://schemas.openxmlformats.org/drawingml/2006/diagram" xmlns:dsp="http://schemas.microsoft.com/office/drawing/2008/diagram" xmlns:a="http://schemas.openxmlformats.org/drawingml/2006/main">
+  <dsp:spTree>
+    <dsp:nvGrpSpPr>
+      <dsp:cNvPr id="0" name=""/>
+      <dsp:cNvGrpSpPr/>
+    </dsp:nvGrpSpPr>
+    <dsp:grpSpPr/>
+    <dsp:sp modelId="{7B5DEF11-71DF-4CA7-8962-0F48733A7639}">
+      <dsp:nvSpPr>
+        <dsp:cNvPr id="0" name=""/>
+        <dsp:cNvSpPr/>
+      </dsp:nvSpPr>
+      <dsp:spPr>
+        <a:xfrm>
+          <a:off x="0" y="493962"/>
+          <a:ext cx="10058399" cy="756000"/>
+        </a:xfrm>
+        <a:prstGeom prst="rect">
+          <a:avLst/>
+        </a:prstGeom>
+        <a:solidFill>
+          <a:schemeClr val="lt1">
+            <a:alpha val="90000"/>
+            <a:hueOff val="0"/>
+            <a:satOff val="0"/>
+            <a:lumOff val="0"/>
+            <a:alphaOff val="0"/>
+          </a:schemeClr>
+        </a:solidFill>
+        <a:ln w="15875" cap="flat" cmpd="sng" algn="ctr">
+          <a:solidFill>
+            <a:schemeClr val="accent1">
+              <a:hueOff val="0"/>
+              <a:satOff val="0"/>
+              <a:lumOff val="0"/>
+              <a:alphaOff val="0"/>
+            </a:schemeClr>
+          </a:solidFill>
+          <a:prstDash val="solid"/>
+        </a:ln>
+        <a:effectLst/>
+      </dsp:spPr>
+      <dsp:style>
+        <a:lnRef idx="2">
+          <a:scrgbClr r="0" g="0" b="0"/>
+        </a:lnRef>
+        <a:fillRef idx="1">
+          <a:scrgbClr r="0" g="0" b="0"/>
+        </a:fillRef>
+        <a:effectRef idx="0">
+          <a:scrgbClr r="0" g="0" b="0"/>
+        </a:effectRef>
+        <a:fontRef idx="minor"/>
+      </dsp:style>
+    </dsp:sp>
+    <dsp:sp modelId="{A8CAAB20-3E27-4445-A96E-5F5B18696E53}">
+      <dsp:nvSpPr>
+        <dsp:cNvPr id="0" name=""/>
+        <dsp:cNvSpPr/>
+      </dsp:nvSpPr>
+      <dsp:spPr>
+        <a:xfrm>
+          <a:off x="502920" y="51162"/>
+          <a:ext cx="7040880" cy="885600"/>
+        </a:xfrm>
+        <a:prstGeom prst="roundRect">
+          <a:avLst/>
+        </a:prstGeom>
+        <a:solidFill>
+          <a:schemeClr val="accent1">
+            <a:hueOff val="0"/>
+            <a:satOff val="0"/>
+            <a:lumOff val="0"/>
+            <a:alphaOff val="0"/>
+          </a:schemeClr>
+        </a:solidFill>
+        <a:ln w="15875" cap="flat" cmpd="sng" algn="ctr">
+          <a:solidFill>
+            <a:schemeClr val="lt1">
+              <a:hueOff val="0"/>
+              <a:satOff val="0"/>
+              <a:lumOff val="0"/>
+              <a:alphaOff val="0"/>
+            </a:schemeClr>
+          </a:solidFill>
+          <a:prstDash val="solid"/>
+        </a:ln>
+        <a:effectLst/>
+      </dsp:spPr>
+      <dsp:style>
+        <a:lnRef idx="2">
+          <a:scrgbClr r="0" g="0" b="0"/>
+        </a:lnRef>
+        <a:fillRef idx="1">
+          <a:scrgbClr r="0" g="0" b="0"/>
+        </a:fillRef>
+        <a:effectRef idx="0">
+          <a:scrgbClr r="0" g="0" b="0"/>
+        </a:effectRef>
+        <a:fontRef idx="minor">
+          <a:schemeClr val="lt1"/>
+        </a:fontRef>
+      </dsp:style>
+      <dsp:txBody>
+        <a:bodyPr spcFirstLastPara="0" vert="horz" wrap="square" lIns="266129" tIns="0" rIns="266129" bIns="0" numCol="1" spcCol="1270" anchor="ctr" anchorCtr="0">
+          <a:noAutofit/>
+        </a:bodyPr>
+        <a:lstStyle/>
+        <a:p>
+          <a:pPr lvl="0" algn="l" defTabSz="800100">
+            <a:lnSpc>
+              <a:spcPct val="90000"/>
+            </a:lnSpc>
+            <a:spcBef>
+              <a:spcPct val="0"/>
+            </a:spcBef>
+            <a:spcAft>
+              <a:spcPct val="35000"/>
+            </a:spcAft>
+          </a:pPr>
+          <a:r>
+            <a:rPr lang="en-IN" sz="1800" kern="1200" dirty="0" smtClean="0"/>
+            <a:t>More simulations/Confirmatory simulations.</a:t>
+          </a:r>
+          <a:endParaRPr lang="en-IN" sz="1800" kern="1200" dirty="0"/>
+        </a:p>
+      </dsp:txBody>
+      <dsp:txXfrm>
+        <a:off x="546151" y="94393"/>
+        <a:ext cx="6954418" cy="799138"/>
+      </dsp:txXfrm>
+    </dsp:sp>
+    <dsp:sp modelId="{04098D48-2BFD-46A7-813F-71AB062DC392}">
+      <dsp:nvSpPr>
+        <dsp:cNvPr id="0" name=""/>
+        <dsp:cNvSpPr/>
+      </dsp:nvSpPr>
+      <dsp:spPr>
+        <a:xfrm>
+          <a:off x="0" y="1854762"/>
+          <a:ext cx="10058399" cy="756000"/>
+        </a:xfrm>
+        <a:prstGeom prst="rect">
+          <a:avLst/>
+        </a:prstGeom>
+        <a:solidFill>
+          <a:schemeClr val="lt1">
+            <a:alpha val="90000"/>
+            <a:hueOff val="0"/>
+            <a:satOff val="0"/>
+            <a:lumOff val="0"/>
+            <a:alphaOff val="0"/>
+          </a:schemeClr>
+        </a:solidFill>
+        <a:ln w="15875" cap="flat" cmpd="sng" algn="ctr">
+          <a:solidFill>
+            <a:schemeClr val="accent1">
+              <a:hueOff val="0"/>
+              <a:satOff val="0"/>
+              <a:lumOff val="0"/>
+              <a:alphaOff val="0"/>
+            </a:schemeClr>
+          </a:solidFill>
+          <a:prstDash val="solid"/>
+        </a:ln>
+        <a:effectLst/>
+      </dsp:spPr>
+      <dsp:style>
+        <a:lnRef idx="2">
+          <a:scrgbClr r="0" g="0" b="0"/>
+        </a:lnRef>
+        <a:fillRef idx="1">
+          <a:scrgbClr r="0" g="0" b="0"/>
+        </a:fillRef>
+        <a:effectRef idx="0">
+          <a:scrgbClr r="0" g="0" b="0"/>
+        </a:effectRef>
+        <a:fontRef idx="minor"/>
+      </dsp:style>
+    </dsp:sp>
+    <dsp:sp modelId="{6DFE2E36-94C9-49A3-B2F7-A4C8E2D5ACFE}">
+      <dsp:nvSpPr>
+        <dsp:cNvPr id="0" name=""/>
+        <dsp:cNvSpPr/>
+      </dsp:nvSpPr>
+      <dsp:spPr>
+        <a:xfrm>
+          <a:off x="502920" y="1411962"/>
+          <a:ext cx="7040880" cy="885600"/>
+        </a:xfrm>
+        <a:prstGeom prst="roundRect">
+          <a:avLst/>
+        </a:prstGeom>
+        <a:solidFill>
+          <a:schemeClr val="accent1">
+            <a:hueOff val="0"/>
+            <a:satOff val="0"/>
+            <a:lumOff val="0"/>
+            <a:alphaOff val="0"/>
+          </a:schemeClr>
+        </a:solidFill>
+        <a:ln w="15875" cap="flat" cmpd="sng" algn="ctr">
+          <a:solidFill>
+            <a:schemeClr val="lt1">
+              <a:hueOff val="0"/>
+              <a:satOff val="0"/>
+              <a:lumOff val="0"/>
+              <a:alphaOff val="0"/>
+            </a:schemeClr>
+          </a:solidFill>
+          <a:prstDash val="solid"/>
+        </a:ln>
+        <a:effectLst/>
+      </dsp:spPr>
+      <dsp:style>
+        <a:lnRef idx="2">
+          <a:scrgbClr r="0" g="0" b="0"/>
+        </a:lnRef>
+        <a:fillRef idx="1">
+          <a:scrgbClr r="0" g="0" b="0"/>
+        </a:fillRef>
+        <a:effectRef idx="0">
+          <a:scrgbClr r="0" g="0" b="0"/>
+        </a:effectRef>
+        <a:fontRef idx="minor">
+          <a:schemeClr val="lt1"/>
+        </a:fontRef>
+      </dsp:style>
+      <dsp:txBody>
+        <a:bodyPr spcFirstLastPara="0" vert="horz" wrap="square" lIns="266129" tIns="0" rIns="266129" bIns="0" numCol="1" spcCol="1270" anchor="ctr" anchorCtr="0">
+          <a:noAutofit/>
+        </a:bodyPr>
+        <a:lstStyle/>
+        <a:p>
+          <a:pPr lvl="0" algn="l" defTabSz="800100">
+            <a:lnSpc>
+              <a:spcPct val="90000"/>
+            </a:lnSpc>
+            <a:spcBef>
+              <a:spcPct val="0"/>
+            </a:spcBef>
+            <a:spcAft>
+              <a:spcPct val="35000"/>
+            </a:spcAft>
+          </a:pPr>
+          <a:r>
+            <a:rPr lang="en-IN" sz="1800" kern="1200" dirty="0" smtClean="0"/>
+            <a:t>Modelling the blood donor data. I doubt I will be able to run so many observations on my computer. </a:t>
+          </a:r>
+          <a:endParaRPr lang="en-IN" sz="1800" kern="1200" dirty="0" smtClean="0"/>
+        </a:p>
+      </dsp:txBody>
+      <dsp:txXfrm>
+        <a:off x="546151" y="1455193"/>
+        <a:ext cx="6954418" cy="799138"/>
+      </dsp:txXfrm>
+    </dsp:sp>
+    <dsp:sp modelId="{AC581AAA-7751-405B-AA44-9ADEED71A8A0}">
+      <dsp:nvSpPr>
+        <dsp:cNvPr id="0" name=""/>
+        <dsp:cNvSpPr/>
+      </dsp:nvSpPr>
+      <dsp:spPr>
+        <a:xfrm>
+          <a:off x="0" y="3215562"/>
+          <a:ext cx="10058399" cy="756000"/>
+        </a:xfrm>
+        <a:prstGeom prst="rect">
+          <a:avLst/>
+        </a:prstGeom>
+        <a:solidFill>
+          <a:schemeClr val="lt1">
+            <a:alpha val="90000"/>
+            <a:hueOff val="0"/>
+            <a:satOff val="0"/>
+            <a:lumOff val="0"/>
+            <a:alphaOff val="0"/>
+          </a:schemeClr>
+        </a:solidFill>
+        <a:ln w="15875" cap="flat" cmpd="sng" algn="ctr">
+          <a:solidFill>
+            <a:schemeClr val="accent1">
+              <a:hueOff val="0"/>
+              <a:satOff val="0"/>
+              <a:lumOff val="0"/>
+              <a:alphaOff val="0"/>
+            </a:schemeClr>
+          </a:solidFill>
+          <a:prstDash val="solid"/>
+        </a:ln>
+        <a:effectLst/>
+      </dsp:spPr>
+      <dsp:style>
+        <a:lnRef idx="2">
+          <a:scrgbClr r="0" g="0" b="0"/>
+        </a:lnRef>
+        <a:fillRef idx="1">
+          <a:scrgbClr r="0" g="0" b="0"/>
+        </a:fillRef>
+        <a:effectRef idx="0">
+          <a:scrgbClr r="0" g="0" b="0"/>
+        </a:effectRef>
+        <a:fontRef idx="minor"/>
+      </dsp:style>
+    </dsp:sp>
+    <dsp:sp modelId="{C56A46F4-7953-4AA0-9A16-2B54C52F4181}">
+      <dsp:nvSpPr>
+        <dsp:cNvPr id="0" name=""/>
+        <dsp:cNvSpPr/>
+      </dsp:nvSpPr>
+      <dsp:spPr>
+        <a:xfrm>
+          <a:off x="502920" y="2772762"/>
+          <a:ext cx="7040880" cy="885600"/>
+        </a:xfrm>
+        <a:prstGeom prst="roundRect">
+          <a:avLst/>
+        </a:prstGeom>
+        <a:solidFill>
+          <a:schemeClr val="accent1">
+            <a:hueOff val="0"/>
+            <a:satOff val="0"/>
+            <a:lumOff val="0"/>
+            <a:alphaOff val="0"/>
+          </a:schemeClr>
+        </a:solidFill>
+        <a:ln w="15875" cap="flat" cmpd="sng" algn="ctr">
+          <a:solidFill>
+            <a:schemeClr val="lt1">
+              <a:hueOff val="0"/>
+              <a:satOff val="0"/>
+              <a:lumOff val="0"/>
+              <a:alphaOff val="0"/>
+            </a:schemeClr>
+          </a:solidFill>
+          <a:prstDash val="solid"/>
+        </a:ln>
+        <a:effectLst/>
+      </dsp:spPr>
+      <dsp:style>
+        <a:lnRef idx="2">
+          <a:scrgbClr r="0" g="0" b="0"/>
+        </a:lnRef>
+        <a:fillRef idx="1">
+          <a:scrgbClr r="0" g="0" b="0"/>
+        </a:fillRef>
+        <a:effectRef idx="0">
+          <a:scrgbClr r="0" g="0" b="0"/>
+        </a:effectRef>
+        <a:fontRef idx="minor">
+          <a:schemeClr val="lt1"/>
+        </a:fontRef>
+      </dsp:style>
+      <dsp:txBody>
+        <a:bodyPr spcFirstLastPara="0" vert="horz" wrap="square" lIns="266129" tIns="0" rIns="266129" bIns="0" numCol="1" spcCol="1270" anchor="ctr" anchorCtr="0">
+          <a:noAutofit/>
+        </a:bodyPr>
+        <a:lstStyle/>
+        <a:p>
+          <a:pPr lvl="0" algn="l" defTabSz="800100">
+            <a:lnSpc>
+              <a:spcPct val="90000"/>
+            </a:lnSpc>
+            <a:spcBef>
+              <a:spcPct val="0"/>
+            </a:spcBef>
+            <a:spcAft>
+              <a:spcPct val="35000"/>
+            </a:spcAft>
+          </a:pPr>
+          <a:r>
+            <a:rPr lang="en-IN" sz="1800" kern="1200" dirty="0" smtClean="0"/>
+            <a:t>Answer why things work, when I don’t expect them to? Or why they don’t when I expect them to work?</a:t>
+          </a:r>
+          <a:endParaRPr lang="en-IN" sz="1800" kern="1200" dirty="0" smtClean="0"/>
+        </a:p>
+      </dsp:txBody>
+      <dsp:txXfrm>
+        <a:off x="546151" y="2815993"/>
+        <a:ext cx="6954418" cy="799138"/>
+      </dsp:txXfrm>
+    </dsp:sp>
   </dsp:spTree>
 </dsp:drawing>
 </file>
@@ -6197,6 +9567,231 @@
 </dgm:layoutDef>
 </file>
 
+<file path=ppt/diagrams/layout5.xml><?xml version="1.0" encoding="utf-8"?>
+<dgm:layoutDef xmlns:dgm="http://schemas.openxmlformats.org/drawingml/2006/diagram" xmlns:a="http://schemas.openxmlformats.org/drawingml/2006/main" uniqueId="urn:microsoft.com/office/officeart/2005/8/layout/list1">
+  <dgm:title val=""/>
+  <dgm:desc val=""/>
+  <dgm:catLst>
+    <dgm:cat type="list" pri="4000"/>
+  </dgm:catLst>
+  <dgm:sampData>
+    <dgm:dataModel>
+      <dgm:ptLst>
+        <dgm:pt modelId="0" type="doc"/>
+        <dgm:pt modelId="1">
+          <dgm:prSet phldr="1"/>
+        </dgm:pt>
+        <dgm:pt modelId="2">
+          <dgm:prSet phldr="1"/>
+        </dgm:pt>
+        <dgm:pt modelId="3">
+          <dgm:prSet phldr="1"/>
+        </dgm:pt>
+      </dgm:ptLst>
+      <dgm:cxnLst>
+        <dgm:cxn modelId="4" srcId="0" destId="1" srcOrd="0" destOrd="0"/>
+        <dgm:cxn modelId="5" srcId="0" destId="2" srcOrd="1" destOrd="0"/>
+        <dgm:cxn modelId="6" srcId="0" destId="3" srcOrd="2" destOrd="0"/>
+      </dgm:cxnLst>
+      <dgm:bg/>
+      <dgm:whole/>
+    </dgm:dataModel>
+  </dgm:sampData>
+  <dgm:styleData>
+    <dgm:dataModel>
+      <dgm:ptLst>
+        <dgm:pt modelId="0" type="doc"/>
+        <dgm:pt modelId="1"/>
+        <dgm:pt modelId="2"/>
+      </dgm:ptLst>
+      <dgm:cxnLst>
+        <dgm:cxn modelId="4" srcId="0" destId="1" srcOrd="0" destOrd="0"/>
+        <dgm:cxn modelId="5" srcId="0" destId="2" srcOrd="1" destOrd="0"/>
+      </dgm:cxnLst>
+      <dgm:bg/>
+      <dgm:whole/>
+    </dgm:dataModel>
+  </dgm:styleData>
+  <dgm:clrData>
+    <dgm:dataModel>
+      <dgm:ptLst>
+        <dgm:pt modelId="0" type="doc"/>
+        <dgm:pt modelId="1"/>
+        <dgm:pt modelId="2"/>
+        <dgm:pt modelId="3"/>
+        <dgm:pt modelId="4"/>
+      </dgm:ptLst>
+      <dgm:cxnLst>
+        <dgm:cxn modelId="5" srcId="0" destId="1" srcOrd="0" destOrd="0"/>
+        <dgm:cxn modelId="6" srcId="0" destId="2" srcOrd="1" destOrd="0"/>
+        <dgm:cxn modelId="7" srcId="0" destId="3" srcOrd="2" destOrd="0"/>
+        <dgm:cxn modelId="8" srcId="0" destId="4" srcOrd="3" destOrd="0"/>
+      </dgm:cxnLst>
+      <dgm:bg/>
+      <dgm:whole/>
+    </dgm:dataModel>
+  </dgm:clrData>
+  <dgm:layoutNode name="linear">
+    <dgm:varLst>
+      <dgm:dir/>
+      <dgm:animLvl val="lvl"/>
+      <dgm:resizeHandles val="exact"/>
+    </dgm:varLst>
+    <dgm:choose name="Name0">
+      <dgm:if name="Name1" func="var" arg="dir" op="equ" val="norm">
+        <dgm:alg type="lin">
+          <dgm:param type="linDir" val="fromT"/>
+          <dgm:param type="vertAlign" val="mid"/>
+          <dgm:param type="horzAlign" val="l"/>
+          <dgm:param type="nodeHorzAlign" val="l"/>
+        </dgm:alg>
+      </dgm:if>
+      <dgm:else name="Name2">
+        <dgm:alg type="lin">
+          <dgm:param type="linDir" val="fromT"/>
+          <dgm:param type="vertAlign" val="mid"/>
+          <dgm:param type="horzAlign" val="r"/>
+          <dgm:param type="nodeHorzAlign" val="r"/>
+        </dgm:alg>
+      </dgm:else>
+    </dgm:choose>
+    <dgm:shape xmlns:r="http://schemas.openxmlformats.org/officeDocument/2006/relationships" r:blip="">
+      <dgm:adjLst/>
+    </dgm:shape>
+    <dgm:presOf/>
+    <dgm:constrLst>
+      <dgm:constr type="w" for="ch" forName="parentLin" refType="w"/>
+      <dgm:constr type="h" for="ch" forName="parentLin" val="INF"/>
+      <dgm:constr type="w" for="des" forName="parentLeftMargin" refType="w" fact="0.05"/>
+      <dgm:constr type="w" for="des" forName="parentText" refType="w" fact="0.7"/>
+      <dgm:constr type="h" for="des" forName="parentText" refType="primFontSz" refFor="des" refForName="parentText" fact="0.82"/>
+      <dgm:constr type="h" for="ch" forName="negativeSpace" refType="primFontSz" refFor="des" refForName="parentText" fact="-0.41"/>
+      <dgm:constr type="h" for="ch" forName="negativeSpace" refType="h" refFor="des" refForName="parentText" op="lte" fact="-0.82"/>
+      <dgm:constr type="h" for="ch" forName="negativeSpace" refType="h" refFor="des" refForName="parentText" op="gte" fact="-0.82"/>
+      <dgm:constr type="w" for="ch" forName="childText" refType="w"/>
+      <dgm:constr type="h" for="ch" forName="childText" refType="primFontSz" refFor="des" refForName="parentText" fact="0.7"/>
+      <dgm:constr type="primFontSz" for="des" forName="parentText" val="65"/>
+      <dgm:constr type="primFontSz" for="ch" forName="childText" refType="primFontSz" refFor="des" refForName="parentText"/>
+      <dgm:constr type="tMarg" for="ch" forName="childText" refType="primFontSz" refFor="des" refForName="parentText" fact="1.64"/>
+      <dgm:constr type="tMarg" for="ch" forName="childText" refType="h" refFor="des" refForName="parentText" op="lte" fact="3.28"/>
+      <dgm:constr type="tMarg" for="ch" forName="childText" refType="h" refFor="des" refForName="parentText" op="gte" fact="3.28"/>
+      <dgm:constr type="lMarg" for="ch" forName="childText" refType="w" fact="0.22"/>
+      <dgm:constr type="rMarg" for="ch" forName="childText" refType="lMarg" refFor="ch" refForName="childText"/>
+      <dgm:constr type="lMarg" for="des" forName="parentText" refType="w" fact="0.075"/>
+      <dgm:constr type="rMarg" for="des" forName="parentText" refType="lMarg" refFor="des" refForName="parentText"/>
+      <dgm:constr type="h" for="ch" forName="spaceBetweenRectangles" refType="primFontSz" refFor="des" refForName="parentText" fact="0.15"/>
+    </dgm:constrLst>
+    <dgm:ruleLst>
+      <dgm:rule type="primFontSz" for="des" forName="parentText" val="5" fact="NaN" max="NaN"/>
+    </dgm:ruleLst>
+    <dgm:forEach name="Name3" axis="ch" ptType="node">
+      <dgm:layoutNode name="parentLin">
+        <dgm:choose name="Name4">
+          <dgm:if name="Name5" func="var" arg="dir" op="equ" val="norm">
+            <dgm:alg type="lin">
+              <dgm:param type="linDir" val="fromL"/>
+              <dgm:param type="horzAlign" val="l"/>
+              <dgm:param type="nodeHorzAlign" val="l"/>
+            </dgm:alg>
+          </dgm:if>
+          <dgm:else name="Name6">
+            <dgm:alg type="lin">
+              <dgm:param type="linDir" val="fromR"/>
+              <dgm:param type="horzAlign" val="r"/>
+              <dgm:param type="nodeHorzAlign" val="r"/>
+            </dgm:alg>
+          </dgm:else>
+        </dgm:choose>
+        <dgm:shape xmlns:r="http://schemas.openxmlformats.org/officeDocument/2006/relationships" r:blip="">
+          <dgm:adjLst/>
+        </dgm:shape>
+        <dgm:presOf/>
+        <dgm:constrLst/>
+        <dgm:ruleLst/>
+        <dgm:layoutNode name="parentLeftMargin">
+          <dgm:alg type="sp"/>
+          <dgm:shape xmlns:r="http://schemas.openxmlformats.org/officeDocument/2006/relationships" type="rect" r:blip="" hideGeom="1">
+            <dgm:adjLst/>
+          </dgm:shape>
+          <dgm:presOf axis="self"/>
+          <dgm:constrLst>
+            <dgm:constr type="h"/>
+          </dgm:constrLst>
+          <dgm:ruleLst/>
+        </dgm:layoutNode>
+        <dgm:layoutNode name="parentText" styleLbl="node1">
+          <dgm:varLst>
+            <dgm:chMax val="0"/>
+            <dgm:bulletEnabled val="1"/>
+          </dgm:varLst>
+          <dgm:choose name="Name7">
+            <dgm:if name="Name8" func="var" arg="dir" op="equ" val="norm">
+              <dgm:alg type="tx">
+                <dgm:param type="parTxLTRAlign" val="l"/>
+                <dgm:param type="parTxRTLAlign" val="l"/>
+              </dgm:alg>
+            </dgm:if>
+            <dgm:else name="Name9">
+              <dgm:alg type="tx">
+                <dgm:param type="parTxLTRAlign" val="r"/>
+                <dgm:param type="parTxRTLAlign" val="r"/>
+              </dgm:alg>
+            </dgm:else>
+          </dgm:choose>
+          <dgm:shape xmlns:r="http://schemas.openxmlformats.org/officeDocument/2006/relationships" type="roundRect" r:blip="">
+            <dgm:adjLst/>
+          </dgm:shape>
+          <dgm:presOf axis="self" ptType="node"/>
+          <dgm:constrLst>
+            <dgm:constr type="tMarg"/>
+            <dgm:constr type="bMarg"/>
+          </dgm:constrLst>
+          <dgm:ruleLst/>
+        </dgm:layoutNode>
+      </dgm:layoutNode>
+      <dgm:layoutNode name="negativeSpace">
+        <dgm:alg type="sp"/>
+        <dgm:shape xmlns:r="http://schemas.openxmlformats.org/officeDocument/2006/relationships" r:blip="">
+          <dgm:adjLst/>
+        </dgm:shape>
+        <dgm:presOf/>
+        <dgm:constrLst/>
+        <dgm:ruleLst/>
+      </dgm:layoutNode>
+      <dgm:layoutNode name="childText" styleLbl="conFgAcc1">
+        <dgm:varLst>
+          <dgm:bulletEnabled val="1"/>
+        </dgm:varLst>
+        <dgm:alg type="tx">
+          <dgm:param type="stBulletLvl" val="1"/>
+        </dgm:alg>
+        <dgm:shape xmlns:r="http://schemas.openxmlformats.org/officeDocument/2006/relationships" type="rect" r:blip="" zOrderOff="-2">
+          <dgm:adjLst/>
+        </dgm:shape>
+        <dgm:presOf axis="des" ptType="node"/>
+        <dgm:constrLst>
+          <dgm:constr type="secFontSz" refType="primFontSz"/>
+        </dgm:constrLst>
+        <dgm:ruleLst>
+          <dgm:rule type="h" val="INF" fact="NaN" max="NaN"/>
+        </dgm:ruleLst>
+      </dgm:layoutNode>
+      <dgm:forEach name="Name10" axis="followSib" ptType="sibTrans" cnt="1">
+        <dgm:layoutNode name="spaceBetweenRectangles">
+          <dgm:alg type="sp"/>
+          <dgm:shape xmlns:r="http://schemas.openxmlformats.org/officeDocument/2006/relationships" r:blip="">
+            <dgm:adjLst/>
+          </dgm:shape>
+          <dgm:presOf/>
+          <dgm:constrLst/>
+          <dgm:ruleLst/>
+        </dgm:layoutNode>
+      </dgm:forEach>
+    </dgm:forEach>
+  </dgm:layoutNode>
+</dgm:layoutDef>
+</file>
+
 <file path=ppt/diagrams/quickStyle1.xml><?xml version="1.0" encoding="utf-8"?>
 <dgm:styleDef xmlns:dgm="http://schemas.openxmlformats.org/drawingml/2006/diagram" xmlns:a="http://schemas.openxmlformats.org/drawingml/2006/main" uniqueId="urn:microsoft.com/office/officeart/2005/8/quickstyle/simple1">
   <dgm:title val=""/>
@@ -9300,6 +12895,1040 @@
 </file>
 
 <file path=ppt/diagrams/quickStyle4.xml><?xml version="1.0" encoding="utf-8"?>
+<dgm:styleDef xmlns:dgm="http://schemas.openxmlformats.org/drawingml/2006/diagram" xmlns:a="http://schemas.openxmlformats.org/drawingml/2006/main" uniqueId="urn:microsoft.com/office/officeart/2005/8/quickstyle/simple1">
+  <dgm:title val=""/>
+  <dgm:desc val=""/>
+  <dgm:catLst>
+    <dgm:cat type="simple" pri="10100"/>
+  </dgm:catLst>
+  <dgm:scene3d>
+    <a:camera prst="orthographicFront"/>
+    <a:lightRig rig="threePt" dir="t"/>
+  </dgm:scene3d>
+  <dgm:styleLbl name="node0">
+    <dgm:scene3d>
+      <a:camera prst="orthographicFront"/>
+      <a:lightRig rig="threePt" dir="t"/>
+    </dgm:scene3d>
+    <dgm:sp3d/>
+    <dgm:txPr/>
+    <dgm:style>
+      <a:lnRef idx="2">
+        <a:scrgbClr r="0" g="0" b="0"/>
+      </a:lnRef>
+      <a:fillRef idx="1">
+        <a:scrgbClr r="0" g="0" b="0"/>
+      </a:fillRef>
+      <a:effectRef idx="0">
+        <a:scrgbClr r="0" g="0" b="0"/>
+      </a:effectRef>
+      <a:fontRef idx="minor">
+        <a:schemeClr val="lt1"/>
+      </a:fontRef>
+    </dgm:style>
+  </dgm:styleLbl>
+  <dgm:styleLbl name="lnNode1">
+    <dgm:scene3d>
+      <a:camera prst="orthographicFront"/>
+      <a:lightRig rig="threePt" dir="t"/>
+    </dgm:scene3d>
+    <dgm:sp3d/>
+    <dgm:txPr/>
+    <dgm:style>
+      <a:lnRef idx="2">
+        <a:scrgbClr r="0" g="0" b="0"/>
+      </a:lnRef>
+      <a:fillRef idx="1">
+        <a:scrgbClr r="0" g="0" b="0"/>
+      </a:fillRef>
+      <a:effectRef idx="0">
+        <a:scrgbClr r="0" g="0" b="0"/>
+      </a:effectRef>
+      <a:fontRef idx="minor">
+        <a:schemeClr val="lt1"/>
+      </a:fontRef>
+    </dgm:style>
+  </dgm:styleLbl>
+  <dgm:styleLbl name="vennNode1">
+    <dgm:scene3d>
+      <a:camera prst="orthographicFront"/>
+      <a:lightRig rig="threePt" dir="t"/>
+    </dgm:scene3d>
+    <dgm:sp3d/>
+    <dgm:txPr/>
+    <dgm:style>
+      <a:lnRef idx="2">
+        <a:scrgbClr r="0" g="0" b="0"/>
+      </a:lnRef>
+      <a:fillRef idx="1">
+        <a:scrgbClr r="0" g="0" b="0"/>
+      </a:fillRef>
+      <a:effectRef idx="0">
+        <a:scrgbClr r="0" g="0" b="0"/>
+      </a:effectRef>
+      <a:fontRef idx="minor">
+        <a:schemeClr val="tx1"/>
+      </a:fontRef>
+    </dgm:style>
+  </dgm:styleLbl>
+  <dgm:styleLbl name="alignNode1">
+    <dgm:scene3d>
+      <a:camera prst="orthographicFront"/>
+      <a:lightRig rig="threePt" dir="t"/>
+    </dgm:scene3d>
+    <dgm:sp3d/>
+    <dgm:txPr/>
+    <dgm:style>
+      <a:lnRef idx="2">
+        <a:scrgbClr r="0" g="0" b="0"/>
+      </a:lnRef>
+      <a:fillRef idx="1">
+        <a:scrgbClr r="0" g="0" b="0"/>
+      </a:fillRef>
+      <a:effectRef idx="0">
+        <a:scrgbClr r="0" g="0" b="0"/>
+      </a:effectRef>
+      <a:fontRef idx="minor">
+        <a:schemeClr val="lt1"/>
+      </a:fontRef>
+    </dgm:style>
+  </dgm:styleLbl>
+  <dgm:styleLbl name="node1">
+    <dgm:scene3d>
+      <a:camera prst="orthographicFront"/>
+      <a:lightRig rig="threePt" dir="t"/>
+    </dgm:scene3d>
+    <dgm:sp3d/>
+    <dgm:txPr/>
+    <dgm:style>
+      <a:lnRef idx="2">
+        <a:scrgbClr r="0" g="0" b="0"/>
+      </a:lnRef>
+      <a:fillRef idx="1">
+        <a:scrgbClr r="0" g="0" b="0"/>
+      </a:fillRef>
+      <a:effectRef idx="0">
+        <a:scrgbClr r="0" g="0" b="0"/>
+      </a:effectRef>
+      <a:fontRef idx="minor">
+        <a:schemeClr val="lt1"/>
+      </a:fontRef>
+    </dgm:style>
+  </dgm:styleLbl>
+  <dgm:styleLbl name="node2">
+    <dgm:scene3d>
+      <a:camera prst="orthographicFront"/>
+      <a:lightRig rig="threePt" dir="t"/>
+    </dgm:scene3d>
+    <dgm:sp3d/>
+    <dgm:txPr/>
+    <dgm:style>
+      <a:lnRef idx="2">
+        <a:scrgbClr r="0" g="0" b="0"/>
+      </a:lnRef>
+      <a:fillRef idx="1">
+        <a:scrgbClr r="0" g="0" b="0"/>
+      </a:fillRef>
+      <a:effectRef idx="0">
+        <a:scrgbClr r="0" g="0" b="0"/>
+      </a:effectRef>
+      <a:fontRef idx="minor">
+        <a:schemeClr val="lt1"/>
+      </a:fontRef>
+    </dgm:style>
+  </dgm:styleLbl>
+  <dgm:styleLbl name="node3">
+    <dgm:scene3d>
+      <a:camera prst="orthographicFront"/>
+      <a:lightRig rig="threePt" dir="t"/>
+    </dgm:scene3d>
+    <dgm:sp3d/>
+    <dgm:txPr/>
+    <dgm:style>
+      <a:lnRef idx="2">
+        <a:scrgbClr r="0" g="0" b="0"/>
+      </a:lnRef>
+      <a:fillRef idx="1">
+        <a:scrgbClr r="0" g="0" b="0"/>
+      </a:fillRef>
+      <a:effectRef idx="0">
+        <a:scrgbClr r="0" g="0" b="0"/>
+      </a:effectRef>
+      <a:fontRef idx="minor">
+        <a:schemeClr val="lt1"/>
+      </a:fontRef>
+    </dgm:style>
+  </dgm:styleLbl>
+  <dgm:styleLbl name="node4">
+    <dgm:scene3d>
+      <a:camera prst="orthographicFront"/>
+      <a:lightRig rig="threePt" dir="t"/>
+    </dgm:scene3d>
+    <dgm:sp3d/>
+    <dgm:txPr/>
+    <dgm:style>
+      <a:lnRef idx="2">
+        <a:scrgbClr r="0" g="0" b="0"/>
+      </a:lnRef>
+      <a:fillRef idx="1">
+        <a:scrgbClr r="0" g="0" b="0"/>
+      </a:fillRef>
+      <a:effectRef idx="0">
+        <a:scrgbClr r="0" g="0" b="0"/>
+      </a:effectRef>
+      <a:fontRef idx="minor">
+        <a:schemeClr val="lt1"/>
+      </a:fontRef>
+    </dgm:style>
+  </dgm:styleLbl>
+  <dgm:styleLbl name="fgImgPlace1">
+    <dgm:scene3d>
+      <a:camera prst="orthographicFront"/>
+      <a:lightRig rig="threePt" dir="t"/>
+    </dgm:scene3d>
+    <dgm:sp3d/>
+    <dgm:txPr/>
+    <dgm:style>
+      <a:lnRef idx="2">
+        <a:scrgbClr r="0" g="0" b="0"/>
+      </a:lnRef>
+      <a:fillRef idx="1">
+        <a:scrgbClr r="0" g="0" b="0"/>
+      </a:fillRef>
+      <a:effectRef idx="0">
+        <a:scrgbClr r="0" g="0" b="0"/>
+      </a:effectRef>
+      <a:fontRef idx="minor"/>
+    </dgm:style>
+  </dgm:styleLbl>
+  <dgm:styleLbl name="alignImgPlace1">
+    <dgm:scene3d>
+      <a:camera prst="orthographicFront"/>
+      <a:lightRig rig="threePt" dir="t"/>
+    </dgm:scene3d>
+    <dgm:sp3d/>
+    <dgm:txPr/>
+    <dgm:style>
+      <a:lnRef idx="2">
+        <a:scrgbClr r="0" g="0" b="0"/>
+      </a:lnRef>
+      <a:fillRef idx="1">
+        <a:scrgbClr r="0" g="0" b="0"/>
+      </a:fillRef>
+      <a:effectRef idx="0">
+        <a:scrgbClr r="0" g="0" b="0"/>
+      </a:effectRef>
+      <a:fontRef idx="minor"/>
+    </dgm:style>
+  </dgm:styleLbl>
+  <dgm:styleLbl name="bgImgPlace1">
+    <dgm:scene3d>
+      <a:camera prst="orthographicFront"/>
+      <a:lightRig rig="threePt" dir="t"/>
+    </dgm:scene3d>
+    <dgm:sp3d/>
+    <dgm:txPr/>
+    <dgm:style>
+      <a:lnRef idx="2">
+        <a:scrgbClr r="0" g="0" b="0"/>
+      </a:lnRef>
+      <a:fillRef idx="1">
+        <a:scrgbClr r="0" g="0" b="0"/>
+      </a:fillRef>
+      <a:effectRef idx="0">
+        <a:scrgbClr r="0" g="0" b="0"/>
+      </a:effectRef>
+      <a:fontRef idx="minor"/>
+    </dgm:style>
+  </dgm:styleLbl>
+  <dgm:styleLbl name="sibTrans2D1">
+    <dgm:scene3d>
+      <a:camera prst="orthographicFront"/>
+      <a:lightRig rig="threePt" dir="t"/>
+    </dgm:scene3d>
+    <dgm:sp3d/>
+    <dgm:txPr/>
+    <dgm:style>
+      <a:lnRef idx="0">
+        <a:scrgbClr r="0" g="0" b="0"/>
+      </a:lnRef>
+      <a:fillRef idx="1">
+        <a:scrgbClr r="0" g="0" b="0"/>
+      </a:fillRef>
+      <a:effectRef idx="0">
+        <a:scrgbClr r="0" g="0" b="0"/>
+      </a:effectRef>
+      <a:fontRef idx="minor">
+        <a:schemeClr val="lt1"/>
+      </a:fontRef>
+    </dgm:style>
+  </dgm:styleLbl>
+  <dgm:styleLbl name="fgSibTrans2D1">
+    <dgm:scene3d>
+      <a:camera prst="orthographicFront"/>
+      <a:lightRig rig="threePt" dir="t"/>
+    </dgm:scene3d>
+    <dgm:sp3d/>
+    <dgm:txPr/>
+    <dgm:style>
+      <a:lnRef idx="0">
+        <a:scrgbClr r="0" g="0" b="0"/>
+      </a:lnRef>
+      <a:fillRef idx="1">
+        <a:scrgbClr r="0" g="0" b="0"/>
+      </a:fillRef>
+      <a:effectRef idx="0">
+        <a:scrgbClr r="0" g="0" b="0"/>
+      </a:effectRef>
+      <a:fontRef idx="minor">
+        <a:schemeClr val="lt1"/>
+      </a:fontRef>
+    </dgm:style>
+  </dgm:styleLbl>
+  <dgm:styleLbl name="bgSibTrans2D1">
+    <dgm:scene3d>
+      <a:camera prst="orthographicFront"/>
+      <a:lightRig rig="threePt" dir="t"/>
+    </dgm:scene3d>
+    <dgm:sp3d/>
+    <dgm:txPr/>
+    <dgm:style>
+      <a:lnRef idx="0">
+        <a:scrgbClr r="0" g="0" b="0"/>
+      </a:lnRef>
+      <a:fillRef idx="1">
+        <a:scrgbClr r="0" g="0" b="0"/>
+      </a:fillRef>
+      <a:effectRef idx="0">
+        <a:scrgbClr r="0" g="0" b="0"/>
+      </a:effectRef>
+      <a:fontRef idx="minor">
+        <a:schemeClr val="lt1"/>
+      </a:fontRef>
+    </dgm:style>
+  </dgm:styleLbl>
+  <dgm:styleLbl name="sibTrans1D1">
+    <dgm:scene3d>
+      <a:camera prst="orthographicFront"/>
+      <a:lightRig rig="threePt" dir="t"/>
+    </dgm:scene3d>
+    <dgm:sp3d/>
+    <dgm:txPr/>
+    <dgm:style>
+      <a:lnRef idx="1">
+        <a:scrgbClr r="0" g="0" b="0"/>
+      </a:lnRef>
+      <a:fillRef idx="0">
+        <a:scrgbClr r="0" g="0" b="0"/>
+      </a:fillRef>
+      <a:effectRef idx="0">
+        <a:scrgbClr r="0" g="0" b="0"/>
+      </a:effectRef>
+      <a:fontRef idx="minor"/>
+    </dgm:style>
+  </dgm:styleLbl>
+  <dgm:styleLbl name="callout">
+    <dgm:scene3d>
+      <a:camera prst="orthographicFront"/>
+      <a:lightRig rig="threePt" dir="t"/>
+    </dgm:scene3d>
+    <dgm:sp3d/>
+    <dgm:txPr/>
+    <dgm:style>
+      <a:lnRef idx="2">
+        <a:scrgbClr r="0" g="0" b="0"/>
+      </a:lnRef>
+      <a:fillRef idx="1">
+        <a:scrgbClr r="0" g="0" b="0"/>
+      </a:fillRef>
+      <a:effectRef idx="0">
+        <a:scrgbClr r="0" g="0" b="0"/>
+      </a:effectRef>
+      <a:fontRef idx="minor"/>
+    </dgm:style>
+  </dgm:styleLbl>
+  <dgm:styleLbl name="asst0">
+    <dgm:scene3d>
+      <a:camera prst="orthographicFront"/>
+      <a:lightRig rig="threePt" dir="t"/>
+    </dgm:scene3d>
+    <dgm:sp3d/>
+    <dgm:txPr/>
+    <dgm:style>
+      <a:lnRef idx="2">
+        <a:scrgbClr r="0" g="0" b="0"/>
+      </a:lnRef>
+      <a:fillRef idx="1">
+        <a:scrgbClr r="0" g="0" b="0"/>
+      </a:fillRef>
+      <a:effectRef idx="0">
+        <a:scrgbClr r="0" g="0" b="0"/>
+      </a:effectRef>
+      <a:fontRef idx="minor">
+        <a:schemeClr val="lt1"/>
+      </a:fontRef>
+    </dgm:style>
+  </dgm:styleLbl>
+  <dgm:styleLbl name="asst1">
+    <dgm:scene3d>
+      <a:camera prst="orthographicFront"/>
+      <a:lightRig rig="threePt" dir="t"/>
+    </dgm:scene3d>
+    <dgm:sp3d/>
+    <dgm:txPr/>
+    <dgm:style>
+      <a:lnRef idx="2">
+        <a:scrgbClr r="0" g="0" b="0"/>
+      </a:lnRef>
+      <a:fillRef idx="1">
+        <a:scrgbClr r="0" g="0" b="0"/>
+      </a:fillRef>
+      <a:effectRef idx="0">
+        <a:scrgbClr r="0" g="0" b="0"/>
+      </a:effectRef>
+      <a:fontRef idx="minor">
+        <a:schemeClr val="lt1"/>
+      </a:fontRef>
+    </dgm:style>
+  </dgm:styleLbl>
+  <dgm:styleLbl name="asst2">
+    <dgm:scene3d>
+      <a:camera prst="orthographicFront"/>
+      <a:lightRig rig="threePt" dir="t"/>
+    </dgm:scene3d>
+    <dgm:sp3d/>
+    <dgm:txPr/>
+    <dgm:style>
+      <a:lnRef idx="2">
+        <a:scrgbClr r="0" g="0" b="0"/>
+      </a:lnRef>
+      <a:fillRef idx="1">
+        <a:scrgbClr r="0" g="0" b="0"/>
+      </a:fillRef>
+      <a:effectRef idx="0">
+        <a:scrgbClr r="0" g="0" b="0"/>
+      </a:effectRef>
+      <a:fontRef idx="minor">
+        <a:schemeClr val="lt1"/>
+      </a:fontRef>
+    </dgm:style>
+  </dgm:styleLbl>
+  <dgm:styleLbl name="asst3">
+    <dgm:scene3d>
+      <a:camera prst="orthographicFront"/>
+      <a:lightRig rig="threePt" dir="t"/>
+    </dgm:scene3d>
+    <dgm:sp3d/>
+    <dgm:txPr/>
+    <dgm:style>
+      <a:lnRef idx="2">
+        <a:scrgbClr r="0" g="0" b="0"/>
+      </a:lnRef>
+      <a:fillRef idx="1">
+        <a:scrgbClr r="0" g="0" b="0"/>
+      </a:fillRef>
+      <a:effectRef idx="0">
+        <a:scrgbClr r="0" g="0" b="0"/>
+      </a:effectRef>
+      <a:fontRef idx="minor">
+        <a:schemeClr val="lt1"/>
+      </a:fontRef>
+    </dgm:style>
+  </dgm:styleLbl>
+  <dgm:styleLbl name="asst4">
+    <dgm:scene3d>
+      <a:camera prst="orthographicFront"/>
+      <a:lightRig rig="threePt" dir="t"/>
+    </dgm:scene3d>
+    <dgm:sp3d/>
+    <dgm:txPr/>
+    <dgm:style>
+      <a:lnRef idx="2">
+        <a:scrgbClr r="0" g="0" b="0"/>
+      </a:lnRef>
+      <a:fillRef idx="1">
+        <a:scrgbClr r="0" g="0" b="0"/>
+      </a:fillRef>
+      <a:effectRef idx="0">
+        <a:scrgbClr r="0" g="0" b="0"/>
+      </a:effectRef>
+      <a:fontRef idx="minor">
+        <a:schemeClr val="lt1"/>
+      </a:fontRef>
+    </dgm:style>
+  </dgm:styleLbl>
+  <dgm:styleLbl name="parChTrans2D1">
+    <dgm:scene3d>
+      <a:camera prst="orthographicFront"/>
+      <a:lightRig rig="threePt" dir="t"/>
+    </dgm:scene3d>
+    <dgm:sp3d/>
+    <dgm:txPr/>
+    <dgm:style>
+      <a:lnRef idx="2">
+        <a:scrgbClr r="0" g="0" b="0"/>
+      </a:lnRef>
+      <a:fillRef idx="1">
+        <a:scrgbClr r="0" g="0" b="0"/>
+      </a:fillRef>
+      <a:effectRef idx="0">
+        <a:scrgbClr r="0" g="0" b="0"/>
+      </a:effectRef>
+      <a:fontRef idx="minor">
+        <a:schemeClr val="lt1"/>
+      </a:fontRef>
+    </dgm:style>
+  </dgm:styleLbl>
+  <dgm:styleLbl name="parChTrans2D2">
+    <dgm:scene3d>
+      <a:camera prst="orthographicFront"/>
+      <a:lightRig rig="threePt" dir="t"/>
+    </dgm:scene3d>
+    <dgm:sp3d/>
+    <dgm:txPr/>
+    <dgm:style>
+      <a:lnRef idx="2">
+        <a:scrgbClr r="0" g="0" b="0"/>
+      </a:lnRef>
+      <a:fillRef idx="1">
+        <a:scrgbClr r="0" g="0" b="0"/>
+      </a:fillRef>
+      <a:effectRef idx="0">
+        <a:scrgbClr r="0" g="0" b="0"/>
+      </a:effectRef>
+      <a:fontRef idx="minor">
+        <a:schemeClr val="lt1"/>
+      </a:fontRef>
+    </dgm:style>
+  </dgm:styleLbl>
+  <dgm:styleLbl name="parChTrans2D3">
+    <dgm:scene3d>
+      <a:camera prst="orthographicFront"/>
+      <a:lightRig rig="threePt" dir="t"/>
+    </dgm:scene3d>
+    <dgm:sp3d/>
+    <dgm:txPr/>
+    <dgm:style>
+      <a:lnRef idx="2">
+        <a:scrgbClr r="0" g="0" b="0"/>
+      </a:lnRef>
+      <a:fillRef idx="1">
+        <a:scrgbClr r="0" g="0" b="0"/>
+      </a:fillRef>
+      <a:effectRef idx="0">
+        <a:scrgbClr r="0" g="0" b="0"/>
+      </a:effectRef>
+      <a:fontRef idx="minor">
+        <a:schemeClr val="lt1"/>
+      </a:fontRef>
+    </dgm:style>
+  </dgm:styleLbl>
+  <dgm:styleLbl name="parChTrans2D4">
+    <dgm:scene3d>
+      <a:camera prst="orthographicFront"/>
+      <a:lightRig rig="threePt" dir="t"/>
+    </dgm:scene3d>
+    <dgm:sp3d/>
+    <dgm:txPr/>
+    <dgm:style>
+      <a:lnRef idx="2">
+        <a:scrgbClr r="0" g="0" b="0"/>
+      </a:lnRef>
+      <a:fillRef idx="1">
+        <a:scrgbClr r="0" g="0" b="0"/>
+      </a:fillRef>
+      <a:effectRef idx="0">
+        <a:scrgbClr r="0" g="0" b="0"/>
+      </a:effectRef>
+      <a:fontRef idx="minor">
+        <a:schemeClr val="lt1"/>
+      </a:fontRef>
+    </dgm:style>
+  </dgm:styleLbl>
+  <dgm:styleLbl name="parChTrans1D1">
+    <dgm:scene3d>
+      <a:camera prst="orthographicFront"/>
+      <a:lightRig rig="threePt" dir="t"/>
+    </dgm:scene3d>
+    <dgm:sp3d/>
+    <dgm:txPr/>
+    <dgm:style>
+      <a:lnRef idx="2">
+        <a:scrgbClr r="0" g="0" b="0"/>
+      </a:lnRef>
+      <a:fillRef idx="0">
+        <a:scrgbClr r="0" g="0" b="0"/>
+      </a:fillRef>
+      <a:effectRef idx="0">
+        <a:scrgbClr r="0" g="0" b="0"/>
+      </a:effectRef>
+      <a:fontRef idx="minor"/>
+    </dgm:style>
+  </dgm:styleLbl>
+  <dgm:styleLbl name="parChTrans1D2">
+    <dgm:scene3d>
+      <a:camera prst="orthographicFront"/>
+      <a:lightRig rig="threePt" dir="t"/>
+    </dgm:scene3d>
+    <dgm:sp3d/>
+    <dgm:txPr/>
+    <dgm:style>
+      <a:lnRef idx="2">
+        <a:scrgbClr r="0" g="0" b="0"/>
+      </a:lnRef>
+      <a:fillRef idx="0">
+        <a:scrgbClr r="0" g="0" b="0"/>
+      </a:fillRef>
+      <a:effectRef idx="0">
+        <a:scrgbClr r="0" g="0" b="0"/>
+      </a:effectRef>
+      <a:fontRef idx="minor"/>
+    </dgm:style>
+  </dgm:styleLbl>
+  <dgm:styleLbl name="parChTrans1D3">
+    <dgm:scene3d>
+      <a:camera prst="orthographicFront"/>
+      <a:lightRig rig="threePt" dir="t"/>
+    </dgm:scene3d>
+    <dgm:sp3d/>
+    <dgm:txPr/>
+    <dgm:style>
+      <a:lnRef idx="2">
+        <a:scrgbClr r="0" g="0" b="0"/>
+      </a:lnRef>
+      <a:fillRef idx="0">
+        <a:scrgbClr r="0" g="0" b="0"/>
+      </a:fillRef>
+      <a:effectRef idx="0">
+        <a:scrgbClr r="0" g="0" b="0"/>
+      </a:effectRef>
+      <a:fontRef idx="minor"/>
+    </dgm:style>
+  </dgm:styleLbl>
+  <dgm:styleLbl name="parChTrans1D4">
+    <dgm:scene3d>
+      <a:camera prst="orthographicFront"/>
+      <a:lightRig rig="threePt" dir="t"/>
+    </dgm:scene3d>
+    <dgm:sp3d/>
+    <dgm:txPr/>
+    <dgm:style>
+      <a:lnRef idx="2">
+        <a:scrgbClr r="0" g="0" b="0"/>
+      </a:lnRef>
+      <a:fillRef idx="0">
+        <a:scrgbClr r="0" g="0" b="0"/>
+      </a:fillRef>
+      <a:effectRef idx="0">
+        <a:scrgbClr r="0" g="0" b="0"/>
+      </a:effectRef>
+      <a:fontRef idx="minor"/>
+    </dgm:style>
+  </dgm:styleLbl>
+  <dgm:styleLbl name="fgAcc1">
+    <dgm:scene3d>
+      <a:camera prst="orthographicFront"/>
+      <a:lightRig rig="threePt" dir="t"/>
+    </dgm:scene3d>
+    <dgm:sp3d/>
+    <dgm:txPr/>
+    <dgm:style>
+      <a:lnRef idx="2">
+        <a:scrgbClr r="0" g="0" b="0"/>
+      </a:lnRef>
+      <a:fillRef idx="1">
+        <a:scrgbClr r="0" g="0" b="0"/>
+      </a:fillRef>
+      <a:effectRef idx="0">
+        <a:scrgbClr r="0" g="0" b="0"/>
+      </a:effectRef>
+      <a:fontRef idx="minor"/>
+    </dgm:style>
+  </dgm:styleLbl>
+  <dgm:styleLbl name="conFgAcc1">
+    <dgm:scene3d>
+      <a:camera prst="orthographicFront"/>
+      <a:lightRig rig="threePt" dir="t"/>
+    </dgm:scene3d>
+    <dgm:sp3d/>
+    <dgm:txPr/>
+    <dgm:style>
+      <a:lnRef idx="2">
+        <a:scrgbClr r="0" g="0" b="0"/>
+      </a:lnRef>
+      <a:fillRef idx="1">
+        <a:scrgbClr r="0" g="0" b="0"/>
+      </a:fillRef>
+      <a:effectRef idx="0">
+        <a:scrgbClr r="0" g="0" b="0"/>
+      </a:effectRef>
+      <a:fontRef idx="minor"/>
+    </dgm:style>
+  </dgm:styleLbl>
+  <dgm:styleLbl name="alignAcc1">
+    <dgm:scene3d>
+      <a:camera prst="orthographicFront"/>
+      <a:lightRig rig="threePt" dir="t"/>
+    </dgm:scene3d>
+    <dgm:sp3d/>
+    <dgm:txPr/>
+    <dgm:style>
+      <a:lnRef idx="2">
+        <a:scrgbClr r="0" g="0" b="0"/>
+      </a:lnRef>
+      <a:fillRef idx="1">
+        <a:scrgbClr r="0" g="0" b="0"/>
+      </a:fillRef>
+      <a:effectRef idx="0">
+        <a:scrgbClr r="0" g="0" b="0"/>
+      </a:effectRef>
+      <a:fontRef idx="minor"/>
+    </dgm:style>
+  </dgm:styleLbl>
+  <dgm:styleLbl name="trAlignAcc1">
+    <dgm:scene3d>
+      <a:camera prst="orthographicFront"/>
+      <a:lightRig rig="threePt" dir="t"/>
+    </dgm:scene3d>
+    <dgm:sp3d/>
+    <dgm:txPr/>
+    <dgm:style>
+      <a:lnRef idx="1">
+        <a:scrgbClr r="0" g="0" b="0"/>
+      </a:lnRef>
+      <a:fillRef idx="1">
+        <a:scrgbClr r="0" g="0" b="0"/>
+      </a:fillRef>
+      <a:effectRef idx="0">
+        <a:scrgbClr r="0" g="0" b="0"/>
+      </a:effectRef>
+      <a:fontRef idx="minor"/>
+    </dgm:style>
+  </dgm:styleLbl>
+  <dgm:styleLbl name="bgAcc1">
+    <dgm:scene3d>
+      <a:camera prst="orthographicFront"/>
+      <a:lightRig rig="threePt" dir="t"/>
+    </dgm:scene3d>
+    <dgm:sp3d/>
+    <dgm:txPr/>
+    <dgm:style>
+      <a:lnRef idx="2">
+        <a:scrgbClr r="0" g="0" b="0"/>
+      </a:lnRef>
+      <a:fillRef idx="1">
+        <a:scrgbClr r="0" g="0" b="0"/>
+      </a:fillRef>
+      <a:effectRef idx="0">
+        <a:scrgbClr r="0" g="0" b="0"/>
+      </a:effectRef>
+      <a:fontRef idx="minor"/>
+    </dgm:style>
+  </dgm:styleLbl>
+  <dgm:styleLbl name="solidFgAcc1">
+    <dgm:scene3d>
+      <a:camera prst="orthographicFront"/>
+      <a:lightRig rig="threePt" dir="t"/>
+    </dgm:scene3d>
+    <dgm:sp3d/>
+    <dgm:txPr/>
+    <dgm:style>
+      <a:lnRef idx="2">
+        <a:scrgbClr r="0" g="0" b="0"/>
+      </a:lnRef>
+      <a:fillRef idx="1">
+        <a:scrgbClr r="0" g="0" b="0"/>
+      </a:fillRef>
+      <a:effectRef idx="0">
+        <a:scrgbClr r="0" g="0" b="0"/>
+      </a:effectRef>
+      <a:fontRef idx="minor"/>
+    </dgm:style>
+  </dgm:styleLbl>
+  <dgm:styleLbl name="solidAlignAcc1">
+    <dgm:scene3d>
+      <a:camera prst="orthographicFront"/>
+      <a:lightRig rig="threePt" dir="t"/>
+    </dgm:scene3d>
+    <dgm:sp3d/>
+    <dgm:txPr/>
+    <dgm:style>
+      <a:lnRef idx="2">
+        <a:scrgbClr r="0" g="0" b="0"/>
+      </a:lnRef>
+      <a:fillRef idx="1">
+        <a:scrgbClr r="0" g="0" b="0"/>
+      </a:fillRef>
+      <a:effectRef idx="0">
+        <a:scrgbClr r="0" g="0" b="0"/>
+      </a:effectRef>
+      <a:fontRef idx="minor"/>
+    </dgm:style>
+  </dgm:styleLbl>
+  <dgm:styleLbl name="solidBgAcc1">
+    <dgm:scene3d>
+      <a:camera prst="orthographicFront"/>
+      <a:lightRig rig="threePt" dir="t"/>
+    </dgm:scene3d>
+    <dgm:sp3d/>
+    <dgm:txPr/>
+    <dgm:style>
+      <a:lnRef idx="2">
+        <a:scrgbClr r="0" g="0" b="0"/>
+      </a:lnRef>
+      <a:fillRef idx="1">
+        <a:scrgbClr r="0" g="0" b="0"/>
+      </a:fillRef>
+      <a:effectRef idx="0">
+        <a:scrgbClr r="0" g="0" b="0"/>
+      </a:effectRef>
+      <a:fontRef idx="minor"/>
+    </dgm:style>
+  </dgm:styleLbl>
+  <dgm:styleLbl name="fgAccFollowNode1">
+    <dgm:scene3d>
+      <a:camera prst="orthographicFront"/>
+      <a:lightRig rig="threePt" dir="t"/>
+    </dgm:scene3d>
+    <dgm:sp3d/>
+    <dgm:txPr/>
+    <dgm:style>
+      <a:lnRef idx="2">
+        <a:scrgbClr r="0" g="0" b="0"/>
+      </a:lnRef>
+      <a:fillRef idx="1">
+        <a:scrgbClr r="0" g="0" b="0"/>
+      </a:fillRef>
+      <a:effectRef idx="0">
+        <a:scrgbClr r="0" g="0" b="0"/>
+      </a:effectRef>
+      <a:fontRef idx="minor"/>
+    </dgm:style>
+  </dgm:styleLbl>
+  <dgm:styleLbl name="alignAccFollowNode1">
+    <dgm:scene3d>
+      <a:camera prst="orthographicFront"/>
+      <a:lightRig rig="threePt" dir="t"/>
+    </dgm:scene3d>
+    <dgm:sp3d/>
+    <dgm:txPr/>
+    <dgm:style>
+      <a:lnRef idx="2">
+        <a:scrgbClr r="0" g="0" b="0"/>
+      </a:lnRef>
+      <a:fillRef idx="1">
+        <a:scrgbClr r="0" g="0" b="0"/>
+      </a:fillRef>
+      <a:effectRef idx="0">
+        <a:scrgbClr r="0" g="0" b="0"/>
+      </a:effectRef>
+      <a:fontRef idx="minor"/>
+    </dgm:style>
+  </dgm:styleLbl>
+  <dgm:styleLbl name="bgAccFollowNode1">
+    <dgm:scene3d>
+      <a:camera prst="orthographicFront"/>
+      <a:lightRig rig="threePt" dir="t"/>
+    </dgm:scene3d>
+    <dgm:sp3d/>
+    <dgm:txPr/>
+    <dgm:style>
+      <a:lnRef idx="2">
+        <a:scrgbClr r="0" g="0" b="0"/>
+      </a:lnRef>
+      <a:fillRef idx="1">
+        <a:scrgbClr r="0" g="0" b="0"/>
+      </a:fillRef>
+      <a:effectRef idx="0">
+        <a:scrgbClr r="0" g="0" b="0"/>
+      </a:effectRef>
+      <a:fontRef idx="minor"/>
+    </dgm:style>
+  </dgm:styleLbl>
+  <dgm:styleLbl name="fgAcc0">
+    <dgm:scene3d>
+      <a:camera prst="orthographicFront"/>
+      <a:lightRig rig="threePt" dir="t"/>
+    </dgm:scene3d>
+    <dgm:sp3d/>
+    <dgm:txPr/>
+    <dgm:style>
+      <a:lnRef idx="2">
+        <a:scrgbClr r="0" g="0" b="0"/>
+      </a:lnRef>
+      <a:fillRef idx="1">
+        <a:scrgbClr r="0" g="0" b="0"/>
+      </a:fillRef>
+      <a:effectRef idx="0">
+        <a:scrgbClr r="0" g="0" b="0"/>
+      </a:effectRef>
+      <a:fontRef idx="minor"/>
+    </dgm:style>
+  </dgm:styleLbl>
+  <dgm:styleLbl name="fgAcc2">
+    <dgm:scene3d>
+      <a:camera prst="orthographicFront"/>
+      <a:lightRig rig="threePt" dir="t"/>
+    </dgm:scene3d>
+    <dgm:sp3d/>
+    <dgm:txPr/>
+    <dgm:style>
+      <a:lnRef idx="2">
+        <a:scrgbClr r="0" g="0" b="0"/>
+      </a:lnRef>
+      <a:fillRef idx="1">
+        <a:scrgbClr r="0" g="0" b="0"/>
+      </a:fillRef>
+      <a:effectRef idx="0">
+        <a:scrgbClr r="0" g="0" b="0"/>
+      </a:effectRef>
+      <a:fontRef idx="minor"/>
+    </dgm:style>
+  </dgm:styleLbl>
+  <dgm:styleLbl name="fgAcc3">
+    <dgm:scene3d>
+      <a:camera prst="orthographicFront"/>
+      <a:lightRig rig="threePt" dir="t"/>
+    </dgm:scene3d>
+    <dgm:sp3d/>
+    <dgm:txPr/>
+    <dgm:style>
+      <a:lnRef idx="2">
+        <a:scrgbClr r="0" g="0" b="0"/>
+      </a:lnRef>
+      <a:fillRef idx="1">
+        <a:scrgbClr r="0" g="0" b="0"/>
+      </a:fillRef>
+      <a:effectRef idx="0">
+        <a:scrgbClr r="0" g="0" b="0"/>
+      </a:effectRef>
+      <a:fontRef idx="minor"/>
+    </dgm:style>
+  </dgm:styleLbl>
+  <dgm:styleLbl name="fgAcc4">
+    <dgm:scene3d>
+      <a:camera prst="orthographicFront"/>
+      <a:lightRig rig="threePt" dir="t"/>
+    </dgm:scene3d>
+    <dgm:sp3d/>
+    <dgm:txPr/>
+    <dgm:style>
+      <a:lnRef idx="2">
+        <a:scrgbClr r="0" g="0" b="0"/>
+      </a:lnRef>
+      <a:fillRef idx="1">
+        <a:scrgbClr r="0" g="0" b="0"/>
+      </a:fillRef>
+      <a:effectRef idx="0">
+        <a:scrgbClr r="0" g="0" b="0"/>
+      </a:effectRef>
+      <a:fontRef idx="minor"/>
+    </dgm:style>
+  </dgm:styleLbl>
+  <dgm:styleLbl name="bgShp">
+    <dgm:scene3d>
+      <a:camera prst="orthographicFront"/>
+      <a:lightRig rig="threePt" dir="t"/>
+    </dgm:scene3d>
+    <dgm:sp3d/>
+    <dgm:txPr/>
+    <dgm:style>
+      <a:lnRef idx="0">
+        <a:scrgbClr r="0" g="0" b="0"/>
+      </a:lnRef>
+      <a:fillRef idx="1">
+        <a:scrgbClr r="0" g="0" b="0"/>
+      </a:fillRef>
+      <a:effectRef idx="0">
+        <a:scrgbClr r="0" g="0" b="0"/>
+      </a:effectRef>
+      <a:fontRef idx="minor"/>
+    </dgm:style>
+  </dgm:styleLbl>
+  <dgm:styleLbl name="dkBgShp">
+    <dgm:scene3d>
+      <a:camera prst="orthographicFront"/>
+      <a:lightRig rig="threePt" dir="t"/>
+    </dgm:scene3d>
+    <dgm:sp3d/>
+    <dgm:txPr/>
+    <dgm:style>
+      <a:lnRef idx="0">
+        <a:scrgbClr r="0" g="0" b="0"/>
+      </a:lnRef>
+      <a:fillRef idx="1">
+        <a:scrgbClr r="0" g="0" b="0"/>
+      </a:fillRef>
+      <a:effectRef idx="0">
+        <a:scrgbClr r="0" g="0" b="0"/>
+      </a:effectRef>
+      <a:fontRef idx="minor"/>
+    </dgm:style>
+  </dgm:styleLbl>
+  <dgm:styleLbl name="trBgShp">
+    <dgm:scene3d>
+      <a:camera prst="orthographicFront"/>
+      <a:lightRig rig="threePt" dir="t"/>
+    </dgm:scene3d>
+    <dgm:sp3d/>
+    <dgm:txPr/>
+    <dgm:style>
+      <a:lnRef idx="0">
+        <a:scrgbClr r="0" g="0" b="0"/>
+      </a:lnRef>
+      <a:fillRef idx="1">
+        <a:scrgbClr r="0" g="0" b="0"/>
+      </a:fillRef>
+      <a:effectRef idx="0">
+        <a:scrgbClr r="0" g="0" b="0"/>
+      </a:effectRef>
+      <a:fontRef idx="minor"/>
+    </dgm:style>
+  </dgm:styleLbl>
+  <dgm:styleLbl name="fgShp">
+    <dgm:scene3d>
+      <a:camera prst="orthographicFront"/>
+      <a:lightRig rig="threePt" dir="t"/>
+    </dgm:scene3d>
+    <dgm:sp3d/>
+    <dgm:txPr/>
+    <dgm:style>
+      <a:lnRef idx="2">
+        <a:scrgbClr r="0" g="0" b="0"/>
+      </a:lnRef>
+      <a:fillRef idx="1">
+        <a:scrgbClr r="0" g="0" b="0"/>
+      </a:fillRef>
+      <a:effectRef idx="0">
+        <a:scrgbClr r="0" g="0" b="0"/>
+      </a:effectRef>
+      <a:fontRef idx="minor"/>
+    </dgm:style>
+  </dgm:styleLbl>
+  <dgm:styleLbl name="revTx">
+    <dgm:scene3d>
+      <a:camera prst="orthographicFront"/>
+      <a:lightRig rig="threePt" dir="t"/>
+    </dgm:scene3d>
+    <dgm:sp3d/>
+    <dgm:txPr/>
+    <dgm:style>
+      <a:lnRef idx="0">
+        <a:scrgbClr r="0" g="0" b="0"/>
+      </a:lnRef>
+      <a:fillRef idx="0">
+        <a:scrgbClr r="0" g="0" b="0"/>
+      </a:fillRef>
+      <a:effectRef idx="0">
+        <a:scrgbClr r="0" g="0" b="0"/>
+      </a:effectRef>
+      <a:fontRef idx="minor"/>
+    </dgm:style>
+  </dgm:styleLbl>
+</dgm:styleDef>
+</file>
+
+<file path=ppt/diagrams/quickStyle5.xml><?xml version="1.0" encoding="utf-8"?>
 <dgm:styleDef xmlns:dgm="http://schemas.openxmlformats.org/drawingml/2006/diagram" xmlns:a="http://schemas.openxmlformats.org/drawingml/2006/main" uniqueId="urn:microsoft.com/office/officeart/2005/8/quickstyle/simple1">
   <dgm:title val=""/>
   <dgm:desc val=""/>
@@ -15072,370 +19701,6 @@
           <a:chExt cx="0" cy="0"/>
         </a:xfrm>
       </p:grpSpPr>
-      <mc:AlternateContent xmlns:mc="http://schemas.openxmlformats.org/markup-compatibility/2006" xmlns:a14="http://schemas.microsoft.com/office/drawing/2010/main">
-        <mc:Choice Requires="a14">
-          <p:sp>
-            <p:nvSpPr>
-              <p:cNvPr id="2" name="Title 1"/>
-              <p:cNvSpPr>
-                <a:spLocks noGrp="1"/>
-              </p:cNvSpPr>
-              <p:nvPr>
-                <p:ph type="title"/>
-              </p:nvPr>
-            </p:nvSpPr>
-            <p:spPr/>
-            <p:txBody>
-              <a:bodyPr/>
-              <a:lstStyle/>
-              <a:p>
-                <a:r>
-                  <a:rPr lang="en-IN" dirty="0" smtClean="0"/>
-                  <a:t>Issue with the alternative </a:t>
-                </a:r>
-                <a14:m>
-                  <m:oMath xmlns:m="http://schemas.openxmlformats.org/officeDocument/2006/math">
-                    <m:r>
-                      <a:rPr lang="en-IN" b="0" i="1" smtClean="0">
-                        <a:latin typeface="Cambria Math" panose="02040503050406030204" pitchFamily="18" charset="0"/>
-                      </a:rPr>
-                      <m:t>𝑝𝐷</m:t>
-                    </m:r>
-                  </m:oMath>
-                </a14:m>
-                <a:r>
-                  <a:rPr lang="en-IN" dirty="0" smtClean="0"/>
-                  <a:t> formula</a:t>
-                </a:r>
-                <a:endParaRPr lang="en-IN" dirty="0"/>
-              </a:p>
-            </p:txBody>
-          </p:sp>
-        </mc:Choice>
-        <mc:Fallback xmlns="">
-          <p:sp>
-            <p:nvSpPr>
-              <p:cNvPr id="2" name="Title 1"/>
-              <p:cNvSpPr>
-                <a:spLocks noGrp="1" noRot="1" noChangeAspect="1" noMove="1" noResize="1" noEditPoints="1" noAdjustHandles="1" noChangeArrowheads="1" noChangeShapeType="1" noTextEdit="1"/>
-              </p:cNvSpPr>
-              <p:nvPr>
-                <p:ph type="title"/>
-              </p:nvPr>
-            </p:nvSpPr>
-            <p:spPr>
-              <a:blipFill rotWithShape="0">
-                <a:blip r:embed="rId2"/>
-                <a:stretch>
-                  <a:fillRect l="-2121" b="-18487"/>
-                </a:stretch>
-              </a:blipFill>
-            </p:spPr>
-            <p:txBody>
-              <a:bodyPr/>
-              <a:lstStyle/>
-              <a:p>
-                <a:r>
-                  <a:rPr lang="en-IN">
-                    <a:noFill/>
-                  </a:rPr>
-                  <a:t> </a:t>
-                </a:r>
-              </a:p>
-            </p:txBody>
-          </p:sp>
-        </mc:Fallback>
-      </mc:AlternateContent>
-      <mc:AlternateContent xmlns:mc="http://schemas.openxmlformats.org/markup-compatibility/2006" xmlns:a14="http://schemas.microsoft.com/office/drawing/2010/main">
-        <mc:Choice Requires="a14">
-          <p:sp>
-            <p:nvSpPr>
-              <p:cNvPr id="3" name="Content Placeholder 2"/>
-              <p:cNvSpPr>
-                <a:spLocks noGrp="1"/>
-              </p:cNvSpPr>
-              <p:nvPr>
-                <p:ph idx="1"/>
-              </p:nvPr>
-            </p:nvSpPr>
-            <p:spPr/>
-            <p:txBody>
-              <a:bodyPr/>
-              <a:lstStyle/>
-              <a:p>
-                <a14:m>
-                  <m:oMath xmlns:m="http://schemas.openxmlformats.org/officeDocument/2006/math">
-                    <m:sSub>
-                      <m:sSubPr>
-                        <m:ctrlPr>
-                          <a:rPr lang="en-IN" i="1" smtClean="0">
-                            <a:latin typeface="Cambria Math" panose="02040503050406030204" pitchFamily="18" charset="0"/>
-                          </a:rPr>
-                        </m:ctrlPr>
-                      </m:sSubPr>
-                      <m:e>
-                        <m:r>
-                          <a:rPr lang="en-IN" i="1">
-                            <a:latin typeface="Cambria Math" panose="02040503050406030204" pitchFamily="18" charset="0"/>
-                          </a:rPr>
-                          <m:t>𝑝</m:t>
-                        </m:r>
-                      </m:e>
-                      <m:sub>
-                        <m:r>
-                          <a:rPr lang="en-IN" i="1">
-                            <a:latin typeface="Cambria Math" panose="02040503050406030204" pitchFamily="18" charset="0"/>
-                          </a:rPr>
-                          <m:t>𝐷</m:t>
-                        </m:r>
-                      </m:sub>
-                    </m:sSub>
-                    <m:r>
-                      <a:rPr lang="en-IN" i="1">
-                        <a:latin typeface="Cambria Math" panose="02040503050406030204" pitchFamily="18" charset="0"/>
-                      </a:rPr>
-                      <m:t>=</m:t>
-                    </m:r>
-                    <m:acc>
-                      <m:accPr>
-                        <m:chr m:val="̅"/>
-                        <m:ctrlPr>
-                          <a:rPr lang="en-IN" i="1">
-                            <a:latin typeface="Cambria Math" panose="02040503050406030204" pitchFamily="18" charset="0"/>
-                          </a:rPr>
-                        </m:ctrlPr>
-                      </m:accPr>
-                      <m:e>
-                        <m:r>
-                          <a:rPr lang="en-IN" i="1">
-                            <a:latin typeface="Cambria Math" panose="02040503050406030204" pitchFamily="18" charset="0"/>
-                          </a:rPr>
-                          <m:t>𝐷</m:t>
-                        </m:r>
-                        <m:r>
-                          <a:rPr lang="en-IN" i="1">
-                            <a:latin typeface="Cambria Math" panose="02040503050406030204" pitchFamily="18" charset="0"/>
-                          </a:rPr>
-                          <m:t>(</m:t>
-                        </m:r>
-                        <m:r>
-                          <a:rPr lang="en-IN" b="1" i="1">
-                            <a:latin typeface="Cambria Math" panose="02040503050406030204" pitchFamily="18" charset="0"/>
-                          </a:rPr>
-                          <m:t>𝜽</m:t>
-                        </m:r>
-                        <m:r>
-                          <a:rPr lang="en-IN" i="1">
-                            <a:latin typeface="Cambria Math" panose="02040503050406030204" pitchFamily="18" charset="0"/>
-                          </a:rPr>
-                          <m:t>)</m:t>
-                        </m:r>
-                      </m:e>
-                    </m:acc>
-                    <m:r>
-                      <a:rPr lang="en-IN" i="1">
-                        <a:latin typeface="Cambria Math" panose="02040503050406030204" pitchFamily="18" charset="0"/>
-                      </a:rPr>
-                      <m:t>−</m:t>
-                    </m:r>
-                    <m:r>
-                      <a:rPr lang="en-IN" i="1">
-                        <a:latin typeface="Cambria Math" panose="02040503050406030204" pitchFamily="18" charset="0"/>
-                      </a:rPr>
-                      <m:t>𝐷</m:t>
-                    </m:r>
-                    <m:r>
-                      <a:rPr lang="en-IN" i="1">
-                        <a:latin typeface="Cambria Math" panose="02040503050406030204" pitchFamily="18" charset="0"/>
-                      </a:rPr>
-                      <m:t>(</m:t>
-                    </m:r>
-                    <m:acc>
-                      <m:accPr>
-                        <m:chr m:val="̅"/>
-                        <m:ctrlPr>
-                          <a:rPr lang="en-IN" b="1" i="1">
-                            <a:latin typeface="Cambria Math" panose="02040503050406030204" pitchFamily="18" charset="0"/>
-                          </a:rPr>
-                        </m:ctrlPr>
-                      </m:accPr>
-                      <m:e>
-                        <m:r>
-                          <a:rPr lang="en-IN" b="1" i="1">
-                            <a:latin typeface="Cambria Math" panose="02040503050406030204" pitchFamily="18" charset="0"/>
-                          </a:rPr>
-                          <m:t>𝜽</m:t>
-                        </m:r>
-                      </m:e>
-                    </m:acc>
-                    <m:r>
-                      <a:rPr lang="en-IN" i="1">
-                        <a:latin typeface="Cambria Math" panose="02040503050406030204" pitchFamily="18" charset="0"/>
-                      </a:rPr>
-                      <m:t>) </m:t>
-                    </m:r>
-                  </m:oMath>
-                </a14:m>
-                <a:r>
-                  <a:rPr lang="en-IN" dirty="0" smtClean="0"/>
-                  <a:t>is approximated by </a:t>
-                </a:r>
-                <a14:m>
-                  <m:oMath xmlns:m="http://schemas.openxmlformats.org/officeDocument/2006/math">
-                    <m:f>
-                      <m:fPr>
-                        <m:ctrlPr>
-                          <a:rPr lang="en-IN" b="0" i="1" smtClean="0">
-                            <a:latin typeface="Cambria Math" panose="02040503050406030204" pitchFamily="18" charset="0"/>
-                          </a:rPr>
-                        </m:ctrlPr>
-                      </m:fPr>
-                      <m:num>
-                        <m:r>
-                          <a:rPr lang="en-IN" b="0" i="1" smtClean="0">
-                            <a:latin typeface="Cambria Math" panose="02040503050406030204" pitchFamily="18" charset="0"/>
-                          </a:rPr>
-                          <m:t>𝑣𝑎𝑟</m:t>
-                        </m:r>
-                        <m:d>
-                          <m:dPr>
-                            <m:ctrlPr>
-                              <a:rPr lang="en-IN" b="0" i="1" smtClean="0">
-                                <a:latin typeface="Cambria Math" panose="02040503050406030204" pitchFamily="18" charset="0"/>
-                              </a:rPr>
-                            </m:ctrlPr>
-                          </m:dPr>
-                          <m:e>
-                            <m:r>
-                              <a:rPr lang="en-IN" b="0" i="1" smtClean="0">
-                                <a:latin typeface="Cambria Math" panose="02040503050406030204" pitchFamily="18" charset="0"/>
-                              </a:rPr>
-                              <m:t>𝐷</m:t>
-                            </m:r>
-                            <m:d>
-                              <m:dPr>
-                                <m:ctrlPr>
-                                  <a:rPr lang="en-IN" b="0" i="1" smtClean="0">
-                                    <a:latin typeface="Cambria Math" panose="02040503050406030204" pitchFamily="18" charset="0"/>
-                                  </a:rPr>
-                                </m:ctrlPr>
-                              </m:dPr>
-                              <m:e>
-                                <m:r>
-                                  <a:rPr lang="en-IN" b="0" i="1" smtClean="0">
-                                    <a:latin typeface="Cambria Math" panose="02040503050406030204" pitchFamily="18" charset="0"/>
-                                  </a:rPr>
-                                  <m:t>𝜃</m:t>
-                                </m:r>
-                              </m:e>
-                            </m:d>
-                          </m:e>
-                        </m:d>
-                      </m:num>
-                      <m:den>
-                        <m:r>
-                          <a:rPr lang="en-IN" b="0" i="1" smtClean="0">
-                            <a:latin typeface="Cambria Math" panose="02040503050406030204" pitchFamily="18" charset="0"/>
-                          </a:rPr>
-                          <m:t>2</m:t>
-                        </m:r>
-                      </m:den>
-                    </m:f>
-                  </m:oMath>
-                </a14:m>
-                <a:endParaRPr lang="en-IN" dirty="0"/>
-              </a:p>
-            </p:txBody>
-          </p:sp>
-        </mc:Choice>
-        <mc:Fallback xmlns="">
-          <p:sp>
-            <p:nvSpPr>
-              <p:cNvPr id="3" name="Content Placeholder 2"/>
-              <p:cNvSpPr>
-                <a:spLocks noGrp="1" noRot="1" noChangeAspect="1" noMove="1" noResize="1" noEditPoints="1" noAdjustHandles="1" noChangeArrowheads="1" noChangeShapeType="1" noTextEdit="1"/>
-              </p:cNvSpPr>
-              <p:nvPr>
-                <p:ph idx="1"/>
-              </p:nvPr>
-            </p:nvSpPr>
-            <p:spPr>
-              <a:blipFill rotWithShape="0">
-                <a:blip r:embed="rId3"/>
-                <a:stretch>
-                  <a:fillRect/>
-                </a:stretch>
-              </a:blipFill>
-            </p:spPr>
-            <p:txBody>
-              <a:bodyPr/>
-              <a:lstStyle/>
-              <a:p>
-                <a:r>
-                  <a:rPr lang="en-IN">
-                    <a:noFill/>
-                  </a:rPr>
-                  <a:t> </a:t>
-                </a:r>
-              </a:p>
-            </p:txBody>
-          </p:sp>
-        </mc:Fallback>
-      </mc:AlternateContent>
-      <p:sp>
-        <p:nvSpPr>
-          <p:cNvPr id="4" name="Slide Number Placeholder 3"/>
-          <p:cNvSpPr>
-            <a:spLocks noGrp="1"/>
-          </p:cNvSpPr>
-          <p:nvPr>
-            <p:ph type="sldNum" sz="quarter" idx="12"/>
-          </p:nvPr>
-        </p:nvSpPr>
-        <p:spPr/>
-        <p:txBody>
-          <a:bodyPr/>
-          <a:lstStyle/>
-          <a:p>
-            <a:fld id="{6113E31D-E2AB-40D1-8B51-AFA5AFEF393A}" type="slidenum">
-              <a:rPr lang="en-US" smtClean="0"/>
-              <a:pPr/>
-              <a:t>10</a:t>
-            </a:fld>
-            <a:endParaRPr lang="en-US" dirty="0"/>
-          </a:p>
-        </p:txBody>
-      </p:sp>
-    </p:spTree>
-    <p:extLst>
-      <p:ext uri="{BB962C8B-B14F-4D97-AF65-F5344CB8AC3E}">
-        <p14:creationId xmlns:p14="http://schemas.microsoft.com/office/powerpoint/2010/main" val="1040026065"/>
-      </p:ext>
-    </p:extLst>
-  </p:cSld>
-  <p:clrMapOvr>
-    <a:masterClrMapping/>
-  </p:clrMapOvr>
-</p:sld>
-</file>
-
-<file path=ppt/slides/slide11.xml><?xml version="1.0" encoding="utf-8"?>
-<p:sld xmlns:a="http://schemas.openxmlformats.org/drawingml/2006/main" xmlns:r="http://schemas.openxmlformats.org/officeDocument/2006/relationships" xmlns:p="http://schemas.openxmlformats.org/presentationml/2006/main">
-  <p:cSld>
-    <p:spTree>
-      <p:nvGrpSpPr>
-        <p:cNvPr id="1" name=""/>
-        <p:cNvGrpSpPr/>
-        <p:nvPr/>
-      </p:nvGrpSpPr>
-      <p:grpSpPr>
-        <a:xfrm>
-          <a:off x="0" y="0"/>
-          <a:ext cx="0" cy="0"/>
-          <a:chOff x="0" y="0"/>
-          <a:chExt cx="0" cy="0"/>
-        </a:xfrm>
-      </p:grpSpPr>
       <p:sp>
         <p:nvSpPr>
           <p:cNvPr id="2" name="Title 1"/>
@@ -18218,7 +22483,7 @@
             <a:fld id="{6113E31D-E2AB-40D1-8B51-AFA5AFEF393A}" type="slidenum">
               <a:rPr lang="en-US" smtClean="0"/>
               <a:pPr/>
-              <a:t>11</a:t>
+              <a:t>10</a:t>
             </a:fld>
             <a:endParaRPr lang="en-US" dirty="0"/>
           </a:p>
@@ -18237,7 +22502,7 @@
 </p:sld>
 </file>
 
-<file path=ppt/slides/slide12.xml><?xml version="1.0" encoding="utf-8"?>
+<file path=ppt/slides/slide11.xml><?xml version="1.0" encoding="utf-8"?>
 <p:sld xmlns:a="http://schemas.openxmlformats.org/drawingml/2006/main" xmlns:r="http://schemas.openxmlformats.org/officeDocument/2006/relationships" xmlns:p="http://schemas.openxmlformats.org/presentationml/2006/main">
   <p:cSld>
     <p:spTree>
@@ -18321,7 +22586,7 @@
             <a:fld id="{6113E31D-E2AB-40D1-8B51-AFA5AFEF393A}" type="slidenum">
               <a:rPr lang="en-US" smtClean="0"/>
               <a:pPr/>
-              <a:t>12</a:t>
+              <a:t>11</a:t>
             </a:fld>
             <a:endParaRPr lang="en-US" dirty="0"/>
           </a:p>
@@ -18340,7 +22605,7 @@
 </p:sld>
 </file>
 
-<file path=ppt/slides/slide13.xml><?xml version="1.0" encoding="utf-8"?>
+<file path=ppt/slides/slide12.xml><?xml version="1.0" encoding="utf-8"?>
 <p:sld xmlns:a="http://schemas.openxmlformats.org/drawingml/2006/main" xmlns:r="http://schemas.openxmlformats.org/officeDocument/2006/relationships" xmlns:p="http://schemas.openxmlformats.org/presentationml/2006/main">
   <p:cSld>
     <p:spTree>
@@ -20797,7 +25062,7 @@
             <a:fld id="{6113E31D-E2AB-40D1-8B51-AFA5AFEF393A}" type="slidenum">
               <a:rPr lang="en-US" smtClean="0"/>
               <a:pPr/>
-              <a:t>13</a:t>
+              <a:t>12</a:t>
             </a:fld>
             <a:endParaRPr lang="en-US" dirty="0"/>
           </a:p>
@@ -20816,7 +25081,7 @@
 </p:sld>
 </file>
 
-<file path=ppt/slides/slide14.xml><?xml version="1.0" encoding="utf-8"?>
+<file path=ppt/slides/slide13.xml><?xml version="1.0" encoding="utf-8"?>
 <p:sld xmlns:a="http://schemas.openxmlformats.org/drawingml/2006/main" xmlns:r="http://schemas.openxmlformats.org/officeDocument/2006/relationships" xmlns:p="http://schemas.openxmlformats.org/presentationml/2006/main">
   <p:cSld>
     <p:spTree>
@@ -20874,7 +25139,7 @@
             <a:fld id="{6113E31D-E2AB-40D1-8B51-AFA5AFEF393A}" type="slidenum">
               <a:rPr lang="en-US" smtClean="0"/>
               <a:pPr/>
-              <a:t>14</a:t>
+              <a:t>13</a:t>
             </a:fld>
             <a:endParaRPr lang="en-US" dirty="0"/>
           </a:p>
@@ -20917,7 +25182,7 @@
 </p:sld>
 </file>
 
-<file path=ppt/slides/slide15.xml><?xml version="1.0" encoding="utf-8"?>
+<file path=ppt/slides/slide14.xml><?xml version="1.0" encoding="utf-8"?>
 <p:sld xmlns:a="http://schemas.openxmlformats.org/drawingml/2006/main" xmlns:r="http://schemas.openxmlformats.org/officeDocument/2006/relationships" xmlns:p="http://schemas.openxmlformats.org/presentationml/2006/main">
   <p:cSld>
     <p:spTree>
@@ -23885,7 +28150,7 @@
             <a:fld id="{6113E31D-E2AB-40D1-8B51-AFA5AFEF393A}" type="slidenum">
               <a:rPr lang="en-US" smtClean="0"/>
               <a:pPr/>
-              <a:t>15</a:t>
+              <a:t>14</a:t>
             </a:fld>
             <a:endParaRPr lang="en-US" dirty="0"/>
           </a:p>
@@ -23904,7 +28169,7 @@
 </p:sld>
 </file>
 
-<file path=ppt/slides/slide16.xml><?xml version="1.0" encoding="utf-8"?>
+<file path=ppt/slides/slide15.xml><?xml version="1.0" encoding="utf-8"?>
 <p:sld xmlns:a="http://schemas.openxmlformats.org/drawingml/2006/main" xmlns:r="http://schemas.openxmlformats.org/officeDocument/2006/relationships" xmlns:p="http://schemas.openxmlformats.org/presentationml/2006/main">
   <p:cSld>
     <p:spTree>
@@ -23962,7 +28227,7 @@
             <a:fld id="{6113E31D-E2AB-40D1-8B51-AFA5AFEF393A}" type="slidenum">
               <a:rPr lang="en-US" smtClean="0"/>
               <a:pPr/>
-              <a:t>16</a:t>
+              <a:t>15</a:t>
             </a:fld>
             <a:endParaRPr lang="en-US" dirty="0"/>
           </a:p>
@@ -24005,7 +28270,7 @@
 </p:sld>
 </file>
 
-<file path=ppt/slides/slide17.xml><?xml version="1.0" encoding="utf-8"?>
+<file path=ppt/slides/slide16.xml><?xml version="1.0" encoding="utf-8"?>
 <p:sld xmlns:a="http://schemas.openxmlformats.org/drawingml/2006/main" xmlns:r="http://schemas.openxmlformats.org/officeDocument/2006/relationships" xmlns:p="http://schemas.openxmlformats.org/presentationml/2006/main">
   <p:cSld>
     <p:spTree>
@@ -25880,7 +30145,7 @@
             <a:fld id="{6113E31D-E2AB-40D1-8B51-AFA5AFEF393A}" type="slidenum">
               <a:rPr lang="en-US" smtClean="0"/>
               <a:pPr/>
-              <a:t>17</a:t>
+              <a:t>16</a:t>
             </a:fld>
             <a:endParaRPr lang="en-US" dirty="0"/>
           </a:p>
@@ -25899,7 +30164,7 @@
 </p:sld>
 </file>
 
-<file path=ppt/slides/slide18.xml><?xml version="1.0" encoding="utf-8"?>
+<file path=ppt/slides/slide17.xml><?xml version="1.0" encoding="utf-8"?>
 <p:sld xmlns:a="http://schemas.openxmlformats.org/drawingml/2006/main" xmlns:r="http://schemas.openxmlformats.org/officeDocument/2006/relationships" xmlns:p="http://schemas.openxmlformats.org/presentationml/2006/main">
   <p:cSld>
     <p:spTree>
@@ -25949,7 +30214,7 @@
             <p:ph idx="1"/>
             <p:extLst>
               <p:ext uri="{D42A27DB-BD31-4B8C-83A1-F6EECF244321}">
-                <p14:modId xmlns:p14="http://schemas.microsoft.com/office/powerpoint/2010/main" val="886899665"/>
+                <p14:modId xmlns:p14="http://schemas.microsoft.com/office/powerpoint/2010/main" val="860257108"/>
               </p:ext>
             </p:extLst>
           </p:nvPr>
@@ -25982,7 +30247,7 @@
             <a:fld id="{6113E31D-E2AB-40D1-8B51-AFA5AFEF393A}" type="slidenum">
               <a:rPr lang="en-US" smtClean="0"/>
               <a:pPr/>
-              <a:t>18</a:t>
+              <a:t>17</a:t>
             </a:fld>
             <a:endParaRPr lang="en-US" dirty="0"/>
           </a:p>
@@ -25992,6 +30257,108 @@
     <p:extLst>
       <p:ext uri="{BB962C8B-B14F-4D97-AF65-F5344CB8AC3E}">
         <p14:creationId xmlns:p14="http://schemas.microsoft.com/office/powerpoint/2010/main" val="955264768"/>
+      </p:ext>
+    </p:extLst>
+  </p:cSld>
+  <p:clrMapOvr>
+    <a:masterClrMapping/>
+  </p:clrMapOvr>
+</p:sld>
+</file>
+
+<file path=ppt/slides/slide18.xml><?xml version="1.0" encoding="utf-8"?>
+<p:sld xmlns:a="http://schemas.openxmlformats.org/drawingml/2006/main" xmlns:r="http://schemas.openxmlformats.org/officeDocument/2006/relationships" xmlns:p="http://schemas.openxmlformats.org/presentationml/2006/main">
+  <p:cSld>
+    <p:spTree>
+      <p:nvGrpSpPr>
+        <p:cNvPr id="1" name=""/>
+        <p:cNvGrpSpPr/>
+        <p:nvPr/>
+      </p:nvGrpSpPr>
+      <p:grpSpPr>
+        <a:xfrm>
+          <a:off x="0" y="0"/>
+          <a:ext cx="0" cy="0"/>
+          <a:chOff x="0" y="0"/>
+          <a:chExt cx="0" cy="0"/>
+        </a:xfrm>
+      </p:grpSpPr>
+      <p:sp>
+        <p:nvSpPr>
+          <p:cNvPr id="2" name="Title 1"/>
+          <p:cNvSpPr>
+            <a:spLocks noGrp="1"/>
+          </p:cNvSpPr>
+          <p:nvPr>
+            <p:ph type="title"/>
+          </p:nvPr>
+        </p:nvSpPr>
+        <p:spPr/>
+        <p:txBody>
+          <a:bodyPr/>
+          <a:lstStyle/>
+          <a:p>
+            <a:r>
+              <a:rPr lang="en-IN" dirty="0" smtClean="0"/>
+              <a:t>Posterior predictive checks</a:t>
+            </a:r>
+            <a:endParaRPr lang="en-IN" dirty="0"/>
+          </a:p>
+        </p:txBody>
+      </p:sp>
+      <p:sp>
+        <p:nvSpPr>
+          <p:cNvPr id="4" name="Slide Number Placeholder 3"/>
+          <p:cNvSpPr>
+            <a:spLocks noGrp="1"/>
+          </p:cNvSpPr>
+          <p:nvPr>
+            <p:ph type="sldNum" sz="quarter" idx="12"/>
+          </p:nvPr>
+        </p:nvSpPr>
+        <p:spPr/>
+        <p:txBody>
+          <a:bodyPr/>
+          <a:lstStyle/>
+          <a:p>
+            <a:fld id="{6113E31D-E2AB-40D1-8B51-AFA5AFEF393A}" type="slidenum">
+              <a:rPr lang="en-US" smtClean="0"/>
+              <a:pPr/>
+              <a:t>18</a:t>
+            </a:fld>
+            <a:endParaRPr lang="en-US" dirty="0"/>
+          </a:p>
+        </p:txBody>
+      </p:sp>
+      <p:graphicFrame>
+        <p:nvGraphicFramePr>
+          <p:cNvPr id="7" name="Content Placeholder 6"/>
+          <p:cNvGraphicFramePr>
+            <a:graphicFrameLocks noGrp="1"/>
+          </p:cNvGraphicFramePr>
+          <p:nvPr>
+            <p:ph idx="1"/>
+            <p:extLst>
+              <p:ext uri="{D42A27DB-BD31-4B8C-83A1-F6EECF244321}">
+                <p14:modId xmlns:p14="http://schemas.microsoft.com/office/powerpoint/2010/main" val="986306810"/>
+              </p:ext>
+            </p:extLst>
+          </p:nvPr>
+        </p:nvGraphicFramePr>
+        <p:xfrm>
+          <a:off x="1096963" y="1846263"/>
+          <a:ext cx="10058400" cy="4022725"/>
+        </p:xfrm>
+        <a:graphic>
+          <a:graphicData uri="http://schemas.openxmlformats.org/drawingml/2006/diagram">
+            <dgm:relIds xmlns:dgm="http://schemas.openxmlformats.org/drawingml/2006/diagram" xmlns:r="http://schemas.openxmlformats.org/officeDocument/2006/relationships" r:dm="rId2" r:lo="rId3" r:qs="rId4" r:cs="rId5"/>
+          </a:graphicData>
+        </a:graphic>
+      </p:graphicFrame>
+    </p:spTree>
+    <p:extLst>
+      <p:ext uri="{BB962C8B-B14F-4D97-AF65-F5344CB8AC3E}">
+        <p14:creationId xmlns:p14="http://schemas.microsoft.com/office/powerpoint/2010/main" val="1399882575"/>
       </p:ext>
     </p:extLst>
   </p:cSld>
@@ -26018,360 +30385,33 @@
           <a:chExt cx="0" cy="0"/>
         </a:xfrm>
       </p:grpSpPr>
-      <mc:AlternateContent xmlns:mc="http://schemas.openxmlformats.org/markup-compatibility/2006" xmlns:a14="http://schemas.microsoft.com/office/drawing/2010/main">
-        <mc:Choice Requires="a14">
-          <p:sp>
-            <p:nvSpPr>
-              <p:cNvPr id="2" name="Title 1"/>
-              <p:cNvSpPr>
-                <a:spLocks noGrp="1"/>
-              </p:cNvSpPr>
-              <p:nvPr>
-                <p:ph type="title"/>
-              </p:nvPr>
-            </p:nvSpPr>
-            <p:spPr/>
-            <p:txBody>
-              <a:bodyPr/>
-              <a:lstStyle/>
-              <a:p>
-                <a:r>
-                  <a:rPr lang="en-IN" dirty="0" smtClean="0"/>
-                  <a:t>Posterior checks for </a:t>
-                </a:r>
-                <a14:m>
-                  <m:oMath xmlns:m="http://schemas.openxmlformats.org/officeDocument/2006/math">
-                    <m:r>
-                      <a:rPr lang="en-IN" b="0" i="1" smtClean="0">
-                        <a:latin typeface="Cambria Math" panose="02040503050406030204" pitchFamily="18" charset="0"/>
-                      </a:rPr>
-                      <m:t>𝑝</m:t>
-                    </m:r>
-                    <m:d>
-                      <m:dPr>
-                        <m:ctrlPr>
-                          <a:rPr lang="en-IN" b="0" i="1" smtClean="0">
-                            <a:latin typeface="Cambria Math" panose="02040503050406030204" pitchFamily="18" charset="0"/>
-                          </a:rPr>
-                        </m:ctrlPr>
-                      </m:dPr>
-                      <m:e>
-                        <m:r>
-                          <a:rPr lang="en-IN" b="0" i="1" smtClean="0">
-                            <a:latin typeface="Cambria Math" panose="02040503050406030204" pitchFamily="18" charset="0"/>
-                          </a:rPr>
-                          <m:t>𝜃</m:t>
-                        </m:r>
-                      </m:e>
-                      <m:e>
-                        <m:r>
-                          <a:rPr lang="en-IN" b="0" i="1" smtClean="0">
-                            <a:latin typeface="Cambria Math" panose="02040503050406030204" pitchFamily="18" charset="0"/>
-                          </a:rPr>
-                          <m:t>𝑦</m:t>
-                        </m:r>
-                      </m:e>
-                    </m:d>
-                  </m:oMath>
-                </a14:m>
-                <a:r>
-                  <a:rPr lang="en-IN" dirty="0" smtClean="0"/>
-                  <a:t>and </a:t>
-                </a:r>
-                <a14:m>
-                  <m:oMath xmlns:m="http://schemas.openxmlformats.org/officeDocument/2006/math">
-                    <m:r>
-                      <a:rPr lang="en-IN" b="0" i="1" smtClean="0">
-                        <a:latin typeface="Cambria Math" panose="02040503050406030204" pitchFamily="18" charset="0"/>
-                      </a:rPr>
-                      <m:t>𝑝</m:t>
-                    </m:r>
-                    <m:r>
-                      <a:rPr lang="en-IN" b="0" i="1" smtClean="0">
-                        <a:latin typeface="Cambria Math" panose="02040503050406030204" pitchFamily="18" charset="0"/>
-                      </a:rPr>
-                      <m:t>(</m:t>
-                    </m:r>
-                    <m:sSup>
-                      <m:sSupPr>
-                        <m:ctrlPr>
-                          <a:rPr lang="en-IN" b="0" i="1" smtClean="0">
-                            <a:latin typeface="Cambria Math" panose="02040503050406030204" pitchFamily="18" charset="0"/>
-                          </a:rPr>
-                        </m:ctrlPr>
-                      </m:sSupPr>
-                      <m:e>
-                        <m:r>
-                          <a:rPr lang="en-IN" b="0" i="1" smtClean="0">
-                            <a:latin typeface="Cambria Math" panose="02040503050406030204" pitchFamily="18" charset="0"/>
-                          </a:rPr>
-                          <m:t>𝑦</m:t>
-                        </m:r>
-                      </m:e>
-                      <m:sup>
-                        <m:r>
-                          <a:rPr lang="en-IN" b="0" i="1" smtClean="0">
-                            <a:latin typeface="Cambria Math" panose="02040503050406030204" pitchFamily="18" charset="0"/>
-                          </a:rPr>
-                          <m:t>𝑓</m:t>
-                        </m:r>
-                      </m:sup>
-                    </m:sSup>
-                    <m:r>
-                      <a:rPr lang="en-IN" b="0" i="1" smtClean="0">
-                        <a:latin typeface="Cambria Math" panose="02040503050406030204" pitchFamily="18" charset="0"/>
-                      </a:rPr>
-                      <m:t>|</m:t>
-                    </m:r>
-                    <m:r>
-                      <a:rPr lang="en-IN" b="0" i="1" smtClean="0">
-                        <a:latin typeface="Cambria Math" panose="02040503050406030204" pitchFamily="18" charset="0"/>
-                      </a:rPr>
-                      <m:t>𝑦</m:t>
-                    </m:r>
-                    <m:r>
-                      <a:rPr lang="en-IN" b="0" i="1" smtClean="0">
-                        <a:latin typeface="Cambria Math" panose="02040503050406030204" pitchFamily="18" charset="0"/>
-                      </a:rPr>
-                      <m:t>)</m:t>
-                    </m:r>
-                  </m:oMath>
-                </a14:m>
-                <a:endParaRPr lang="en-IN" dirty="0"/>
-              </a:p>
-            </p:txBody>
-          </p:sp>
-        </mc:Choice>
-        <mc:Fallback xmlns="">
-          <p:sp>
-            <p:nvSpPr>
-              <p:cNvPr id="2" name="Title 1"/>
-              <p:cNvSpPr>
-                <a:spLocks noGrp="1" noRot="1" noChangeAspect="1" noMove="1" noResize="1" noEditPoints="1" noAdjustHandles="1" noChangeArrowheads="1" noChangeShapeType="1" noTextEdit="1"/>
-              </p:cNvSpPr>
-              <p:nvPr>
-                <p:ph type="title"/>
-              </p:nvPr>
-            </p:nvSpPr>
-            <p:spPr>
-              <a:blipFill rotWithShape="0">
-                <a:blip r:embed="rId2"/>
-                <a:stretch>
-                  <a:fillRect l="-2121" b="-18487"/>
-                </a:stretch>
-              </a:blipFill>
-            </p:spPr>
-            <p:txBody>
-              <a:bodyPr/>
-              <a:lstStyle/>
-              <a:p>
-                <a:r>
-                  <a:rPr lang="en-IN">
-                    <a:noFill/>
-                  </a:rPr>
-                  <a:t> </a:t>
-                </a:r>
-              </a:p>
-            </p:txBody>
-          </p:sp>
-        </mc:Fallback>
-      </mc:AlternateContent>
-      <mc:AlternateContent xmlns:mc="http://schemas.openxmlformats.org/markup-compatibility/2006" xmlns:a14="http://schemas.microsoft.com/office/drawing/2010/main">
-        <mc:Choice Requires="a14">
-          <p:sp>
-            <p:nvSpPr>
-              <p:cNvPr id="3" name="Content Placeholder 2"/>
-              <p:cNvSpPr>
-                <a:spLocks noGrp="1"/>
-              </p:cNvSpPr>
-              <p:nvPr>
-                <p:ph idx="1"/>
-              </p:nvPr>
-            </p:nvSpPr>
-            <p:spPr/>
-            <p:txBody>
-              <a:bodyPr>
-                <a:normAutofit lnSpcReduction="10000"/>
-              </a:bodyPr>
-              <a:lstStyle/>
-              <a:p>
-                <a:r>
-                  <a:rPr lang="en-IN" dirty="0" smtClean="0"/>
-                  <a:t>Multivariate normality for </a:t>
-                </a:r>
-                <a14:m>
-                  <m:oMath xmlns:m="http://schemas.openxmlformats.org/officeDocument/2006/math">
-                    <m:r>
-                      <a:rPr lang="en-IN" b="0" i="1" smtClean="0">
-                        <a:latin typeface="Cambria Math" panose="02040503050406030204" pitchFamily="18" charset="0"/>
-                      </a:rPr>
-                      <m:t>𝑝</m:t>
-                    </m:r>
-                    <m:d>
-                      <m:dPr>
-                        <m:ctrlPr>
-                          <a:rPr lang="en-IN" b="0" i="1" smtClean="0">
-                            <a:latin typeface="Cambria Math" panose="02040503050406030204" pitchFamily="18" charset="0"/>
-                          </a:rPr>
-                        </m:ctrlPr>
-                      </m:dPr>
-                      <m:e>
-                        <m:r>
-                          <a:rPr lang="en-IN" b="0" i="1" smtClean="0">
-                            <a:latin typeface="Cambria Math" panose="02040503050406030204" pitchFamily="18" charset="0"/>
-                          </a:rPr>
-                          <m:t>𝜇</m:t>
-                        </m:r>
-                      </m:e>
-                      <m:e>
-                        <m:r>
-                          <a:rPr lang="en-IN" b="0" i="1" smtClean="0">
-                            <a:latin typeface="Cambria Math" panose="02040503050406030204" pitchFamily="18" charset="0"/>
-                          </a:rPr>
-                          <m:t>𝑦</m:t>
-                        </m:r>
-                      </m:e>
-                    </m:d>
-                  </m:oMath>
-                </a14:m>
-                <a:r>
-                  <a:rPr lang="en-IN" dirty="0" smtClean="0"/>
-                  <a:t>?</a:t>
-                </a:r>
-              </a:p>
-              <a:p>
-                <a:r>
-                  <a:rPr lang="en-IN" dirty="0" smtClean="0"/>
-                  <a:t>Are the mixture proportions correctly identified? </a:t>
-                </a:r>
-              </a:p>
-              <a:p>
-                <a:r>
-                  <a:rPr lang="en-IN" dirty="0" smtClean="0"/>
-                  <a:t>(check the posterior predictive distributions mean)</a:t>
-                </a:r>
-              </a:p>
-              <a:p>
-                <a:r>
-                  <a:rPr lang="en-IN" dirty="0" smtClean="0"/>
-                  <a:t>How about looking at convergence? Running mean </a:t>
-                </a:r>
-                <a:r>
-                  <a:rPr lang="en-IN" dirty="0" err="1" smtClean="0"/>
-                  <a:t>etc</a:t>
-                </a:r>
-                <a:endParaRPr lang="en-IN" dirty="0" smtClean="0"/>
-              </a:p>
-              <a:p>
-                <a:r>
-                  <a:rPr lang="en-IN" dirty="0" smtClean="0">
-                    <a:solidFill>
-                      <a:srgbClr val="FF0000"/>
-                    </a:solidFill>
-                  </a:rPr>
-                  <a:t>Mean, min, max are affected in terms of the width of 95%HPDI. they become wider if you tried more components than needed….other moments don’t seem to be that affected in this sense</a:t>
-                </a:r>
-              </a:p>
-              <a:p>
-                <a:r>
-                  <a:rPr lang="en-IN" dirty="0" smtClean="0">
-                    <a:solidFill>
-                      <a:srgbClr val="FF0000"/>
-                    </a:solidFill>
-                  </a:rPr>
-                  <a:t>If you have less components than needed then the higher order moments are not in the 95%HPDI…..</a:t>
-                </a:r>
-                <a:r>
-                  <a:rPr lang="en-IN" dirty="0" err="1" smtClean="0">
-                    <a:solidFill>
-                      <a:srgbClr val="FF0000"/>
-                    </a:solidFill>
-                  </a:rPr>
-                  <a:t>Mardia’s</a:t>
-                </a:r>
-                <a:r>
-                  <a:rPr lang="en-IN" dirty="0" smtClean="0">
-                    <a:solidFill>
-                      <a:srgbClr val="FF0000"/>
-                    </a:solidFill>
-                  </a:rPr>
-                  <a:t> test skewness vs. kurtosis </a:t>
-                </a:r>
-                <a:r>
-                  <a:rPr lang="en-IN" dirty="0" err="1" smtClean="0">
-                    <a:solidFill>
-                      <a:srgbClr val="FF0000"/>
-                    </a:solidFill>
-                  </a:rPr>
-                  <a:t>etc</a:t>
-                </a:r>
-                <a:r>
-                  <a:rPr lang="en-IN" dirty="0" smtClean="0">
-                    <a:solidFill>
-                      <a:srgbClr val="FF0000"/>
-                    </a:solidFill>
-                  </a:rPr>
-                  <a:t> didn’t agree</a:t>
-                </a:r>
-              </a:p>
-              <a:p>
-                <a:r>
-                  <a:rPr lang="en-IN" dirty="0" smtClean="0"/>
-                  <a:t>MAPE density plot and 95%HPDI</a:t>
-                </a:r>
-              </a:p>
-              <a:p>
-                <a:r>
-                  <a:rPr lang="en-IN" dirty="0" smtClean="0"/>
-                  <a:t>In 2D: mean </a:t>
-                </a:r>
-                <a:r>
-                  <a:rPr lang="en-IN" dirty="0" err="1" smtClean="0"/>
-                  <a:t>mahalanobis</a:t>
-                </a:r>
-                <a:r>
-                  <a:rPr lang="en-IN" dirty="0" smtClean="0"/>
-                  <a:t> distance to other components can be checked. It becomes skewed on choosing higher number of elements. So the right number of components.</a:t>
-                </a:r>
-                <a:endParaRPr lang="en-IN" dirty="0"/>
-              </a:p>
-            </p:txBody>
-          </p:sp>
-        </mc:Choice>
-        <mc:Fallback xmlns="">
-          <p:sp>
-            <p:nvSpPr>
-              <p:cNvPr id="3" name="Content Placeholder 2"/>
-              <p:cNvSpPr>
-                <a:spLocks noGrp="1" noRot="1" noChangeAspect="1" noMove="1" noResize="1" noEditPoints="1" noAdjustHandles="1" noChangeArrowheads="1" noChangeShapeType="1" noTextEdit="1"/>
-              </p:cNvSpPr>
-              <p:nvPr>
-                <p:ph idx="1"/>
-              </p:nvPr>
-            </p:nvSpPr>
-            <p:spPr>
-              <a:blipFill rotWithShape="0">
-                <a:blip r:embed="rId3"/>
-                <a:stretch>
-                  <a:fillRect l="-606" t="-2273" r="-788" b="-2727"/>
-                </a:stretch>
-              </a:blipFill>
-            </p:spPr>
-            <p:txBody>
-              <a:bodyPr/>
-              <a:lstStyle/>
-              <a:p>
-                <a:r>
-                  <a:rPr lang="en-IN">
-                    <a:noFill/>
-                  </a:rPr>
-                  <a:t> </a:t>
-                </a:r>
-              </a:p>
-            </p:txBody>
-          </p:sp>
-        </mc:Fallback>
-      </mc:AlternateContent>
+      <p:sp>
+        <p:nvSpPr>
+          <p:cNvPr id="2" name="Title 1"/>
+          <p:cNvSpPr>
+            <a:spLocks noGrp="1"/>
+          </p:cNvSpPr>
+          <p:nvPr>
+            <p:ph type="title"/>
+          </p:nvPr>
+        </p:nvSpPr>
+        <p:spPr/>
+        <p:txBody>
+          <a:bodyPr/>
+          <a:lstStyle/>
+          <a:p>
+            <a:r>
+              <a:rPr lang="en-IN" dirty="0" err="1" smtClean="0"/>
+              <a:t>Mahalanobis</a:t>
+            </a:r>
+            <a:r>
+              <a:rPr lang="en-IN" dirty="0" smtClean="0"/>
+              <a:t> distance of observed data to components</a:t>
+            </a:r>
+            <a:endParaRPr lang="en-IN" dirty="0"/>
+          </a:p>
+        </p:txBody>
+      </p:sp>
       <p:sp>
         <p:nvSpPr>
           <p:cNvPr id="4" name="Slide Number Placeholder 3"/>
@@ -26396,10 +30436,58 @@
           </a:p>
         </p:txBody>
       </p:sp>
+      <p:pic>
+        <p:nvPicPr>
+          <p:cNvPr id="5" name="Picture 4"/>
+          <p:cNvPicPr>
+            <a:picLocks noChangeAspect="1"/>
+          </p:cNvPicPr>
+          <p:nvPr/>
+        </p:nvPicPr>
+        <p:blipFill>
+          <a:blip r:embed="rId2"/>
+          <a:stretch>
+            <a:fillRect/>
+          </a:stretch>
+        </p:blipFill>
+        <p:spPr>
+          <a:xfrm>
+            <a:off x="1019174" y="1866374"/>
+            <a:ext cx="4450749" cy="3813358"/>
+          </a:xfrm>
+          <a:prstGeom prst="rect">
+            <a:avLst/>
+          </a:prstGeom>
+        </p:spPr>
+      </p:pic>
+      <p:pic>
+        <p:nvPicPr>
+          <p:cNvPr id="6" name="Picture 5"/>
+          <p:cNvPicPr>
+            <a:picLocks noChangeAspect="1"/>
+          </p:cNvPicPr>
+          <p:nvPr/>
+        </p:nvPicPr>
+        <p:blipFill>
+          <a:blip r:embed="rId3"/>
+          <a:stretch>
+            <a:fillRect/>
+          </a:stretch>
+        </p:blipFill>
+        <p:spPr>
+          <a:xfrm>
+            <a:off x="5449858" y="1866374"/>
+            <a:ext cx="5762625" cy="2152650"/>
+          </a:xfrm>
+          <a:prstGeom prst="rect">
+            <a:avLst/>
+          </a:prstGeom>
+        </p:spPr>
+      </p:pic>
     </p:spTree>
     <p:extLst>
       <p:ext uri="{BB962C8B-B14F-4D97-AF65-F5344CB8AC3E}">
-        <p14:creationId xmlns:p14="http://schemas.microsoft.com/office/powerpoint/2010/main" val="1393650434"/>
+        <p14:creationId xmlns:p14="http://schemas.microsoft.com/office/powerpoint/2010/main" val="3259313502"/>
       </p:ext>
     </p:extLst>
   </p:cSld>
@@ -27073,7 +31161,7 @@
           <a:p>
             <a:r>
               <a:rPr lang="en-IN" dirty="0" smtClean="0"/>
-              <a:t>Discussion</a:t>
+              <a:t>Bayes Factor</a:t>
             </a:r>
             <a:endParaRPr lang="en-IN" dirty="0"/>
           </a:p>
@@ -27096,56 +31184,36 @@
           <a:p>
             <a:r>
               <a:rPr lang="en-IN" dirty="0" smtClean="0"/>
-              <a:t>Talk about negative </a:t>
-            </a:r>
-            <a:r>
-              <a:rPr lang="en-IN" dirty="0" err="1" smtClean="0"/>
-              <a:t>pD</a:t>
-            </a:r>
-            <a:endParaRPr lang="en-IN" dirty="0" smtClean="0"/>
-          </a:p>
-          <a:p>
-            <a:r>
-              <a:rPr lang="en-IN" dirty="0" smtClean="0"/>
-              <a:t>What are the equations and results.</a:t>
+              <a:t>(4) -5098.472, -5098.497, -5097.623</a:t>
             </a:r>
           </a:p>
           <a:p>
             <a:r>
               <a:rPr lang="en-IN" dirty="0" smtClean="0"/>
-              <a:t>Talk about priors </a:t>
-            </a:r>
-            <a:r>
-              <a:rPr lang="en-IN" dirty="0" err="1" smtClean="0"/>
-              <a:t>etc</a:t>
-            </a:r>
-            <a:r>
-              <a:rPr lang="en-IN" dirty="0" smtClean="0"/>
-              <a:t>….that you </a:t>
-            </a:r>
-            <a:r>
-              <a:rPr lang="en-IN" dirty="0" smtClean="0"/>
-              <a:t>used</a:t>
+              <a:t>(3) -5095.336, -5095.249, -5095.252</a:t>
             </a:r>
           </a:p>
           <a:p>
             <a:r>
               <a:rPr lang="en-IN" dirty="0" smtClean="0"/>
-              <a:t>JAGS Burn in issue</a:t>
+              <a:t>(2) -5201.313, -5201.166, -5199.257</a:t>
             </a:r>
           </a:p>
           <a:p>
             <a:r>
               <a:rPr lang="en-IN" dirty="0" smtClean="0"/>
-              <a:t>JAGS </a:t>
+              <a:t>(5) -5101.913, -5092.528, -5102.904</a:t>
+            </a:r>
+          </a:p>
+          <a:p>
+            <a:r>
+              <a:rPr lang="en-IN" dirty="0" smtClean="0"/>
+              <a:t>(6) -5105.789</a:t>
             </a:r>
             <a:r>
               <a:rPr lang="en-IN" smtClean="0"/>
-              <a:t>constraints issue</a:t>
+              <a:t>, -5104.56</a:t>
             </a:r>
-            <a:endParaRPr lang="en-IN" dirty="0" smtClean="0"/>
-          </a:p>
-          <a:p>
             <a:endParaRPr lang="en-IN" dirty="0"/>
           </a:p>
         </p:txBody>
@@ -27177,7 +31245,7 @@
     </p:spTree>
     <p:extLst>
       <p:ext uri="{BB962C8B-B14F-4D97-AF65-F5344CB8AC3E}">
-        <p14:creationId xmlns:p14="http://schemas.microsoft.com/office/powerpoint/2010/main" val="4071190941"/>
+        <p14:creationId xmlns:p14="http://schemas.microsoft.com/office/powerpoint/2010/main" val="502753319"/>
       </p:ext>
     </p:extLst>
   </p:cSld>
@@ -27227,40 +31295,31 @@
           </a:p>
         </p:txBody>
       </p:sp>
-      <p:sp>
-        <p:nvSpPr>
-          <p:cNvPr id="3" name="Content Placeholder 2"/>
-          <p:cNvSpPr>
-            <a:spLocks noGrp="1"/>
-          </p:cNvSpPr>
+      <p:graphicFrame>
+        <p:nvGraphicFramePr>
+          <p:cNvPr id="5" name="Content Placeholder 4"/>
+          <p:cNvGraphicFramePr>
+            <a:graphicFrameLocks noGrp="1"/>
+          </p:cNvGraphicFramePr>
           <p:nvPr>
             <p:ph idx="1"/>
+            <p:extLst>
+              <p:ext uri="{D42A27DB-BD31-4B8C-83A1-F6EECF244321}">
+                <p14:modId xmlns:p14="http://schemas.microsoft.com/office/powerpoint/2010/main" val="1757154594"/>
+              </p:ext>
+            </p:extLst>
           </p:nvPr>
-        </p:nvSpPr>
-        <p:spPr/>
-        <p:txBody>
-          <a:bodyPr/>
-          <a:lstStyle/>
-          <a:p>
-            <a:r>
-              <a:rPr lang="en-IN" dirty="0" smtClean="0"/>
-              <a:t>Other Bayesian measures</a:t>
-            </a:r>
-          </a:p>
-          <a:p>
-            <a:r>
-              <a:rPr lang="en-IN" dirty="0" smtClean="0"/>
-              <a:t>Modelling the data</a:t>
-            </a:r>
-          </a:p>
-          <a:p>
-            <a:endParaRPr lang="en-IN" dirty="0" smtClean="0"/>
-          </a:p>
-          <a:p>
-            <a:endParaRPr lang="en-IN" dirty="0"/>
-          </a:p>
-        </p:txBody>
-      </p:sp>
+        </p:nvGraphicFramePr>
+        <p:xfrm>
+          <a:off x="1096963" y="1846263"/>
+          <a:ext cx="10058400" cy="4022725"/>
+        </p:xfrm>
+        <a:graphic>
+          <a:graphicData uri="http://schemas.openxmlformats.org/drawingml/2006/diagram">
+            <dgm:relIds xmlns:dgm="http://schemas.openxmlformats.org/drawingml/2006/diagram" xmlns:r="http://schemas.openxmlformats.org/officeDocument/2006/relationships" r:dm="rId2" r:lo="rId3" r:qs="rId4" r:cs="rId5"/>
+          </a:graphicData>
+        </a:graphic>
+      </p:graphicFrame>
       <p:sp>
         <p:nvSpPr>
           <p:cNvPr id="4" name="Slide Number Placeholder 3"/>
@@ -27339,27 +31398,8 @@
           <a:p>
             <a:r>
               <a:rPr lang="en-IN" dirty="0" smtClean="0"/>
-              <a:t>Issues I am facing</a:t>
+              <a:t>Feedback and questions from the panel</a:t>
             </a:r>
-            <a:endParaRPr lang="en-IN" dirty="0"/>
-          </a:p>
-        </p:txBody>
-      </p:sp>
-      <p:sp>
-        <p:nvSpPr>
-          <p:cNvPr id="3" name="Content Placeholder 2"/>
-          <p:cNvSpPr>
-            <a:spLocks noGrp="1"/>
-          </p:cNvSpPr>
-          <p:nvPr>
-            <p:ph idx="1"/>
-          </p:nvPr>
-        </p:nvSpPr>
-        <p:spPr/>
-        <p:txBody>
-          <a:bodyPr/>
-          <a:lstStyle/>
-          <a:p>
             <a:endParaRPr lang="en-IN" dirty="0"/>
           </a:p>
         </p:txBody>
@@ -27388,222 +31428,6 @@
           </a:p>
         </p:txBody>
       </p:sp>
-    </p:spTree>
-    <p:extLst>
-      <p:ext uri="{BB962C8B-B14F-4D97-AF65-F5344CB8AC3E}">
-        <p14:creationId xmlns:p14="http://schemas.microsoft.com/office/powerpoint/2010/main" val="510210863"/>
-      </p:ext>
-    </p:extLst>
-  </p:cSld>
-  <p:clrMapOvr>
-    <a:masterClrMapping/>
-  </p:clrMapOvr>
-</p:sld>
-</file>
-
-<file path=ppt/slides/slide23.xml><?xml version="1.0" encoding="utf-8"?>
-<p:sld xmlns:a="http://schemas.openxmlformats.org/drawingml/2006/main" xmlns:r="http://schemas.openxmlformats.org/officeDocument/2006/relationships" xmlns:p="http://schemas.openxmlformats.org/presentationml/2006/main">
-  <p:cSld>
-    <p:spTree>
-      <p:nvGrpSpPr>
-        <p:cNvPr id="1" name=""/>
-        <p:cNvGrpSpPr/>
-        <p:nvPr/>
-      </p:nvGrpSpPr>
-      <p:grpSpPr>
-        <a:xfrm>
-          <a:off x="0" y="0"/>
-          <a:ext cx="0" cy="0"/>
-          <a:chOff x="0" y="0"/>
-          <a:chExt cx="0" cy="0"/>
-        </a:xfrm>
-      </p:grpSpPr>
-      <p:sp>
-        <p:nvSpPr>
-          <p:cNvPr id="2" name="Title 1"/>
-          <p:cNvSpPr>
-            <a:spLocks noGrp="1"/>
-          </p:cNvSpPr>
-          <p:nvPr>
-            <p:ph type="title"/>
-          </p:nvPr>
-        </p:nvSpPr>
-        <p:spPr/>
-        <p:txBody>
-          <a:bodyPr/>
-          <a:lstStyle/>
-          <a:p>
-            <a:r>
-              <a:rPr lang="en-IN" dirty="0" smtClean="0"/>
-              <a:t>Tools that I am using?</a:t>
-            </a:r>
-            <a:endParaRPr lang="en-IN" dirty="0"/>
-          </a:p>
-        </p:txBody>
-      </p:sp>
-      <p:graphicFrame>
-        <p:nvGraphicFramePr>
-          <p:cNvPr id="5" name="Content Placeholder 4"/>
-          <p:cNvGraphicFramePr>
-            <a:graphicFrameLocks noGrp="1"/>
-          </p:cNvGraphicFramePr>
-          <p:nvPr>
-            <p:ph idx="1"/>
-            <p:extLst>
-              <p:ext uri="{D42A27DB-BD31-4B8C-83A1-F6EECF244321}">
-                <p14:modId xmlns:p14="http://schemas.microsoft.com/office/powerpoint/2010/main" val="1486452938"/>
-              </p:ext>
-            </p:extLst>
-          </p:nvPr>
-        </p:nvGraphicFramePr>
-        <p:xfrm>
-          <a:off x="1096963" y="1846263"/>
-          <a:ext cx="10058400" cy="4022725"/>
-        </p:xfrm>
-        <a:graphic>
-          <a:graphicData uri="http://schemas.openxmlformats.org/drawingml/2006/diagram">
-            <dgm:relIds xmlns:dgm="http://schemas.openxmlformats.org/drawingml/2006/diagram" xmlns:r="http://schemas.openxmlformats.org/officeDocument/2006/relationships" r:dm="rId2" r:lo="rId3" r:qs="rId4" r:cs="rId5"/>
-          </a:graphicData>
-        </a:graphic>
-      </p:graphicFrame>
-      <p:sp>
-        <p:nvSpPr>
-          <p:cNvPr id="4" name="Slide Number Placeholder 3"/>
-          <p:cNvSpPr>
-            <a:spLocks noGrp="1"/>
-          </p:cNvSpPr>
-          <p:nvPr>
-            <p:ph type="sldNum" sz="quarter" idx="12"/>
-          </p:nvPr>
-        </p:nvSpPr>
-        <p:spPr/>
-        <p:txBody>
-          <a:bodyPr/>
-          <a:lstStyle/>
-          <a:p>
-            <a:fld id="{6113E31D-E2AB-40D1-8B51-AFA5AFEF393A}" type="slidenum">
-              <a:rPr lang="en-US" smtClean="0"/>
-              <a:pPr/>
-              <a:t>23</a:t>
-            </a:fld>
-            <a:endParaRPr lang="en-US" dirty="0"/>
-          </a:p>
-        </p:txBody>
-      </p:sp>
-    </p:spTree>
-    <p:extLst>
-      <p:ext uri="{BB962C8B-B14F-4D97-AF65-F5344CB8AC3E}">
-        <p14:creationId xmlns:p14="http://schemas.microsoft.com/office/powerpoint/2010/main" val="574851744"/>
-      </p:ext>
-    </p:extLst>
-  </p:cSld>
-  <p:clrMapOvr>
-    <a:masterClrMapping/>
-  </p:clrMapOvr>
-  <p:timing>
-    <p:tnLst>
-      <p:par>
-        <p:cTn id="1" dur="indefinite" restart="never" nodeType="tmRoot"/>
-      </p:par>
-    </p:tnLst>
-  </p:timing>
-</p:sld>
-</file>
-
-<file path=ppt/slides/slide24.xml><?xml version="1.0" encoding="utf-8"?>
-<p:sld xmlns:a="http://schemas.openxmlformats.org/drawingml/2006/main" xmlns:r="http://schemas.openxmlformats.org/officeDocument/2006/relationships" xmlns:p="http://schemas.openxmlformats.org/presentationml/2006/main">
-  <p:cSld>
-    <p:spTree>
-      <p:nvGrpSpPr>
-        <p:cNvPr id="1" name=""/>
-        <p:cNvGrpSpPr/>
-        <p:nvPr/>
-      </p:nvGrpSpPr>
-      <p:grpSpPr>
-        <a:xfrm>
-          <a:off x="0" y="0"/>
-          <a:ext cx="0" cy="0"/>
-          <a:chOff x="0" y="0"/>
-          <a:chExt cx="0" cy="0"/>
-        </a:xfrm>
-      </p:grpSpPr>
-      <p:sp>
-        <p:nvSpPr>
-          <p:cNvPr id="2" name="Title 1"/>
-          <p:cNvSpPr>
-            <a:spLocks noGrp="1"/>
-          </p:cNvSpPr>
-          <p:nvPr>
-            <p:ph type="title"/>
-          </p:nvPr>
-        </p:nvSpPr>
-        <p:spPr/>
-        <p:txBody>
-          <a:bodyPr/>
-          <a:lstStyle/>
-          <a:p>
-            <a:r>
-              <a:rPr lang="en-IN" dirty="0" smtClean="0"/>
-              <a:t>Questions?</a:t>
-            </a:r>
-            <a:endParaRPr lang="en-IN" dirty="0"/>
-          </a:p>
-        </p:txBody>
-      </p:sp>
-      <p:sp>
-        <p:nvSpPr>
-          <p:cNvPr id="4" name="Slide Number Placeholder 3"/>
-          <p:cNvSpPr>
-            <a:spLocks noGrp="1"/>
-          </p:cNvSpPr>
-          <p:nvPr>
-            <p:ph type="sldNum" sz="quarter" idx="12"/>
-          </p:nvPr>
-        </p:nvSpPr>
-        <p:spPr/>
-        <p:txBody>
-          <a:bodyPr/>
-          <a:lstStyle/>
-          <a:p>
-            <a:fld id="{6113E31D-E2AB-40D1-8B51-AFA5AFEF393A}" type="slidenum">
-              <a:rPr lang="en-US" smtClean="0"/>
-              <a:pPr/>
-              <a:t>24</a:t>
-            </a:fld>
-            <a:endParaRPr lang="en-US" dirty="0"/>
-          </a:p>
-        </p:txBody>
-      </p:sp>
-      <p:pic>
-        <p:nvPicPr>
-          <p:cNvPr id="8" name="Content Placeholder 4"/>
-          <p:cNvPicPr>
-            <a:picLocks noChangeAspect="1"/>
-          </p:cNvPicPr>
-          <p:nvPr/>
-        </p:nvPicPr>
-        <p:blipFill>
-          <a:blip r:embed="rId2">
-            <a:extLst>
-              <a:ext uri="{28A0092B-C50C-407E-A947-70E740481C1C}">
-                <a14:useLocalDpi xmlns:a14="http://schemas.microsoft.com/office/drawing/2010/main" val="0"/>
-              </a:ext>
-            </a:extLst>
-          </a:blip>
-          <a:stretch>
-            <a:fillRect/>
-          </a:stretch>
-        </p:blipFill>
-        <p:spPr>
-          <a:xfrm>
-            <a:off x="4136686" y="2169332"/>
-            <a:ext cx="3030232" cy="3158549"/>
-          </a:xfrm>
-          <a:prstGeom prst="rect">
-            <a:avLst/>
-          </a:prstGeom>
-        </p:spPr>
-      </p:pic>
     </p:spTree>
     <p:extLst>
       <p:ext uri="{BB962C8B-B14F-4D97-AF65-F5344CB8AC3E}">
@@ -30350,8 +34174,8 @@
           </a:p>
         </p:txBody>
       </p:sp>
-      <mc:AlternateContent xmlns:mc="http://schemas.openxmlformats.org/markup-compatibility/2006" xmlns:a14="http://schemas.microsoft.com/office/drawing/2010/main">
-        <mc:Choice Requires="a14">
+      <mc:AlternateContent xmlns:mc="http://schemas.openxmlformats.org/markup-compatibility/2006">
+        <mc:Choice xmlns:a14="http://schemas.microsoft.com/office/drawing/2010/main" Requires="a14">
           <p:graphicFrame>
             <p:nvGraphicFramePr>
               <p:cNvPr id="5" name="Content Placeholder 4"/>
@@ -30362,7 +34186,7 @@
                 <p:ph idx="1"/>
                 <p:extLst>
                   <p:ext uri="{D42A27DB-BD31-4B8C-83A1-F6EECF244321}">
-                    <p14:modId xmlns:p14="http://schemas.microsoft.com/office/powerpoint/2010/main" val="1768759837"/>
+                    <p14:modId xmlns:p14="http://schemas.microsoft.com/office/powerpoint/2010/main" val="3303240421"/>
                   </p:ext>
                 </p:extLst>
               </p:nvPr>
@@ -30378,7 +34202,7 @@
             </a:graphic>
           </p:graphicFrame>
         </mc:Choice>
-        <mc:Fallback xmlns="">
+        <mc:Fallback>
           <p:graphicFrame>
             <p:nvGraphicFramePr>
               <p:cNvPr id="5" name="Content Placeholder 4"/>
@@ -30389,7 +34213,7 @@
                 <p:ph idx="1"/>
                 <p:extLst>
                   <p:ext uri="{D42A27DB-BD31-4B8C-83A1-F6EECF244321}">
-                    <p14:modId xmlns:p14="http://schemas.microsoft.com/office/powerpoint/2010/main" val="1768759837"/>
+                    <p14:modId xmlns:p14="http://schemas.microsoft.com/office/powerpoint/2010/main" val="3303240421"/>
                   </p:ext>
                 </p:extLst>
               </p:nvPr>
@@ -30400,7 +34224,7 @@
             </p:xfrm>
             <a:graphic>
               <a:graphicData uri="http://schemas.openxmlformats.org/drawingml/2006/diagram">
-                <dgm:relIds xmlns:dgm="http://schemas.openxmlformats.org/drawingml/2006/diagram" xmlns:r="http://schemas.openxmlformats.org/officeDocument/2006/relationships" r:dm="rId7" r:lo="rId8" r:qs="rId9" r:cs="rId10"/>
+                <dgm:relIds xmlns:dgm="http://schemas.openxmlformats.org/drawingml/2006/diagram" xmlns:r="http://schemas.openxmlformats.org/officeDocument/2006/relationships" r:dm="rId7" r:lo="rId3" r:qs="rId4" r:cs="rId5"/>
               </a:graphicData>
             </a:graphic>
           </p:graphicFrame>
